--- a/reference/ex_paragraph.pptx
+++ b/reference/ex_paragraph.pptx
@@ -1,23 +1,23 @@
 
 <file path=ppt/presentation.xml><?xml version="1.0" encoding="utf-8"?>
-<p:presentation xmlns:a="http://schemas.openxmlformats.org/drawingml/2006/main" xmlns:r="http://schemas.openxmlformats.org/officeDocument/2006/relationships" xmlns:p="http://schemas.openxmlformats.org/presentationml/2006/main" xmlns:mc="http://schemas.openxmlformats.org/markup-compatibility/2006" xmlns:c="http://schemas.openxmlformats.org/drawingml/2006/chart" xmlns:ns6="http://schemas.openxmlformats.org/drawingml/2006/chartDrawing" xmlns:dgm="http://schemas.openxmlformats.org/drawingml/2006/diagram" xmlns:pic="http://schemas.openxmlformats.org/drawingml/2006/picture" xmlns:wp="http://schemas.openxmlformats.org/drawingml/2006/wordprocessingDrawing" xmlns:xdr="http://schemas.openxmlformats.org/drawingml/2006/spreadsheetDrawing" xmlns:ns11="http://schemas.openxmlformats.org/drawingml/2006/compatibility" xmlns:ns12="http://schemas.openxmlformats.org/drawingml/2006/lockedCanvas" saveSubsetFonts="true">
+<p:presentation xmlns:p="http://schemas.openxmlformats.org/presentationml/2006/main" xmlns:a="http://schemas.openxmlformats.org/drawingml/2006/main" xmlns:r="http://schemas.openxmlformats.org/officeDocument/2006/relationships" xmlns:mc="http://schemas.openxmlformats.org/markup-compatibility/2006" xmlns:c="http://schemas.openxmlformats.org/drawingml/2006/chart" xmlns:ns6="http://schemas.openxmlformats.org/drawingml/2006/chartDrawing" xmlns:dgm="http://schemas.openxmlformats.org/drawingml/2006/diagram" xmlns:pic="http://schemas.openxmlformats.org/drawingml/2006/picture" xmlns:wp="http://schemas.openxmlformats.org/drawingml/2006/wordprocessingDrawing" xmlns:xdr="http://schemas.openxmlformats.org/drawingml/2006/spreadsheetDrawing" xmlns:ns11="http://schemas.openxmlformats.org/drawingml/2006/compatibility" xmlns:ns12="http://schemas.openxmlformats.org/drawingml/2006/lockedCanvas" saveSubsetFonts="true">
   <p:sldMasterIdLst>
-    <p:sldMasterId r:id="rId1" id="2147483648"/>
+    <p:sldMasterId id="2147483648" r:id="rId1"/>
   </p:sldMasterIdLst>
   <p:sldIdLst>
-    <p:sldId r:id="rId6" id="653213817"/>
-    <p:sldId r:id="rId7" id="1858990972"/>
-    <p:sldId r:id="rId8" id="1113992113"/>
-    <p:sldId r:id="rId9" id="1866677903"/>
+    <p:sldId id="1650659194" r:id="rId6"/>
+    <p:sldId id="370500891" r:id="rId7"/>
+    <p:sldId id="636458197" r:id="rId8"/>
+    <p:sldId id="97934825" r:id="rId9"/>
   </p:sldIdLst>
-  <p:sldSz cy="6858000" cx="12192000"/>
-  <p:notesSz cy="9144000" cx="6858000"/>
+  <p:sldSz cx="12192000" cy="6858000"/>
+  <p:notesSz cx="6858000" cy="9144000"/>
   <p:defaultTextStyle>
     <a:defPPr>
       <a:defRPr lang="fr-FR"/>
     </a:defPPr>
-    <a:lvl1pPr hangingPunct="true" latinLnBrk="false" eaLnBrk="true" rtl="false" defTabSz="914400" algn="l" marL="0">
-      <a:defRPr kern="1200" sz="1800">
+    <a:lvl1pPr marL="0" algn="l" defTabSz="914400" rtl="false" eaLnBrk="true" latinLnBrk="false" hangingPunct="true">
+      <a:defRPr sz="1800" kern="1200">
         <a:solidFill>
           <a:schemeClr val="tx1"/>
         </a:solidFill>
@@ -26,8 +26,8 @@
         <a:cs typeface="+mn-cs"/>
       </a:defRPr>
     </a:lvl1pPr>
-    <a:lvl2pPr hangingPunct="true" latinLnBrk="false" eaLnBrk="true" rtl="false" defTabSz="914400" algn="l" marL="457200">
-      <a:defRPr kern="1200" sz="1800">
+    <a:lvl2pPr marL="457200" algn="l" defTabSz="914400" rtl="false" eaLnBrk="true" latinLnBrk="false" hangingPunct="true">
+      <a:defRPr sz="1800" kern="1200">
         <a:solidFill>
           <a:schemeClr val="tx1"/>
         </a:solidFill>
@@ -36,8 +36,8 @@
         <a:cs typeface="+mn-cs"/>
       </a:defRPr>
     </a:lvl2pPr>
-    <a:lvl3pPr hangingPunct="true" latinLnBrk="false" eaLnBrk="true" rtl="false" defTabSz="914400" algn="l" marL="914400">
-      <a:defRPr kern="1200" sz="1800">
+    <a:lvl3pPr marL="914400" algn="l" defTabSz="914400" rtl="false" eaLnBrk="true" latinLnBrk="false" hangingPunct="true">
+      <a:defRPr sz="1800" kern="1200">
         <a:solidFill>
           <a:schemeClr val="tx1"/>
         </a:solidFill>
@@ -46,8 +46,8 @@
         <a:cs typeface="+mn-cs"/>
       </a:defRPr>
     </a:lvl3pPr>
-    <a:lvl4pPr hangingPunct="true" latinLnBrk="false" eaLnBrk="true" rtl="false" defTabSz="914400" algn="l" marL="1371600">
-      <a:defRPr kern="1200" sz="1800">
+    <a:lvl4pPr marL="1371600" algn="l" defTabSz="914400" rtl="false" eaLnBrk="true" latinLnBrk="false" hangingPunct="true">
+      <a:defRPr sz="1800" kern="1200">
         <a:solidFill>
           <a:schemeClr val="tx1"/>
         </a:solidFill>
@@ -56,8 +56,8 @@
         <a:cs typeface="+mn-cs"/>
       </a:defRPr>
     </a:lvl4pPr>
-    <a:lvl5pPr hangingPunct="true" latinLnBrk="false" eaLnBrk="true" rtl="false" defTabSz="914400" algn="l" marL="1828800">
-      <a:defRPr kern="1200" sz="1800">
+    <a:lvl5pPr marL="1828800" algn="l" defTabSz="914400" rtl="false" eaLnBrk="true" latinLnBrk="false" hangingPunct="true">
+      <a:defRPr sz="1800" kern="1200">
         <a:solidFill>
           <a:schemeClr val="tx1"/>
         </a:solidFill>
@@ -66,8 +66,8 @@
         <a:cs typeface="+mn-cs"/>
       </a:defRPr>
     </a:lvl5pPr>
-    <a:lvl6pPr hangingPunct="true" latinLnBrk="false" eaLnBrk="true" rtl="false" defTabSz="914400" algn="l" marL="2286000">
-      <a:defRPr kern="1200" sz="1800">
+    <a:lvl6pPr marL="2286000" algn="l" defTabSz="914400" rtl="false" eaLnBrk="true" latinLnBrk="false" hangingPunct="true">
+      <a:defRPr sz="1800" kern="1200">
         <a:solidFill>
           <a:schemeClr val="tx1"/>
         </a:solidFill>
@@ -76,8 +76,8 @@
         <a:cs typeface="+mn-cs"/>
       </a:defRPr>
     </a:lvl6pPr>
-    <a:lvl7pPr hangingPunct="true" latinLnBrk="false" eaLnBrk="true" rtl="false" defTabSz="914400" algn="l" marL="2743200">
-      <a:defRPr kern="1200" sz="1800">
+    <a:lvl7pPr marL="2743200" algn="l" defTabSz="914400" rtl="false" eaLnBrk="true" latinLnBrk="false" hangingPunct="true">
+      <a:defRPr sz="1800" kern="1200">
         <a:solidFill>
           <a:schemeClr val="tx1"/>
         </a:solidFill>
@@ -86,8 +86,8 @@
         <a:cs typeface="+mn-cs"/>
       </a:defRPr>
     </a:lvl7pPr>
-    <a:lvl8pPr hangingPunct="true" latinLnBrk="false" eaLnBrk="true" rtl="false" defTabSz="914400" algn="l" marL="3200400">
-      <a:defRPr kern="1200" sz="1800">
+    <a:lvl8pPr marL="3200400" algn="l" defTabSz="914400" rtl="false" eaLnBrk="true" latinLnBrk="false" hangingPunct="true">
+      <a:defRPr sz="1800" kern="1200">
         <a:solidFill>
           <a:schemeClr val="tx1"/>
         </a:solidFill>
@@ -96,8 +96,8 @@
         <a:cs typeface="+mn-cs"/>
       </a:defRPr>
     </a:lvl8pPr>
-    <a:lvl9pPr hangingPunct="true" latinLnBrk="false" eaLnBrk="true" rtl="false" defTabSz="914400" algn="l" marL="3657600">
-      <a:defRPr kern="1200" sz="1800">
+    <a:lvl9pPr marL="3657600" algn="l" defTabSz="914400" rtl="false" eaLnBrk="true" latinLnBrk="false" hangingPunct="true">
+      <a:defRPr sz="1800" kern="1200">
         <a:solidFill>
           <a:schemeClr val="tx1"/>
         </a:solidFill>
@@ -116,25 +116,25 @@
 </file>
 
 <file path=ppt/slideLayouts/slideLayout1.xml><?xml version="1.0" encoding="utf-8"?>
-<p:sldLayout xmlns:a="http://schemas.openxmlformats.org/drawingml/2006/main" xmlns:r="http://schemas.openxmlformats.org/officeDocument/2006/relationships" xmlns:p="http://schemas.openxmlformats.org/presentationml/2006/main" xmlns:mc="http://schemas.openxmlformats.org/markup-compatibility/2006" xmlns:c="http://schemas.openxmlformats.org/drawingml/2006/chart" xmlns:ns6="http://schemas.openxmlformats.org/drawingml/2006/chartDrawing" xmlns:dgm="http://schemas.openxmlformats.org/drawingml/2006/diagram" xmlns:pic="http://schemas.openxmlformats.org/drawingml/2006/picture" xmlns:wp="http://schemas.openxmlformats.org/drawingml/2006/wordprocessingDrawing" xmlns:xdr="http://schemas.openxmlformats.org/drawingml/2006/spreadsheetDrawing" xmlns:ns11="http://schemas.openxmlformats.org/drawingml/2006/compatibility" xmlns:ns12="http://schemas.openxmlformats.org/drawingml/2006/lockedCanvas" preserve="true" type="title">
+<p:sldLayout xmlns:p="http://schemas.openxmlformats.org/presentationml/2006/main" xmlns:a="http://schemas.openxmlformats.org/drawingml/2006/main" xmlns:r="http://schemas.openxmlformats.org/officeDocument/2006/relationships" xmlns:mc="http://schemas.openxmlformats.org/markup-compatibility/2006" xmlns:c="http://schemas.openxmlformats.org/drawingml/2006/chart" xmlns:ns6="http://schemas.openxmlformats.org/drawingml/2006/chartDrawing" xmlns:dgm="http://schemas.openxmlformats.org/drawingml/2006/diagram" xmlns:pic="http://schemas.openxmlformats.org/drawingml/2006/picture" xmlns:wp="http://schemas.openxmlformats.org/drawingml/2006/wordprocessingDrawing" xmlns:xdr="http://schemas.openxmlformats.org/drawingml/2006/spreadsheetDrawing" xmlns:ns11="http://schemas.openxmlformats.org/drawingml/2006/compatibility" xmlns:ns12="http://schemas.openxmlformats.org/drawingml/2006/lockedCanvas" type="title" preserve="true">
   <p:cSld name="Title Slide">
     <p:spTree>
       <p:nvGrpSpPr>
-        <p:cNvPr name="" id="1"/>
+        <p:cNvPr id="1" name=""/>
         <p:cNvGrpSpPr/>
         <p:nvPr/>
       </p:nvGrpSpPr>
       <p:grpSpPr>
         <a:xfrm>
-          <a:off y="0" x="0"/>
-          <a:ext cy="0" cx="0"/>
-          <a:chOff y="0" x="0"/>
-          <a:chExt cy="0" cx="0"/>
+          <a:off x="0" y="0"/>
+          <a:ext cx="0" cy="0"/>
+          <a:chOff x="0" y="0"/>
+          <a:chExt cx="0" cy="0"/>
         </a:xfrm>
       </p:grpSpPr>
       <p:sp>
         <p:nvSpPr>
-          <p:cNvPr name="Titre 1" id="2"/>
+          <p:cNvPr id="2" name="Titre 1"/>
           <p:cNvSpPr>
             <a:spLocks noGrp="true"/>
           </p:cNvSpPr>
@@ -144,8 +144,8 @@
         </p:nvSpPr>
         <p:spPr>
           <a:xfrm>
-            <a:off y="1122363" x="1524000"/>
-            <a:ext cy="2387600" cx="9144000"/>
+            <a:off x="1524000" y="1122363"/>
+            <a:ext cx="9144000" cy="2387600"/>
           </a:xfrm>
         </p:spPr>
         <p:txBody>
@@ -157,7 +157,7 @@
           </a:lstStyle>
           <a:p>
             <a:r>
-              <a:rPr smtClean="false" lang="fr-FR"/>
+              <a:rPr lang="fr-FR" smtClean="false"/>
               <a:t>Modifiez le style du titre</a:t>
             </a:r>
             <a:endParaRPr lang="fr-FR"/>
@@ -166,63 +166,63 @@
       </p:sp>
       <p:sp>
         <p:nvSpPr>
-          <p:cNvPr name="Sous-titre 2" id="3"/>
-          <p:cNvSpPr>
-            <a:spLocks noGrp="true"/>
-          </p:cNvSpPr>
-          <p:nvPr>
-            <p:ph idx="1" type="subTitle"/>
+          <p:cNvPr id="3" name="Sous-titre 2"/>
+          <p:cNvSpPr>
+            <a:spLocks noGrp="true"/>
+          </p:cNvSpPr>
+          <p:nvPr>
+            <p:ph type="subTitle" idx="1"/>
           </p:nvPr>
         </p:nvSpPr>
         <p:spPr>
           <a:xfrm>
-            <a:off y="3602038" x="1524000"/>
-            <a:ext cy="1655762" cx="9144000"/>
+            <a:off x="1524000" y="3602038"/>
+            <a:ext cx="9144000" cy="1655762"/>
           </a:xfrm>
         </p:spPr>
         <p:txBody>
           <a:bodyPr/>
           <a:lstStyle>
-            <a:lvl1pPr algn="ctr" indent="0" marL="0">
+            <a:lvl1pPr marL="0" indent="0" algn="ctr">
               <a:buNone/>
               <a:defRPr sz="2400"/>
             </a:lvl1pPr>
-            <a:lvl2pPr algn="ctr" indent="0" marL="457200">
+            <a:lvl2pPr marL="457200" indent="0" algn="ctr">
               <a:buNone/>
               <a:defRPr sz="2000"/>
             </a:lvl2pPr>
-            <a:lvl3pPr algn="ctr" indent="0" marL="914400">
+            <a:lvl3pPr marL="914400" indent="0" algn="ctr">
               <a:buNone/>
               <a:defRPr sz="1800"/>
             </a:lvl3pPr>
-            <a:lvl4pPr algn="ctr" indent="0" marL="1371600">
+            <a:lvl4pPr marL="1371600" indent="0" algn="ctr">
               <a:buNone/>
               <a:defRPr sz="1600"/>
             </a:lvl4pPr>
-            <a:lvl5pPr algn="ctr" indent="0" marL="1828800">
+            <a:lvl5pPr marL="1828800" indent="0" algn="ctr">
               <a:buNone/>
               <a:defRPr sz="1600"/>
             </a:lvl5pPr>
-            <a:lvl6pPr algn="ctr" indent="0" marL="2286000">
+            <a:lvl6pPr marL="2286000" indent="0" algn="ctr">
               <a:buNone/>
               <a:defRPr sz="1600"/>
             </a:lvl6pPr>
-            <a:lvl7pPr algn="ctr" indent="0" marL="2743200">
+            <a:lvl7pPr marL="2743200" indent="0" algn="ctr">
               <a:buNone/>
               <a:defRPr sz="1600"/>
             </a:lvl7pPr>
-            <a:lvl8pPr algn="ctr" indent="0" marL="3200400">
+            <a:lvl8pPr marL="3200400" indent="0" algn="ctr">
               <a:buNone/>
               <a:defRPr sz="1600"/>
             </a:lvl8pPr>
-            <a:lvl9pPr algn="ctr" indent="0" marL="3657600">
+            <a:lvl9pPr marL="3657600" indent="0" algn="ctr">
               <a:buNone/>
               <a:defRPr sz="1600"/>
             </a:lvl9pPr>
           </a:lstStyle>
           <a:p>
             <a:r>
-              <a:rPr smtClean="false" lang="fr-FR"/>
+              <a:rPr lang="fr-FR" smtClean="false"/>
               <a:t>Modifiez le style des sous-titres du masque</a:t>
             </a:r>
             <a:endParaRPr lang="fr-FR"/>
@@ -231,21 +231,21 @@
       </p:sp>
       <p:sp>
         <p:nvSpPr>
-          <p:cNvPr name="Espace réservé de la date 3" id="4"/>
-          <p:cNvSpPr>
-            <a:spLocks noGrp="true"/>
-          </p:cNvSpPr>
-          <p:nvPr>
-            <p:ph idx="10" sz="half" type="dt"/>
-          </p:nvPr>
-        </p:nvSpPr>
-        <p:spPr/>
-        <p:txBody>
-          <a:bodyPr/>
-          <a:lstStyle/>
-          <a:p>
-            <a:fld type="datetimeFigureOut" id="{CE3110EA-6548-4EF6-B0A9-8F847AEECEDD}">
-              <a:rPr smtClean="false" lang="fr-FR"/>
+          <p:cNvPr id="4" name="Espace réservé de la date 3"/>
+          <p:cNvSpPr>
+            <a:spLocks noGrp="true"/>
+          </p:cNvSpPr>
+          <p:nvPr>
+            <p:ph type="dt" sz="half" idx="10"/>
+          </p:nvPr>
+        </p:nvSpPr>
+        <p:spPr/>
+        <p:txBody>
+          <a:bodyPr/>
+          <a:lstStyle/>
+          <a:p>
+            <a:fld id="{CE3110EA-6548-4EF6-B0A9-8F847AEECEDD}" type="datetimeFigureOut">
+              <a:rPr lang="fr-FR" smtClean="false"/>
               <a:t>07/12/2013</a:t>
             </a:fld>
             <a:endParaRPr lang="fr-FR"/>
@@ -254,40 +254,40 @@
       </p:sp>
       <p:sp>
         <p:nvSpPr>
-          <p:cNvPr name="Espace réservé du pied de page 4" id="5"/>
-          <p:cNvSpPr>
-            <a:spLocks noGrp="true"/>
-          </p:cNvSpPr>
-          <p:nvPr>
-            <p:ph idx="11" sz="quarter" type="ftr"/>
-          </p:nvPr>
-        </p:nvSpPr>
-        <p:spPr/>
-        <p:txBody>
-          <a:bodyPr/>
-          <a:lstStyle/>
-          <a:p>
-            <a:endParaRPr lang="fr-FR"/>
-          </a:p>
-        </p:txBody>
-      </p:sp>
-      <p:sp>
-        <p:nvSpPr>
-          <p:cNvPr name="Espace réservé du numéro de diapositive 5" id="6"/>
-          <p:cNvSpPr>
-            <a:spLocks noGrp="true"/>
-          </p:cNvSpPr>
-          <p:nvPr>
-            <p:ph idx="12" sz="quarter" type="sldNum"/>
-          </p:nvPr>
-        </p:nvSpPr>
-        <p:spPr/>
-        <p:txBody>
-          <a:bodyPr/>
-          <a:lstStyle/>
-          <a:p>
-            <a:fld type="slidenum" id="{C47AABF0-D73A-43C1-84CC-8A30B6535388}">
-              <a:rPr smtClean="false" lang="fr-FR"/>
+          <p:cNvPr id="5" name="Espace réservé du pied de page 4"/>
+          <p:cNvSpPr>
+            <a:spLocks noGrp="true"/>
+          </p:cNvSpPr>
+          <p:nvPr>
+            <p:ph type="ftr" sz="quarter" idx="11"/>
+          </p:nvPr>
+        </p:nvSpPr>
+        <p:spPr/>
+        <p:txBody>
+          <a:bodyPr/>
+          <a:lstStyle/>
+          <a:p>
+            <a:endParaRPr lang="fr-FR"/>
+          </a:p>
+        </p:txBody>
+      </p:sp>
+      <p:sp>
+        <p:nvSpPr>
+          <p:cNvPr id="6" name="Espace réservé du numéro de diapositive 5"/>
+          <p:cNvSpPr>
+            <a:spLocks noGrp="true"/>
+          </p:cNvSpPr>
+          <p:nvPr>
+            <p:ph type="sldNum" sz="quarter" idx="12"/>
+          </p:nvPr>
+        </p:nvSpPr>
+        <p:spPr/>
+        <p:txBody>
+          <a:bodyPr/>
+          <a:lstStyle/>
+          <a:p>
+            <a:fld id="{C47AABF0-D73A-43C1-84CC-8A30B6535388}" type="slidenum">
+              <a:rPr lang="fr-FR" smtClean="false"/>
               <a:t>‹N°›</a:t>
             </a:fld>
             <a:endParaRPr lang="fr-FR"/>
@@ -307,7 +307,7 @@
   <p:timing>
     <p:tnLst>
       <p:par>
-        <p:cTn nodeType="tmRoot" restart="never" dur="indefinite" id="1"/>
+        <p:cTn id="1" dur="indefinite" restart="never" nodeType="tmRoot"/>
       </p:par>
     </p:tnLst>
   </p:timing>
@@ -315,36 +315,36 @@
 </file>
 
 <file path=ppt/slideLayouts/slideLayout10.xml><?xml version="1.0" encoding="utf-8"?>
-<p:sldLayout xmlns:a="http://schemas.openxmlformats.org/drawingml/2006/main" xmlns:r="http://schemas.openxmlformats.org/officeDocument/2006/relationships" xmlns:p="http://schemas.openxmlformats.org/presentationml/2006/main" xmlns:mc="http://schemas.openxmlformats.org/markup-compatibility/2006" xmlns:c="http://schemas.openxmlformats.org/drawingml/2006/chart" xmlns:ns6="http://schemas.openxmlformats.org/drawingml/2006/chartDrawing" xmlns:dgm="http://schemas.openxmlformats.org/drawingml/2006/diagram" xmlns:pic="http://schemas.openxmlformats.org/drawingml/2006/picture" xmlns:wp="http://schemas.openxmlformats.org/drawingml/2006/wordprocessingDrawing" xmlns:xdr="http://schemas.openxmlformats.org/drawingml/2006/spreadsheetDrawing" xmlns:ns11="http://schemas.openxmlformats.org/drawingml/2006/compatibility" xmlns:ns12="http://schemas.openxmlformats.org/drawingml/2006/lockedCanvas" preserve="true" type="vertTitleAndTx">
+<p:sldLayout xmlns:p="http://schemas.openxmlformats.org/presentationml/2006/main" xmlns:a="http://schemas.openxmlformats.org/drawingml/2006/main" xmlns:r="http://schemas.openxmlformats.org/officeDocument/2006/relationships" xmlns:mc="http://schemas.openxmlformats.org/markup-compatibility/2006" xmlns:c="http://schemas.openxmlformats.org/drawingml/2006/chart" xmlns:ns6="http://schemas.openxmlformats.org/drawingml/2006/chartDrawing" xmlns:dgm="http://schemas.openxmlformats.org/drawingml/2006/diagram" xmlns:pic="http://schemas.openxmlformats.org/drawingml/2006/picture" xmlns:wp="http://schemas.openxmlformats.org/drawingml/2006/wordprocessingDrawing" xmlns:xdr="http://schemas.openxmlformats.org/drawingml/2006/spreadsheetDrawing" xmlns:ns11="http://schemas.openxmlformats.org/drawingml/2006/compatibility" xmlns:ns12="http://schemas.openxmlformats.org/drawingml/2006/lockedCanvas" type="vertTitleAndTx" preserve="true">
   <p:cSld name="Vertical Title and Text">
     <p:spTree>
       <p:nvGrpSpPr>
-        <p:cNvPr name="" id="1"/>
+        <p:cNvPr id="1" name=""/>
         <p:cNvGrpSpPr/>
         <p:nvPr/>
       </p:nvGrpSpPr>
       <p:grpSpPr>
         <a:xfrm>
-          <a:off y="0" x="0"/>
-          <a:ext cy="0" cx="0"/>
-          <a:chOff y="0" x="0"/>
-          <a:chExt cy="0" cx="0"/>
+          <a:off x="0" y="0"/>
+          <a:ext cx="0" cy="0"/>
+          <a:chOff x="0" y="0"/>
+          <a:chExt cx="0" cy="0"/>
         </a:xfrm>
       </p:grpSpPr>
       <p:sp>
         <p:nvSpPr>
-          <p:cNvPr name="Titre vertical 1" id="2"/>
-          <p:cNvSpPr>
-            <a:spLocks noGrp="true"/>
-          </p:cNvSpPr>
-          <p:nvPr>
-            <p:ph orient="vert" type="title"/>
+          <p:cNvPr id="2" name="Titre vertical 1"/>
+          <p:cNvSpPr>
+            <a:spLocks noGrp="true"/>
+          </p:cNvSpPr>
+          <p:nvPr>
+            <p:ph type="title" orient="vert"/>
           </p:nvPr>
         </p:nvSpPr>
         <p:spPr>
           <a:xfrm>
-            <a:off y="365125" x="8724900"/>
-            <a:ext cy="5811838" cx="2628900"/>
+            <a:off x="8724900" y="365125"/>
+            <a:ext cx="2628900" cy="5811838"/>
           </a:xfrm>
         </p:spPr>
         <p:txBody>
@@ -352,7 +352,7 @@
           <a:lstStyle/>
           <a:p>
             <a:r>
-              <a:rPr smtClean="false" lang="fr-FR"/>
+              <a:rPr lang="fr-FR" smtClean="false"/>
               <a:t>Modifiez le style du titre</a:t>
             </a:r>
             <a:endParaRPr lang="fr-FR"/>
@@ -361,18 +361,18 @@
       </p:sp>
       <p:sp>
         <p:nvSpPr>
-          <p:cNvPr name="Espace réservé du texte vertical 2" id="3"/>
-          <p:cNvSpPr>
-            <a:spLocks noGrp="true"/>
-          </p:cNvSpPr>
-          <p:nvPr>
-            <p:ph idx="1" orient="vert" type="body"/>
+          <p:cNvPr id="3" name="Espace réservé du texte vertical 2"/>
+          <p:cNvSpPr>
+            <a:spLocks noGrp="true"/>
+          </p:cNvSpPr>
+          <p:nvPr>
+            <p:ph type="body" orient="vert" idx="1"/>
           </p:nvPr>
         </p:nvSpPr>
         <p:spPr>
           <a:xfrm>
-            <a:off y="365125" x="838200"/>
-            <a:ext cy="5811838" cx="7734300"/>
+            <a:off x="838200" y="365125"/>
+            <a:ext cx="7734300" cy="5811838"/>
           </a:xfrm>
         </p:spPr>
         <p:txBody>
@@ -381,35 +381,35 @@
           <a:p>
             <a:pPr lvl="0"/>
             <a:r>
-              <a:rPr smtClean="false" lang="fr-FR"/>
+              <a:rPr lang="fr-FR" smtClean="false"/>
               <a:t>Modifiez les styles du texte du masque</a:t>
             </a:r>
           </a:p>
           <a:p>
             <a:pPr lvl="1"/>
             <a:r>
-              <a:rPr smtClean="false" lang="fr-FR"/>
+              <a:rPr lang="fr-FR" smtClean="false"/>
               <a:t>Deuxième niveau</a:t>
             </a:r>
           </a:p>
           <a:p>
             <a:pPr lvl="2"/>
             <a:r>
-              <a:rPr smtClean="false" lang="fr-FR"/>
+              <a:rPr lang="fr-FR" smtClean="false"/>
               <a:t>Troisième niveau</a:t>
             </a:r>
           </a:p>
           <a:p>
             <a:pPr lvl="3"/>
             <a:r>
-              <a:rPr smtClean="false" lang="fr-FR"/>
+              <a:rPr lang="fr-FR" smtClean="false"/>
               <a:t>Quatrième niveau</a:t>
             </a:r>
           </a:p>
           <a:p>
             <a:pPr lvl="4"/>
             <a:r>
-              <a:rPr smtClean="false" lang="fr-FR"/>
+              <a:rPr lang="fr-FR" smtClean="false"/>
               <a:t>Cinquième niveau</a:t>
             </a:r>
             <a:endParaRPr lang="fr-FR"/>
@@ -418,21 +418,21 @@
       </p:sp>
       <p:sp>
         <p:nvSpPr>
-          <p:cNvPr name="Espace réservé de la date 3" id="4"/>
-          <p:cNvSpPr>
-            <a:spLocks noGrp="true"/>
-          </p:cNvSpPr>
-          <p:nvPr>
-            <p:ph idx="10" sz="half" type="dt"/>
-          </p:nvPr>
-        </p:nvSpPr>
-        <p:spPr/>
-        <p:txBody>
-          <a:bodyPr/>
-          <a:lstStyle/>
-          <a:p>
-            <a:fld type="datetimeFigureOut" id="{CE3110EA-6548-4EF6-B0A9-8F847AEECEDD}">
-              <a:rPr smtClean="false" lang="fr-FR"/>
+          <p:cNvPr id="4" name="Espace réservé de la date 3"/>
+          <p:cNvSpPr>
+            <a:spLocks noGrp="true"/>
+          </p:cNvSpPr>
+          <p:nvPr>
+            <p:ph type="dt" sz="half" idx="10"/>
+          </p:nvPr>
+        </p:nvSpPr>
+        <p:spPr/>
+        <p:txBody>
+          <a:bodyPr/>
+          <a:lstStyle/>
+          <a:p>
+            <a:fld id="{CE3110EA-6548-4EF6-B0A9-8F847AEECEDD}" type="datetimeFigureOut">
+              <a:rPr lang="fr-FR" smtClean="false"/>
               <a:t>07/12/2013</a:t>
             </a:fld>
             <a:endParaRPr lang="fr-FR"/>
@@ -441,40 +441,40 @@
       </p:sp>
       <p:sp>
         <p:nvSpPr>
-          <p:cNvPr name="Espace réservé du pied de page 4" id="5"/>
-          <p:cNvSpPr>
-            <a:spLocks noGrp="true"/>
-          </p:cNvSpPr>
-          <p:nvPr>
-            <p:ph idx="11" sz="quarter" type="ftr"/>
-          </p:nvPr>
-        </p:nvSpPr>
-        <p:spPr/>
-        <p:txBody>
-          <a:bodyPr/>
-          <a:lstStyle/>
-          <a:p>
-            <a:endParaRPr lang="fr-FR"/>
-          </a:p>
-        </p:txBody>
-      </p:sp>
-      <p:sp>
-        <p:nvSpPr>
-          <p:cNvPr name="Espace réservé du numéro de diapositive 5" id="6"/>
-          <p:cNvSpPr>
-            <a:spLocks noGrp="true"/>
-          </p:cNvSpPr>
-          <p:nvPr>
-            <p:ph idx="12" sz="quarter" type="sldNum"/>
-          </p:nvPr>
-        </p:nvSpPr>
-        <p:spPr/>
-        <p:txBody>
-          <a:bodyPr/>
-          <a:lstStyle/>
-          <a:p>
-            <a:fld type="slidenum" id="{C47AABF0-D73A-43C1-84CC-8A30B6535388}">
-              <a:rPr smtClean="false" lang="fr-FR"/>
+          <p:cNvPr id="5" name="Espace réservé du pied de page 4"/>
+          <p:cNvSpPr>
+            <a:spLocks noGrp="true"/>
+          </p:cNvSpPr>
+          <p:nvPr>
+            <p:ph type="ftr" sz="quarter" idx="11"/>
+          </p:nvPr>
+        </p:nvSpPr>
+        <p:spPr/>
+        <p:txBody>
+          <a:bodyPr/>
+          <a:lstStyle/>
+          <a:p>
+            <a:endParaRPr lang="fr-FR"/>
+          </a:p>
+        </p:txBody>
+      </p:sp>
+      <p:sp>
+        <p:nvSpPr>
+          <p:cNvPr id="6" name="Espace réservé du numéro de diapositive 5"/>
+          <p:cNvSpPr>
+            <a:spLocks noGrp="true"/>
+          </p:cNvSpPr>
+          <p:nvPr>
+            <p:ph type="sldNum" sz="quarter" idx="12"/>
+          </p:nvPr>
+        </p:nvSpPr>
+        <p:spPr/>
+        <p:txBody>
+          <a:bodyPr/>
+          <a:lstStyle/>
+          <a:p>
+            <a:fld id="{C47AABF0-D73A-43C1-84CC-8A30B6535388}" type="slidenum">
+              <a:rPr lang="fr-FR" smtClean="false"/>
               <a:t>‹N°›</a:t>
             </a:fld>
             <a:endParaRPr lang="fr-FR"/>
@@ -494,7 +494,7 @@
   <p:timing>
     <p:tnLst>
       <p:par>
-        <p:cTn nodeType="tmRoot" restart="never" dur="indefinite" id="1"/>
+        <p:cTn id="1" dur="indefinite" restart="never" nodeType="tmRoot"/>
       </p:par>
     </p:tnLst>
   </p:timing>
@@ -502,25 +502,25 @@
 </file>
 
 <file path=ppt/slideLayouts/slideLayout2.xml><?xml version="1.0" encoding="utf-8"?>
-<p:sldLayout xmlns:a="http://schemas.openxmlformats.org/drawingml/2006/main" xmlns:r="http://schemas.openxmlformats.org/officeDocument/2006/relationships" xmlns:p="http://schemas.openxmlformats.org/presentationml/2006/main" xmlns:mc="http://schemas.openxmlformats.org/markup-compatibility/2006" xmlns:c="http://schemas.openxmlformats.org/drawingml/2006/chart" xmlns:ns6="http://schemas.openxmlformats.org/drawingml/2006/chartDrawing" xmlns:dgm="http://schemas.openxmlformats.org/drawingml/2006/diagram" xmlns:pic="http://schemas.openxmlformats.org/drawingml/2006/picture" xmlns:wp="http://schemas.openxmlformats.org/drawingml/2006/wordprocessingDrawing" xmlns:xdr="http://schemas.openxmlformats.org/drawingml/2006/spreadsheetDrawing" xmlns:ns11="http://schemas.openxmlformats.org/drawingml/2006/compatibility" xmlns:ns12="http://schemas.openxmlformats.org/drawingml/2006/lockedCanvas" preserve="true" type="obj">
+<p:sldLayout xmlns:p="http://schemas.openxmlformats.org/presentationml/2006/main" xmlns:a="http://schemas.openxmlformats.org/drawingml/2006/main" xmlns:r="http://schemas.openxmlformats.org/officeDocument/2006/relationships" xmlns:mc="http://schemas.openxmlformats.org/markup-compatibility/2006" xmlns:c="http://schemas.openxmlformats.org/drawingml/2006/chart" xmlns:ns6="http://schemas.openxmlformats.org/drawingml/2006/chartDrawing" xmlns:dgm="http://schemas.openxmlformats.org/drawingml/2006/diagram" xmlns:pic="http://schemas.openxmlformats.org/drawingml/2006/picture" xmlns:wp="http://schemas.openxmlformats.org/drawingml/2006/wordprocessingDrawing" xmlns:xdr="http://schemas.openxmlformats.org/drawingml/2006/spreadsheetDrawing" xmlns:ns11="http://schemas.openxmlformats.org/drawingml/2006/compatibility" xmlns:ns12="http://schemas.openxmlformats.org/drawingml/2006/lockedCanvas" type="obj" preserve="true">
   <p:cSld name="Title and Content">
     <p:spTree>
       <p:nvGrpSpPr>
-        <p:cNvPr name="" id="1"/>
+        <p:cNvPr id="1" name=""/>
         <p:cNvGrpSpPr/>
         <p:nvPr/>
       </p:nvGrpSpPr>
       <p:grpSpPr>
         <a:xfrm>
-          <a:off y="0" x="0"/>
-          <a:ext cy="0" cx="0"/>
-          <a:chOff y="0" x="0"/>
-          <a:chExt cy="0" cx="0"/>
+          <a:off x="0" y="0"/>
+          <a:ext cx="0" cy="0"/>
+          <a:chOff x="0" y="0"/>
+          <a:chExt cx="0" cy="0"/>
         </a:xfrm>
       </p:grpSpPr>
       <p:sp>
         <p:nvSpPr>
-          <p:cNvPr name="Titre 1" id="2"/>
+          <p:cNvPr id="2" name="Titre 1"/>
           <p:cNvSpPr>
             <a:spLocks noGrp="true"/>
           </p:cNvSpPr>
@@ -534,7 +534,7 @@
           <a:lstStyle/>
           <a:p>
             <a:r>
-              <a:rPr smtClean="false" lang="fr-FR"/>
+              <a:rPr lang="fr-FR" smtClean="false"/>
               <a:t>Modifiez le style du titre</a:t>
             </a:r>
             <a:endParaRPr lang="fr-FR"/>
@@ -543,7 +543,7 @@
       </p:sp>
       <p:sp>
         <p:nvSpPr>
-          <p:cNvPr name="Espace réservé du contenu 2" id="3"/>
+          <p:cNvPr id="3" name="Espace réservé du contenu 2"/>
           <p:cNvSpPr>
             <a:spLocks noGrp="true"/>
           </p:cNvSpPr>
@@ -553,8 +553,8 @@
         </p:nvSpPr>
         <p:spPr>
           <a:xfrm>
-            <a:off y="1825625" x="838200"/>
-            <a:ext cy="4351338" cx="10515600"/>
+            <a:off x="838200" y="1825625"/>
+            <a:ext cx="10515600" cy="4351338"/>
           </a:xfrm>
         </p:spPr>
         <p:txBody>
@@ -563,35 +563,35 @@
           <a:p>
             <a:pPr lvl="0"/>
             <a:r>
-              <a:rPr smtClean="false" lang="fr-FR"/>
+              <a:rPr lang="fr-FR" smtClean="false"/>
               <a:t>Modifiez les styles du texte du masque</a:t>
             </a:r>
           </a:p>
           <a:p>
             <a:pPr lvl="1"/>
             <a:r>
-              <a:rPr smtClean="false" lang="fr-FR"/>
+              <a:rPr lang="fr-FR" smtClean="false"/>
               <a:t>Deuxième niveau</a:t>
             </a:r>
           </a:p>
           <a:p>
             <a:pPr lvl="2"/>
             <a:r>
-              <a:rPr smtClean="false" lang="fr-FR"/>
+              <a:rPr lang="fr-FR" smtClean="false"/>
               <a:t>Troisième niveau</a:t>
             </a:r>
           </a:p>
           <a:p>
             <a:pPr lvl="3"/>
             <a:r>
-              <a:rPr smtClean="false" lang="fr-FR"/>
+              <a:rPr lang="fr-FR" smtClean="false"/>
               <a:t>Quatrième niveau</a:t>
             </a:r>
           </a:p>
           <a:p>
             <a:pPr lvl="4"/>
             <a:r>
-              <a:rPr smtClean="false" lang="fr-FR"/>
+              <a:rPr lang="fr-FR" smtClean="false"/>
               <a:t>Cinquième niveau</a:t>
             </a:r>
             <a:endParaRPr lang="fr-FR"/>
@@ -600,21 +600,21 @@
       </p:sp>
       <p:sp>
         <p:nvSpPr>
-          <p:cNvPr name="Espace réservé de la date 3" id="4"/>
-          <p:cNvSpPr>
-            <a:spLocks noGrp="true"/>
-          </p:cNvSpPr>
-          <p:nvPr>
-            <p:ph idx="10" sz="half" type="dt"/>
-          </p:nvPr>
-        </p:nvSpPr>
-        <p:spPr/>
-        <p:txBody>
-          <a:bodyPr/>
-          <a:lstStyle/>
-          <a:p>
-            <a:fld type="datetimeFigureOut" id="{CE3110EA-6548-4EF6-B0A9-8F847AEECEDD}">
-              <a:rPr smtClean="false" lang="fr-FR"/>
+          <p:cNvPr id="4" name="Espace réservé de la date 3"/>
+          <p:cNvSpPr>
+            <a:spLocks noGrp="true"/>
+          </p:cNvSpPr>
+          <p:nvPr>
+            <p:ph type="dt" sz="half" idx="10"/>
+          </p:nvPr>
+        </p:nvSpPr>
+        <p:spPr/>
+        <p:txBody>
+          <a:bodyPr/>
+          <a:lstStyle/>
+          <a:p>
+            <a:fld id="{CE3110EA-6548-4EF6-B0A9-8F847AEECEDD}" type="datetimeFigureOut">
+              <a:rPr lang="fr-FR" smtClean="false"/>
               <a:t>07/12/2013</a:t>
             </a:fld>
             <a:endParaRPr lang="fr-FR"/>
@@ -623,40 +623,40 @@
       </p:sp>
       <p:sp>
         <p:nvSpPr>
-          <p:cNvPr name="Espace réservé du pied de page 4" id="5"/>
-          <p:cNvSpPr>
-            <a:spLocks noGrp="true"/>
-          </p:cNvSpPr>
-          <p:nvPr>
-            <p:ph idx="11" sz="quarter" type="ftr"/>
-          </p:nvPr>
-        </p:nvSpPr>
-        <p:spPr/>
-        <p:txBody>
-          <a:bodyPr/>
-          <a:lstStyle/>
-          <a:p>
-            <a:endParaRPr lang="fr-FR"/>
-          </a:p>
-        </p:txBody>
-      </p:sp>
-      <p:sp>
-        <p:nvSpPr>
-          <p:cNvPr name="Espace réservé du numéro de diapositive 5" id="6"/>
-          <p:cNvSpPr>
-            <a:spLocks noGrp="true"/>
-          </p:cNvSpPr>
-          <p:nvPr>
-            <p:ph idx="12" sz="quarter" type="sldNum"/>
-          </p:nvPr>
-        </p:nvSpPr>
-        <p:spPr/>
-        <p:txBody>
-          <a:bodyPr/>
-          <a:lstStyle/>
-          <a:p>
-            <a:fld type="slidenum" id="{C47AABF0-D73A-43C1-84CC-8A30B6535388}">
-              <a:rPr smtClean="false" lang="fr-FR"/>
+          <p:cNvPr id="5" name="Espace réservé du pied de page 4"/>
+          <p:cNvSpPr>
+            <a:spLocks noGrp="true"/>
+          </p:cNvSpPr>
+          <p:nvPr>
+            <p:ph type="ftr" sz="quarter" idx="11"/>
+          </p:nvPr>
+        </p:nvSpPr>
+        <p:spPr/>
+        <p:txBody>
+          <a:bodyPr/>
+          <a:lstStyle/>
+          <a:p>
+            <a:endParaRPr lang="fr-FR"/>
+          </a:p>
+        </p:txBody>
+      </p:sp>
+      <p:sp>
+        <p:nvSpPr>
+          <p:cNvPr id="6" name="Espace réservé du numéro de diapositive 5"/>
+          <p:cNvSpPr>
+            <a:spLocks noGrp="true"/>
+          </p:cNvSpPr>
+          <p:nvPr>
+            <p:ph type="sldNum" sz="quarter" idx="12"/>
+          </p:nvPr>
+        </p:nvSpPr>
+        <p:spPr/>
+        <p:txBody>
+          <a:bodyPr/>
+          <a:lstStyle/>
+          <a:p>
+            <a:fld id="{C47AABF0-D73A-43C1-84CC-8A30B6535388}" type="slidenum">
+              <a:rPr lang="fr-FR" smtClean="false"/>
               <a:t>‹N°›</a:t>
             </a:fld>
             <a:endParaRPr lang="fr-FR"/>
@@ -676,7 +676,7 @@
   <p:timing>
     <p:tnLst>
       <p:par>
-        <p:cTn nodeType="tmRoot" restart="never" dur="indefinite" id="1"/>
+        <p:cTn id="1" dur="indefinite" restart="never" nodeType="tmRoot"/>
       </p:par>
     </p:tnLst>
   </p:timing>
@@ -684,25 +684,25 @@
 </file>
 
 <file path=ppt/slideLayouts/slideLayout3.xml><?xml version="1.0" encoding="utf-8"?>
-<p:sldLayout xmlns:a="http://schemas.openxmlformats.org/drawingml/2006/main" xmlns:r="http://schemas.openxmlformats.org/officeDocument/2006/relationships" xmlns:p="http://schemas.openxmlformats.org/presentationml/2006/main" xmlns:mc="http://schemas.openxmlformats.org/markup-compatibility/2006" xmlns:c="http://schemas.openxmlformats.org/drawingml/2006/chart" xmlns:ns6="http://schemas.openxmlformats.org/drawingml/2006/chartDrawing" xmlns:dgm="http://schemas.openxmlformats.org/drawingml/2006/diagram" xmlns:pic="http://schemas.openxmlformats.org/drawingml/2006/picture" xmlns:wp="http://schemas.openxmlformats.org/drawingml/2006/wordprocessingDrawing" xmlns:xdr="http://schemas.openxmlformats.org/drawingml/2006/spreadsheetDrawing" xmlns:ns11="http://schemas.openxmlformats.org/drawingml/2006/compatibility" xmlns:ns12="http://schemas.openxmlformats.org/drawingml/2006/lockedCanvas" preserve="true" type="secHead">
+<p:sldLayout xmlns:p="http://schemas.openxmlformats.org/presentationml/2006/main" xmlns:a="http://schemas.openxmlformats.org/drawingml/2006/main" xmlns:r="http://schemas.openxmlformats.org/officeDocument/2006/relationships" xmlns:mc="http://schemas.openxmlformats.org/markup-compatibility/2006" xmlns:c="http://schemas.openxmlformats.org/drawingml/2006/chart" xmlns:ns6="http://schemas.openxmlformats.org/drawingml/2006/chartDrawing" xmlns:dgm="http://schemas.openxmlformats.org/drawingml/2006/diagram" xmlns:pic="http://schemas.openxmlformats.org/drawingml/2006/picture" xmlns:wp="http://schemas.openxmlformats.org/drawingml/2006/wordprocessingDrawing" xmlns:xdr="http://schemas.openxmlformats.org/drawingml/2006/spreadsheetDrawing" xmlns:ns11="http://schemas.openxmlformats.org/drawingml/2006/compatibility" xmlns:ns12="http://schemas.openxmlformats.org/drawingml/2006/lockedCanvas" type="secHead" preserve="true">
   <p:cSld name="Section Header">
     <p:spTree>
       <p:nvGrpSpPr>
-        <p:cNvPr name="" id="1"/>
+        <p:cNvPr id="1" name=""/>
         <p:cNvGrpSpPr/>
         <p:nvPr/>
       </p:nvGrpSpPr>
       <p:grpSpPr>
         <a:xfrm>
-          <a:off y="0" x="0"/>
-          <a:ext cy="0" cx="0"/>
-          <a:chOff y="0" x="0"/>
-          <a:chExt cy="0" cx="0"/>
+          <a:off x="0" y="0"/>
+          <a:ext cx="0" cy="0"/>
+          <a:chOff x="0" y="0"/>
+          <a:chExt cx="0" cy="0"/>
         </a:xfrm>
       </p:grpSpPr>
       <p:sp>
         <p:nvSpPr>
-          <p:cNvPr name="Titre 1" id="2"/>
+          <p:cNvPr id="2" name="Titre 1"/>
           <p:cNvSpPr>
             <a:spLocks noGrp="true"/>
           </p:cNvSpPr>
@@ -712,8 +712,8 @@
         </p:nvSpPr>
         <p:spPr>
           <a:xfrm>
-            <a:off y="1709738" x="831850"/>
-            <a:ext cy="2852737" cx="10515600"/>
+            <a:off x="831850" y="1709738"/>
+            <a:ext cx="10515600" cy="2852737"/>
           </a:xfrm>
         </p:spPr>
         <p:txBody>
@@ -725,7 +725,7 @@
           </a:lstStyle>
           <a:p>
             <a:r>
-              <a:rPr smtClean="false" lang="fr-FR"/>
+              <a:rPr lang="fr-FR" smtClean="false"/>
               <a:t>Modifiez le style du titre</a:t>
             </a:r>
             <a:endParaRPr lang="fr-FR"/>
@@ -734,24 +734,24 @@
       </p:sp>
       <p:sp>
         <p:nvSpPr>
-          <p:cNvPr name="Espace réservé du texte 2" id="3"/>
-          <p:cNvSpPr>
-            <a:spLocks noGrp="true"/>
-          </p:cNvSpPr>
-          <p:nvPr>
-            <p:ph idx="1" type="body"/>
+          <p:cNvPr id="3" name="Espace réservé du texte 2"/>
+          <p:cNvSpPr>
+            <a:spLocks noGrp="true"/>
+          </p:cNvSpPr>
+          <p:nvPr>
+            <p:ph type="body" idx="1"/>
           </p:nvPr>
         </p:nvSpPr>
         <p:spPr>
           <a:xfrm>
-            <a:off y="4589463" x="831850"/>
-            <a:ext cy="1500187" cx="10515600"/>
+            <a:off x="831850" y="4589463"/>
+            <a:ext cx="10515600" cy="1500187"/>
           </a:xfrm>
         </p:spPr>
         <p:txBody>
           <a:bodyPr/>
           <a:lstStyle>
-            <a:lvl1pPr indent="0" marL="0">
+            <a:lvl1pPr marL="0" indent="0">
               <a:buNone/>
               <a:defRPr sz="2400">
                 <a:solidFill>
@@ -761,7 +761,7 @@
                 </a:solidFill>
               </a:defRPr>
             </a:lvl1pPr>
-            <a:lvl2pPr indent="0" marL="457200">
+            <a:lvl2pPr marL="457200" indent="0">
               <a:buNone/>
               <a:defRPr sz="2000">
                 <a:solidFill>
@@ -771,7 +771,7 @@
                 </a:solidFill>
               </a:defRPr>
             </a:lvl2pPr>
-            <a:lvl3pPr indent="0" marL="914400">
+            <a:lvl3pPr marL="914400" indent="0">
               <a:buNone/>
               <a:defRPr sz="1800">
                 <a:solidFill>
@@ -781,7 +781,7 @@
                 </a:solidFill>
               </a:defRPr>
             </a:lvl3pPr>
-            <a:lvl4pPr indent="0" marL="1371600">
+            <a:lvl4pPr marL="1371600" indent="0">
               <a:buNone/>
               <a:defRPr sz="1600">
                 <a:solidFill>
@@ -791,7 +791,7 @@
                 </a:solidFill>
               </a:defRPr>
             </a:lvl4pPr>
-            <a:lvl5pPr indent="0" marL="1828800">
+            <a:lvl5pPr marL="1828800" indent="0">
               <a:buNone/>
               <a:defRPr sz="1600">
                 <a:solidFill>
@@ -801,7 +801,7 @@
                 </a:solidFill>
               </a:defRPr>
             </a:lvl5pPr>
-            <a:lvl6pPr indent="0" marL="2286000">
+            <a:lvl6pPr marL="2286000" indent="0">
               <a:buNone/>
               <a:defRPr sz="1600">
                 <a:solidFill>
@@ -811,7 +811,7 @@
                 </a:solidFill>
               </a:defRPr>
             </a:lvl6pPr>
-            <a:lvl7pPr indent="0" marL="2743200">
+            <a:lvl7pPr marL="2743200" indent="0">
               <a:buNone/>
               <a:defRPr sz="1600">
                 <a:solidFill>
@@ -821,7 +821,7 @@
                 </a:solidFill>
               </a:defRPr>
             </a:lvl7pPr>
-            <a:lvl8pPr indent="0" marL="3200400">
+            <a:lvl8pPr marL="3200400" indent="0">
               <a:buNone/>
               <a:defRPr sz="1600">
                 <a:solidFill>
@@ -831,7 +831,7 @@
                 </a:solidFill>
               </a:defRPr>
             </a:lvl8pPr>
-            <a:lvl9pPr indent="0" marL="3657600">
+            <a:lvl9pPr marL="3657600" indent="0">
               <a:buNone/>
               <a:defRPr sz="1600">
                 <a:solidFill>
@@ -845,7 +845,7 @@
           <a:p>
             <a:pPr lvl="0"/>
             <a:r>
-              <a:rPr smtClean="false" lang="fr-FR"/>
+              <a:rPr lang="fr-FR" smtClean="false"/>
               <a:t>Modifiez les styles du texte du masque</a:t>
             </a:r>
           </a:p>
@@ -853,21 +853,21 @@
       </p:sp>
       <p:sp>
         <p:nvSpPr>
-          <p:cNvPr name="Espace réservé de la date 3" id="4"/>
-          <p:cNvSpPr>
-            <a:spLocks noGrp="true"/>
-          </p:cNvSpPr>
-          <p:nvPr>
-            <p:ph idx="10" sz="half" type="dt"/>
-          </p:nvPr>
-        </p:nvSpPr>
-        <p:spPr/>
-        <p:txBody>
-          <a:bodyPr/>
-          <a:lstStyle/>
-          <a:p>
-            <a:fld type="datetimeFigureOut" id="{CE3110EA-6548-4EF6-B0A9-8F847AEECEDD}">
-              <a:rPr smtClean="false" lang="fr-FR"/>
+          <p:cNvPr id="4" name="Espace réservé de la date 3"/>
+          <p:cNvSpPr>
+            <a:spLocks noGrp="true"/>
+          </p:cNvSpPr>
+          <p:nvPr>
+            <p:ph type="dt" sz="half" idx="10"/>
+          </p:nvPr>
+        </p:nvSpPr>
+        <p:spPr/>
+        <p:txBody>
+          <a:bodyPr/>
+          <a:lstStyle/>
+          <a:p>
+            <a:fld id="{CE3110EA-6548-4EF6-B0A9-8F847AEECEDD}" type="datetimeFigureOut">
+              <a:rPr lang="fr-FR" smtClean="false"/>
               <a:t>07/12/2013</a:t>
             </a:fld>
             <a:endParaRPr lang="fr-FR"/>
@@ -876,40 +876,40 @@
       </p:sp>
       <p:sp>
         <p:nvSpPr>
-          <p:cNvPr name="Espace réservé du pied de page 4" id="5"/>
-          <p:cNvSpPr>
-            <a:spLocks noGrp="true"/>
-          </p:cNvSpPr>
-          <p:nvPr>
-            <p:ph idx="11" sz="quarter" type="ftr"/>
-          </p:nvPr>
-        </p:nvSpPr>
-        <p:spPr/>
-        <p:txBody>
-          <a:bodyPr/>
-          <a:lstStyle/>
-          <a:p>
-            <a:endParaRPr lang="fr-FR"/>
-          </a:p>
-        </p:txBody>
-      </p:sp>
-      <p:sp>
-        <p:nvSpPr>
-          <p:cNvPr name="Espace réservé du numéro de diapositive 5" id="6"/>
-          <p:cNvSpPr>
-            <a:spLocks noGrp="true"/>
-          </p:cNvSpPr>
-          <p:nvPr>
-            <p:ph idx="12" sz="quarter" type="sldNum"/>
-          </p:nvPr>
-        </p:nvSpPr>
-        <p:spPr/>
-        <p:txBody>
-          <a:bodyPr/>
-          <a:lstStyle/>
-          <a:p>
-            <a:fld type="slidenum" id="{C47AABF0-D73A-43C1-84CC-8A30B6535388}">
-              <a:rPr smtClean="false" lang="fr-FR"/>
+          <p:cNvPr id="5" name="Espace réservé du pied de page 4"/>
+          <p:cNvSpPr>
+            <a:spLocks noGrp="true"/>
+          </p:cNvSpPr>
+          <p:nvPr>
+            <p:ph type="ftr" sz="quarter" idx="11"/>
+          </p:nvPr>
+        </p:nvSpPr>
+        <p:spPr/>
+        <p:txBody>
+          <a:bodyPr/>
+          <a:lstStyle/>
+          <a:p>
+            <a:endParaRPr lang="fr-FR"/>
+          </a:p>
+        </p:txBody>
+      </p:sp>
+      <p:sp>
+        <p:nvSpPr>
+          <p:cNvPr id="6" name="Espace réservé du numéro de diapositive 5"/>
+          <p:cNvSpPr>
+            <a:spLocks noGrp="true"/>
+          </p:cNvSpPr>
+          <p:nvPr>
+            <p:ph type="sldNum" sz="quarter" idx="12"/>
+          </p:nvPr>
+        </p:nvSpPr>
+        <p:spPr/>
+        <p:txBody>
+          <a:bodyPr/>
+          <a:lstStyle/>
+          <a:p>
+            <a:fld id="{C47AABF0-D73A-43C1-84CC-8A30B6535388}" type="slidenum">
+              <a:rPr lang="fr-FR" smtClean="false"/>
               <a:t>‹N°›</a:t>
             </a:fld>
             <a:endParaRPr lang="fr-FR"/>
@@ -929,7 +929,7 @@
   <p:timing>
     <p:tnLst>
       <p:par>
-        <p:cTn nodeType="tmRoot" restart="never" dur="indefinite" id="1"/>
+        <p:cTn id="1" dur="indefinite" restart="never" nodeType="tmRoot"/>
       </p:par>
     </p:tnLst>
   </p:timing>
@@ -937,25 +937,25 @@
 </file>
 
 <file path=ppt/slideLayouts/slideLayout4.xml><?xml version="1.0" encoding="utf-8"?>
-<p:sldLayout xmlns:a="http://schemas.openxmlformats.org/drawingml/2006/main" xmlns:r="http://schemas.openxmlformats.org/officeDocument/2006/relationships" xmlns:p="http://schemas.openxmlformats.org/presentationml/2006/main" xmlns:mc="http://schemas.openxmlformats.org/markup-compatibility/2006" xmlns:c="http://schemas.openxmlformats.org/drawingml/2006/chart" xmlns:ns6="http://schemas.openxmlformats.org/drawingml/2006/chartDrawing" xmlns:dgm="http://schemas.openxmlformats.org/drawingml/2006/diagram" xmlns:pic="http://schemas.openxmlformats.org/drawingml/2006/picture" xmlns:wp="http://schemas.openxmlformats.org/drawingml/2006/wordprocessingDrawing" xmlns:xdr="http://schemas.openxmlformats.org/drawingml/2006/spreadsheetDrawing" xmlns:ns11="http://schemas.openxmlformats.org/drawingml/2006/compatibility" xmlns:ns12="http://schemas.openxmlformats.org/drawingml/2006/lockedCanvas" preserve="true" type="twoObj">
+<p:sldLayout xmlns:p="http://schemas.openxmlformats.org/presentationml/2006/main" xmlns:a="http://schemas.openxmlformats.org/drawingml/2006/main" xmlns:r="http://schemas.openxmlformats.org/officeDocument/2006/relationships" xmlns:mc="http://schemas.openxmlformats.org/markup-compatibility/2006" xmlns:c="http://schemas.openxmlformats.org/drawingml/2006/chart" xmlns:ns6="http://schemas.openxmlformats.org/drawingml/2006/chartDrawing" xmlns:dgm="http://schemas.openxmlformats.org/drawingml/2006/diagram" xmlns:pic="http://schemas.openxmlformats.org/drawingml/2006/picture" xmlns:wp="http://schemas.openxmlformats.org/drawingml/2006/wordprocessingDrawing" xmlns:xdr="http://schemas.openxmlformats.org/drawingml/2006/spreadsheetDrawing" xmlns:ns11="http://schemas.openxmlformats.org/drawingml/2006/compatibility" xmlns:ns12="http://schemas.openxmlformats.org/drawingml/2006/lockedCanvas" type="twoObj" preserve="true">
   <p:cSld name="Two Content">
     <p:spTree>
       <p:nvGrpSpPr>
-        <p:cNvPr name="" id="1"/>
+        <p:cNvPr id="1" name=""/>
         <p:cNvGrpSpPr/>
         <p:nvPr/>
       </p:nvGrpSpPr>
       <p:grpSpPr>
         <a:xfrm>
-          <a:off y="0" x="0"/>
-          <a:ext cy="0" cx="0"/>
-          <a:chOff y="0" x="0"/>
-          <a:chExt cy="0" cx="0"/>
+          <a:off x="0" y="0"/>
+          <a:ext cx="0" cy="0"/>
+          <a:chOff x="0" y="0"/>
+          <a:chExt cx="0" cy="0"/>
         </a:xfrm>
       </p:grpSpPr>
       <p:sp>
         <p:nvSpPr>
-          <p:cNvPr name="Titre 1" id="2"/>
+          <p:cNvPr id="2" name="Titre 1"/>
           <p:cNvSpPr>
             <a:spLocks noGrp="true"/>
           </p:cNvSpPr>
@@ -969,7 +969,7 @@
           <a:lstStyle/>
           <a:p>
             <a:r>
-              <a:rPr smtClean="false" lang="fr-FR"/>
+              <a:rPr lang="fr-FR" smtClean="false"/>
               <a:t>Modifiez le style du titre</a:t>
             </a:r>
             <a:endParaRPr lang="fr-FR"/>
@@ -978,18 +978,18 @@
       </p:sp>
       <p:sp>
         <p:nvSpPr>
-          <p:cNvPr name="Espace réservé du contenu 2" id="3"/>
-          <p:cNvSpPr>
-            <a:spLocks noGrp="true"/>
-          </p:cNvSpPr>
-          <p:nvPr>
-            <p:ph idx="1" sz="half"/>
+          <p:cNvPr id="3" name="Espace réservé du contenu 2"/>
+          <p:cNvSpPr>
+            <a:spLocks noGrp="true"/>
+          </p:cNvSpPr>
+          <p:nvPr>
+            <p:ph sz="half" idx="1"/>
           </p:nvPr>
         </p:nvSpPr>
         <p:spPr>
           <a:xfrm>
-            <a:off y="1825625" x="838200"/>
-            <a:ext cy="4351338" cx="5181600"/>
+            <a:off x="838200" y="1825625"/>
+            <a:ext cx="5181600" cy="4351338"/>
           </a:xfrm>
         </p:spPr>
         <p:txBody>
@@ -998,35 +998,35 @@
           <a:p>
             <a:pPr lvl="0"/>
             <a:r>
-              <a:rPr smtClean="false" lang="fr-FR"/>
+              <a:rPr lang="fr-FR" smtClean="false"/>
               <a:t>Modifiez les styles du texte du masque</a:t>
             </a:r>
           </a:p>
           <a:p>
             <a:pPr lvl="1"/>
             <a:r>
-              <a:rPr smtClean="false" lang="fr-FR"/>
+              <a:rPr lang="fr-FR" smtClean="false"/>
               <a:t>Deuxième niveau</a:t>
             </a:r>
           </a:p>
           <a:p>
             <a:pPr lvl="2"/>
             <a:r>
-              <a:rPr smtClean="false" lang="fr-FR"/>
+              <a:rPr lang="fr-FR" smtClean="false"/>
               <a:t>Troisième niveau</a:t>
             </a:r>
           </a:p>
           <a:p>
             <a:pPr lvl="3"/>
             <a:r>
-              <a:rPr smtClean="false" lang="fr-FR"/>
+              <a:rPr lang="fr-FR" smtClean="false"/>
               <a:t>Quatrième niveau</a:t>
             </a:r>
           </a:p>
           <a:p>
             <a:pPr lvl="4"/>
             <a:r>
-              <a:rPr smtClean="false" lang="fr-FR"/>
+              <a:rPr lang="fr-FR" smtClean="false"/>
               <a:t>Cinquième niveau</a:t>
             </a:r>
             <a:endParaRPr lang="fr-FR"/>
@@ -1035,18 +1035,18 @@
       </p:sp>
       <p:sp>
         <p:nvSpPr>
-          <p:cNvPr name="Espace réservé du contenu 3" id="4"/>
-          <p:cNvSpPr>
-            <a:spLocks noGrp="true"/>
-          </p:cNvSpPr>
-          <p:nvPr>
-            <p:ph idx="2" sz="half"/>
+          <p:cNvPr id="4" name="Espace réservé du contenu 3"/>
+          <p:cNvSpPr>
+            <a:spLocks noGrp="true"/>
+          </p:cNvSpPr>
+          <p:nvPr>
+            <p:ph sz="half" idx="2"/>
           </p:nvPr>
         </p:nvSpPr>
         <p:spPr>
           <a:xfrm>
-            <a:off y="1825625" x="6172200"/>
-            <a:ext cy="4351338" cx="5181600"/>
+            <a:off x="6172200" y="1825625"/>
+            <a:ext cx="5181600" cy="4351338"/>
           </a:xfrm>
         </p:spPr>
         <p:txBody>
@@ -1055,35 +1055,35 @@
           <a:p>
             <a:pPr lvl="0"/>
             <a:r>
-              <a:rPr smtClean="false" lang="fr-FR"/>
+              <a:rPr lang="fr-FR" smtClean="false"/>
               <a:t>Modifiez les styles du texte du masque</a:t>
             </a:r>
           </a:p>
           <a:p>
             <a:pPr lvl="1"/>
             <a:r>
-              <a:rPr smtClean="false" lang="fr-FR"/>
+              <a:rPr lang="fr-FR" smtClean="false"/>
               <a:t>Deuxième niveau</a:t>
             </a:r>
           </a:p>
           <a:p>
             <a:pPr lvl="2"/>
             <a:r>
-              <a:rPr smtClean="false" lang="fr-FR"/>
+              <a:rPr lang="fr-FR" smtClean="false"/>
               <a:t>Troisième niveau</a:t>
             </a:r>
           </a:p>
           <a:p>
             <a:pPr lvl="3"/>
             <a:r>
-              <a:rPr smtClean="false" lang="fr-FR"/>
+              <a:rPr lang="fr-FR" smtClean="false"/>
               <a:t>Quatrième niveau</a:t>
             </a:r>
           </a:p>
           <a:p>
             <a:pPr lvl="4"/>
             <a:r>
-              <a:rPr smtClean="false" lang="fr-FR"/>
+              <a:rPr lang="fr-FR" smtClean="false"/>
               <a:t>Cinquième niveau</a:t>
             </a:r>
             <a:endParaRPr lang="fr-FR"/>
@@ -1092,21 +1092,21 @@
       </p:sp>
       <p:sp>
         <p:nvSpPr>
-          <p:cNvPr name="Espace réservé de la date 4" id="5"/>
-          <p:cNvSpPr>
-            <a:spLocks noGrp="true"/>
-          </p:cNvSpPr>
-          <p:nvPr>
-            <p:ph idx="10" sz="half" type="dt"/>
-          </p:nvPr>
-        </p:nvSpPr>
-        <p:spPr/>
-        <p:txBody>
-          <a:bodyPr/>
-          <a:lstStyle/>
-          <a:p>
-            <a:fld type="datetimeFigureOut" id="{CE3110EA-6548-4EF6-B0A9-8F847AEECEDD}">
-              <a:rPr smtClean="false" lang="fr-FR"/>
+          <p:cNvPr id="5" name="Espace réservé de la date 4"/>
+          <p:cNvSpPr>
+            <a:spLocks noGrp="true"/>
+          </p:cNvSpPr>
+          <p:nvPr>
+            <p:ph type="dt" sz="half" idx="10"/>
+          </p:nvPr>
+        </p:nvSpPr>
+        <p:spPr/>
+        <p:txBody>
+          <a:bodyPr/>
+          <a:lstStyle/>
+          <a:p>
+            <a:fld id="{CE3110EA-6548-4EF6-B0A9-8F847AEECEDD}" type="datetimeFigureOut">
+              <a:rPr lang="fr-FR" smtClean="false"/>
               <a:t>07/12/2013</a:t>
             </a:fld>
             <a:endParaRPr lang="fr-FR"/>
@@ -1115,21 +1115,21 @@
       </p:sp>
       <p:sp>
         <p:nvSpPr>
-          <p:cNvPr name="Espace réservé du numéro de diapositive 6" id="7"/>
-          <p:cNvSpPr>
-            <a:spLocks noGrp="true"/>
-          </p:cNvSpPr>
-          <p:nvPr>
-            <p:ph idx="12" sz="quarter" type="sldNum"/>
-          </p:nvPr>
-        </p:nvSpPr>
-        <p:spPr/>
-        <p:txBody>
-          <a:bodyPr/>
-          <a:lstStyle/>
-          <a:p>
-            <a:fld type="slidenum" id="{C47AABF0-D73A-43C1-84CC-8A30B6535388}">
-              <a:rPr smtClean="false" lang="fr-FR"/>
+          <p:cNvPr id="7" name="Espace réservé du numéro de diapositive 6"/>
+          <p:cNvSpPr>
+            <a:spLocks noGrp="true"/>
+          </p:cNvSpPr>
+          <p:nvPr>
+            <p:ph type="sldNum" sz="quarter" idx="12"/>
+          </p:nvPr>
+        </p:nvSpPr>
+        <p:spPr/>
+        <p:txBody>
+          <a:bodyPr/>
+          <a:lstStyle/>
+          <a:p>
+            <a:fld id="{C47AABF0-D73A-43C1-84CC-8A30B6535388}" type="slidenum">
+              <a:rPr lang="fr-FR" smtClean="false"/>
               <a:t>‹N°›</a:t>
             </a:fld>
             <a:endParaRPr lang="fr-FR"/>
@@ -1138,12 +1138,12 @@
       </p:sp>
       <p:sp>
         <p:nvSpPr>
-          <p:cNvPr name="Espace réservé du pied de page 5" id="6"/>
-          <p:cNvSpPr>
-            <a:spLocks noGrp="true"/>
-          </p:cNvSpPr>
-          <p:nvPr>
-            <p:ph idx="13" sz="quarter" type="ftr"/>
+          <p:cNvPr id="6" name="Espace réservé du pied de page 5"/>
+          <p:cNvSpPr>
+            <a:spLocks noGrp="true"/>
+          </p:cNvSpPr>
+          <p:nvPr>
+            <p:ph type="ftr" sz="quarter" idx="13"/>
           </p:nvPr>
         </p:nvSpPr>
         <p:spPr/>
@@ -1168,7 +1168,7 @@
   <p:timing>
     <p:tnLst>
       <p:par>
-        <p:cTn nodeType="tmRoot" restart="never" dur="indefinite" id="1"/>
+        <p:cTn id="1" dur="indefinite" restart="never" nodeType="tmRoot"/>
       </p:par>
     </p:tnLst>
   </p:timing>
@@ -1176,25 +1176,25 @@
 </file>
 
 <file path=ppt/slideLayouts/slideLayout5.xml><?xml version="1.0" encoding="utf-8"?>
-<p:sldLayout xmlns:a="http://schemas.openxmlformats.org/drawingml/2006/main" xmlns:r="http://schemas.openxmlformats.org/officeDocument/2006/relationships" xmlns:p="http://schemas.openxmlformats.org/presentationml/2006/main" xmlns:mc="http://schemas.openxmlformats.org/markup-compatibility/2006" xmlns:c="http://schemas.openxmlformats.org/drawingml/2006/chart" xmlns:ns6="http://schemas.openxmlformats.org/drawingml/2006/chartDrawing" xmlns:dgm="http://schemas.openxmlformats.org/drawingml/2006/diagram" xmlns:pic="http://schemas.openxmlformats.org/drawingml/2006/picture" xmlns:wp="http://schemas.openxmlformats.org/drawingml/2006/wordprocessingDrawing" xmlns:xdr="http://schemas.openxmlformats.org/drawingml/2006/spreadsheetDrawing" xmlns:ns11="http://schemas.openxmlformats.org/drawingml/2006/compatibility" xmlns:ns12="http://schemas.openxmlformats.org/drawingml/2006/lockedCanvas" preserve="true" type="twoTxTwoObj">
+<p:sldLayout xmlns:p="http://schemas.openxmlformats.org/presentationml/2006/main" xmlns:a="http://schemas.openxmlformats.org/drawingml/2006/main" xmlns:r="http://schemas.openxmlformats.org/officeDocument/2006/relationships" xmlns:mc="http://schemas.openxmlformats.org/markup-compatibility/2006" xmlns:c="http://schemas.openxmlformats.org/drawingml/2006/chart" xmlns:ns6="http://schemas.openxmlformats.org/drawingml/2006/chartDrawing" xmlns:dgm="http://schemas.openxmlformats.org/drawingml/2006/diagram" xmlns:pic="http://schemas.openxmlformats.org/drawingml/2006/picture" xmlns:wp="http://schemas.openxmlformats.org/drawingml/2006/wordprocessingDrawing" xmlns:xdr="http://schemas.openxmlformats.org/drawingml/2006/spreadsheetDrawing" xmlns:ns11="http://schemas.openxmlformats.org/drawingml/2006/compatibility" xmlns:ns12="http://schemas.openxmlformats.org/drawingml/2006/lockedCanvas" type="twoTxTwoObj" preserve="true">
   <p:cSld name="Comparison">
     <p:spTree>
       <p:nvGrpSpPr>
-        <p:cNvPr name="" id="1"/>
+        <p:cNvPr id="1" name=""/>
         <p:cNvGrpSpPr/>
         <p:nvPr/>
       </p:nvGrpSpPr>
       <p:grpSpPr>
         <a:xfrm>
-          <a:off y="0" x="0"/>
-          <a:ext cy="0" cx="0"/>
-          <a:chOff y="0" x="0"/>
-          <a:chExt cy="0" cx="0"/>
+          <a:off x="0" y="0"/>
+          <a:ext cx="0" cy="0"/>
+          <a:chOff x="0" y="0"/>
+          <a:chExt cx="0" cy="0"/>
         </a:xfrm>
       </p:grpSpPr>
       <p:sp>
         <p:nvSpPr>
-          <p:cNvPr name="Titre 1" id="2"/>
+          <p:cNvPr id="2" name="Titre 1"/>
           <p:cNvSpPr>
             <a:spLocks noGrp="true"/>
           </p:cNvSpPr>
@@ -1204,8 +1204,8 @@
         </p:nvSpPr>
         <p:spPr>
           <a:xfrm>
-            <a:off y="365125" x="839788"/>
-            <a:ext cy="1325563" cx="10515600"/>
+            <a:off x="839788" y="365125"/>
+            <a:ext cx="10515600" cy="1325563"/>
           </a:xfrm>
         </p:spPr>
         <p:txBody>
@@ -1213,7 +1213,7 @@
           <a:lstStyle/>
           <a:p>
             <a:r>
-              <a:rPr smtClean="false" lang="fr-FR"/>
+              <a:rPr lang="fr-FR" smtClean="false"/>
               <a:t>Modifiez le style du titre</a:t>
             </a:r>
             <a:endParaRPr lang="fr-FR"/>
@@ -1222,64 +1222,64 @@
       </p:sp>
       <p:sp>
         <p:nvSpPr>
-          <p:cNvPr name="Espace réservé du texte 2" id="3"/>
-          <p:cNvSpPr>
-            <a:spLocks noGrp="true"/>
-          </p:cNvSpPr>
-          <p:nvPr>
-            <p:ph idx="1" type="body"/>
+          <p:cNvPr id="3" name="Espace réservé du texte 2"/>
+          <p:cNvSpPr>
+            <a:spLocks noGrp="true"/>
+          </p:cNvSpPr>
+          <p:nvPr>
+            <p:ph type="body" idx="1"/>
           </p:nvPr>
         </p:nvSpPr>
         <p:spPr>
           <a:xfrm>
-            <a:off y="1681163" x="839788"/>
-            <a:ext cy="823912" cx="5157787"/>
+            <a:off x="839788" y="1681163"/>
+            <a:ext cx="5157787" cy="823912"/>
           </a:xfrm>
         </p:spPr>
         <p:txBody>
           <a:bodyPr anchor="b"/>
           <a:lstStyle>
-            <a:lvl1pPr indent="0" marL="0">
-              <a:buNone/>
-              <a:defRPr b="true" sz="2400"/>
+            <a:lvl1pPr marL="0" indent="0">
+              <a:buNone/>
+              <a:defRPr sz="2400" b="true"/>
             </a:lvl1pPr>
-            <a:lvl2pPr indent="0" marL="457200">
-              <a:buNone/>
-              <a:defRPr b="true" sz="2000"/>
+            <a:lvl2pPr marL="457200" indent="0">
+              <a:buNone/>
+              <a:defRPr sz="2000" b="true"/>
             </a:lvl2pPr>
-            <a:lvl3pPr indent="0" marL="914400">
-              <a:buNone/>
-              <a:defRPr b="true" sz="1800"/>
+            <a:lvl3pPr marL="914400" indent="0">
+              <a:buNone/>
+              <a:defRPr sz="1800" b="true"/>
             </a:lvl3pPr>
-            <a:lvl4pPr indent="0" marL="1371600">
-              <a:buNone/>
-              <a:defRPr b="true" sz="1600"/>
+            <a:lvl4pPr marL="1371600" indent="0">
+              <a:buNone/>
+              <a:defRPr sz="1600" b="true"/>
             </a:lvl4pPr>
-            <a:lvl5pPr indent="0" marL="1828800">
-              <a:buNone/>
-              <a:defRPr b="true" sz="1600"/>
+            <a:lvl5pPr marL="1828800" indent="0">
+              <a:buNone/>
+              <a:defRPr sz="1600" b="true"/>
             </a:lvl5pPr>
-            <a:lvl6pPr indent="0" marL="2286000">
-              <a:buNone/>
-              <a:defRPr b="true" sz="1600"/>
+            <a:lvl6pPr marL="2286000" indent="0">
+              <a:buNone/>
+              <a:defRPr sz="1600" b="true"/>
             </a:lvl6pPr>
-            <a:lvl7pPr indent="0" marL="2743200">
-              <a:buNone/>
-              <a:defRPr b="true" sz="1600"/>
+            <a:lvl7pPr marL="2743200" indent="0">
+              <a:buNone/>
+              <a:defRPr sz="1600" b="true"/>
             </a:lvl7pPr>
-            <a:lvl8pPr indent="0" marL="3200400">
-              <a:buNone/>
-              <a:defRPr b="true" sz="1600"/>
+            <a:lvl8pPr marL="3200400" indent="0">
+              <a:buNone/>
+              <a:defRPr sz="1600" b="true"/>
             </a:lvl8pPr>
-            <a:lvl9pPr indent="0" marL="3657600">
-              <a:buNone/>
-              <a:defRPr b="true" sz="1600"/>
+            <a:lvl9pPr marL="3657600" indent="0">
+              <a:buNone/>
+              <a:defRPr sz="1600" b="true"/>
             </a:lvl9pPr>
           </a:lstStyle>
           <a:p>
             <a:pPr lvl="0"/>
             <a:r>
-              <a:rPr smtClean="false" lang="fr-FR"/>
+              <a:rPr lang="fr-FR" smtClean="false"/>
               <a:t>Modifiez les styles du texte du masque</a:t>
             </a:r>
           </a:p>
@@ -1287,18 +1287,18 @@
       </p:sp>
       <p:sp>
         <p:nvSpPr>
-          <p:cNvPr name="Espace réservé du contenu 3" id="4"/>
-          <p:cNvSpPr>
-            <a:spLocks noGrp="true"/>
-          </p:cNvSpPr>
-          <p:nvPr>
-            <p:ph idx="2" sz="half"/>
+          <p:cNvPr id="4" name="Espace réservé du contenu 3"/>
+          <p:cNvSpPr>
+            <a:spLocks noGrp="true"/>
+          </p:cNvSpPr>
+          <p:nvPr>
+            <p:ph sz="half" idx="2"/>
           </p:nvPr>
         </p:nvSpPr>
         <p:spPr>
           <a:xfrm>
-            <a:off y="2505075" x="839788"/>
-            <a:ext cy="3684588" cx="5157787"/>
+            <a:off x="839788" y="2505075"/>
+            <a:ext cx="5157787" cy="3684588"/>
           </a:xfrm>
         </p:spPr>
         <p:txBody>
@@ -1307,35 +1307,35 @@
           <a:p>
             <a:pPr lvl="0"/>
             <a:r>
-              <a:rPr smtClean="false" lang="fr-FR"/>
+              <a:rPr lang="fr-FR" smtClean="false"/>
               <a:t>Modifiez les styles du texte du masque</a:t>
             </a:r>
           </a:p>
           <a:p>
             <a:pPr lvl="1"/>
             <a:r>
-              <a:rPr smtClean="false" lang="fr-FR"/>
+              <a:rPr lang="fr-FR" smtClean="false"/>
               <a:t>Deuxième niveau</a:t>
             </a:r>
           </a:p>
           <a:p>
             <a:pPr lvl="2"/>
             <a:r>
-              <a:rPr smtClean="false" lang="fr-FR"/>
+              <a:rPr lang="fr-FR" smtClean="false"/>
               <a:t>Troisième niveau</a:t>
             </a:r>
           </a:p>
           <a:p>
             <a:pPr lvl="3"/>
             <a:r>
-              <a:rPr smtClean="false" lang="fr-FR"/>
+              <a:rPr lang="fr-FR" smtClean="false"/>
               <a:t>Quatrième niveau</a:t>
             </a:r>
           </a:p>
           <a:p>
             <a:pPr lvl="4"/>
             <a:r>
-              <a:rPr smtClean="false" lang="fr-FR"/>
+              <a:rPr lang="fr-FR" smtClean="false"/>
               <a:t>Cinquième niveau</a:t>
             </a:r>
             <a:endParaRPr lang="fr-FR"/>
@@ -1344,64 +1344,64 @@
       </p:sp>
       <p:sp>
         <p:nvSpPr>
-          <p:cNvPr name="Espace réservé du texte 4" id="5"/>
-          <p:cNvSpPr>
-            <a:spLocks noGrp="true"/>
-          </p:cNvSpPr>
-          <p:nvPr>
-            <p:ph idx="3" sz="quarter" type="body"/>
+          <p:cNvPr id="5" name="Espace réservé du texte 4"/>
+          <p:cNvSpPr>
+            <a:spLocks noGrp="true"/>
+          </p:cNvSpPr>
+          <p:nvPr>
+            <p:ph type="body" sz="quarter" idx="3"/>
           </p:nvPr>
         </p:nvSpPr>
         <p:spPr>
           <a:xfrm>
-            <a:off y="1681163" x="6172200"/>
-            <a:ext cy="823912" cx="5183188"/>
+            <a:off x="6172200" y="1681163"/>
+            <a:ext cx="5183188" cy="823912"/>
           </a:xfrm>
         </p:spPr>
         <p:txBody>
           <a:bodyPr anchor="b"/>
           <a:lstStyle>
-            <a:lvl1pPr indent="0" marL="0">
-              <a:buNone/>
-              <a:defRPr b="true" sz="2400"/>
+            <a:lvl1pPr marL="0" indent="0">
+              <a:buNone/>
+              <a:defRPr sz="2400" b="true"/>
             </a:lvl1pPr>
-            <a:lvl2pPr indent="0" marL="457200">
-              <a:buNone/>
-              <a:defRPr b="true" sz="2000"/>
+            <a:lvl2pPr marL="457200" indent="0">
+              <a:buNone/>
+              <a:defRPr sz="2000" b="true"/>
             </a:lvl2pPr>
-            <a:lvl3pPr indent="0" marL="914400">
-              <a:buNone/>
-              <a:defRPr b="true" sz="1800"/>
+            <a:lvl3pPr marL="914400" indent="0">
+              <a:buNone/>
+              <a:defRPr sz="1800" b="true"/>
             </a:lvl3pPr>
-            <a:lvl4pPr indent="0" marL="1371600">
-              <a:buNone/>
-              <a:defRPr b="true" sz="1600"/>
+            <a:lvl4pPr marL="1371600" indent="0">
+              <a:buNone/>
+              <a:defRPr sz="1600" b="true"/>
             </a:lvl4pPr>
-            <a:lvl5pPr indent="0" marL="1828800">
-              <a:buNone/>
-              <a:defRPr b="true" sz="1600"/>
+            <a:lvl5pPr marL="1828800" indent="0">
+              <a:buNone/>
+              <a:defRPr sz="1600" b="true"/>
             </a:lvl5pPr>
-            <a:lvl6pPr indent="0" marL="2286000">
-              <a:buNone/>
-              <a:defRPr b="true" sz="1600"/>
+            <a:lvl6pPr marL="2286000" indent="0">
+              <a:buNone/>
+              <a:defRPr sz="1600" b="true"/>
             </a:lvl6pPr>
-            <a:lvl7pPr indent="0" marL="2743200">
-              <a:buNone/>
-              <a:defRPr b="true" sz="1600"/>
+            <a:lvl7pPr marL="2743200" indent="0">
+              <a:buNone/>
+              <a:defRPr sz="1600" b="true"/>
             </a:lvl7pPr>
-            <a:lvl8pPr indent="0" marL="3200400">
-              <a:buNone/>
-              <a:defRPr b="true" sz="1600"/>
+            <a:lvl8pPr marL="3200400" indent="0">
+              <a:buNone/>
+              <a:defRPr sz="1600" b="true"/>
             </a:lvl8pPr>
-            <a:lvl9pPr indent="0" marL="3657600">
-              <a:buNone/>
-              <a:defRPr b="true" sz="1600"/>
+            <a:lvl9pPr marL="3657600" indent="0">
+              <a:buNone/>
+              <a:defRPr sz="1600" b="true"/>
             </a:lvl9pPr>
           </a:lstStyle>
           <a:p>
             <a:pPr lvl="0"/>
             <a:r>
-              <a:rPr smtClean="false" lang="fr-FR"/>
+              <a:rPr lang="fr-FR" smtClean="false"/>
               <a:t>Modifiez les styles du texte du masque</a:t>
             </a:r>
           </a:p>
@@ -1409,18 +1409,18 @@
       </p:sp>
       <p:sp>
         <p:nvSpPr>
-          <p:cNvPr name="Espace réservé du contenu 5" id="6"/>
-          <p:cNvSpPr>
-            <a:spLocks noGrp="true"/>
-          </p:cNvSpPr>
-          <p:nvPr>
-            <p:ph idx="4" sz="quarter"/>
+          <p:cNvPr id="6" name="Espace réservé du contenu 5"/>
+          <p:cNvSpPr>
+            <a:spLocks noGrp="true"/>
+          </p:cNvSpPr>
+          <p:nvPr>
+            <p:ph sz="quarter" idx="4"/>
           </p:nvPr>
         </p:nvSpPr>
         <p:spPr>
           <a:xfrm>
-            <a:off y="2505075" x="6172200"/>
-            <a:ext cy="3684588" cx="5183188"/>
+            <a:off x="6172200" y="2505075"/>
+            <a:ext cx="5183188" cy="3684588"/>
           </a:xfrm>
         </p:spPr>
         <p:txBody>
@@ -1429,35 +1429,35 @@
           <a:p>
             <a:pPr lvl="0"/>
             <a:r>
-              <a:rPr smtClean="false" lang="fr-FR"/>
+              <a:rPr lang="fr-FR" smtClean="false"/>
               <a:t>Modifiez les styles du texte du masque</a:t>
             </a:r>
           </a:p>
           <a:p>
             <a:pPr lvl="1"/>
             <a:r>
-              <a:rPr smtClean="false" lang="fr-FR"/>
+              <a:rPr lang="fr-FR" smtClean="false"/>
               <a:t>Deuxième niveau</a:t>
             </a:r>
           </a:p>
           <a:p>
             <a:pPr lvl="2"/>
             <a:r>
-              <a:rPr smtClean="false" lang="fr-FR"/>
+              <a:rPr lang="fr-FR" smtClean="false"/>
               <a:t>Troisième niveau</a:t>
             </a:r>
           </a:p>
           <a:p>
             <a:pPr lvl="3"/>
             <a:r>
-              <a:rPr smtClean="false" lang="fr-FR"/>
+              <a:rPr lang="fr-FR" smtClean="false"/>
               <a:t>Quatrième niveau</a:t>
             </a:r>
           </a:p>
           <a:p>
             <a:pPr lvl="4"/>
             <a:r>
-              <a:rPr smtClean="false" lang="fr-FR"/>
+              <a:rPr lang="fr-FR" smtClean="false"/>
               <a:t>Cinquième niveau</a:t>
             </a:r>
             <a:endParaRPr lang="fr-FR"/>
@@ -1466,21 +1466,21 @@
       </p:sp>
       <p:sp>
         <p:nvSpPr>
-          <p:cNvPr name="Espace réservé de la date 6" id="7"/>
-          <p:cNvSpPr>
-            <a:spLocks noGrp="true"/>
-          </p:cNvSpPr>
-          <p:nvPr>
-            <p:ph idx="10" sz="half" type="dt"/>
-          </p:nvPr>
-        </p:nvSpPr>
-        <p:spPr/>
-        <p:txBody>
-          <a:bodyPr/>
-          <a:lstStyle/>
-          <a:p>
-            <a:fld type="datetimeFigureOut" id="{CE3110EA-6548-4EF6-B0A9-8F847AEECEDD}">
-              <a:rPr smtClean="false" lang="fr-FR"/>
+          <p:cNvPr id="7" name="Espace réservé de la date 6"/>
+          <p:cNvSpPr>
+            <a:spLocks noGrp="true"/>
+          </p:cNvSpPr>
+          <p:nvPr>
+            <p:ph type="dt" sz="half" idx="10"/>
+          </p:nvPr>
+        </p:nvSpPr>
+        <p:spPr/>
+        <p:txBody>
+          <a:bodyPr/>
+          <a:lstStyle/>
+          <a:p>
+            <a:fld id="{CE3110EA-6548-4EF6-B0A9-8F847AEECEDD}" type="datetimeFigureOut">
+              <a:rPr lang="fr-FR" smtClean="false"/>
               <a:t>07/12/2013</a:t>
             </a:fld>
             <a:endParaRPr lang="fr-FR"/>
@@ -1489,21 +1489,21 @@
       </p:sp>
       <p:sp>
         <p:nvSpPr>
-          <p:cNvPr name="Espace réservé du numéro de diapositive 8" id="9"/>
-          <p:cNvSpPr>
-            <a:spLocks noGrp="true"/>
-          </p:cNvSpPr>
-          <p:nvPr>
-            <p:ph idx="12" sz="quarter" type="sldNum"/>
-          </p:nvPr>
-        </p:nvSpPr>
-        <p:spPr/>
-        <p:txBody>
-          <a:bodyPr/>
-          <a:lstStyle/>
-          <a:p>
-            <a:fld type="slidenum" id="{C47AABF0-D73A-43C1-84CC-8A30B6535388}">
-              <a:rPr smtClean="false" lang="fr-FR"/>
+          <p:cNvPr id="9" name="Espace réservé du numéro de diapositive 8"/>
+          <p:cNvSpPr>
+            <a:spLocks noGrp="true"/>
+          </p:cNvSpPr>
+          <p:nvPr>
+            <p:ph type="sldNum" sz="quarter" idx="12"/>
+          </p:nvPr>
+        </p:nvSpPr>
+        <p:spPr/>
+        <p:txBody>
+          <a:bodyPr/>
+          <a:lstStyle/>
+          <a:p>
+            <a:fld id="{C47AABF0-D73A-43C1-84CC-8A30B6535388}" type="slidenum">
+              <a:rPr lang="fr-FR" smtClean="false"/>
               <a:t>‹N°›</a:t>
             </a:fld>
             <a:endParaRPr lang="fr-FR"/>
@@ -1523,7 +1523,7 @@
   <p:timing>
     <p:tnLst>
       <p:par>
-        <p:cTn nodeType="tmRoot" restart="never" dur="indefinite" id="1"/>
+        <p:cTn id="1" dur="indefinite" restart="never" nodeType="tmRoot"/>
       </p:par>
     </p:tnLst>
   </p:timing>
@@ -1531,25 +1531,25 @@
 </file>
 
 <file path=ppt/slideLayouts/slideLayout6.xml><?xml version="1.0" encoding="utf-8"?>
-<p:sldLayout xmlns:a="http://schemas.openxmlformats.org/drawingml/2006/main" xmlns:r="http://schemas.openxmlformats.org/officeDocument/2006/relationships" xmlns:p="http://schemas.openxmlformats.org/presentationml/2006/main" xmlns:mc="http://schemas.openxmlformats.org/markup-compatibility/2006" xmlns:c="http://schemas.openxmlformats.org/drawingml/2006/chart" xmlns:ns6="http://schemas.openxmlformats.org/drawingml/2006/chartDrawing" xmlns:dgm="http://schemas.openxmlformats.org/drawingml/2006/diagram" xmlns:pic="http://schemas.openxmlformats.org/drawingml/2006/picture" xmlns:wp="http://schemas.openxmlformats.org/drawingml/2006/wordprocessingDrawing" xmlns:xdr="http://schemas.openxmlformats.org/drawingml/2006/spreadsheetDrawing" xmlns:ns11="http://schemas.openxmlformats.org/drawingml/2006/compatibility" xmlns:ns12="http://schemas.openxmlformats.org/drawingml/2006/lockedCanvas" preserve="true" type="titleOnly">
+<p:sldLayout xmlns:p="http://schemas.openxmlformats.org/presentationml/2006/main" xmlns:a="http://schemas.openxmlformats.org/drawingml/2006/main" xmlns:r="http://schemas.openxmlformats.org/officeDocument/2006/relationships" xmlns:mc="http://schemas.openxmlformats.org/markup-compatibility/2006" xmlns:c="http://schemas.openxmlformats.org/drawingml/2006/chart" xmlns:ns6="http://schemas.openxmlformats.org/drawingml/2006/chartDrawing" xmlns:dgm="http://schemas.openxmlformats.org/drawingml/2006/diagram" xmlns:pic="http://schemas.openxmlformats.org/drawingml/2006/picture" xmlns:wp="http://schemas.openxmlformats.org/drawingml/2006/wordprocessingDrawing" xmlns:xdr="http://schemas.openxmlformats.org/drawingml/2006/spreadsheetDrawing" xmlns:ns11="http://schemas.openxmlformats.org/drawingml/2006/compatibility" xmlns:ns12="http://schemas.openxmlformats.org/drawingml/2006/lockedCanvas" type="titleOnly" preserve="true">
   <p:cSld name="Title Only">
     <p:spTree>
       <p:nvGrpSpPr>
-        <p:cNvPr name="" id="1"/>
+        <p:cNvPr id="1" name=""/>
         <p:cNvGrpSpPr/>
         <p:nvPr/>
       </p:nvGrpSpPr>
       <p:grpSpPr>
         <a:xfrm>
-          <a:off y="0" x="0"/>
-          <a:ext cy="0" cx="0"/>
-          <a:chOff y="0" x="0"/>
-          <a:chExt cy="0" cx="0"/>
+          <a:off x="0" y="0"/>
+          <a:ext cx="0" cy="0"/>
+          <a:chOff x="0" y="0"/>
+          <a:chExt cx="0" cy="0"/>
         </a:xfrm>
       </p:grpSpPr>
       <p:sp>
         <p:nvSpPr>
-          <p:cNvPr name="Titre 1" id="2"/>
+          <p:cNvPr id="2" name="Titre 1"/>
           <p:cNvSpPr>
             <a:spLocks noGrp="true"/>
           </p:cNvSpPr>
@@ -1563,7 +1563,7 @@
           <a:lstStyle/>
           <a:p>
             <a:r>
-              <a:rPr smtClean="false" lang="fr-FR"/>
+              <a:rPr lang="fr-FR" smtClean="false"/>
               <a:t>Modifiez le style du titre</a:t>
             </a:r>
             <a:endParaRPr lang="fr-FR"/>
@@ -1572,21 +1572,21 @@
       </p:sp>
       <p:sp>
         <p:nvSpPr>
-          <p:cNvPr name="Espace réservé de la date 2" id="3"/>
-          <p:cNvSpPr>
-            <a:spLocks noGrp="true"/>
-          </p:cNvSpPr>
-          <p:nvPr>
-            <p:ph idx="10" sz="half" type="dt"/>
-          </p:nvPr>
-        </p:nvSpPr>
-        <p:spPr/>
-        <p:txBody>
-          <a:bodyPr/>
-          <a:lstStyle/>
-          <a:p>
-            <a:fld type="datetimeFigureOut" id="{CE3110EA-6548-4EF6-B0A9-8F847AEECEDD}">
-              <a:rPr smtClean="false" lang="fr-FR"/>
+          <p:cNvPr id="3" name="Espace réservé de la date 2"/>
+          <p:cNvSpPr>
+            <a:spLocks noGrp="true"/>
+          </p:cNvSpPr>
+          <p:nvPr>
+            <p:ph type="dt" sz="half" idx="10"/>
+          </p:nvPr>
+        </p:nvSpPr>
+        <p:spPr/>
+        <p:txBody>
+          <a:bodyPr/>
+          <a:lstStyle/>
+          <a:p>
+            <a:fld id="{CE3110EA-6548-4EF6-B0A9-8F847AEECEDD}" type="datetimeFigureOut">
+              <a:rPr lang="fr-FR" smtClean="false"/>
               <a:t>07/12/2013</a:t>
             </a:fld>
             <a:endParaRPr lang="fr-FR"/>
@@ -1595,40 +1595,40 @@
       </p:sp>
       <p:sp>
         <p:nvSpPr>
-          <p:cNvPr name="Espace réservé du pied de page 3" id="4"/>
-          <p:cNvSpPr>
-            <a:spLocks noGrp="true"/>
-          </p:cNvSpPr>
-          <p:nvPr>
-            <p:ph idx="11" sz="quarter" type="ftr"/>
-          </p:nvPr>
-        </p:nvSpPr>
-        <p:spPr/>
-        <p:txBody>
-          <a:bodyPr/>
-          <a:lstStyle/>
-          <a:p>
-            <a:endParaRPr lang="fr-FR"/>
-          </a:p>
-        </p:txBody>
-      </p:sp>
-      <p:sp>
-        <p:nvSpPr>
-          <p:cNvPr name="Espace réservé du numéro de diapositive 4" id="5"/>
-          <p:cNvSpPr>
-            <a:spLocks noGrp="true"/>
-          </p:cNvSpPr>
-          <p:nvPr>
-            <p:ph idx="12" sz="quarter" type="sldNum"/>
-          </p:nvPr>
-        </p:nvSpPr>
-        <p:spPr/>
-        <p:txBody>
-          <a:bodyPr/>
-          <a:lstStyle/>
-          <a:p>
-            <a:fld type="slidenum" id="{C47AABF0-D73A-43C1-84CC-8A30B6535388}">
-              <a:rPr smtClean="false" lang="fr-FR"/>
+          <p:cNvPr id="4" name="Espace réservé du pied de page 3"/>
+          <p:cNvSpPr>
+            <a:spLocks noGrp="true"/>
+          </p:cNvSpPr>
+          <p:nvPr>
+            <p:ph type="ftr" sz="quarter" idx="11"/>
+          </p:nvPr>
+        </p:nvSpPr>
+        <p:spPr/>
+        <p:txBody>
+          <a:bodyPr/>
+          <a:lstStyle/>
+          <a:p>
+            <a:endParaRPr lang="fr-FR"/>
+          </a:p>
+        </p:txBody>
+      </p:sp>
+      <p:sp>
+        <p:nvSpPr>
+          <p:cNvPr id="5" name="Espace réservé du numéro de diapositive 4"/>
+          <p:cNvSpPr>
+            <a:spLocks noGrp="true"/>
+          </p:cNvSpPr>
+          <p:nvPr>
+            <p:ph type="sldNum" sz="quarter" idx="12"/>
+          </p:nvPr>
+        </p:nvSpPr>
+        <p:spPr/>
+        <p:txBody>
+          <a:bodyPr/>
+          <a:lstStyle/>
+          <a:p>
+            <a:fld id="{C47AABF0-D73A-43C1-84CC-8A30B6535388}" type="slidenum">
+              <a:rPr lang="fr-FR" smtClean="false"/>
               <a:t>‹N°›</a:t>
             </a:fld>
             <a:endParaRPr lang="fr-FR"/>
@@ -1648,7 +1648,7 @@
   <p:timing>
     <p:tnLst>
       <p:par>
-        <p:cTn nodeType="tmRoot" restart="never" dur="indefinite" id="1"/>
+        <p:cTn id="1" dur="indefinite" restart="never" nodeType="tmRoot"/>
       </p:par>
     </p:tnLst>
   </p:timing>
@@ -1656,39 +1656,39 @@
 </file>
 
 <file path=ppt/slideLayouts/slideLayout7.xml><?xml version="1.0" encoding="utf-8"?>
-<p:sldLayout xmlns:a="http://schemas.openxmlformats.org/drawingml/2006/main" xmlns:r="http://schemas.openxmlformats.org/officeDocument/2006/relationships" xmlns:p="http://schemas.openxmlformats.org/presentationml/2006/main" xmlns:mc="http://schemas.openxmlformats.org/markup-compatibility/2006" xmlns:c="http://schemas.openxmlformats.org/drawingml/2006/chart" xmlns:ns6="http://schemas.openxmlformats.org/drawingml/2006/chartDrawing" xmlns:dgm="http://schemas.openxmlformats.org/drawingml/2006/diagram" xmlns:pic="http://schemas.openxmlformats.org/drawingml/2006/picture" xmlns:wp="http://schemas.openxmlformats.org/drawingml/2006/wordprocessingDrawing" xmlns:xdr="http://schemas.openxmlformats.org/drawingml/2006/spreadsheetDrawing" xmlns:ns11="http://schemas.openxmlformats.org/drawingml/2006/compatibility" xmlns:ns12="http://schemas.openxmlformats.org/drawingml/2006/lockedCanvas" preserve="true" type="blank">
+<p:sldLayout xmlns:p="http://schemas.openxmlformats.org/presentationml/2006/main" xmlns:a="http://schemas.openxmlformats.org/drawingml/2006/main" xmlns:r="http://schemas.openxmlformats.org/officeDocument/2006/relationships" xmlns:mc="http://schemas.openxmlformats.org/markup-compatibility/2006" xmlns:c="http://schemas.openxmlformats.org/drawingml/2006/chart" xmlns:ns6="http://schemas.openxmlformats.org/drawingml/2006/chartDrawing" xmlns:dgm="http://schemas.openxmlformats.org/drawingml/2006/diagram" xmlns:pic="http://schemas.openxmlformats.org/drawingml/2006/picture" xmlns:wp="http://schemas.openxmlformats.org/drawingml/2006/wordprocessingDrawing" xmlns:xdr="http://schemas.openxmlformats.org/drawingml/2006/spreadsheetDrawing" xmlns:ns11="http://schemas.openxmlformats.org/drawingml/2006/compatibility" xmlns:ns12="http://schemas.openxmlformats.org/drawingml/2006/lockedCanvas" type="blank" preserve="true">
   <p:cSld name="Blank">
     <p:spTree>
       <p:nvGrpSpPr>
-        <p:cNvPr name="" id="1"/>
+        <p:cNvPr id="1" name=""/>
         <p:cNvGrpSpPr/>
         <p:nvPr/>
       </p:nvGrpSpPr>
       <p:grpSpPr>
         <a:xfrm>
-          <a:off y="0" x="0"/>
-          <a:ext cy="0" cx="0"/>
-          <a:chOff y="0" x="0"/>
-          <a:chExt cy="0" cx="0"/>
+          <a:off x="0" y="0"/>
+          <a:ext cx="0" cy="0"/>
+          <a:chOff x="0" y="0"/>
+          <a:chExt cx="0" cy="0"/>
         </a:xfrm>
       </p:grpSpPr>
       <p:sp>
         <p:nvSpPr>
-          <p:cNvPr name="Espace réservé de la date 1" id="2"/>
-          <p:cNvSpPr>
-            <a:spLocks noGrp="true"/>
-          </p:cNvSpPr>
-          <p:nvPr>
-            <p:ph idx="10" sz="half" type="dt"/>
-          </p:nvPr>
-        </p:nvSpPr>
-        <p:spPr/>
-        <p:txBody>
-          <a:bodyPr/>
-          <a:lstStyle/>
-          <a:p>
-            <a:fld type="datetimeFigureOut" id="{CE3110EA-6548-4EF6-B0A9-8F847AEECEDD}">
-              <a:rPr smtClean="false" lang="fr-FR"/>
+          <p:cNvPr id="2" name="Espace réservé de la date 1"/>
+          <p:cNvSpPr>
+            <a:spLocks noGrp="true"/>
+          </p:cNvSpPr>
+          <p:nvPr>
+            <p:ph type="dt" sz="half" idx="10"/>
+          </p:nvPr>
+        </p:nvSpPr>
+        <p:spPr/>
+        <p:txBody>
+          <a:bodyPr/>
+          <a:lstStyle/>
+          <a:p>
+            <a:fld id="{CE3110EA-6548-4EF6-B0A9-8F847AEECEDD}" type="datetimeFigureOut">
+              <a:rPr lang="fr-FR" smtClean="false"/>
               <a:t>07/12/2013</a:t>
             </a:fld>
             <a:endParaRPr lang="fr-FR"/>
@@ -1697,40 +1697,40 @@
       </p:sp>
       <p:sp>
         <p:nvSpPr>
-          <p:cNvPr name="Espace réservé du pied de page 2" id="3"/>
-          <p:cNvSpPr>
-            <a:spLocks noGrp="true"/>
-          </p:cNvSpPr>
-          <p:nvPr>
-            <p:ph idx="11" sz="quarter" type="ftr"/>
-          </p:nvPr>
-        </p:nvSpPr>
-        <p:spPr/>
-        <p:txBody>
-          <a:bodyPr/>
-          <a:lstStyle/>
-          <a:p>
-            <a:endParaRPr lang="fr-FR"/>
-          </a:p>
-        </p:txBody>
-      </p:sp>
-      <p:sp>
-        <p:nvSpPr>
-          <p:cNvPr name="Espace réservé du numéro de diapositive 3" id="4"/>
-          <p:cNvSpPr>
-            <a:spLocks noGrp="true"/>
-          </p:cNvSpPr>
-          <p:nvPr>
-            <p:ph idx="12" sz="quarter" type="sldNum"/>
-          </p:nvPr>
-        </p:nvSpPr>
-        <p:spPr/>
-        <p:txBody>
-          <a:bodyPr/>
-          <a:lstStyle/>
-          <a:p>
-            <a:fld type="slidenum" id="{C47AABF0-D73A-43C1-84CC-8A30B6535388}">
-              <a:rPr smtClean="false" lang="fr-FR"/>
+          <p:cNvPr id="3" name="Espace réservé du pied de page 2"/>
+          <p:cNvSpPr>
+            <a:spLocks noGrp="true"/>
+          </p:cNvSpPr>
+          <p:nvPr>
+            <p:ph type="ftr" sz="quarter" idx="11"/>
+          </p:nvPr>
+        </p:nvSpPr>
+        <p:spPr/>
+        <p:txBody>
+          <a:bodyPr/>
+          <a:lstStyle/>
+          <a:p>
+            <a:endParaRPr lang="fr-FR"/>
+          </a:p>
+        </p:txBody>
+      </p:sp>
+      <p:sp>
+        <p:nvSpPr>
+          <p:cNvPr id="4" name="Espace réservé du numéro de diapositive 3"/>
+          <p:cNvSpPr>
+            <a:spLocks noGrp="true"/>
+          </p:cNvSpPr>
+          <p:nvPr>
+            <p:ph type="sldNum" sz="quarter" idx="12"/>
+          </p:nvPr>
+        </p:nvSpPr>
+        <p:spPr/>
+        <p:txBody>
+          <a:bodyPr/>
+          <a:lstStyle/>
+          <a:p>
+            <a:fld id="{C47AABF0-D73A-43C1-84CC-8A30B6535388}" type="slidenum">
+              <a:rPr lang="fr-FR" smtClean="false"/>
               <a:t>‹N°›</a:t>
             </a:fld>
             <a:endParaRPr lang="fr-FR"/>
@@ -1750,7 +1750,7 @@
   <p:timing>
     <p:tnLst>
       <p:par>
-        <p:cTn nodeType="tmRoot" restart="never" dur="indefinite" id="1"/>
+        <p:cTn id="1" dur="indefinite" restart="never" nodeType="tmRoot"/>
       </p:par>
     </p:tnLst>
   </p:timing>
@@ -1758,25 +1758,25 @@
 </file>
 
 <file path=ppt/slideLayouts/slideLayout8.xml><?xml version="1.0" encoding="utf-8"?>
-<p:sldLayout xmlns:a="http://schemas.openxmlformats.org/drawingml/2006/main" xmlns:r="http://schemas.openxmlformats.org/officeDocument/2006/relationships" xmlns:p="http://schemas.openxmlformats.org/presentationml/2006/main" xmlns:mc="http://schemas.openxmlformats.org/markup-compatibility/2006" xmlns:c="http://schemas.openxmlformats.org/drawingml/2006/chart" xmlns:ns6="http://schemas.openxmlformats.org/drawingml/2006/chartDrawing" xmlns:dgm="http://schemas.openxmlformats.org/drawingml/2006/diagram" xmlns:pic="http://schemas.openxmlformats.org/drawingml/2006/picture" xmlns:wp="http://schemas.openxmlformats.org/drawingml/2006/wordprocessingDrawing" xmlns:xdr="http://schemas.openxmlformats.org/drawingml/2006/spreadsheetDrawing" xmlns:ns11="http://schemas.openxmlformats.org/drawingml/2006/compatibility" xmlns:ns12="http://schemas.openxmlformats.org/drawingml/2006/lockedCanvas" preserve="true" type="objTx">
+<p:sldLayout xmlns:p="http://schemas.openxmlformats.org/presentationml/2006/main" xmlns:a="http://schemas.openxmlformats.org/drawingml/2006/main" xmlns:r="http://schemas.openxmlformats.org/officeDocument/2006/relationships" xmlns:mc="http://schemas.openxmlformats.org/markup-compatibility/2006" xmlns:c="http://schemas.openxmlformats.org/drawingml/2006/chart" xmlns:ns6="http://schemas.openxmlformats.org/drawingml/2006/chartDrawing" xmlns:dgm="http://schemas.openxmlformats.org/drawingml/2006/diagram" xmlns:pic="http://schemas.openxmlformats.org/drawingml/2006/picture" xmlns:wp="http://schemas.openxmlformats.org/drawingml/2006/wordprocessingDrawing" xmlns:xdr="http://schemas.openxmlformats.org/drawingml/2006/spreadsheetDrawing" xmlns:ns11="http://schemas.openxmlformats.org/drawingml/2006/compatibility" xmlns:ns12="http://schemas.openxmlformats.org/drawingml/2006/lockedCanvas" type="objTx" preserve="true">
   <p:cSld name="Content with Caption">
     <p:spTree>
       <p:nvGrpSpPr>
-        <p:cNvPr name="" id="1"/>
+        <p:cNvPr id="1" name=""/>
         <p:cNvGrpSpPr/>
         <p:nvPr/>
       </p:nvGrpSpPr>
       <p:grpSpPr>
         <a:xfrm>
-          <a:off y="0" x="0"/>
-          <a:ext cy="0" cx="0"/>
-          <a:chOff y="0" x="0"/>
-          <a:chExt cy="0" cx="0"/>
+          <a:off x="0" y="0"/>
+          <a:ext cx="0" cy="0"/>
+          <a:chOff x="0" y="0"/>
+          <a:chExt cx="0" cy="0"/>
         </a:xfrm>
       </p:grpSpPr>
       <p:sp>
         <p:nvSpPr>
-          <p:cNvPr name="Titre 1" id="2"/>
+          <p:cNvPr id="2" name="Titre 1"/>
           <p:cNvSpPr>
             <a:spLocks noGrp="true"/>
           </p:cNvSpPr>
@@ -1786,8 +1786,8 @@
         </p:nvSpPr>
         <p:spPr>
           <a:xfrm>
-            <a:off y="457200" x="839788"/>
-            <a:ext cy="1600200" cx="3932237"/>
+            <a:off x="839788" y="457200"/>
+            <a:ext cx="3932237" cy="1600200"/>
           </a:xfrm>
         </p:spPr>
         <p:txBody>
@@ -1799,7 +1799,7 @@
           </a:lstStyle>
           <a:p>
             <a:r>
-              <a:rPr smtClean="false" lang="fr-FR"/>
+              <a:rPr lang="fr-FR" smtClean="false"/>
               <a:t>Modifiez le style du titre</a:t>
             </a:r>
             <a:endParaRPr lang="fr-FR"/>
@@ -1808,7 +1808,7 @@
       </p:sp>
       <p:sp>
         <p:nvSpPr>
-          <p:cNvPr name="Espace réservé du contenu 2" id="3"/>
+          <p:cNvPr id="3" name="Espace réservé du contenu 2"/>
           <p:cNvSpPr>
             <a:spLocks noGrp="true"/>
           </p:cNvSpPr>
@@ -1818,8 +1818,8 @@
         </p:nvSpPr>
         <p:spPr>
           <a:xfrm>
-            <a:off y="987425" x="5183188"/>
-            <a:ext cy="4873625" cx="6172200"/>
+            <a:off x="5183188" y="987425"/>
+            <a:ext cx="6172200" cy="4873625"/>
           </a:xfrm>
         </p:spPr>
         <p:txBody>
@@ -1856,35 +1856,35 @@
           <a:p>
             <a:pPr lvl="0"/>
             <a:r>
-              <a:rPr smtClean="false" lang="fr-FR"/>
+              <a:rPr lang="fr-FR" smtClean="false"/>
               <a:t>Modifiez les styles du texte du masque</a:t>
             </a:r>
           </a:p>
           <a:p>
             <a:pPr lvl="1"/>
             <a:r>
-              <a:rPr smtClean="false" lang="fr-FR"/>
+              <a:rPr lang="fr-FR" smtClean="false"/>
               <a:t>Deuxième niveau</a:t>
             </a:r>
           </a:p>
           <a:p>
             <a:pPr lvl="2"/>
             <a:r>
-              <a:rPr smtClean="false" lang="fr-FR"/>
+              <a:rPr lang="fr-FR" smtClean="false"/>
               <a:t>Troisième niveau</a:t>
             </a:r>
           </a:p>
           <a:p>
             <a:pPr lvl="3"/>
             <a:r>
-              <a:rPr smtClean="false" lang="fr-FR"/>
+              <a:rPr lang="fr-FR" smtClean="false"/>
               <a:t>Quatrième niveau</a:t>
             </a:r>
           </a:p>
           <a:p>
             <a:pPr lvl="4"/>
             <a:r>
-              <a:rPr smtClean="false" lang="fr-FR"/>
+              <a:rPr lang="fr-FR" smtClean="false"/>
               <a:t>Cinquième niveau</a:t>
             </a:r>
             <a:endParaRPr lang="fr-FR"/>
@@ -1893,56 +1893,56 @@
       </p:sp>
       <p:sp>
         <p:nvSpPr>
-          <p:cNvPr name="Espace réservé du texte 3" id="4"/>
-          <p:cNvSpPr>
-            <a:spLocks noGrp="true"/>
-          </p:cNvSpPr>
-          <p:nvPr>
-            <p:ph idx="2" sz="half" type="body"/>
+          <p:cNvPr id="4" name="Espace réservé du texte 3"/>
+          <p:cNvSpPr>
+            <a:spLocks noGrp="true"/>
+          </p:cNvSpPr>
+          <p:nvPr>
+            <p:ph type="body" sz="half" idx="2"/>
           </p:nvPr>
         </p:nvSpPr>
         <p:spPr>
           <a:xfrm>
-            <a:off y="2057400" x="839788"/>
-            <a:ext cy="3811588" cx="3932237"/>
+            <a:off x="839788" y="2057400"/>
+            <a:ext cx="3932237" cy="3811588"/>
           </a:xfrm>
         </p:spPr>
         <p:txBody>
           <a:bodyPr/>
           <a:lstStyle>
-            <a:lvl1pPr indent="0" marL="0">
+            <a:lvl1pPr marL="0" indent="0">
               <a:buNone/>
               <a:defRPr sz="1600"/>
             </a:lvl1pPr>
-            <a:lvl2pPr indent="0" marL="457200">
+            <a:lvl2pPr marL="457200" indent="0">
               <a:buNone/>
               <a:defRPr sz="1400"/>
             </a:lvl2pPr>
-            <a:lvl3pPr indent="0" marL="914400">
+            <a:lvl3pPr marL="914400" indent="0">
               <a:buNone/>
               <a:defRPr sz="1200"/>
             </a:lvl3pPr>
-            <a:lvl4pPr indent="0" marL="1371600">
+            <a:lvl4pPr marL="1371600" indent="0">
               <a:buNone/>
               <a:defRPr sz="1000"/>
             </a:lvl4pPr>
-            <a:lvl5pPr indent="0" marL="1828800">
+            <a:lvl5pPr marL="1828800" indent="0">
               <a:buNone/>
               <a:defRPr sz="1000"/>
             </a:lvl5pPr>
-            <a:lvl6pPr indent="0" marL="2286000">
+            <a:lvl6pPr marL="2286000" indent="0">
               <a:buNone/>
               <a:defRPr sz="1000"/>
             </a:lvl6pPr>
-            <a:lvl7pPr indent="0" marL="2743200">
+            <a:lvl7pPr marL="2743200" indent="0">
               <a:buNone/>
               <a:defRPr sz="1000"/>
             </a:lvl7pPr>
-            <a:lvl8pPr indent="0" marL="3200400">
+            <a:lvl8pPr marL="3200400" indent="0">
               <a:buNone/>
               <a:defRPr sz="1000"/>
             </a:lvl8pPr>
-            <a:lvl9pPr indent="0" marL="3657600">
+            <a:lvl9pPr marL="3657600" indent="0">
               <a:buNone/>
               <a:defRPr sz="1000"/>
             </a:lvl9pPr>
@@ -1950,7 +1950,7 @@
           <a:p>
             <a:pPr lvl="0"/>
             <a:r>
-              <a:rPr smtClean="false" lang="fr-FR"/>
+              <a:rPr lang="fr-FR" smtClean="false"/>
               <a:t>Modifiez les styles du texte du masque</a:t>
             </a:r>
           </a:p>
@@ -1958,21 +1958,21 @@
       </p:sp>
       <p:sp>
         <p:nvSpPr>
-          <p:cNvPr name="Espace réservé de la date 4" id="5"/>
-          <p:cNvSpPr>
-            <a:spLocks noGrp="true"/>
-          </p:cNvSpPr>
-          <p:nvPr>
-            <p:ph idx="10" sz="half" type="dt"/>
-          </p:nvPr>
-        </p:nvSpPr>
-        <p:spPr/>
-        <p:txBody>
-          <a:bodyPr/>
-          <a:lstStyle/>
-          <a:p>
-            <a:fld type="datetimeFigureOut" id="{CE3110EA-6548-4EF6-B0A9-8F847AEECEDD}">
-              <a:rPr smtClean="false" lang="fr-FR"/>
+          <p:cNvPr id="5" name="Espace réservé de la date 4"/>
+          <p:cNvSpPr>
+            <a:spLocks noGrp="true"/>
+          </p:cNvSpPr>
+          <p:nvPr>
+            <p:ph type="dt" sz="half" idx="10"/>
+          </p:nvPr>
+        </p:nvSpPr>
+        <p:spPr/>
+        <p:txBody>
+          <a:bodyPr/>
+          <a:lstStyle/>
+          <a:p>
+            <a:fld id="{CE3110EA-6548-4EF6-B0A9-8F847AEECEDD}" type="datetimeFigureOut">
+              <a:rPr lang="fr-FR" smtClean="false"/>
               <a:t>07/12/2013</a:t>
             </a:fld>
             <a:endParaRPr lang="fr-FR"/>
@@ -1981,40 +1981,40 @@
       </p:sp>
       <p:sp>
         <p:nvSpPr>
-          <p:cNvPr name="Espace réservé du pied de page 5" id="6"/>
-          <p:cNvSpPr>
-            <a:spLocks noGrp="true"/>
-          </p:cNvSpPr>
-          <p:nvPr>
-            <p:ph idx="11" sz="quarter" type="ftr"/>
-          </p:nvPr>
-        </p:nvSpPr>
-        <p:spPr/>
-        <p:txBody>
-          <a:bodyPr/>
-          <a:lstStyle/>
-          <a:p>
-            <a:endParaRPr lang="fr-FR"/>
-          </a:p>
-        </p:txBody>
-      </p:sp>
-      <p:sp>
-        <p:nvSpPr>
-          <p:cNvPr name="Espace réservé du numéro de diapositive 6" id="7"/>
-          <p:cNvSpPr>
-            <a:spLocks noGrp="true"/>
-          </p:cNvSpPr>
-          <p:nvPr>
-            <p:ph idx="12" sz="quarter" type="sldNum"/>
-          </p:nvPr>
-        </p:nvSpPr>
-        <p:spPr/>
-        <p:txBody>
-          <a:bodyPr/>
-          <a:lstStyle/>
-          <a:p>
-            <a:fld type="slidenum" id="{C47AABF0-D73A-43C1-84CC-8A30B6535388}">
-              <a:rPr smtClean="false" lang="fr-FR"/>
+          <p:cNvPr id="6" name="Espace réservé du pied de page 5"/>
+          <p:cNvSpPr>
+            <a:spLocks noGrp="true"/>
+          </p:cNvSpPr>
+          <p:nvPr>
+            <p:ph type="ftr" sz="quarter" idx="11"/>
+          </p:nvPr>
+        </p:nvSpPr>
+        <p:spPr/>
+        <p:txBody>
+          <a:bodyPr/>
+          <a:lstStyle/>
+          <a:p>
+            <a:endParaRPr lang="fr-FR"/>
+          </a:p>
+        </p:txBody>
+      </p:sp>
+      <p:sp>
+        <p:nvSpPr>
+          <p:cNvPr id="7" name="Espace réservé du numéro de diapositive 6"/>
+          <p:cNvSpPr>
+            <a:spLocks noGrp="true"/>
+          </p:cNvSpPr>
+          <p:nvPr>
+            <p:ph type="sldNum" sz="quarter" idx="12"/>
+          </p:nvPr>
+        </p:nvSpPr>
+        <p:spPr/>
+        <p:txBody>
+          <a:bodyPr/>
+          <a:lstStyle/>
+          <a:p>
+            <a:fld id="{C47AABF0-D73A-43C1-84CC-8A30B6535388}" type="slidenum">
+              <a:rPr lang="fr-FR" smtClean="false"/>
               <a:t>‹N°›</a:t>
             </a:fld>
             <a:endParaRPr lang="fr-FR"/>
@@ -2034,7 +2034,7 @@
   <p:timing>
     <p:tnLst>
       <p:par>
-        <p:cTn nodeType="tmRoot" restart="never" dur="indefinite" id="1"/>
+        <p:cTn id="1" dur="indefinite" restart="never" nodeType="tmRoot"/>
       </p:par>
     </p:tnLst>
   </p:timing>
@@ -2042,25 +2042,25 @@
 </file>
 
 <file path=ppt/slideLayouts/slideLayout9.xml><?xml version="1.0" encoding="utf-8"?>
-<p:sldLayout xmlns:a="http://schemas.openxmlformats.org/drawingml/2006/main" xmlns:r="http://schemas.openxmlformats.org/officeDocument/2006/relationships" xmlns:p="http://schemas.openxmlformats.org/presentationml/2006/main" xmlns:mc="http://schemas.openxmlformats.org/markup-compatibility/2006" xmlns:c="http://schemas.openxmlformats.org/drawingml/2006/chart" xmlns:ns6="http://schemas.openxmlformats.org/drawingml/2006/chartDrawing" xmlns:dgm="http://schemas.openxmlformats.org/drawingml/2006/diagram" xmlns:pic="http://schemas.openxmlformats.org/drawingml/2006/picture" xmlns:wp="http://schemas.openxmlformats.org/drawingml/2006/wordprocessingDrawing" xmlns:xdr="http://schemas.openxmlformats.org/drawingml/2006/spreadsheetDrawing" xmlns:ns11="http://schemas.openxmlformats.org/drawingml/2006/compatibility" xmlns:ns12="http://schemas.openxmlformats.org/drawingml/2006/lockedCanvas" preserve="true" type="vertTx">
+<p:sldLayout xmlns:p="http://schemas.openxmlformats.org/presentationml/2006/main" xmlns:a="http://schemas.openxmlformats.org/drawingml/2006/main" xmlns:r="http://schemas.openxmlformats.org/officeDocument/2006/relationships" xmlns:mc="http://schemas.openxmlformats.org/markup-compatibility/2006" xmlns:c="http://schemas.openxmlformats.org/drawingml/2006/chart" xmlns:ns6="http://schemas.openxmlformats.org/drawingml/2006/chartDrawing" xmlns:dgm="http://schemas.openxmlformats.org/drawingml/2006/diagram" xmlns:pic="http://schemas.openxmlformats.org/drawingml/2006/picture" xmlns:wp="http://schemas.openxmlformats.org/drawingml/2006/wordprocessingDrawing" xmlns:xdr="http://schemas.openxmlformats.org/drawingml/2006/spreadsheetDrawing" xmlns:ns11="http://schemas.openxmlformats.org/drawingml/2006/compatibility" xmlns:ns12="http://schemas.openxmlformats.org/drawingml/2006/lockedCanvas" type="vertTx" preserve="true">
   <p:cSld name="Title and Vertical Text">
     <p:spTree>
       <p:nvGrpSpPr>
-        <p:cNvPr name="" id="1"/>
+        <p:cNvPr id="1" name=""/>
         <p:cNvGrpSpPr/>
         <p:nvPr/>
       </p:nvGrpSpPr>
       <p:grpSpPr>
         <a:xfrm>
-          <a:off y="0" x="0"/>
-          <a:ext cy="0" cx="0"/>
-          <a:chOff y="0" x="0"/>
-          <a:chExt cy="0" cx="0"/>
+          <a:off x="0" y="0"/>
+          <a:ext cx="0" cy="0"/>
+          <a:chOff x="0" y="0"/>
+          <a:chExt cx="0" cy="0"/>
         </a:xfrm>
       </p:grpSpPr>
       <p:sp>
         <p:nvSpPr>
-          <p:cNvPr name="Titre 1" id="2"/>
+          <p:cNvPr id="2" name="Titre 1"/>
           <p:cNvSpPr>
             <a:spLocks noGrp="true"/>
           </p:cNvSpPr>
@@ -2074,7 +2074,7 @@
           <a:lstStyle/>
           <a:p>
             <a:r>
-              <a:rPr smtClean="false" lang="fr-FR"/>
+              <a:rPr lang="fr-FR" smtClean="false"/>
               <a:t>Modifiez le style du titre</a:t>
             </a:r>
             <a:endParaRPr lang="fr-FR"/>
@@ -2083,12 +2083,12 @@
       </p:sp>
       <p:sp>
         <p:nvSpPr>
-          <p:cNvPr name="Espace réservé du texte vertical 2" id="3"/>
-          <p:cNvSpPr>
-            <a:spLocks noGrp="true"/>
-          </p:cNvSpPr>
-          <p:nvPr>
-            <p:ph idx="1" orient="vert" type="body"/>
+          <p:cNvPr id="3" name="Espace réservé du texte vertical 2"/>
+          <p:cNvSpPr>
+            <a:spLocks noGrp="true"/>
+          </p:cNvSpPr>
+          <p:nvPr>
+            <p:ph type="body" orient="vert" idx="1"/>
           </p:nvPr>
         </p:nvSpPr>
         <p:spPr/>
@@ -2098,35 +2098,35 @@
           <a:p>
             <a:pPr lvl="0"/>
             <a:r>
-              <a:rPr smtClean="false" lang="fr-FR"/>
+              <a:rPr lang="fr-FR" smtClean="false"/>
               <a:t>Modifiez les styles du texte du masque</a:t>
             </a:r>
           </a:p>
           <a:p>
             <a:pPr lvl="1"/>
             <a:r>
-              <a:rPr smtClean="false" lang="fr-FR"/>
+              <a:rPr lang="fr-FR" smtClean="false"/>
               <a:t>Deuxième niveau</a:t>
             </a:r>
           </a:p>
           <a:p>
             <a:pPr lvl="2"/>
             <a:r>
-              <a:rPr smtClean="false" lang="fr-FR"/>
+              <a:rPr lang="fr-FR" smtClean="false"/>
               <a:t>Troisième niveau</a:t>
             </a:r>
           </a:p>
           <a:p>
             <a:pPr lvl="3"/>
             <a:r>
-              <a:rPr smtClean="false" lang="fr-FR"/>
+              <a:rPr lang="fr-FR" smtClean="false"/>
               <a:t>Quatrième niveau</a:t>
             </a:r>
           </a:p>
           <a:p>
             <a:pPr lvl="4"/>
             <a:r>
-              <a:rPr smtClean="false" lang="fr-FR"/>
+              <a:rPr lang="fr-FR" smtClean="false"/>
               <a:t>Cinquième niveau</a:t>
             </a:r>
             <a:endParaRPr lang="fr-FR"/>
@@ -2135,21 +2135,21 @@
       </p:sp>
       <p:sp>
         <p:nvSpPr>
-          <p:cNvPr name="Espace réservé de la date 3" id="4"/>
-          <p:cNvSpPr>
-            <a:spLocks noGrp="true"/>
-          </p:cNvSpPr>
-          <p:nvPr>
-            <p:ph idx="10" sz="half" type="dt"/>
-          </p:nvPr>
-        </p:nvSpPr>
-        <p:spPr/>
-        <p:txBody>
-          <a:bodyPr/>
-          <a:lstStyle/>
-          <a:p>
-            <a:fld type="datetimeFigureOut" id="{CE3110EA-6548-4EF6-B0A9-8F847AEECEDD}">
-              <a:rPr smtClean="false" lang="fr-FR"/>
+          <p:cNvPr id="4" name="Espace réservé de la date 3"/>
+          <p:cNvSpPr>
+            <a:spLocks noGrp="true"/>
+          </p:cNvSpPr>
+          <p:nvPr>
+            <p:ph type="dt" sz="half" idx="10"/>
+          </p:nvPr>
+        </p:nvSpPr>
+        <p:spPr/>
+        <p:txBody>
+          <a:bodyPr/>
+          <a:lstStyle/>
+          <a:p>
+            <a:fld id="{CE3110EA-6548-4EF6-B0A9-8F847AEECEDD}" type="datetimeFigureOut">
+              <a:rPr lang="fr-FR" smtClean="false"/>
               <a:t>07/12/2013</a:t>
             </a:fld>
             <a:endParaRPr lang="fr-FR"/>
@@ -2158,40 +2158,40 @@
       </p:sp>
       <p:sp>
         <p:nvSpPr>
-          <p:cNvPr name="Espace réservé du pied de page 4" id="5"/>
-          <p:cNvSpPr>
-            <a:spLocks noGrp="true"/>
-          </p:cNvSpPr>
-          <p:nvPr>
-            <p:ph idx="11" sz="quarter" type="ftr"/>
-          </p:nvPr>
-        </p:nvSpPr>
-        <p:spPr/>
-        <p:txBody>
-          <a:bodyPr/>
-          <a:lstStyle/>
-          <a:p>
-            <a:endParaRPr lang="fr-FR"/>
-          </a:p>
-        </p:txBody>
-      </p:sp>
-      <p:sp>
-        <p:nvSpPr>
-          <p:cNvPr name="Espace réservé du numéro de diapositive 5" id="6"/>
-          <p:cNvSpPr>
-            <a:spLocks noGrp="true"/>
-          </p:cNvSpPr>
-          <p:nvPr>
-            <p:ph idx="12" sz="quarter" type="sldNum"/>
-          </p:nvPr>
-        </p:nvSpPr>
-        <p:spPr/>
-        <p:txBody>
-          <a:bodyPr/>
-          <a:lstStyle/>
-          <a:p>
-            <a:fld type="slidenum" id="{C47AABF0-D73A-43C1-84CC-8A30B6535388}">
-              <a:rPr smtClean="false" lang="fr-FR"/>
+          <p:cNvPr id="5" name="Espace réservé du pied de page 4"/>
+          <p:cNvSpPr>
+            <a:spLocks noGrp="true"/>
+          </p:cNvSpPr>
+          <p:nvPr>
+            <p:ph type="ftr" sz="quarter" idx="11"/>
+          </p:nvPr>
+        </p:nvSpPr>
+        <p:spPr/>
+        <p:txBody>
+          <a:bodyPr/>
+          <a:lstStyle/>
+          <a:p>
+            <a:endParaRPr lang="fr-FR"/>
+          </a:p>
+        </p:txBody>
+      </p:sp>
+      <p:sp>
+        <p:nvSpPr>
+          <p:cNvPr id="6" name="Espace réservé du numéro de diapositive 5"/>
+          <p:cNvSpPr>
+            <a:spLocks noGrp="true"/>
+          </p:cNvSpPr>
+          <p:nvPr>
+            <p:ph type="sldNum" sz="quarter" idx="12"/>
+          </p:nvPr>
+        </p:nvSpPr>
+        <p:spPr/>
+        <p:txBody>
+          <a:bodyPr/>
+          <a:lstStyle/>
+          <a:p>
+            <a:fld id="{C47AABF0-D73A-43C1-84CC-8A30B6535388}" type="slidenum">
+              <a:rPr lang="fr-FR" smtClean="false"/>
               <a:t>‹N°›</a:t>
             </a:fld>
             <a:endParaRPr lang="fr-FR"/>
@@ -2211,7 +2211,7 @@
   <p:timing>
     <p:tnLst>
       <p:par>
-        <p:cTn nodeType="tmRoot" restart="never" dur="indefinite" id="1"/>
+        <p:cTn id="1" dur="indefinite" restart="never" nodeType="tmRoot"/>
       </p:par>
     </p:tnLst>
   </p:timing>
@@ -2219,7 +2219,7 @@
 </file>
 
 <file path=ppt/slideMasters/slideMaster1.xml><?xml version="1.0" encoding="utf-8"?>
-<p:sldMaster xmlns:a="http://schemas.openxmlformats.org/drawingml/2006/main" xmlns:r="http://schemas.openxmlformats.org/officeDocument/2006/relationships" xmlns:p="http://schemas.openxmlformats.org/presentationml/2006/main" xmlns:mc="http://schemas.openxmlformats.org/markup-compatibility/2006" xmlns:c="http://schemas.openxmlformats.org/drawingml/2006/chart" xmlns:ns6="http://schemas.openxmlformats.org/drawingml/2006/chartDrawing" xmlns:dgm="http://schemas.openxmlformats.org/drawingml/2006/diagram" xmlns:pic="http://schemas.openxmlformats.org/drawingml/2006/picture" xmlns:wp="http://schemas.openxmlformats.org/drawingml/2006/wordprocessingDrawing" xmlns:xdr="http://schemas.openxmlformats.org/drawingml/2006/spreadsheetDrawing" xmlns:ns11="http://schemas.openxmlformats.org/drawingml/2006/compatibility" xmlns:ns12="http://schemas.openxmlformats.org/drawingml/2006/lockedCanvas">
+<p:sldMaster xmlns:p="http://schemas.openxmlformats.org/presentationml/2006/main" xmlns:a="http://schemas.openxmlformats.org/drawingml/2006/main" xmlns:r="http://schemas.openxmlformats.org/officeDocument/2006/relationships" xmlns:mc="http://schemas.openxmlformats.org/markup-compatibility/2006" xmlns:c="http://schemas.openxmlformats.org/drawingml/2006/chart" xmlns:ns6="http://schemas.openxmlformats.org/drawingml/2006/chartDrawing" xmlns:dgm="http://schemas.openxmlformats.org/drawingml/2006/diagram" xmlns:pic="http://schemas.openxmlformats.org/drawingml/2006/picture" xmlns:wp="http://schemas.openxmlformats.org/drawingml/2006/wordprocessingDrawing" xmlns:xdr="http://schemas.openxmlformats.org/drawingml/2006/spreadsheetDrawing" xmlns:ns11="http://schemas.openxmlformats.org/drawingml/2006/compatibility" xmlns:ns12="http://schemas.openxmlformats.org/drawingml/2006/lockedCanvas">
   <p:cSld>
     <p:bg>
       <p:bgRef idx="1001">
@@ -2228,21 +2228,21 @@
     </p:bg>
     <p:spTree>
       <p:nvGrpSpPr>
-        <p:cNvPr name="" id="1"/>
+        <p:cNvPr id="1" name=""/>
         <p:cNvGrpSpPr/>
         <p:nvPr/>
       </p:nvGrpSpPr>
       <p:grpSpPr>
         <a:xfrm>
-          <a:off y="0" x="0"/>
-          <a:ext cy="0" cx="0"/>
-          <a:chOff y="0" x="0"/>
-          <a:chExt cy="0" cx="0"/>
+          <a:off x="0" y="0"/>
+          <a:ext cx="0" cy="0"/>
+          <a:chOff x="0" y="0"/>
+          <a:chExt cx="0" cy="0"/>
         </a:xfrm>
       </p:grpSpPr>
       <p:sp>
         <p:nvSpPr>
-          <p:cNvPr name="Espace réservé du titre 1" id="2"/>
+          <p:cNvPr id="2" name="Espace réservé du titre 1"/>
           <p:cNvSpPr>
             <a:spLocks noGrp="true"/>
           </p:cNvSpPr>
@@ -2252,21 +2252,21 @@
         </p:nvSpPr>
         <p:spPr>
           <a:xfrm>
-            <a:off y="360000" x="838200"/>
-            <a:ext cy="1325563" cx="10515600"/>
+            <a:off x="838200" y="360000"/>
+            <a:ext cx="10515600" cy="1325563"/>
           </a:xfrm>
           <a:prstGeom prst="rect">
             <a:avLst/>
           </a:prstGeom>
         </p:spPr>
         <p:txBody>
-          <a:bodyPr anchor="ctr" rtlCol="false" bIns="45720" rIns="91440" tIns="45720" lIns="91440" vert="horz">
+          <a:bodyPr vert="horz" lIns="91440" tIns="45720" rIns="91440" bIns="45720" rtlCol="false" anchor="ctr">
             <a:normAutofit/>
           </a:bodyPr>
           <a:lstStyle/>
           <a:p>
             <a:r>
-              <a:rPr smtClean="false" lang="fr-FR"/>
+              <a:rPr lang="fr-FR" smtClean="false"/>
               <a:t>Modifiez le style du titre</a:t>
             </a:r>
             <a:endParaRPr lang="fr-FR"/>
@@ -2275,60 +2275,60 @@
       </p:sp>
       <p:sp>
         <p:nvSpPr>
-          <p:cNvPr name="Espace réservé du texte 2" id="3"/>
-          <p:cNvSpPr>
-            <a:spLocks noGrp="true"/>
-          </p:cNvSpPr>
-          <p:nvPr>
-            <p:ph idx="1" type="body"/>
+          <p:cNvPr id="3" name="Espace réservé du texte 2"/>
+          <p:cNvSpPr>
+            <a:spLocks noGrp="true"/>
+          </p:cNvSpPr>
+          <p:nvPr>
+            <p:ph type="body" idx="1"/>
           </p:nvPr>
         </p:nvSpPr>
         <p:spPr>
           <a:xfrm>
-            <a:off y="1825625" x="838200"/>
-            <a:ext cy="4351338" cx="10515600"/>
+            <a:off x="838200" y="1825625"/>
+            <a:ext cx="10515600" cy="4351338"/>
           </a:xfrm>
           <a:prstGeom prst="rect">
             <a:avLst/>
           </a:prstGeom>
         </p:spPr>
         <p:txBody>
-          <a:bodyPr rtlCol="false" bIns="45720" rIns="91440" tIns="45720" lIns="91440" vert="horz">
+          <a:bodyPr vert="horz" lIns="91440" tIns="45720" rIns="91440" bIns="45720" rtlCol="false">
             <a:normAutofit/>
           </a:bodyPr>
           <a:lstStyle/>
           <a:p>
             <a:pPr lvl="0"/>
             <a:r>
-              <a:rPr smtClean="false" lang="fr-FR"/>
+              <a:rPr lang="fr-FR" smtClean="false"/>
               <a:t>Modifiez les styles du texte du masque</a:t>
             </a:r>
           </a:p>
           <a:p>
             <a:pPr lvl="1"/>
             <a:r>
-              <a:rPr smtClean="false" lang="fr-FR"/>
+              <a:rPr lang="fr-FR" smtClean="false"/>
               <a:t>Deuxième niveau</a:t>
             </a:r>
           </a:p>
           <a:p>
             <a:pPr lvl="2"/>
             <a:r>
-              <a:rPr smtClean="false" lang="fr-FR"/>
+              <a:rPr lang="fr-FR" smtClean="false"/>
               <a:t>Troisième niveau</a:t>
             </a:r>
           </a:p>
           <a:p>
             <a:pPr lvl="3"/>
             <a:r>
-              <a:rPr smtClean="false" lang="fr-FR"/>
+              <a:rPr lang="fr-FR" smtClean="false"/>
               <a:t>Quatrième niveau</a:t>
             </a:r>
           </a:p>
           <a:p>
             <a:pPr lvl="4"/>
             <a:r>
-              <a:rPr smtClean="false" lang="fr-FR"/>
+              <a:rPr lang="fr-FR" smtClean="false"/>
               <a:t>Cinquième niveau</a:t>
             </a:r>
             <a:endParaRPr lang="fr-FR"/>
@@ -2337,25 +2337,25 @@
       </p:sp>
       <p:sp>
         <p:nvSpPr>
-          <p:cNvPr name="Espace réservé de la date 3" id="4"/>
-          <p:cNvSpPr>
-            <a:spLocks noGrp="true"/>
-          </p:cNvSpPr>
-          <p:nvPr>
-            <p:ph idx="2" sz="half" type="dt"/>
+          <p:cNvPr id="4" name="Espace réservé de la date 3"/>
+          <p:cNvSpPr>
+            <a:spLocks noGrp="true"/>
+          </p:cNvSpPr>
+          <p:nvPr>
+            <p:ph type="dt" sz="half" idx="2"/>
           </p:nvPr>
         </p:nvSpPr>
         <p:spPr>
           <a:xfrm>
-            <a:off y="6356350" x="838200"/>
-            <a:ext cy="365125" cx="2743200"/>
+            <a:off x="838200" y="6356350"/>
+            <a:ext cx="2743200" cy="365125"/>
           </a:xfrm>
           <a:prstGeom prst="rect">
             <a:avLst/>
           </a:prstGeom>
         </p:spPr>
         <p:txBody>
-          <a:bodyPr anchor="ctr" rtlCol="false" bIns="45720" rIns="91440" tIns="45720" lIns="91440" vert="horz"/>
+          <a:bodyPr vert="horz" lIns="91440" tIns="45720" rIns="91440" bIns="45720" rtlCol="false" anchor="ctr"/>
           <a:lstStyle>
             <a:lvl1pPr algn="l">
               <a:defRPr sz="1200">
@@ -2368,8 +2368,8 @@
             </a:lvl1pPr>
           </a:lstStyle>
           <a:p>
-            <a:fld type="datetimeFigureOut" id="{CE3110EA-6548-4EF6-B0A9-8F847AEECEDD}">
-              <a:rPr smtClean="false" lang="fr-FR"/>
+            <a:fld id="{CE3110EA-6548-4EF6-B0A9-8F847AEECEDD}" type="datetimeFigureOut">
+              <a:rPr lang="fr-FR" smtClean="false"/>
               <a:t>07/12/2013</a:t>
             </a:fld>
             <a:endParaRPr lang="fr-FR"/>
@@ -2378,25 +2378,25 @@
       </p:sp>
       <p:sp>
         <p:nvSpPr>
-          <p:cNvPr name="Espace réservé du pied de page 4" id="5"/>
-          <p:cNvSpPr>
-            <a:spLocks noGrp="true"/>
-          </p:cNvSpPr>
-          <p:nvPr>
-            <p:ph idx="3" sz="quarter" type="ftr"/>
+          <p:cNvPr id="5" name="Espace réservé du pied de page 4"/>
+          <p:cNvSpPr>
+            <a:spLocks noGrp="true"/>
+          </p:cNvSpPr>
+          <p:nvPr>
+            <p:ph type="ftr" sz="quarter" idx="3"/>
           </p:nvPr>
         </p:nvSpPr>
         <p:spPr>
           <a:xfrm>
-            <a:off y="6356350" x="4038600"/>
-            <a:ext cy="365125" cx="4114800"/>
+            <a:off x="4038600" y="6356350"/>
+            <a:ext cx="4114800" cy="365125"/>
           </a:xfrm>
           <a:prstGeom prst="rect">
             <a:avLst/>
           </a:prstGeom>
         </p:spPr>
         <p:txBody>
-          <a:bodyPr anchor="ctr" rtlCol="false" bIns="45720" rIns="91440" tIns="45720" lIns="91440" vert="horz"/>
+          <a:bodyPr vert="horz" lIns="91440" tIns="45720" rIns="91440" bIns="45720" rtlCol="false" anchor="ctr"/>
           <a:lstStyle>
             <a:lvl1pPr algn="ctr">
               <a:defRPr sz="1200">
@@ -2415,25 +2415,25 @@
       </p:sp>
       <p:sp>
         <p:nvSpPr>
-          <p:cNvPr name="Espace réservé du numéro de diapositive 5" id="6"/>
-          <p:cNvSpPr>
-            <a:spLocks noGrp="true"/>
-          </p:cNvSpPr>
-          <p:nvPr>
-            <p:ph idx="4" sz="quarter" type="sldNum"/>
+          <p:cNvPr id="6" name="Espace réservé du numéro de diapositive 5"/>
+          <p:cNvSpPr>
+            <a:spLocks noGrp="true"/>
+          </p:cNvSpPr>
+          <p:nvPr>
+            <p:ph type="sldNum" sz="quarter" idx="4"/>
           </p:nvPr>
         </p:nvSpPr>
         <p:spPr>
           <a:xfrm>
-            <a:off y="6356350" x="8610600"/>
-            <a:ext cy="365125" cx="2743200"/>
+            <a:off x="8610600" y="6356350"/>
+            <a:ext cx="2743200" cy="365125"/>
           </a:xfrm>
           <a:prstGeom prst="rect">
             <a:avLst/>
           </a:prstGeom>
         </p:spPr>
         <p:txBody>
-          <a:bodyPr anchor="ctr" rtlCol="false" bIns="45720" rIns="91440" tIns="45720" lIns="91440" vert="horz"/>
+          <a:bodyPr vert="horz" lIns="91440" tIns="45720" rIns="91440" bIns="45720" rtlCol="false" anchor="ctr"/>
           <a:lstStyle>
             <a:lvl1pPr algn="r">
               <a:defRPr sz="1200">
@@ -2446,8 +2446,8 @@
             </a:lvl1pPr>
           </a:lstStyle>
           <a:p>
-            <a:fld type="slidenum" id="{C47AABF0-D73A-43C1-84CC-8A30B6535388}">
-              <a:rPr smtClean="false" lang="fr-FR"/>
+            <a:fld id="{C47AABF0-D73A-43C1-84CC-8A30B6535388}" type="slidenum">
+              <a:rPr lang="fr-FR" smtClean="false"/>
               <a:t>‹N°›</a:t>
             </a:fld>
             <a:endParaRPr lang="fr-FR"/>
@@ -2461,29 +2461,29 @@
       </p:ext>
     </p:extLst>
   </p:cSld>
-  <p:clrMap folHlink="folHlink" hlink="hlink" accent6="accent6" accent5="accent5" accent4="accent4" accent3="accent3" accent2="accent2" accent1="accent1" tx2="dk2" bg2="lt2" tx1="dk1" bg1="lt1"/>
+  <p:clrMap bg1="lt1" tx1="dk1" bg2="lt2" tx2="dk2" accent1="accent1" accent2="accent2" accent3="accent3" accent4="accent4" accent5="accent5" accent6="accent6" hlink="hlink" folHlink="folHlink"/>
   <p:sldLayoutIdLst>
-    <p:sldLayoutId r:id="rId1" id="2147483649"/>
-    <p:sldLayoutId r:id="rId2" id="2147483650"/>
-    <p:sldLayoutId r:id="rId3" id="2147483651"/>
-    <p:sldLayoutId r:id="rId4" id="2147483652"/>
-    <p:sldLayoutId r:id="rId5" id="2147483653"/>
-    <p:sldLayoutId r:id="rId6" id="2147483654"/>
-    <p:sldLayoutId r:id="rId7" id="2147483655"/>
-    <p:sldLayoutId r:id="rId8" id="2147483656"/>
-    <p:sldLayoutId r:id="rId9" id="2147483658"/>
-    <p:sldLayoutId r:id="rId10" id="2147483659"/>
+    <p:sldLayoutId id="2147483649" r:id="rId1"/>
+    <p:sldLayoutId id="2147483650" r:id="rId2"/>
+    <p:sldLayoutId id="2147483651" r:id="rId3"/>
+    <p:sldLayoutId id="2147483652" r:id="rId4"/>
+    <p:sldLayoutId id="2147483653" r:id="rId5"/>
+    <p:sldLayoutId id="2147483654" r:id="rId6"/>
+    <p:sldLayoutId id="2147483655" r:id="rId7"/>
+    <p:sldLayoutId id="2147483656" r:id="rId8"/>
+    <p:sldLayoutId id="2147483658" r:id="rId9"/>
+    <p:sldLayoutId id="2147483659" r:id="rId10"/>
   </p:sldLayoutIdLst>
   <p:timing>
     <p:tnLst>
       <p:par>
-        <p:cTn nodeType="tmRoot" restart="never" dur="indefinite" id="1"/>
+        <p:cTn id="1" dur="indefinite" restart="never" nodeType="tmRoot"/>
       </p:par>
     </p:tnLst>
   </p:timing>
   <p:txStyles>
     <p:titleStyle>
-      <a:lvl1pPr hangingPunct="true" latinLnBrk="false" eaLnBrk="true" rtl="false" defTabSz="914400" algn="l">
+      <a:lvl1pPr algn="l" defTabSz="914400" rtl="false" eaLnBrk="true" latinLnBrk="false" hangingPunct="true">
         <a:lnSpc>
           <a:spcPct val="90000"/>
         </a:lnSpc>
@@ -2491,7 +2491,7 @@
           <a:spcPct val="0"/>
         </a:spcBef>
         <a:buNone/>
-        <a:defRPr kern="1200" sz="4400">
+        <a:defRPr sz="4400" kern="1200">
           <a:solidFill>
             <a:schemeClr val="tx1"/>
           </a:solidFill>
@@ -2502,16 +2502,16 @@
       </a:lvl1pPr>
     </p:titleStyle>
     <p:bodyStyle>
-      <a:lvl1pPr hangingPunct="true" latinLnBrk="false" eaLnBrk="true" rtl="false" defTabSz="914400" algn="l" indent="-228600" marL="228600">
+      <a:lvl1pPr marL="228600" indent="-228600" algn="l" defTabSz="914400" rtl="false" eaLnBrk="true" latinLnBrk="false" hangingPunct="true">
         <a:lnSpc>
           <a:spcPct val="90000"/>
         </a:lnSpc>
         <a:spcBef>
           <a:spcPts val="1000"/>
         </a:spcBef>
-        <a:buFont charset="0" pitchFamily="34" panose="020B0604020202020204" typeface="Arial"/>
+        <a:buFont typeface="Arial" panose="020B0604020202020204" pitchFamily="34" charset="0"/>
         <a:buChar char="•"/>
-        <a:defRPr kern="1200" sz="2800">
+        <a:defRPr sz="2800" kern="1200">
           <a:solidFill>
             <a:schemeClr val="tx1"/>
           </a:solidFill>
@@ -2520,16 +2520,16 @@
           <a:cs typeface="+mn-cs"/>
         </a:defRPr>
       </a:lvl1pPr>
-      <a:lvl2pPr hangingPunct="true" latinLnBrk="false" eaLnBrk="true" rtl="false" defTabSz="914400" algn="l" indent="-228600" marL="685800">
+      <a:lvl2pPr marL="685800" indent="-228600" algn="l" defTabSz="914400" rtl="false" eaLnBrk="true" latinLnBrk="false" hangingPunct="true">
         <a:lnSpc>
           <a:spcPct val="90000"/>
         </a:lnSpc>
         <a:spcBef>
           <a:spcPts val="500"/>
         </a:spcBef>
-        <a:buFont charset="0" pitchFamily="34" panose="020B0604020202020204" typeface="Arial"/>
+        <a:buFont typeface="Arial" panose="020B0604020202020204" pitchFamily="34" charset="0"/>
         <a:buChar char="•"/>
-        <a:defRPr kern="1200" sz="2400">
+        <a:defRPr sz="2400" kern="1200">
           <a:solidFill>
             <a:schemeClr val="tx1"/>
           </a:solidFill>
@@ -2538,16 +2538,16 @@
           <a:cs typeface="+mn-cs"/>
         </a:defRPr>
       </a:lvl2pPr>
-      <a:lvl3pPr hangingPunct="true" latinLnBrk="false" eaLnBrk="true" rtl="false" defTabSz="914400" algn="l" indent="-228600" marL="1143000">
+      <a:lvl3pPr marL="1143000" indent="-228600" algn="l" defTabSz="914400" rtl="false" eaLnBrk="true" latinLnBrk="false" hangingPunct="true">
         <a:lnSpc>
           <a:spcPct val="90000"/>
         </a:lnSpc>
         <a:spcBef>
           <a:spcPts val="500"/>
         </a:spcBef>
-        <a:buFont charset="0" pitchFamily="34" panose="020B0604020202020204" typeface="Arial"/>
+        <a:buFont typeface="Arial" panose="020B0604020202020204" pitchFamily="34" charset="0"/>
         <a:buChar char="•"/>
-        <a:defRPr kern="1200" sz="2000">
+        <a:defRPr sz="2000" kern="1200">
           <a:solidFill>
             <a:schemeClr val="tx1"/>
           </a:solidFill>
@@ -2556,16 +2556,16 @@
           <a:cs typeface="+mn-cs"/>
         </a:defRPr>
       </a:lvl3pPr>
-      <a:lvl4pPr hangingPunct="true" latinLnBrk="false" eaLnBrk="true" rtl="false" defTabSz="914400" algn="l" indent="-228600" marL="1600200">
+      <a:lvl4pPr marL="1600200" indent="-228600" algn="l" defTabSz="914400" rtl="false" eaLnBrk="true" latinLnBrk="false" hangingPunct="true">
         <a:lnSpc>
           <a:spcPct val="90000"/>
         </a:lnSpc>
         <a:spcBef>
           <a:spcPts val="500"/>
         </a:spcBef>
-        <a:buFont charset="0" pitchFamily="34" panose="020B0604020202020204" typeface="Arial"/>
+        <a:buFont typeface="Arial" panose="020B0604020202020204" pitchFamily="34" charset="0"/>
         <a:buChar char="•"/>
-        <a:defRPr kern="1200" sz="1800">
+        <a:defRPr sz="1800" kern="1200">
           <a:solidFill>
             <a:schemeClr val="tx1"/>
           </a:solidFill>
@@ -2574,16 +2574,16 @@
           <a:cs typeface="+mn-cs"/>
         </a:defRPr>
       </a:lvl4pPr>
-      <a:lvl5pPr hangingPunct="true" latinLnBrk="false" eaLnBrk="true" rtl="false" defTabSz="914400" algn="l" indent="-228600" marL="2057400">
+      <a:lvl5pPr marL="2057400" indent="-228600" algn="l" defTabSz="914400" rtl="false" eaLnBrk="true" latinLnBrk="false" hangingPunct="true">
         <a:lnSpc>
           <a:spcPct val="90000"/>
         </a:lnSpc>
         <a:spcBef>
           <a:spcPts val="500"/>
         </a:spcBef>
-        <a:buFont charset="0" pitchFamily="34" panose="020B0604020202020204" typeface="Arial"/>
+        <a:buFont typeface="Arial" panose="020B0604020202020204" pitchFamily="34" charset="0"/>
         <a:buChar char="•"/>
-        <a:defRPr kern="1200" sz="1800">
+        <a:defRPr sz="1800" kern="1200">
           <a:solidFill>
             <a:schemeClr val="tx1"/>
           </a:solidFill>
@@ -2592,16 +2592,16 @@
           <a:cs typeface="+mn-cs"/>
         </a:defRPr>
       </a:lvl5pPr>
-      <a:lvl6pPr hangingPunct="true" latinLnBrk="false" eaLnBrk="true" rtl="false" defTabSz="914400" algn="l" indent="-228600" marL="2514600">
+      <a:lvl6pPr marL="2514600" indent="-228600" algn="l" defTabSz="914400" rtl="false" eaLnBrk="true" latinLnBrk="false" hangingPunct="true">
         <a:lnSpc>
           <a:spcPct val="90000"/>
         </a:lnSpc>
         <a:spcBef>
           <a:spcPts val="500"/>
         </a:spcBef>
-        <a:buFont charset="0" pitchFamily="34" panose="020B0604020202020204" typeface="Arial"/>
+        <a:buFont typeface="Arial" panose="020B0604020202020204" pitchFamily="34" charset="0"/>
         <a:buChar char="•"/>
-        <a:defRPr kern="1200" sz="1800">
+        <a:defRPr sz="1800" kern="1200">
           <a:solidFill>
             <a:schemeClr val="tx1"/>
           </a:solidFill>
@@ -2610,16 +2610,16 @@
           <a:cs typeface="+mn-cs"/>
         </a:defRPr>
       </a:lvl6pPr>
-      <a:lvl7pPr hangingPunct="true" latinLnBrk="false" eaLnBrk="true" rtl="false" defTabSz="914400" algn="l" indent="-228600" marL="2971800">
+      <a:lvl7pPr marL="2971800" indent="-228600" algn="l" defTabSz="914400" rtl="false" eaLnBrk="true" latinLnBrk="false" hangingPunct="true">
         <a:lnSpc>
           <a:spcPct val="90000"/>
         </a:lnSpc>
         <a:spcBef>
           <a:spcPts val="500"/>
         </a:spcBef>
-        <a:buFont charset="0" pitchFamily="34" panose="020B0604020202020204" typeface="Arial"/>
+        <a:buFont typeface="Arial" panose="020B0604020202020204" pitchFamily="34" charset="0"/>
         <a:buChar char="•"/>
-        <a:defRPr kern="1200" sz="1800">
+        <a:defRPr sz="1800" kern="1200">
           <a:solidFill>
             <a:schemeClr val="tx1"/>
           </a:solidFill>
@@ -2628,16 +2628,16 @@
           <a:cs typeface="+mn-cs"/>
         </a:defRPr>
       </a:lvl7pPr>
-      <a:lvl8pPr hangingPunct="true" latinLnBrk="false" eaLnBrk="true" rtl="false" defTabSz="914400" algn="l" indent="-228600" marL="3429000">
+      <a:lvl8pPr marL="3429000" indent="-228600" algn="l" defTabSz="914400" rtl="false" eaLnBrk="true" latinLnBrk="false" hangingPunct="true">
         <a:lnSpc>
           <a:spcPct val="90000"/>
         </a:lnSpc>
         <a:spcBef>
           <a:spcPts val="500"/>
         </a:spcBef>
-        <a:buFont charset="0" pitchFamily="34" panose="020B0604020202020204" typeface="Arial"/>
+        <a:buFont typeface="Arial" panose="020B0604020202020204" pitchFamily="34" charset="0"/>
         <a:buChar char="•"/>
-        <a:defRPr kern="1200" sz="1800">
+        <a:defRPr sz="1800" kern="1200">
           <a:solidFill>
             <a:schemeClr val="tx1"/>
           </a:solidFill>
@@ -2646,16 +2646,16 @@
           <a:cs typeface="+mn-cs"/>
         </a:defRPr>
       </a:lvl8pPr>
-      <a:lvl9pPr hangingPunct="true" latinLnBrk="false" eaLnBrk="true" rtl="false" defTabSz="914400" algn="l" indent="-228600" marL="3886200">
+      <a:lvl9pPr marL="3886200" indent="-228600" algn="l" defTabSz="914400" rtl="false" eaLnBrk="true" latinLnBrk="false" hangingPunct="true">
         <a:lnSpc>
           <a:spcPct val="90000"/>
         </a:lnSpc>
         <a:spcBef>
           <a:spcPts val="500"/>
         </a:spcBef>
-        <a:buFont charset="0" pitchFamily="34" panose="020B0604020202020204" typeface="Arial"/>
+        <a:buFont typeface="Arial" panose="020B0604020202020204" pitchFamily="34" charset="0"/>
         <a:buChar char="•"/>
-        <a:defRPr kern="1200" sz="1800">
+        <a:defRPr sz="1800" kern="1200">
           <a:solidFill>
             <a:schemeClr val="tx1"/>
           </a:solidFill>
@@ -2669,8 +2669,8 @@
       <a:defPPr>
         <a:defRPr lang="fr-FR"/>
       </a:defPPr>
-      <a:lvl1pPr hangingPunct="true" latinLnBrk="false" eaLnBrk="true" rtl="false" defTabSz="914400" algn="l" marL="0">
-        <a:defRPr kern="1200" sz="1800">
+      <a:lvl1pPr marL="0" algn="l" defTabSz="914400" rtl="false" eaLnBrk="true" latinLnBrk="false" hangingPunct="true">
+        <a:defRPr sz="1800" kern="1200">
           <a:solidFill>
             <a:schemeClr val="tx1"/>
           </a:solidFill>
@@ -2679,8 +2679,8 @@
           <a:cs typeface="+mn-cs"/>
         </a:defRPr>
       </a:lvl1pPr>
-      <a:lvl2pPr hangingPunct="true" latinLnBrk="false" eaLnBrk="true" rtl="false" defTabSz="914400" algn="l" marL="457200">
-        <a:defRPr kern="1200" sz="1800">
+      <a:lvl2pPr marL="457200" algn="l" defTabSz="914400" rtl="false" eaLnBrk="true" latinLnBrk="false" hangingPunct="true">
+        <a:defRPr sz="1800" kern="1200">
           <a:solidFill>
             <a:schemeClr val="tx1"/>
           </a:solidFill>
@@ -2689,8 +2689,8 @@
           <a:cs typeface="+mn-cs"/>
         </a:defRPr>
       </a:lvl2pPr>
-      <a:lvl3pPr hangingPunct="true" latinLnBrk="false" eaLnBrk="true" rtl="false" defTabSz="914400" algn="l" marL="914400">
-        <a:defRPr kern="1200" sz="1800">
+      <a:lvl3pPr marL="914400" algn="l" defTabSz="914400" rtl="false" eaLnBrk="true" latinLnBrk="false" hangingPunct="true">
+        <a:defRPr sz="1800" kern="1200">
           <a:solidFill>
             <a:schemeClr val="tx1"/>
           </a:solidFill>
@@ -2699,8 +2699,8 @@
           <a:cs typeface="+mn-cs"/>
         </a:defRPr>
       </a:lvl3pPr>
-      <a:lvl4pPr hangingPunct="true" latinLnBrk="false" eaLnBrk="true" rtl="false" defTabSz="914400" algn="l" marL="1371600">
-        <a:defRPr kern="1200" sz="1800">
+      <a:lvl4pPr marL="1371600" algn="l" defTabSz="914400" rtl="false" eaLnBrk="true" latinLnBrk="false" hangingPunct="true">
+        <a:defRPr sz="1800" kern="1200">
           <a:solidFill>
             <a:schemeClr val="tx1"/>
           </a:solidFill>
@@ -2709,8 +2709,8 @@
           <a:cs typeface="+mn-cs"/>
         </a:defRPr>
       </a:lvl4pPr>
-      <a:lvl5pPr hangingPunct="true" latinLnBrk="false" eaLnBrk="true" rtl="false" defTabSz="914400" algn="l" marL="1828800">
-        <a:defRPr kern="1200" sz="1800">
+      <a:lvl5pPr marL="1828800" algn="l" defTabSz="914400" rtl="false" eaLnBrk="true" latinLnBrk="false" hangingPunct="true">
+        <a:defRPr sz="1800" kern="1200">
           <a:solidFill>
             <a:schemeClr val="tx1"/>
           </a:solidFill>
@@ -2719,8 +2719,8 @@
           <a:cs typeface="+mn-cs"/>
         </a:defRPr>
       </a:lvl5pPr>
-      <a:lvl6pPr hangingPunct="true" latinLnBrk="false" eaLnBrk="true" rtl="false" defTabSz="914400" algn="l" marL="2286000">
-        <a:defRPr kern="1200" sz="1800">
+      <a:lvl6pPr marL="2286000" algn="l" defTabSz="914400" rtl="false" eaLnBrk="true" latinLnBrk="false" hangingPunct="true">
+        <a:defRPr sz="1800" kern="1200">
           <a:solidFill>
             <a:schemeClr val="tx1"/>
           </a:solidFill>
@@ -2729,8 +2729,8 @@
           <a:cs typeface="+mn-cs"/>
         </a:defRPr>
       </a:lvl6pPr>
-      <a:lvl7pPr hangingPunct="true" latinLnBrk="false" eaLnBrk="true" rtl="false" defTabSz="914400" algn="l" marL="2743200">
-        <a:defRPr kern="1200" sz="1800">
+      <a:lvl7pPr marL="2743200" algn="l" defTabSz="914400" rtl="false" eaLnBrk="true" latinLnBrk="false" hangingPunct="true">
+        <a:defRPr sz="1800" kern="1200">
           <a:solidFill>
             <a:schemeClr val="tx1"/>
           </a:solidFill>
@@ -2739,8 +2739,8 @@
           <a:cs typeface="+mn-cs"/>
         </a:defRPr>
       </a:lvl7pPr>
-      <a:lvl8pPr hangingPunct="true" latinLnBrk="false" eaLnBrk="true" rtl="false" defTabSz="914400" algn="l" marL="3200400">
-        <a:defRPr kern="1200" sz="1800">
+      <a:lvl8pPr marL="3200400" algn="l" defTabSz="914400" rtl="false" eaLnBrk="true" latinLnBrk="false" hangingPunct="true">
+        <a:defRPr sz="1800" kern="1200">
           <a:solidFill>
             <a:schemeClr val="tx1"/>
           </a:solidFill>
@@ -2749,8 +2749,8 @@
           <a:cs typeface="+mn-cs"/>
         </a:defRPr>
       </a:lvl8pPr>
-      <a:lvl9pPr hangingPunct="true" latinLnBrk="false" eaLnBrk="true" rtl="false" defTabSz="914400" algn="l" marL="3657600">
-        <a:defRPr kern="1200" sz="1800">
+      <a:lvl9pPr marL="3657600" algn="l" defTabSz="914400" rtl="false" eaLnBrk="true" latinLnBrk="false" hangingPunct="true">
+        <a:defRPr sz="1800" kern="1200">
           <a:solidFill>
             <a:schemeClr val="tx1"/>
           </a:solidFill>
@@ -2765,28 +2765,28 @@
 </file>
 
 <file path=ppt/slides/slide1.xml><?xml version="1.0" encoding="utf-8"?>
-<p:sld xmlns:a="http://schemas.openxmlformats.org/drawingml/2006/main" xmlns:r="http://schemas.openxmlformats.org/officeDocument/2006/relationships" xmlns:p="http://schemas.openxmlformats.org/presentationml/2006/main" xmlns:mc="http://schemas.openxmlformats.org/markup-compatibility/2006" xmlns:c="http://schemas.openxmlformats.org/drawingml/2006/chart" xmlns:ns6="http://schemas.openxmlformats.org/drawingml/2006/chartDrawing" xmlns:dgm="http://schemas.openxmlformats.org/drawingml/2006/diagram" xmlns:pic="http://schemas.openxmlformats.org/drawingml/2006/picture" xmlns:wp="http://schemas.openxmlformats.org/drawingml/2006/wordprocessingDrawing" xmlns:xdr="http://schemas.openxmlformats.org/drawingml/2006/spreadsheetDrawing" xmlns:ns11="http://schemas.openxmlformats.org/drawingml/2006/compatibility" xmlns:ns12="http://schemas.openxmlformats.org/drawingml/2006/lockedCanvas">
+<p:sld xmlns:p="http://schemas.openxmlformats.org/presentationml/2006/main" xmlns:a="http://schemas.openxmlformats.org/drawingml/2006/main" xmlns:r="http://schemas.openxmlformats.org/officeDocument/2006/relationships" xmlns:mc="http://schemas.openxmlformats.org/markup-compatibility/2006" xmlns:c="http://schemas.openxmlformats.org/drawingml/2006/chart" xmlns:ns6="http://schemas.openxmlformats.org/drawingml/2006/chartDrawing" xmlns:dgm="http://schemas.openxmlformats.org/drawingml/2006/diagram" xmlns:pic="http://schemas.openxmlformats.org/drawingml/2006/picture" xmlns:wp="http://schemas.openxmlformats.org/drawingml/2006/wordprocessingDrawing" xmlns:xdr="http://schemas.openxmlformats.org/drawingml/2006/spreadsheetDrawing" xmlns:ns11="http://schemas.openxmlformats.org/drawingml/2006/compatibility" xmlns:ns12="http://schemas.openxmlformats.org/drawingml/2006/lockedCanvas">
   <p:cSld>
     <p:spTree>
       <p:nvGrpSpPr>
-        <p:cNvPr name="" id="1"/>
+        <p:cNvPr id="1" name=""/>
         <p:cNvGrpSpPr/>
         <p:nvPr/>
       </p:nvGrpSpPr>
       <p:grpSpPr>
         <a:xfrm>
-          <a:off y="0" x="0"/>
-          <a:ext cy="0" cx="0"/>
-          <a:chOff y="0" x="0"/>
-          <a:chExt cy="0" cx="0"/>
+          <a:off x="0" y="0"/>
+          <a:ext cx="0" cy="0"/>
+          <a:chOff x="0" y="0"/>
+          <a:chExt cx="0" cy="0"/>
         </a:xfrm>
       </p:grpSpPr>
       <p:sp>
         <p:nvSpPr>
-          <p:cNvPr name="Title 1" id="1"/>
+          <p:cNvPr id="1" name="Title 1"/>
           <p:cNvSpPr/>
           <p:nvPr>
-            <p:ph idx="0" type="title"/>
+            <p:ph type="title" idx="0"/>
           </p:nvPr>
         </p:nvSpPr>
         <p:spPr/>
@@ -2803,7 +2803,7 @@
       </p:sp>
       <p:sp>
         <p:nvSpPr>
-          <p:cNvPr name="Espace réservé du contenu 2" id="3"/>
+          <p:cNvPr id="3" name="Espace réservé du contenu 2"/>
           <p:cNvSpPr>
             <a:spLocks noGrp="true"/>
           </p:cNvSpPr>
@@ -2813,8 +2813,8 @@
         </p:nvSpPr>
         <p:spPr>
           <a:xfrm>
-            <a:off y="1825625" x="838200"/>
-            <a:ext cy="4351338" cx="10515600"/>
+            <a:off x="838200" y="1825625"/>
+            <a:ext cx="10515600" cy="4351338"/>
           </a:xfrm>
         </p:spPr>
         <p:txBody>
@@ -2833,28 +2833,28 @@
 </file>
 
 <file path=ppt/slides/slide2.xml><?xml version="1.0" encoding="utf-8"?>
-<p:sld xmlns:a="http://schemas.openxmlformats.org/drawingml/2006/main" xmlns:r="http://schemas.openxmlformats.org/officeDocument/2006/relationships" xmlns:p="http://schemas.openxmlformats.org/presentationml/2006/main" xmlns:mc="http://schemas.openxmlformats.org/markup-compatibility/2006" xmlns:c="http://schemas.openxmlformats.org/drawingml/2006/chart" xmlns:ns6="http://schemas.openxmlformats.org/drawingml/2006/chartDrawing" xmlns:dgm="http://schemas.openxmlformats.org/drawingml/2006/diagram" xmlns:pic="http://schemas.openxmlformats.org/drawingml/2006/picture" xmlns:wp="http://schemas.openxmlformats.org/drawingml/2006/wordprocessingDrawing" xmlns:xdr="http://schemas.openxmlformats.org/drawingml/2006/spreadsheetDrawing" xmlns:ns11="http://schemas.openxmlformats.org/drawingml/2006/compatibility" xmlns:ns12="http://schemas.openxmlformats.org/drawingml/2006/lockedCanvas">
+<p:sld xmlns:p="http://schemas.openxmlformats.org/presentationml/2006/main" xmlns:a="http://schemas.openxmlformats.org/drawingml/2006/main" xmlns:r="http://schemas.openxmlformats.org/officeDocument/2006/relationships" xmlns:mc="http://schemas.openxmlformats.org/markup-compatibility/2006" xmlns:c="http://schemas.openxmlformats.org/drawingml/2006/chart" xmlns:ns6="http://schemas.openxmlformats.org/drawingml/2006/chartDrawing" xmlns:dgm="http://schemas.openxmlformats.org/drawingml/2006/diagram" xmlns:pic="http://schemas.openxmlformats.org/drawingml/2006/picture" xmlns:wp="http://schemas.openxmlformats.org/drawingml/2006/wordprocessingDrawing" xmlns:xdr="http://schemas.openxmlformats.org/drawingml/2006/spreadsheetDrawing" xmlns:ns11="http://schemas.openxmlformats.org/drawingml/2006/compatibility" xmlns:ns12="http://schemas.openxmlformats.org/drawingml/2006/lockedCanvas">
   <p:cSld>
     <p:spTree>
       <p:nvGrpSpPr>
-        <p:cNvPr name="" id="1"/>
+        <p:cNvPr id="1" name=""/>
         <p:cNvGrpSpPr/>
         <p:nvPr/>
       </p:nvGrpSpPr>
       <p:grpSpPr>
         <a:xfrm>
-          <a:off y="0" x="0"/>
-          <a:ext cy="0" cx="0"/>
-          <a:chOff y="0" x="0"/>
-          <a:chExt cy="0" cx="0"/>
+          <a:off x="0" y="0"/>
+          <a:ext cx="0" cy="0"/>
+          <a:chOff x="0" y="0"/>
+          <a:chExt cx="0" cy="0"/>
         </a:xfrm>
       </p:grpSpPr>
       <p:sp>
         <p:nvSpPr>
-          <p:cNvPr name="Title 1" id="1"/>
+          <p:cNvPr id="1" name="Title 1"/>
           <p:cNvSpPr/>
           <p:nvPr>
-            <p:ph idx="0" type="title"/>
+            <p:ph type="title" idx="0"/>
           </p:nvPr>
         </p:nvSpPr>
         <p:spPr/>
@@ -2871,7 +2871,7 @@
       </p:sp>
       <p:sp>
         <p:nvSpPr>
-          <p:cNvPr name="Espace réservé du contenu 2" id="3"/>
+          <p:cNvPr id="3" name="Espace réservé du contenu 2"/>
           <p:cNvSpPr>
             <a:spLocks noGrp="true"/>
           </p:cNvSpPr>
@@ -2881,8 +2881,8 @@
         </p:nvSpPr>
         <p:spPr>
           <a:xfrm>
-            <a:off y="1825625" x="838200"/>
-            <a:ext cy="4351338" cx="10515600"/>
+            <a:off x="838200" y="1825625"/>
+            <a:ext cx="10515600" cy="4351338"/>
           </a:xfrm>
         </p:spPr>
         <p:txBody>
@@ -2916,7 +2916,7 @@
               <a:t> is </a:t>
             </a:r>
             <a:r>
-              <a:rPr b="true" sz="2400">
+              <a:rPr sz="2400" b="true">
                 <a:solidFill>
                   <a:srgbClr val="000000">
                     <a:alpha val="100000"/>
@@ -2980,7 +2980,7 @@
       </p:sp>
       <p:sp>
         <p:nvSpPr>
-          <p:cNvPr name="Title Texts3" id="3"/>
+          <p:cNvPr id="3" name="Title Texts3"/>
           <p:cNvSpPr>
             <a:spLocks noGrp="true"/>
           </p:cNvSpPr>
@@ -2990,15 +2990,15 @@
         </p:nvSpPr>
         <p:spPr>
           <a:xfrm rot="0">
-            <a:off y="2743200" x="2743200"/>
-            <a:ext cy="457200" cx="1828800"/>
+            <a:off x="2743200" y="2743200"/>
+            <a:ext cx="1828800" cy="457200"/>
           </a:xfrm>
         </p:spPr>
         <p:txBody>
           <a:bodyPr/>
           <a:lstStyle/>
           <a:p>
-            <a:pPr algn="ctr" indent="0" marR="0" marL="0">
+            <a:pPr marL="0" marR="0" indent="0" algn="ctr">
               <a:spcBef>
                 <a:spcPts val="0"/>
               </a:spcBef>
@@ -3034,7 +3034,7 @@
               <a:t> is </a:t>
             </a:r>
             <a:r>
-              <a:rPr b="true" sz="2400">
+              <a:rPr sz="2400" b="true">
                 <a:solidFill>
                   <a:srgbClr val="000000">
                     <a:alpha val="100000"/>
@@ -3053,7 +3053,7 @@
             </a:r>
           </a:p>
           <a:p>
-            <a:pPr algn="ctr" indent="0" marR="0" marL="0">
+            <a:pPr marL="0" marR="0" indent="0" algn="ctr">
               <a:spcBef>
                 <a:spcPts val="0"/>
               </a:spcBef>
@@ -3111,28 +3111,28 @@
 </file>
 
 <file path=ppt/slides/slide3.xml><?xml version="1.0" encoding="utf-8"?>
-<p:sld xmlns:a="http://schemas.openxmlformats.org/drawingml/2006/main" xmlns:r="http://schemas.openxmlformats.org/officeDocument/2006/relationships" xmlns:p="http://schemas.openxmlformats.org/presentationml/2006/main" xmlns:mc="http://schemas.openxmlformats.org/markup-compatibility/2006" xmlns:c="http://schemas.openxmlformats.org/drawingml/2006/chart" xmlns:ns6="http://schemas.openxmlformats.org/drawingml/2006/chartDrawing" xmlns:dgm="http://schemas.openxmlformats.org/drawingml/2006/diagram" xmlns:pic="http://schemas.openxmlformats.org/drawingml/2006/picture" xmlns:wp="http://schemas.openxmlformats.org/drawingml/2006/wordprocessingDrawing" xmlns:xdr="http://schemas.openxmlformats.org/drawingml/2006/spreadsheetDrawing" xmlns:ns11="http://schemas.openxmlformats.org/drawingml/2006/compatibility" xmlns:ns12="http://schemas.openxmlformats.org/drawingml/2006/lockedCanvas">
+<p:sld xmlns:p="http://schemas.openxmlformats.org/presentationml/2006/main" xmlns:a="http://schemas.openxmlformats.org/drawingml/2006/main" xmlns:r="http://schemas.openxmlformats.org/officeDocument/2006/relationships" xmlns:mc="http://schemas.openxmlformats.org/markup-compatibility/2006" xmlns:c="http://schemas.openxmlformats.org/drawingml/2006/chart" xmlns:ns6="http://schemas.openxmlformats.org/drawingml/2006/chartDrawing" xmlns:dgm="http://schemas.openxmlformats.org/drawingml/2006/diagram" xmlns:pic="http://schemas.openxmlformats.org/drawingml/2006/picture" xmlns:wp="http://schemas.openxmlformats.org/drawingml/2006/wordprocessingDrawing" xmlns:xdr="http://schemas.openxmlformats.org/drawingml/2006/spreadsheetDrawing" xmlns:ns11="http://schemas.openxmlformats.org/drawingml/2006/compatibility" xmlns:ns12="http://schemas.openxmlformats.org/drawingml/2006/lockedCanvas">
   <p:cSld>
     <p:spTree>
       <p:nvGrpSpPr>
-        <p:cNvPr name="" id="1"/>
+        <p:cNvPr id="1" name=""/>
         <p:cNvGrpSpPr/>
         <p:nvPr/>
       </p:nvGrpSpPr>
       <p:grpSpPr>
         <a:xfrm>
-          <a:off y="0" x="0"/>
-          <a:ext cy="0" cx="0"/>
-          <a:chOff y="0" x="0"/>
-          <a:chExt cy="0" cx="0"/>
+          <a:off x="0" y="0"/>
+          <a:ext cx="0" cy="0"/>
+          <a:chOff x="0" y="0"/>
+          <a:chExt cx="0" cy="0"/>
         </a:xfrm>
       </p:grpSpPr>
       <p:sp>
         <p:nvSpPr>
-          <p:cNvPr name="Title 1" id="1"/>
+          <p:cNvPr id="1" name="Title 1"/>
           <p:cNvSpPr/>
           <p:nvPr>
-            <p:ph idx="0" type="title"/>
+            <p:ph type="title" idx="0"/>
           </p:nvPr>
         </p:nvSpPr>
         <p:spPr/>
@@ -3149,7 +3149,7 @@
       </p:sp>
       <p:sp>
         <p:nvSpPr>
-          <p:cNvPr name="Espace réservé du contenu 2" id="3"/>
+          <p:cNvPr id="3" name="Espace réservé du contenu 2"/>
           <p:cNvSpPr>
             <a:spLocks noGrp="true"/>
           </p:cNvSpPr>
@@ -3159,15 +3159,15 @@
         </p:nvSpPr>
         <p:spPr>
           <a:xfrm>
-            <a:off y="1825625" x="838200"/>
-            <a:ext cy="4351338" cx="10515600"/>
+            <a:off x="838200" y="1825625"/>
+            <a:ext cx="10515600" cy="4351338"/>
           </a:xfrm>
         </p:spPr>
         <p:txBody>
           <a:bodyPr/>
           <a:lstStyle/>
           <a:p>
-            <a:pPr algn="ctr" indent="0" marR="304800" marL="304800">
+            <a:pPr marL="304800" marR="304800" indent="0" algn="ctr">
               <a:spcBef>
                 <a:spcPts val="2400"/>
               </a:spcBef>
@@ -3203,7 +3203,7 @@
               <a:t> is </a:t>
             </a:r>
             <a:r>
-              <a:rPr b="true" sz="2400">
+              <a:rPr sz="2400" b="true">
                 <a:solidFill>
                   <a:srgbClr val="000000">
                     <a:alpha val="100000"/>
@@ -3222,7 +3222,7 @@
             </a:r>
           </a:p>
           <a:p>
-            <a:pPr algn="ctr" indent="0" marR="304800" marL="304800">
+            <a:pPr marL="304800" marR="304800" indent="0" algn="ctr">
               <a:spcBef>
                 <a:spcPts val="2400"/>
               </a:spcBef>
@@ -3280,20 +3280,20 @@
 </file>
 
 <file path=ppt/slides/slide4.xml><?xml version="1.0" encoding="utf-8"?>
-<p:sld xmlns:a="http://schemas.openxmlformats.org/drawingml/2006/main" xmlns:r="http://schemas.openxmlformats.org/officeDocument/2006/relationships" xmlns:p="http://schemas.openxmlformats.org/presentationml/2006/main" xmlns:mc="http://schemas.openxmlformats.org/markup-compatibility/2006" xmlns:c="http://schemas.openxmlformats.org/drawingml/2006/chart" xmlns:ns6="http://schemas.openxmlformats.org/drawingml/2006/chartDrawing" xmlns:dgm="http://schemas.openxmlformats.org/drawingml/2006/diagram" xmlns:pic="http://schemas.openxmlformats.org/drawingml/2006/picture" xmlns:wp="http://schemas.openxmlformats.org/drawingml/2006/wordprocessingDrawing" xmlns:xdr="http://schemas.openxmlformats.org/drawingml/2006/spreadsheetDrawing" xmlns:ns11="http://schemas.openxmlformats.org/drawingml/2006/compatibility" xmlns:ns12="http://schemas.openxmlformats.org/drawingml/2006/lockedCanvas">
+<p:sld xmlns:p="http://schemas.openxmlformats.org/presentationml/2006/main" xmlns:a="http://schemas.openxmlformats.org/drawingml/2006/main" xmlns:r="http://schemas.openxmlformats.org/officeDocument/2006/relationships" xmlns:mc="http://schemas.openxmlformats.org/markup-compatibility/2006" xmlns:c="http://schemas.openxmlformats.org/drawingml/2006/chart" xmlns:ns6="http://schemas.openxmlformats.org/drawingml/2006/chartDrawing" xmlns:dgm="http://schemas.openxmlformats.org/drawingml/2006/diagram" xmlns:pic="http://schemas.openxmlformats.org/drawingml/2006/picture" xmlns:wp="http://schemas.openxmlformats.org/drawingml/2006/wordprocessingDrawing" xmlns:xdr="http://schemas.openxmlformats.org/drawingml/2006/spreadsheetDrawing" xmlns:ns11="http://schemas.openxmlformats.org/drawingml/2006/compatibility" xmlns:ns12="http://schemas.openxmlformats.org/drawingml/2006/lockedCanvas">
   <p:cSld>
     <p:spTree>
       <p:nvGrpSpPr>
-        <p:cNvPr name="" id="1"/>
+        <p:cNvPr id="1" name=""/>
         <p:cNvGrpSpPr/>
         <p:nvPr/>
       </p:nvGrpSpPr>
       <p:grpSpPr>
         <a:xfrm>
-          <a:off y="0" x="0"/>
-          <a:ext cy="0" cx="0"/>
-          <a:chOff y="0" x="0"/>
-          <a:chExt cy="0" cx="0"/>
+          <a:off x="0" y="0"/>
+          <a:ext cx="0" cy="0"/>
+          <a:chOff x="0" y="0"/>
+          <a:chExt cx="0" cy="0"/>
         </a:xfrm>
       </p:grpSpPr>
     </p:spTree>

--- a/reference/ex_paragraph.pptx
+++ b/reference/ex_paragraph.pptx
@@ -1,14 +1,13 @@
 
 <file path=ppt/presentation.xml><?xml version="1.0" encoding="utf-8"?>
-<p:presentation xmlns:p="http://schemas.openxmlformats.org/presentationml/2006/main" xmlns:a="http://schemas.openxmlformats.org/drawingml/2006/main" xmlns:r="http://schemas.openxmlformats.org/officeDocument/2006/relationships" xmlns:mc="http://schemas.openxmlformats.org/markup-compatibility/2006" xmlns:c="http://schemas.openxmlformats.org/drawingml/2006/chart" xmlns:ns6="http://schemas.openxmlformats.org/drawingml/2006/chartDrawing" xmlns:dgm="http://schemas.openxmlformats.org/drawingml/2006/diagram" xmlns:pic="http://schemas.openxmlformats.org/drawingml/2006/picture" xmlns:wp="http://schemas.openxmlformats.org/drawingml/2006/wordprocessingDrawing" xmlns:xdr="http://schemas.openxmlformats.org/drawingml/2006/spreadsheetDrawing" xmlns:ns11="http://schemas.openxmlformats.org/drawingml/2006/compatibility" xmlns:ns12="http://schemas.openxmlformats.org/drawingml/2006/lockedCanvas" saveSubsetFonts="true">
+<p:presentation xmlns:p="http://schemas.openxmlformats.org/presentationml/2006/main" xmlns:r="http://schemas.openxmlformats.org/officeDocument/2006/relationships" xmlns:a="http://schemas.openxmlformats.org/drawingml/2006/main" xmlns:mc="http://schemas.openxmlformats.org/markup-compatibility/2006" xmlns:c="http://schemas.openxmlformats.org/drawingml/2006/chart" xmlns:ns6="http://schemas.openxmlformats.org/drawingml/2006/chartDrawing" xmlns:dgm="http://schemas.openxmlformats.org/drawingml/2006/diagram" xmlns:pic="http://schemas.openxmlformats.org/drawingml/2006/picture" xmlns:wp="http://schemas.openxmlformats.org/drawingml/2006/wordprocessingDrawing" xmlns:xdr="http://schemas.openxmlformats.org/drawingml/2006/spreadsheetDrawing" xmlns:ns11="http://schemas.openxmlformats.org/drawingml/2006/compatibility" xmlns:ns12="http://schemas.openxmlformats.org/drawingml/2006/lockedCanvas" saveSubsetFonts="true">
   <p:sldMasterIdLst>
     <p:sldMasterId id="2147483648" r:id="rId1"/>
   </p:sldMasterIdLst>
   <p:sldIdLst>
-    <p:sldId id="1650659194" r:id="rId6"/>
-    <p:sldId id="370500891" r:id="rId7"/>
-    <p:sldId id="636458197" r:id="rId8"/>
-    <p:sldId id="97934825" r:id="rId9"/>
+    <p:sldId id="2027888911" r:id="rId6"/>
+    <p:sldId id="990620637" r:id="rId7"/>
+    <p:sldId id="2060884918" r:id="rId8"/>
   </p:sldIdLst>
   <p:sldSz cx="12192000" cy="6858000"/>
   <p:notesSz cx="6858000" cy="9144000"/>
@@ -116,7 +115,7 @@
 </file>
 
 <file path=ppt/slideLayouts/slideLayout1.xml><?xml version="1.0" encoding="utf-8"?>
-<p:sldLayout xmlns:p="http://schemas.openxmlformats.org/presentationml/2006/main" xmlns:a="http://schemas.openxmlformats.org/drawingml/2006/main" xmlns:r="http://schemas.openxmlformats.org/officeDocument/2006/relationships" xmlns:mc="http://schemas.openxmlformats.org/markup-compatibility/2006" xmlns:c="http://schemas.openxmlformats.org/drawingml/2006/chart" xmlns:ns6="http://schemas.openxmlformats.org/drawingml/2006/chartDrawing" xmlns:dgm="http://schemas.openxmlformats.org/drawingml/2006/diagram" xmlns:pic="http://schemas.openxmlformats.org/drawingml/2006/picture" xmlns:wp="http://schemas.openxmlformats.org/drawingml/2006/wordprocessingDrawing" xmlns:xdr="http://schemas.openxmlformats.org/drawingml/2006/spreadsheetDrawing" xmlns:ns11="http://schemas.openxmlformats.org/drawingml/2006/compatibility" xmlns:ns12="http://schemas.openxmlformats.org/drawingml/2006/lockedCanvas" type="title" preserve="true">
+<p:sldLayout xmlns:p="http://schemas.openxmlformats.org/presentationml/2006/main" xmlns:r="http://schemas.openxmlformats.org/officeDocument/2006/relationships" xmlns:a="http://schemas.openxmlformats.org/drawingml/2006/main" xmlns:mc="http://schemas.openxmlformats.org/markup-compatibility/2006" xmlns:c="http://schemas.openxmlformats.org/drawingml/2006/chart" xmlns:ns6="http://schemas.openxmlformats.org/drawingml/2006/chartDrawing" xmlns:dgm="http://schemas.openxmlformats.org/drawingml/2006/diagram" xmlns:pic="http://schemas.openxmlformats.org/drawingml/2006/picture" xmlns:wp="http://schemas.openxmlformats.org/drawingml/2006/wordprocessingDrawing" xmlns:xdr="http://schemas.openxmlformats.org/drawingml/2006/spreadsheetDrawing" xmlns:ns11="http://schemas.openxmlformats.org/drawingml/2006/compatibility" xmlns:ns12="http://schemas.openxmlformats.org/drawingml/2006/lockedCanvas" type="title" preserve="true">
   <p:cSld name="Title Slide">
     <p:spTree>
       <p:nvGrpSpPr>
@@ -315,7 +314,7 @@
 </file>
 
 <file path=ppt/slideLayouts/slideLayout10.xml><?xml version="1.0" encoding="utf-8"?>
-<p:sldLayout xmlns:p="http://schemas.openxmlformats.org/presentationml/2006/main" xmlns:a="http://schemas.openxmlformats.org/drawingml/2006/main" xmlns:r="http://schemas.openxmlformats.org/officeDocument/2006/relationships" xmlns:mc="http://schemas.openxmlformats.org/markup-compatibility/2006" xmlns:c="http://schemas.openxmlformats.org/drawingml/2006/chart" xmlns:ns6="http://schemas.openxmlformats.org/drawingml/2006/chartDrawing" xmlns:dgm="http://schemas.openxmlformats.org/drawingml/2006/diagram" xmlns:pic="http://schemas.openxmlformats.org/drawingml/2006/picture" xmlns:wp="http://schemas.openxmlformats.org/drawingml/2006/wordprocessingDrawing" xmlns:xdr="http://schemas.openxmlformats.org/drawingml/2006/spreadsheetDrawing" xmlns:ns11="http://schemas.openxmlformats.org/drawingml/2006/compatibility" xmlns:ns12="http://schemas.openxmlformats.org/drawingml/2006/lockedCanvas" type="vertTitleAndTx" preserve="true">
+<p:sldLayout xmlns:p="http://schemas.openxmlformats.org/presentationml/2006/main" xmlns:r="http://schemas.openxmlformats.org/officeDocument/2006/relationships" xmlns:a="http://schemas.openxmlformats.org/drawingml/2006/main" xmlns:mc="http://schemas.openxmlformats.org/markup-compatibility/2006" xmlns:c="http://schemas.openxmlformats.org/drawingml/2006/chart" xmlns:ns6="http://schemas.openxmlformats.org/drawingml/2006/chartDrawing" xmlns:dgm="http://schemas.openxmlformats.org/drawingml/2006/diagram" xmlns:pic="http://schemas.openxmlformats.org/drawingml/2006/picture" xmlns:wp="http://schemas.openxmlformats.org/drawingml/2006/wordprocessingDrawing" xmlns:xdr="http://schemas.openxmlformats.org/drawingml/2006/spreadsheetDrawing" xmlns:ns11="http://schemas.openxmlformats.org/drawingml/2006/compatibility" xmlns:ns12="http://schemas.openxmlformats.org/drawingml/2006/lockedCanvas" type="vertTitleAndTx" preserve="true">
   <p:cSld name="Vertical Title and Text">
     <p:spTree>
       <p:nvGrpSpPr>
@@ -502,7 +501,7 @@
 </file>
 
 <file path=ppt/slideLayouts/slideLayout2.xml><?xml version="1.0" encoding="utf-8"?>
-<p:sldLayout xmlns:p="http://schemas.openxmlformats.org/presentationml/2006/main" xmlns:a="http://schemas.openxmlformats.org/drawingml/2006/main" xmlns:r="http://schemas.openxmlformats.org/officeDocument/2006/relationships" xmlns:mc="http://schemas.openxmlformats.org/markup-compatibility/2006" xmlns:c="http://schemas.openxmlformats.org/drawingml/2006/chart" xmlns:ns6="http://schemas.openxmlformats.org/drawingml/2006/chartDrawing" xmlns:dgm="http://schemas.openxmlformats.org/drawingml/2006/diagram" xmlns:pic="http://schemas.openxmlformats.org/drawingml/2006/picture" xmlns:wp="http://schemas.openxmlformats.org/drawingml/2006/wordprocessingDrawing" xmlns:xdr="http://schemas.openxmlformats.org/drawingml/2006/spreadsheetDrawing" xmlns:ns11="http://schemas.openxmlformats.org/drawingml/2006/compatibility" xmlns:ns12="http://schemas.openxmlformats.org/drawingml/2006/lockedCanvas" type="obj" preserve="true">
+<p:sldLayout xmlns:p="http://schemas.openxmlformats.org/presentationml/2006/main" xmlns:r="http://schemas.openxmlformats.org/officeDocument/2006/relationships" xmlns:a="http://schemas.openxmlformats.org/drawingml/2006/main" xmlns:mc="http://schemas.openxmlformats.org/markup-compatibility/2006" xmlns:c="http://schemas.openxmlformats.org/drawingml/2006/chart" xmlns:ns6="http://schemas.openxmlformats.org/drawingml/2006/chartDrawing" xmlns:dgm="http://schemas.openxmlformats.org/drawingml/2006/diagram" xmlns:pic="http://schemas.openxmlformats.org/drawingml/2006/picture" xmlns:wp="http://schemas.openxmlformats.org/drawingml/2006/wordprocessingDrawing" xmlns:xdr="http://schemas.openxmlformats.org/drawingml/2006/spreadsheetDrawing" xmlns:ns11="http://schemas.openxmlformats.org/drawingml/2006/compatibility" xmlns:ns12="http://schemas.openxmlformats.org/drawingml/2006/lockedCanvas" type="obj" preserve="true">
   <p:cSld name="Title and Content">
     <p:spTree>
       <p:nvGrpSpPr>
@@ -684,7 +683,7 @@
 </file>
 
 <file path=ppt/slideLayouts/slideLayout3.xml><?xml version="1.0" encoding="utf-8"?>
-<p:sldLayout xmlns:p="http://schemas.openxmlformats.org/presentationml/2006/main" xmlns:a="http://schemas.openxmlformats.org/drawingml/2006/main" xmlns:r="http://schemas.openxmlformats.org/officeDocument/2006/relationships" xmlns:mc="http://schemas.openxmlformats.org/markup-compatibility/2006" xmlns:c="http://schemas.openxmlformats.org/drawingml/2006/chart" xmlns:ns6="http://schemas.openxmlformats.org/drawingml/2006/chartDrawing" xmlns:dgm="http://schemas.openxmlformats.org/drawingml/2006/diagram" xmlns:pic="http://schemas.openxmlformats.org/drawingml/2006/picture" xmlns:wp="http://schemas.openxmlformats.org/drawingml/2006/wordprocessingDrawing" xmlns:xdr="http://schemas.openxmlformats.org/drawingml/2006/spreadsheetDrawing" xmlns:ns11="http://schemas.openxmlformats.org/drawingml/2006/compatibility" xmlns:ns12="http://schemas.openxmlformats.org/drawingml/2006/lockedCanvas" type="secHead" preserve="true">
+<p:sldLayout xmlns:p="http://schemas.openxmlformats.org/presentationml/2006/main" xmlns:r="http://schemas.openxmlformats.org/officeDocument/2006/relationships" xmlns:a="http://schemas.openxmlformats.org/drawingml/2006/main" xmlns:mc="http://schemas.openxmlformats.org/markup-compatibility/2006" xmlns:c="http://schemas.openxmlformats.org/drawingml/2006/chart" xmlns:ns6="http://schemas.openxmlformats.org/drawingml/2006/chartDrawing" xmlns:dgm="http://schemas.openxmlformats.org/drawingml/2006/diagram" xmlns:pic="http://schemas.openxmlformats.org/drawingml/2006/picture" xmlns:wp="http://schemas.openxmlformats.org/drawingml/2006/wordprocessingDrawing" xmlns:xdr="http://schemas.openxmlformats.org/drawingml/2006/spreadsheetDrawing" xmlns:ns11="http://schemas.openxmlformats.org/drawingml/2006/compatibility" xmlns:ns12="http://schemas.openxmlformats.org/drawingml/2006/lockedCanvas" type="secHead" preserve="true">
   <p:cSld name="Section Header">
     <p:spTree>
       <p:nvGrpSpPr>
@@ -937,7 +936,7 @@
 </file>
 
 <file path=ppt/slideLayouts/slideLayout4.xml><?xml version="1.0" encoding="utf-8"?>
-<p:sldLayout xmlns:p="http://schemas.openxmlformats.org/presentationml/2006/main" xmlns:a="http://schemas.openxmlformats.org/drawingml/2006/main" xmlns:r="http://schemas.openxmlformats.org/officeDocument/2006/relationships" xmlns:mc="http://schemas.openxmlformats.org/markup-compatibility/2006" xmlns:c="http://schemas.openxmlformats.org/drawingml/2006/chart" xmlns:ns6="http://schemas.openxmlformats.org/drawingml/2006/chartDrawing" xmlns:dgm="http://schemas.openxmlformats.org/drawingml/2006/diagram" xmlns:pic="http://schemas.openxmlformats.org/drawingml/2006/picture" xmlns:wp="http://schemas.openxmlformats.org/drawingml/2006/wordprocessingDrawing" xmlns:xdr="http://schemas.openxmlformats.org/drawingml/2006/spreadsheetDrawing" xmlns:ns11="http://schemas.openxmlformats.org/drawingml/2006/compatibility" xmlns:ns12="http://schemas.openxmlformats.org/drawingml/2006/lockedCanvas" type="twoObj" preserve="true">
+<p:sldLayout xmlns:p="http://schemas.openxmlformats.org/presentationml/2006/main" xmlns:r="http://schemas.openxmlformats.org/officeDocument/2006/relationships" xmlns:a="http://schemas.openxmlformats.org/drawingml/2006/main" xmlns:mc="http://schemas.openxmlformats.org/markup-compatibility/2006" xmlns:c="http://schemas.openxmlformats.org/drawingml/2006/chart" xmlns:ns6="http://schemas.openxmlformats.org/drawingml/2006/chartDrawing" xmlns:dgm="http://schemas.openxmlformats.org/drawingml/2006/diagram" xmlns:pic="http://schemas.openxmlformats.org/drawingml/2006/picture" xmlns:wp="http://schemas.openxmlformats.org/drawingml/2006/wordprocessingDrawing" xmlns:xdr="http://schemas.openxmlformats.org/drawingml/2006/spreadsheetDrawing" xmlns:ns11="http://schemas.openxmlformats.org/drawingml/2006/compatibility" xmlns:ns12="http://schemas.openxmlformats.org/drawingml/2006/lockedCanvas" type="twoObj" preserve="true">
   <p:cSld name="Two Content">
     <p:spTree>
       <p:nvGrpSpPr>
@@ -1176,7 +1175,7 @@
 </file>
 
 <file path=ppt/slideLayouts/slideLayout5.xml><?xml version="1.0" encoding="utf-8"?>
-<p:sldLayout xmlns:p="http://schemas.openxmlformats.org/presentationml/2006/main" xmlns:a="http://schemas.openxmlformats.org/drawingml/2006/main" xmlns:r="http://schemas.openxmlformats.org/officeDocument/2006/relationships" xmlns:mc="http://schemas.openxmlformats.org/markup-compatibility/2006" xmlns:c="http://schemas.openxmlformats.org/drawingml/2006/chart" xmlns:ns6="http://schemas.openxmlformats.org/drawingml/2006/chartDrawing" xmlns:dgm="http://schemas.openxmlformats.org/drawingml/2006/diagram" xmlns:pic="http://schemas.openxmlformats.org/drawingml/2006/picture" xmlns:wp="http://schemas.openxmlformats.org/drawingml/2006/wordprocessingDrawing" xmlns:xdr="http://schemas.openxmlformats.org/drawingml/2006/spreadsheetDrawing" xmlns:ns11="http://schemas.openxmlformats.org/drawingml/2006/compatibility" xmlns:ns12="http://schemas.openxmlformats.org/drawingml/2006/lockedCanvas" type="twoTxTwoObj" preserve="true">
+<p:sldLayout xmlns:p="http://schemas.openxmlformats.org/presentationml/2006/main" xmlns:r="http://schemas.openxmlformats.org/officeDocument/2006/relationships" xmlns:a="http://schemas.openxmlformats.org/drawingml/2006/main" xmlns:mc="http://schemas.openxmlformats.org/markup-compatibility/2006" xmlns:c="http://schemas.openxmlformats.org/drawingml/2006/chart" xmlns:ns6="http://schemas.openxmlformats.org/drawingml/2006/chartDrawing" xmlns:dgm="http://schemas.openxmlformats.org/drawingml/2006/diagram" xmlns:pic="http://schemas.openxmlformats.org/drawingml/2006/picture" xmlns:wp="http://schemas.openxmlformats.org/drawingml/2006/wordprocessingDrawing" xmlns:xdr="http://schemas.openxmlformats.org/drawingml/2006/spreadsheetDrawing" xmlns:ns11="http://schemas.openxmlformats.org/drawingml/2006/compatibility" xmlns:ns12="http://schemas.openxmlformats.org/drawingml/2006/lockedCanvas" type="twoTxTwoObj" preserve="true">
   <p:cSld name="Comparison">
     <p:spTree>
       <p:nvGrpSpPr>
@@ -1531,7 +1530,7 @@
 </file>
 
 <file path=ppt/slideLayouts/slideLayout6.xml><?xml version="1.0" encoding="utf-8"?>
-<p:sldLayout xmlns:p="http://schemas.openxmlformats.org/presentationml/2006/main" xmlns:a="http://schemas.openxmlformats.org/drawingml/2006/main" xmlns:r="http://schemas.openxmlformats.org/officeDocument/2006/relationships" xmlns:mc="http://schemas.openxmlformats.org/markup-compatibility/2006" xmlns:c="http://schemas.openxmlformats.org/drawingml/2006/chart" xmlns:ns6="http://schemas.openxmlformats.org/drawingml/2006/chartDrawing" xmlns:dgm="http://schemas.openxmlformats.org/drawingml/2006/diagram" xmlns:pic="http://schemas.openxmlformats.org/drawingml/2006/picture" xmlns:wp="http://schemas.openxmlformats.org/drawingml/2006/wordprocessingDrawing" xmlns:xdr="http://schemas.openxmlformats.org/drawingml/2006/spreadsheetDrawing" xmlns:ns11="http://schemas.openxmlformats.org/drawingml/2006/compatibility" xmlns:ns12="http://schemas.openxmlformats.org/drawingml/2006/lockedCanvas" type="titleOnly" preserve="true">
+<p:sldLayout xmlns:p="http://schemas.openxmlformats.org/presentationml/2006/main" xmlns:r="http://schemas.openxmlformats.org/officeDocument/2006/relationships" xmlns:a="http://schemas.openxmlformats.org/drawingml/2006/main" xmlns:mc="http://schemas.openxmlformats.org/markup-compatibility/2006" xmlns:c="http://schemas.openxmlformats.org/drawingml/2006/chart" xmlns:ns6="http://schemas.openxmlformats.org/drawingml/2006/chartDrawing" xmlns:dgm="http://schemas.openxmlformats.org/drawingml/2006/diagram" xmlns:pic="http://schemas.openxmlformats.org/drawingml/2006/picture" xmlns:wp="http://schemas.openxmlformats.org/drawingml/2006/wordprocessingDrawing" xmlns:xdr="http://schemas.openxmlformats.org/drawingml/2006/spreadsheetDrawing" xmlns:ns11="http://schemas.openxmlformats.org/drawingml/2006/compatibility" xmlns:ns12="http://schemas.openxmlformats.org/drawingml/2006/lockedCanvas" type="titleOnly" preserve="true">
   <p:cSld name="Title Only">
     <p:spTree>
       <p:nvGrpSpPr>
@@ -1656,7 +1655,7 @@
 </file>
 
 <file path=ppt/slideLayouts/slideLayout7.xml><?xml version="1.0" encoding="utf-8"?>
-<p:sldLayout xmlns:p="http://schemas.openxmlformats.org/presentationml/2006/main" xmlns:a="http://schemas.openxmlformats.org/drawingml/2006/main" xmlns:r="http://schemas.openxmlformats.org/officeDocument/2006/relationships" xmlns:mc="http://schemas.openxmlformats.org/markup-compatibility/2006" xmlns:c="http://schemas.openxmlformats.org/drawingml/2006/chart" xmlns:ns6="http://schemas.openxmlformats.org/drawingml/2006/chartDrawing" xmlns:dgm="http://schemas.openxmlformats.org/drawingml/2006/diagram" xmlns:pic="http://schemas.openxmlformats.org/drawingml/2006/picture" xmlns:wp="http://schemas.openxmlformats.org/drawingml/2006/wordprocessingDrawing" xmlns:xdr="http://schemas.openxmlformats.org/drawingml/2006/spreadsheetDrawing" xmlns:ns11="http://schemas.openxmlformats.org/drawingml/2006/compatibility" xmlns:ns12="http://schemas.openxmlformats.org/drawingml/2006/lockedCanvas" type="blank" preserve="true">
+<p:sldLayout xmlns:p="http://schemas.openxmlformats.org/presentationml/2006/main" xmlns:r="http://schemas.openxmlformats.org/officeDocument/2006/relationships" xmlns:a="http://schemas.openxmlformats.org/drawingml/2006/main" xmlns:mc="http://schemas.openxmlformats.org/markup-compatibility/2006" xmlns:c="http://schemas.openxmlformats.org/drawingml/2006/chart" xmlns:ns6="http://schemas.openxmlformats.org/drawingml/2006/chartDrawing" xmlns:dgm="http://schemas.openxmlformats.org/drawingml/2006/diagram" xmlns:pic="http://schemas.openxmlformats.org/drawingml/2006/picture" xmlns:wp="http://schemas.openxmlformats.org/drawingml/2006/wordprocessingDrawing" xmlns:xdr="http://schemas.openxmlformats.org/drawingml/2006/spreadsheetDrawing" xmlns:ns11="http://schemas.openxmlformats.org/drawingml/2006/compatibility" xmlns:ns12="http://schemas.openxmlformats.org/drawingml/2006/lockedCanvas" type="blank" preserve="true">
   <p:cSld name="Blank">
     <p:spTree>
       <p:nvGrpSpPr>
@@ -1758,7 +1757,7 @@
 </file>
 
 <file path=ppt/slideLayouts/slideLayout8.xml><?xml version="1.0" encoding="utf-8"?>
-<p:sldLayout xmlns:p="http://schemas.openxmlformats.org/presentationml/2006/main" xmlns:a="http://schemas.openxmlformats.org/drawingml/2006/main" xmlns:r="http://schemas.openxmlformats.org/officeDocument/2006/relationships" xmlns:mc="http://schemas.openxmlformats.org/markup-compatibility/2006" xmlns:c="http://schemas.openxmlformats.org/drawingml/2006/chart" xmlns:ns6="http://schemas.openxmlformats.org/drawingml/2006/chartDrawing" xmlns:dgm="http://schemas.openxmlformats.org/drawingml/2006/diagram" xmlns:pic="http://schemas.openxmlformats.org/drawingml/2006/picture" xmlns:wp="http://schemas.openxmlformats.org/drawingml/2006/wordprocessingDrawing" xmlns:xdr="http://schemas.openxmlformats.org/drawingml/2006/spreadsheetDrawing" xmlns:ns11="http://schemas.openxmlformats.org/drawingml/2006/compatibility" xmlns:ns12="http://schemas.openxmlformats.org/drawingml/2006/lockedCanvas" type="objTx" preserve="true">
+<p:sldLayout xmlns:p="http://schemas.openxmlformats.org/presentationml/2006/main" xmlns:r="http://schemas.openxmlformats.org/officeDocument/2006/relationships" xmlns:a="http://schemas.openxmlformats.org/drawingml/2006/main" xmlns:mc="http://schemas.openxmlformats.org/markup-compatibility/2006" xmlns:c="http://schemas.openxmlformats.org/drawingml/2006/chart" xmlns:ns6="http://schemas.openxmlformats.org/drawingml/2006/chartDrawing" xmlns:dgm="http://schemas.openxmlformats.org/drawingml/2006/diagram" xmlns:pic="http://schemas.openxmlformats.org/drawingml/2006/picture" xmlns:wp="http://schemas.openxmlformats.org/drawingml/2006/wordprocessingDrawing" xmlns:xdr="http://schemas.openxmlformats.org/drawingml/2006/spreadsheetDrawing" xmlns:ns11="http://schemas.openxmlformats.org/drawingml/2006/compatibility" xmlns:ns12="http://schemas.openxmlformats.org/drawingml/2006/lockedCanvas" type="objTx" preserve="true">
   <p:cSld name="Content with Caption">
     <p:spTree>
       <p:nvGrpSpPr>
@@ -2042,7 +2041,7 @@
 </file>
 
 <file path=ppt/slideLayouts/slideLayout9.xml><?xml version="1.0" encoding="utf-8"?>
-<p:sldLayout xmlns:p="http://schemas.openxmlformats.org/presentationml/2006/main" xmlns:a="http://schemas.openxmlformats.org/drawingml/2006/main" xmlns:r="http://schemas.openxmlformats.org/officeDocument/2006/relationships" xmlns:mc="http://schemas.openxmlformats.org/markup-compatibility/2006" xmlns:c="http://schemas.openxmlformats.org/drawingml/2006/chart" xmlns:ns6="http://schemas.openxmlformats.org/drawingml/2006/chartDrawing" xmlns:dgm="http://schemas.openxmlformats.org/drawingml/2006/diagram" xmlns:pic="http://schemas.openxmlformats.org/drawingml/2006/picture" xmlns:wp="http://schemas.openxmlformats.org/drawingml/2006/wordprocessingDrawing" xmlns:xdr="http://schemas.openxmlformats.org/drawingml/2006/spreadsheetDrawing" xmlns:ns11="http://schemas.openxmlformats.org/drawingml/2006/compatibility" xmlns:ns12="http://schemas.openxmlformats.org/drawingml/2006/lockedCanvas" type="vertTx" preserve="true">
+<p:sldLayout xmlns:p="http://schemas.openxmlformats.org/presentationml/2006/main" xmlns:r="http://schemas.openxmlformats.org/officeDocument/2006/relationships" xmlns:a="http://schemas.openxmlformats.org/drawingml/2006/main" xmlns:mc="http://schemas.openxmlformats.org/markup-compatibility/2006" xmlns:c="http://schemas.openxmlformats.org/drawingml/2006/chart" xmlns:ns6="http://schemas.openxmlformats.org/drawingml/2006/chartDrawing" xmlns:dgm="http://schemas.openxmlformats.org/drawingml/2006/diagram" xmlns:pic="http://schemas.openxmlformats.org/drawingml/2006/picture" xmlns:wp="http://schemas.openxmlformats.org/drawingml/2006/wordprocessingDrawing" xmlns:xdr="http://schemas.openxmlformats.org/drawingml/2006/spreadsheetDrawing" xmlns:ns11="http://schemas.openxmlformats.org/drawingml/2006/compatibility" xmlns:ns12="http://schemas.openxmlformats.org/drawingml/2006/lockedCanvas" type="vertTx" preserve="true">
   <p:cSld name="Title and Vertical Text">
     <p:spTree>
       <p:nvGrpSpPr>
@@ -2219,7 +2218,7 @@
 </file>
 
 <file path=ppt/slideMasters/slideMaster1.xml><?xml version="1.0" encoding="utf-8"?>
-<p:sldMaster xmlns:p="http://schemas.openxmlformats.org/presentationml/2006/main" xmlns:a="http://schemas.openxmlformats.org/drawingml/2006/main" xmlns:r="http://schemas.openxmlformats.org/officeDocument/2006/relationships" xmlns:mc="http://schemas.openxmlformats.org/markup-compatibility/2006" xmlns:c="http://schemas.openxmlformats.org/drawingml/2006/chart" xmlns:ns6="http://schemas.openxmlformats.org/drawingml/2006/chartDrawing" xmlns:dgm="http://schemas.openxmlformats.org/drawingml/2006/diagram" xmlns:pic="http://schemas.openxmlformats.org/drawingml/2006/picture" xmlns:wp="http://schemas.openxmlformats.org/drawingml/2006/wordprocessingDrawing" xmlns:xdr="http://schemas.openxmlformats.org/drawingml/2006/spreadsheetDrawing" xmlns:ns11="http://schemas.openxmlformats.org/drawingml/2006/compatibility" xmlns:ns12="http://schemas.openxmlformats.org/drawingml/2006/lockedCanvas">
+<p:sldMaster xmlns:p="http://schemas.openxmlformats.org/presentationml/2006/main" xmlns:r="http://schemas.openxmlformats.org/officeDocument/2006/relationships" xmlns:a="http://schemas.openxmlformats.org/drawingml/2006/main" xmlns:mc="http://schemas.openxmlformats.org/markup-compatibility/2006" xmlns:c="http://schemas.openxmlformats.org/drawingml/2006/chart" xmlns:ns6="http://schemas.openxmlformats.org/drawingml/2006/chartDrawing" xmlns:dgm="http://schemas.openxmlformats.org/drawingml/2006/diagram" xmlns:pic="http://schemas.openxmlformats.org/drawingml/2006/picture" xmlns:wp="http://schemas.openxmlformats.org/drawingml/2006/wordprocessingDrawing" xmlns:xdr="http://schemas.openxmlformats.org/drawingml/2006/spreadsheetDrawing" xmlns:ns11="http://schemas.openxmlformats.org/drawingml/2006/compatibility" xmlns:ns12="http://schemas.openxmlformats.org/drawingml/2006/lockedCanvas">
   <p:cSld>
     <p:bg>
       <p:bgRef idx="1001">
@@ -2765,7 +2764,7 @@
 </file>
 
 <file path=ppt/slides/slide1.xml><?xml version="1.0" encoding="utf-8"?>
-<p:sld xmlns:p="http://schemas.openxmlformats.org/presentationml/2006/main" xmlns:a="http://schemas.openxmlformats.org/drawingml/2006/main" xmlns:r="http://schemas.openxmlformats.org/officeDocument/2006/relationships" xmlns:mc="http://schemas.openxmlformats.org/markup-compatibility/2006" xmlns:c="http://schemas.openxmlformats.org/drawingml/2006/chart" xmlns:ns6="http://schemas.openxmlformats.org/drawingml/2006/chartDrawing" xmlns:dgm="http://schemas.openxmlformats.org/drawingml/2006/diagram" xmlns:pic="http://schemas.openxmlformats.org/drawingml/2006/picture" xmlns:wp="http://schemas.openxmlformats.org/drawingml/2006/wordprocessingDrawing" xmlns:xdr="http://schemas.openxmlformats.org/drawingml/2006/spreadsheetDrawing" xmlns:ns11="http://schemas.openxmlformats.org/drawingml/2006/compatibility" xmlns:ns12="http://schemas.openxmlformats.org/drawingml/2006/lockedCanvas">
+<p:sld xmlns:p="http://schemas.openxmlformats.org/presentationml/2006/main" xmlns:r="http://schemas.openxmlformats.org/officeDocument/2006/relationships" xmlns:a="http://schemas.openxmlformats.org/drawingml/2006/main" xmlns:mc="http://schemas.openxmlformats.org/markup-compatibility/2006" xmlns:c="http://schemas.openxmlformats.org/drawingml/2006/chart" xmlns:ns6="http://schemas.openxmlformats.org/drawingml/2006/chartDrawing" xmlns:dgm="http://schemas.openxmlformats.org/drawingml/2006/diagram" xmlns:pic="http://schemas.openxmlformats.org/drawingml/2006/picture" xmlns:wp="http://schemas.openxmlformats.org/drawingml/2006/wordprocessingDrawing" xmlns:xdr="http://schemas.openxmlformats.org/drawingml/2006/spreadsheetDrawing" xmlns:ns11="http://schemas.openxmlformats.org/drawingml/2006/compatibility" xmlns:ns12="http://schemas.openxmlformats.org/drawingml/2006/lockedCanvas">
   <p:cSld>
     <p:spTree>
       <p:nvGrpSpPr>
@@ -2783,26 +2782,6 @@
       </p:grpSpPr>
       <p:sp>
         <p:nvSpPr>
-          <p:cNvPr id="1" name="Title 1"/>
-          <p:cNvSpPr/>
-          <p:nvPr>
-            <p:ph type="title" idx="0"/>
-          </p:nvPr>
-        </p:nvSpPr>
-        <p:spPr/>
-        <p:txBody>
-          <a:bodyPr/>
-          <a:lstStyle/>
-          <a:p>
-            <a:r>
-              <a:rPr/>
-              <a:t>Title example 1</a:t>
-            </a:r>
-          </a:p>
-        </p:txBody>
-      </p:sp>
-      <p:sp>
-        <p:nvSpPr>
           <p:cNvPr id="3" name="Espace réservé du contenu 2"/>
           <p:cNvSpPr>
             <a:spLocks noGrp="true"/>
@@ -2833,7 +2812,7 @@
 </file>
 
 <file path=ppt/slides/slide2.xml><?xml version="1.0" encoding="utf-8"?>
-<p:sld xmlns:p="http://schemas.openxmlformats.org/presentationml/2006/main" xmlns:a="http://schemas.openxmlformats.org/drawingml/2006/main" xmlns:r="http://schemas.openxmlformats.org/officeDocument/2006/relationships" xmlns:mc="http://schemas.openxmlformats.org/markup-compatibility/2006" xmlns:c="http://schemas.openxmlformats.org/drawingml/2006/chart" xmlns:ns6="http://schemas.openxmlformats.org/drawingml/2006/chartDrawing" xmlns:dgm="http://schemas.openxmlformats.org/drawingml/2006/diagram" xmlns:pic="http://schemas.openxmlformats.org/drawingml/2006/picture" xmlns:wp="http://schemas.openxmlformats.org/drawingml/2006/wordprocessingDrawing" xmlns:xdr="http://schemas.openxmlformats.org/drawingml/2006/spreadsheetDrawing" xmlns:ns11="http://schemas.openxmlformats.org/drawingml/2006/compatibility" xmlns:ns12="http://schemas.openxmlformats.org/drawingml/2006/lockedCanvas">
+<p:sld xmlns:p="http://schemas.openxmlformats.org/presentationml/2006/main" xmlns:r="http://schemas.openxmlformats.org/officeDocument/2006/relationships" xmlns:a="http://schemas.openxmlformats.org/drawingml/2006/main" xmlns:mc="http://schemas.openxmlformats.org/markup-compatibility/2006" xmlns:c="http://schemas.openxmlformats.org/drawingml/2006/chart" xmlns:ns6="http://schemas.openxmlformats.org/drawingml/2006/chartDrawing" xmlns:dgm="http://schemas.openxmlformats.org/drawingml/2006/diagram" xmlns:pic="http://schemas.openxmlformats.org/drawingml/2006/picture" xmlns:wp="http://schemas.openxmlformats.org/drawingml/2006/wordprocessingDrawing" xmlns:xdr="http://schemas.openxmlformats.org/drawingml/2006/spreadsheetDrawing" xmlns:ns11="http://schemas.openxmlformats.org/drawingml/2006/compatibility" xmlns:ns12="http://schemas.openxmlformats.org/drawingml/2006/lockedCanvas">
   <p:cSld>
     <p:spTree>
       <p:nvGrpSpPr>
@@ -2851,26 +2830,6 @@
       </p:grpSpPr>
       <p:sp>
         <p:nvSpPr>
-          <p:cNvPr id="1" name="Title 1"/>
-          <p:cNvSpPr/>
-          <p:nvPr>
-            <p:ph type="title" idx="0"/>
-          </p:nvPr>
-        </p:nvSpPr>
-        <p:spPr/>
-        <p:txBody>
-          <a:bodyPr/>
-          <a:lstStyle/>
-          <a:p>
-            <a:r>
-              <a:rPr/>
-              <a:t>Title example 2</a:t>
-            </a:r>
-          </a:p>
-        </p:txBody>
-      </p:sp>
-      <p:sp>
-        <p:nvSpPr>
           <p:cNvPr id="3" name="Espace réservé du contenu 2"/>
           <p:cNvSpPr>
             <a:spLocks noGrp="true"/>
@@ -2890,7 +2849,7 @@
           <a:lstStyle/>
           <a:p>
             <a:r>
-              <a:rPr sz="2400">
+              <a:rPr sz="1100">
                 <a:solidFill>
                   <a:srgbClr val="FF0000">
                     <a:alpha val="100000"/>
@@ -2903,7 +2862,7 @@
               <a:t>My tailor</a:t>
             </a:r>
             <a:r>
-              <a:rPr sz="2400">
+              <a:rPr sz="1100">
                 <a:solidFill>
                   <a:srgbClr val="000000">
                     <a:alpha val="100000"/>
@@ -2916,7 +2875,7 @@
               <a:t> is </a:t>
             </a:r>
             <a:r>
-              <a:rPr sz="2400" b="true">
+              <a:rPr sz="1100" b="true">
                 <a:solidFill>
                   <a:srgbClr val="000000">
                     <a:alpha val="100000"/>
@@ -2936,7 +2895,7 @@
           </a:p>
           <a:p>
             <a:r>
-              <a:rPr sz="2400">
+              <a:rPr sz="1100">
                 <a:solidFill>
                   <a:srgbClr val="FF0000">
                     <a:alpha val="100000"/>
@@ -2949,7 +2908,7 @@
               <a:t>Cats</a:t>
             </a:r>
             <a:r>
-              <a:rPr sz="2400">
+              <a:rPr sz="1100">
                 <a:solidFill>
                   <a:srgbClr val="000000">
                     <a:alpha val="100000"/>
@@ -2962,7 +2921,7 @@
               <a:t> and </a:t>
             </a:r>
             <a:r>
-              <a:rPr sz="2400">
+              <a:rPr sz="1100">
                 <a:solidFill>
                   <a:srgbClr val="0000FF">
                     <a:alpha val="100000"/>
@@ -2980,12 +2939,12 @@
       </p:sp>
       <p:sp>
         <p:nvSpPr>
-          <p:cNvPr id="3" name="Title Texts3"/>
-          <p:cNvSpPr>
-            <a:spLocks noGrp="true"/>
-          </p:cNvSpPr>
-          <p:nvPr>
-            <p:ph idx="3"/>
+          <p:cNvPr id="2" name="Title Texts2"/>
+          <p:cNvSpPr>
+            <a:spLocks noGrp="true"/>
+          </p:cNvSpPr>
+          <p:nvPr>
+            <p:ph idx="2"/>
           </p:nvPr>
         </p:nvSpPr>
         <p:spPr>
@@ -3008,7 +2967,7 @@
               <a:buNone/>
             </a:pPr>
             <a:r>
-              <a:rPr sz="2400">
+              <a:rPr sz="1100">
                 <a:solidFill>
                   <a:srgbClr val="FF0000">
                     <a:alpha val="100000"/>
@@ -3021,7 +2980,7 @@
               <a:t>My tailor</a:t>
             </a:r>
             <a:r>
-              <a:rPr sz="2400">
+              <a:rPr sz="1100">
                 <a:solidFill>
                   <a:srgbClr val="000000">
                     <a:alpha val="100000"/>
@@ -3034,7 +2993,7 @@
               <a:t> is </a:t>
             </a:r>
             <a:r>
-              <a:rPr sz="2400" b="true">
+              <a:rPr sz="1100" b="true">
                 <a:solidFill>
                   <a:srgbClr val="000000">
                     <a:alpha val="100000"/>
@@ -3063,7 +3022,7 @@
               <a:buNone/>
             </a:pPr>
             <a:r>
-              <a:rPr sz="2400">
+              <a:rPr sz="1100">
                 <a:solidFill>
                   <a:srgbClr val="FF0000">
                     <a:alpha val="100000"/>
@@ -3076,7 +3035,7 @@
               <a:t>Cats</a:t>
             </a:r>
             <a:r>
-              <a:rPr sz="2400">
+              <a:rPr sz="1100">
                 <a:solidFill>
                   <a:srgbClr val="000000">
                     <a:alpha val="100000"/>
@@ -3089,7 +3048,7 @@
               <a:t> and </a:t>
             </a:r>
             <a:r>
-              <a:rPr sz="2400">
+              <a:rPr sz="1100">
                 <a:solidFill>
                   <a:srgbClr val="0000FF">
                     <a:alpha val="100000"/>
@@ -3111,7 +3070,7 @@
 </file>
 
 <file path=ppt/slides/slide3.xml><?xml version="1.0" encoding="utf-8"?>
-<p:sld xmlns:p="http://schemas.openxmlformats.org/presentationml/2006/main" xmlns:a="http://schemas.openxmlformats.org/drawingml/2006/main" xmlns:r="http://schemas.openxmlformats.org/officeDocument/2006/relationships" xmlns:mc="http://schemas.openxmlformats.org/markup-compatibility/2006" xmlns:c="http://schemas.openxmlformats.org/drawingml/2006/chart" xmlns:ns6="http://schemas.openxmlformats.org/drawingml/2006/chartDrawing" xmlns:dgm="http://schemas.openxmlformats.org/drawingml/2006/diagram" xmlns:pic="http://schemas.openxmlformats.org/drawingml/2006/picture" xmlns:wp="http://schemas.openxmlformats.org/drawingml/2006/wordprocessingDrawing" xmlns:xdr="http://schemas.openxmlformats.org/drawingml/2006/spreadsheetDrawing" xmlns:ns11="http://schemas.openxmlformats.org/drawingml/2006/compatibility" xmlns:ns12="http://schemas.openxmlformats.org/drawingml/2006/lockedCanvas">
+<p:sld xmlns:p="http://schemas.openxmlformats.org/presentationml/2006/main" xmlns:r="http://schemas.openxmlformats.org/officeDocument/2006/relationships" xmlns:a="http://schemas.openxmlformats.org/drawingml/2006/main" xmlns:mc="http://schemas.openxmlformats.org/markup-compatibility/2006" xmlns:c="http://schemas.openxmlformats.org/drawingml/2006/chart" xmlns:ns6="http://schemas.openxmlformats.org/drawingml/2006/chartDrawing" xmlns:dgm="http://schemas.openxmlformats.org/drawingml/2006/diagram" xmlns:pic="http://schemas.openxmlformats.org/drawingml/2006/picture" xmlns:wp="http://schemas.openxmlformats.org/drawingml/2006/wordprocessingDrawing" xmlns:xdr="http://schemas.openxmlformats.org/drawingml/2006/spreadsheetDrawing" xmlns:ns11="http://schemas.openxmlformats.org/drawingml/2006/compatibility" xmlns:ns12="http://schemas.openxmlformats.org/drawingml/2006/lockedCanvas">
   <p:cSld>
     <p:spTree>
       <p:nvGrpSpPr>
@@ -3129,26 +3088,6 @@
       </p:grpSpPr>
       <p:sp>
         <p:nvSpPr>
-          <p:cNvPr id="1" name="Title 1"/>
-          <p:cNvSpPr/>
-          <p:nvPr>
-            <p:ph type="title" idx="0"/>
-          </p:nvPr>
-        </p:nvSpPr>
-        <p:spPr/>
-        <p:txBody>
-          <a:bodyPr/>
-          <a:lstStyle/>
-          <a:p>
-            <a:r>
-              <a:rPr/>
-              <a:t>Title example 3</a:t>
-            </a:r>
-          </a:p>
-        </p:txBody>
-      </p:sp>
-      <p:sp>
-        <p:nvSpPr>
           <p:cNvPr id="3" name="Espace réservé du contenu 2"/>
           <p:cNvSpPr>
             <a:spLocks noGrp="true"/>
@@ -3177,7 +3116,7 @@
               <a:buNone/>
             </a:pPr>
             <a:r>
-              <a:rPr sz="2400">
+              <a:rPr sz="1100">
                 <a:solidFill>
                   <a:srgbClr val="FF0000">
                     <a:alpha val="100000"/>
@@ -3190,7 +3129,7 @@
               <a:t>My tailor</a:t>
             </a:r>
             <a:r>
-              <a:rPr sz="2400">
+              <a:rPr sz="1100">
                 <a:solidFill>
                   <a:srgbClr val="000000">
                     <a:alpha val="100000"/>
@@ -3203,7 +3142,7 @@
               <a:t> is </a:t>
             </a:r>
             <a:r>
-              <a:rPr sz="2400" b="true">
+              <a:rPr sz="1100" b="true">
                 <a:solidFill>
                   <a:srgbClr val="000000">
                     <a:alpha val="100000"/>
@@ -3232,7 +3171,7 @@
               <a:buNone/>
             </a:pPr>
             <a:r>
-              <a:rPr sz="2400">
+              <a:rPr sz="1100">
                 <a:solidFill>
                   <a:srgbClr val="FF0000">
                     <a:alpha val="100000"/>
@@ -3245,7 +3184,7 @@
               <a:t>Cats</a:t>
             </a:r>
             <a:r>
-              <a:rPr sz="2400">
+              <a:rPr sz="1100">
                 <a:solidFill>
                   <a:srgbClr val="000000">
                     <a:alpha val="100000"/>
@@ -3258,7 +3197,7 @@
               <a:t> and </a:t>
             </a:r>
             <a:r>
-              <a:rPr sz="2400">
+              <a:rPr sz="1100">
                 <a:solidFill>
                   <a:srgbClr val="0000FF">
                     <a:alpha val="100000"/>
@@ -3274,28 +3213,6 @@
           </a:p>
         </p:txBody>
       </p:sp>
-    </p:spTree>
-  </p:cSld>
-</p:sld>
-</file>
-
-<file path=ppt/slides/slide4.xml><?xml version="1.0" encoding="utf-8"?>
-<p:sld xmlns:p="http://schemas.openxmlformats.org/presentationml/2006/main" xmlns:a="http://schemas.openxmlformats.org/drawingml/2006/main" xmlns:r="http://schemas.openxmlformats.org/officeDocument/2006/relationships" xmlns:mc="http://schemas.openxmlformats.org/markup-compatibility/2006" xmlns:c="http://schemas.openxmlformats.org/drawingml/2006/chart" xmlns:ns6="http://schemas.openxmlformats.org/drawingml/2006/chartDrawing" xmlns:dgm="http://schemas.openxmlformats.org/drawingml/2006/diagram" xmlns:pic="http://schemas.openxmlformats.org/drawingml/2006/picture" xmlns:wp="http://schemas.openxmlformats.org/drawingml/2006/wordprocessingDrawing" xmlns:xdr="http://schemas.openxmlformats.org/drawingml/2006/spreadsheetDrawing" xmlns:ns11="http://schemas.openxmlformats.org/drawingml/2006/compatibility" xmlns:ns12="http://schemas.openxmlformats.org/drawingml/2006/lockedCanvas">
-  <p:cSld>
-    <p:spTree>
-      <p:nvGrpSpPr>
-        <p:cNvPr id="1" name=""/>
-        <p:cNvGrpSpPr/>
-        <p:nvPr/>
-      </p:nvGrpSpPr>
-      <p:grpSpPr>
-        <a:xfrm>
-          <a:off x="0" y="0"/>
-          <a:ext cx="0" cy="0"/>
-          <a:chOff x="0" y="0"/>
-          <a:chExt cx="0" cy="0"/>
-        </a:xfrm>
-      </p:grpSpPr>
     </p:spTree>
   </p:cSld>
 </p:sld>

--- a/reference/ex_paragraph.pptx
+++ b/reference/ex_paragraph.pptx
@@ -1,13 +1,13 @@
 
 <file path=ppt/presentation.xml><?xml version="1.0" encoding="utf-8"?>
-<p:presentation xmlns:p="http://schemas.openxmlformats.org/presentationml/2006/main" xmlns:r="http://schemas.openxmlformats.org/officeDocument/2006/relationships" xmlns:a="http://schemas.openxmlformats.org/drawingml/2006/main" xmlns:mc="http://schemas.openxmlformats.org/markup-compatibility/2006" xmlns:c="http://schemas.openxmlformats.org/drawingml/2006/chart" xmlns:ns6="http://schemas.openxmlformats.org/drawingml/2006/chartDrawing" xmlns:dgm="http://schemas.openxmlformats.org/drawingml/2006/diagram" xmlns:pic="http://schemas.openxmlformats.org/drawingml/2006/picture" xmlns:wp="http://schemas.openxmlformats.org/drawingml/2006/wordprocessingDrawing" xmlns:xdr="http://schemas.openxmlformats.org/drawingml/2006/spreadsheetDrawing" xmlns:ns11="http://schemas.openxmlformats.org/drawingml/2006/compatibility" xmlns:ns12="http://schemas.openxmlformats.org/drawingml/2006/lockedCanvas" saveSubsetFonts="true">
+<p:presentation xmlns:p="http://schemas.openxmlformats.org/presentationml/2006/main" xmlns:a="http://schemas.openxmlformats.org/drawingml/2006/main" xmlns:r="http://schemas.openxmlformats.org/officeDocument/2006/relationships" xmlns:mc="http://schemas.openxmlformats.org/markup-compatibility/2006" xmlns:c="http://schemas.openxmlformats.org/drawingml/2006/chart" xmlns:ns6="http://schemas.openxmlformats.org/drawingml/2006/chartDrawing" xmlns:dgm="http://schemas.openxmlformats.org/drawingml/2006/diagram" xmlns:pic="http://schemas.openxmlformats.org/drawingml/2006/picture" xmlns:wp="http://schemas.openxmlformats.org/drawingml/2006/wordprocessingDrawing" xmlns:xdr="http://schemas.openxmlformats.org/drawingml/2006/spreadsheetDrawing" xmlns:ns11="http://schemas.openxmlformats.org/drawingml/2006/compatibility" xmlns:ns12="http://schemas.openxmlformats.org/drawingml/2006/lockedCanvas" saveSubsetFonts="true">
   <p:sldMasterIdLst>
     <p:sldMasterId id="2147483648" r:id="rId1"/>
   </p:sldMasterIdLst>
   <p:sldIdLst>
-    <p:sldId id="2027888911" r:id="rId6"/>
-    <p:sldId id="990620637" r:id="rId7"/>
-    <p:sldId id="2060884918" r:id="rId8"/>
+    <p:sldId id="2037310285" r:id="rId6"/>
+    <p:sldId id="1115041324" r:id="rId7"/>
+    <p:sldId id="1053773038" r:id="rId8"/>
   </p:sldIdLst>
   <p:sldSz cx="12192000" cy="6858000"/>
   <p:notesSz cx="6858000" cy="9144000"/>
@@ -115,7 +115,7 @@
 </file>
 
 <file path=ppt/slideLayouts/slideLayout1.xml><?xml version="1.0" encoding="utf-8"?>
-<p:sldLayout xmlns:p="http://schemas.openxmlformats.org/presentationml/2006/main" xmlns:r="http://schemas.openxmlformats.org/officeDocument/2006/relationships" xmlns:a="http://schemas.openxmlformats.org/drawingml/2006/main" xmlns:mc="http://schemas.openxmlformats.org/markup-compatibility/2006" xmlns:c="http://schemas.openxmlformats.org/drawingml/2006/chart" xmlns:ns6="http://schemas.openxmlformats.org/drawingml/2006/chartDrawing" xmlns:dgm="http://schemas.openxmlformats.org/drawingml/2006/diagram" xmlns:pic="http://schemas.openxmlformats.org/drawingml/2006/picture" xmlns:wp="http://schemas.openxmlformats.org/drawingml/2006/wordprocessingDrawing" xmlns:xdr="http://schemas.openxmlformats.org/drawingml/2006/spreadsheetDrawing" xmlns:ns11="http://schemas.openxmlformats.org/drawingml/2006/compatibility" xmlns:ns12="http://schemas.openxmlformats.org/drawingml/2006/lockedCanvas" type="title" preserve="true">
+<p:sldLayout xmlns:p="http://schemas.openxmlformats.org/presentationml/2006/main" xmlns:a="http://schemas.openxmlformats.org/drawingml/2006/main" xmlns:r="http://schemas.openxmlformats.org/officeDocument/2006/relationships" xmlns:mc="http://schemas.openxmlformats.org/markup-compatibility/2006" xmlns:c="http://schemas.openxmlformats.org/drawingml/2006/chart" xmlns:ns6="http://schemas.openxmlformats.org/drawingml/2006/chartDrawing" xmlns:dgm="http://schemas.openxmlformats.org/drawingml/2006/diagram" xmlns:pic="http://schemas.openxmlformats.org/drawingml/2006/picture" xmlns:wp="http://schemas.openxmlformats.org/drawingml/2006/wordprocessingDrawing" xmlns:xdr="http://schemas.openxmlformats.org/drawingml/2006/spreadsheetDrawing" xmlns:ns11="http://schemas.openxmlformats.org/drawingml/2006/compatibility" xmlns:ns12="http://schemas.openxmlformats.org/drawingml/2006/lockedCanvas" type="title" preserve="true">
   <p:cSld name="Title Slide">
     <p:spTree>
       <p:nvGrpSpPr>
@@ -314,7 +314,7 @@
 </file>
 
 <file path=ppt/slideLayouts/slideLayout10.xml><?xml version="1.0" encoding="utf-8"?>
-<p:sldLayout xmlns:p="http://schemas.openxmlformats.org/presentationml/2006/main" xmlns:r="http://schemas.openxmlformats.org/officeDocument/2006/relationships" xmlns:a="http://schemas.openxmlformats.org/drawingml/2006/main" xmlns:mc="http://schemas.openxmlformats.org/markup-compatibility/2006" xmlns:c="http://schemas.openxmlformats.org/drawingml/2006/chart" xmlns:ns6="http://schemas.openxmlformats.org/drawingml/2006/chartDrawing" xmlns:dgm="http://schemas.openxmlformats.org/drawingml/2006/diagram" xmlns:pic="http://schemas.openxmlformats.org/drawingml/2006/picture" xmlns:wp="http://schemas.openxmlformats.org/drawingml/2006/wordprocessingDrawing" xmlns:xdr="http://schemas.openxmlformats.org/drawingml/2006/spreadsheetDrawing" xmlns:ns11="http://schemas.openxmlformats.org/drawingml/2006/compatibility" xmlns:ns12="http://schemas.openxmlformats.org/drawingml/2006/lockedCanvas" type="vertTitleAndTx" preserve="true">
+<p:sldLayout xmlns:p="http://schemas.openxmlformats.org/presentationml/2006/main" xmlns:a="http://schemas.openxmlformats.org/drawingml/2006/main" xmlns:r="http://schemas.openxmlformats.org/officeDocument/2006/relationships" xmlns:mc="http://schemas.openxmlformats.org/markup-compatibility/2006" xmlns:c="http://schemas.openxmlformats.org/drawingml/2006/chart" xmlns:ns6="http://schemas.openxmlformats.org/drawingml/2006/chartDrawing" xmlns:dgm="http://schemas.openxmlformats.org/drawingml/2006/diagram" xmlns:pic="http://schemas.openxmlformats.org/drawingml/2006/picture" xmlns:wp="http://schemas.openxmlformats.org/drawingml/2006/wordprocessingDrawing" xmlns:xdr="http://schemas.openxmlformats.org/drawingml/2006/spreadsheetDrawing" xmlns:ns11="http://schemas.openxmlformats.org/drawingml/2006/compatibility" xmlns:ns12="http://schemas.openxmlformats.org/drawingml/2006/lockedCanvas" type="vertTitleAndTx" preserve="true">
   <p:cSld name="Vertical Title and Text">
     <p:spTree>
       <p:nvGrpSpPr>
@@ -501,7 +501,7 @@
 </file>
 
 <file path=ppt/slideLayouts/slideLayout2.xml><?xml version="1.0" encoding="utf-8"?>
-<p:sldLayout xmlns:p="http://schemas.openxmlformats.org/presentationml/2006/main" xmlns:r="http://schemas.openxmlformats.org/officeDocument/2006/relationships" xmlns:a="http://schemas.openxmlformats.org/drawingml/2006/main" xmlns:mc="http://schemas.openxmlformats.org/markup-compatibility/2006" xmlns:c="http://schemas.openxmlformats.org/drawingml/2006/chart" xmlns:ns6="http://schemas.openxmlformats.org/drawingml/2006/chartDrawing" xmlns:dgm="http://schemas.openxmlformats.org/drawingml/2006/diagram" xmlns:pic="http://schemas.openxmlformats.org/drawingml/2006/picture" xmlns:wp="http://schemas.openxmlformats.org/drawingml/2006/wordprocessingDrawing" xmlns:xdr="http://schemas.openxmlformats.org/drawingml/2006/spreadsheetDrawing" xmlns:ns11="http://schemas.openxmlformats.org/drawingml/2006/compatibility" xmlns:ns12="http://schemas.openxmlformats.org/drawingml/2006/lockedCanvas" type="obj" preserve="true">
+<p:sldLayout xmlns:p="http://schemas.openxmlformats.org/presentationml/2006/main" xmlns:a="http://schemas.openxmlformats.org/drawingml/2006/main" xmlns:r="http://schemas.openxmlformats.org/officeDocument/2006/relationships" xmlns:mc="http://schemas.openxmlformats.org/markup-compatibility/2006" xmlns:c="http://schemas.openxmlformats.org/drawingml/2006/chart" xmlns:ns6="http://schemas.openxmlformats.org/drawingml/2006/chartDrawing" xmlns:dgm="http://schemas.openxmlformats.org/drawingml/2006/diagram" xmlns:pic="http://schemas.openxmlformats.org/drawingml/2006/picture" xmlns:wp="http://schemas.openxmlformats.org/drawingml/2006/wordprocessingDrawing" xmlns:xdr="http://schemas.openxmlformats.org/drawingml/2006/spreadsheetDrawing" xmlns:ns11="http://schemas.openxmlformats.org/drawingml/2006/compatibility" xmlns:ns12="http://schemas.openxmlformats.org/drawingml/2006/lockedCanvas" type="obj" preserve="true">
   <p:cSld name="Title and Content">
     <p:spTree>
       <p:nvGrpSpPr>
@@ -683,7 +683,7 @@
 </file>
 
 <file path=ppt/slideLayouts/slideLayout3.xml><?xml version="1.0" encoding="utf-8"?>
-<p:sldLayout xmlns:p="http://schemas.openxmlformats.org/presentationml/2006/main" xmlns:r="http://schemas.openxmlformats.org/officeDocument/2006/relationships" xmlns:a="http://schemas.openxmlformats.org/drawingml/2006/main" xmlns:mc="http://schemas.openxmlformats.org/markup-compatibility/2006" xmlns:c="http://schemas.openxmlformats.org/drawingml/2006/chart" xmlns:ns6="http://schemas.openxmlformats.org/drawingml/2006/chartDrawing" xmlns:dgm="http://schemas.openxmlformats.org/drawingml/2006/diagram" xmlns:pic="http://schemas.openxmlformats.org/drawingml/2006/picture" xmlns:wp="http://schemas.openxmlformats.org/drawingml/2006/wordprocessingDrawing" xmlns:xdr="http://schemas.openxmlformats.org/drawingml/2006/spreadsheetDrawing" xmlns:ns11="http://schemas.openxmlformats.org/drawingml/2006/compatibility" xmlns:ns12="http://schemas.openxmlformats.org/drawingml/2006/lockedCanvas" type="secHead" preserve="true">
+<p:sldLayout xmlns:p="http://schemas.openxmlformats.org/presentationml/2006/main" xmlns:a="http://schemas.openxmlformats.org/drawingml/2006/main" xmlns:r="http://schemas.openxmlformats.org/officeDocument/2006/relationships" xmlns:mc="http://schemas.openxmlformats.org/markup-compatibility/2006" xmlns:c="http://schemas.openxmlformats.org/drawingml/2006/chart" xmlns:ns6="http://schemas.openxmlformats.org/drawingml/2006/chartDrawing" xmlns:dgm="http://schemas.openxmlformats.org/drawingml/2006/diagram" xmlns:pic="http://schemas.openxmlformats.org/drawingml/2006/picture" xmlns:wp="http://schemas.openxmlformats.org/drawingml/2006/wordprocessingDrawing" xmlns:xdr="http://schemas.openxmlformats.org/drawingml/2006/spreadsheetDrawing" xmlns:ns11="http://schemas.openxmlformats.org/drawingml/2006/compatibility" xmlns:ns12="http://schemas.openxmlformats.org/drawingml/2006/lockedCanvas" type="secHead" preserve="true">
   <p:cSld name="Section Header">
     <p:spTree>
       <p:nvGrpSpPr>
@@ -936,7 +936,7 @@
 </file>
 
 <file path=ppt/slideLayouts/slideLayout4.xml><?xml version="1.0" encoding="utf-8"?>
-<p:sldLayout xmlns:p="http://schemas.openxmlformats.org/presentationml/2006/main" xmlns:r="http://schemas.openxmlformats.org/officeDocument/2006/relationships" xmlns:a="http://schemas.openxmlformats.org/drawingml/2006/main" xmlns:mc="http://schemas.openxmlformats.org/markup-compatibility/2006" xmlns:c="http://schemas.openxmlformats.org/drawingml/2006/chart" xmlns:ns6="http://schemas.openxmlformats.org/drawingml/2006/chartDrawing" xmlns:dgm="http://schemas.openxmlformats.org/drawingml/2006/diagram" xmlns:pic="http://schemas.openxmlformats.org/drawingml/2006/picture" xmlns:wp="http://schemas.openxmlformats.org/drawingml/2006/wordprocessingDrawing" xmlns:xdr="http://schemas.openxmlformats.org/drawingml/2006/spreadsheetDrawing" xmlns:ns11="http://schemas.openxmlformats.org/drawingml/2006/compatibility" xmlns:ns12="http://schemas.openxmlformats.org/drawingml/2006/lockedCanvas" type="twoObj" preserve="true">
+<p:sldLayout xmlns:p="http://schemas.openxmlformats.org/presentationml/2006/main" xmlns:a="http://schemas.openxmlformats.org/drawingml/2006/main" xmlns:r="http://schemas.openxmlformats.org/officeDocument/2006/relationships" xmlns:mc="http://schemas.openxmlformats.org/markup-compatibility/2006" xmlns:c="http://schemas.openxmlformats.org/drawingml/2006/chart" xmlns:ns6="http://schemas.openxmlformats.org/drawingml/2006/chartDrawing" xmlns:dgm="http://schemas.openxmlformats.org/drawingml/2006/diagram" xmlns:pic="http://schemas.openxmlformats.org/drawingml/2006/picture" xmlns:wp="http://schemas.openxmlformats.org/drawingml/2006/wordprocessingDrawing" xmlns:xdr="http://schemas.openxmlformats.org/drawingml/2006/spreadsheetDrawing" xmlns:ns11="http://schemas.openxmlformats.org/drawingml/2006/compatibility" xmlns:ns12="http://schemas.openxmlformats.org/drawingml/2006/lockedCanvas" type="twoObj" preserve="true">
   <p:cSld name="Two Content">
     <p:spTree>
       <p:nvGrpSpPr>
@@ -1175,7 +1175,7 @@
 </file>
 
 <file path=ppt/slideLayouts/slideLayout5.xml><?xml version="1.0" encoding="utf-8"?>
-<p:sldLayout xmlns:p="http://schemas.openxmlformats.org/presentationml/2006/main" xmlns:r="http://schemas.openxmlformats.org/officeDocument/2006/relationships" xmlns:a="http://schemas.openxmlformats.org/drawingml/2006/main" xmlns:mc="http://schemas.openxmlformats.org/markup-compatibility/2006" xmlns:c="http://schemas.openxmlformats.org/drawingml/2006/chart" xmlns:ns6="http://schemas.openxmlformats.org/drawingml/2006/chartDrawing" xmlns:dgm="http://schemas.openxmlformats.org/drawingml/2006/diagram" xmlns:pic="http://schemas.openxmlformats.org/drawingml/2006/picture" xmlns:wp="http://schemas.openxmlformats.org/drawingml/2006/wordprocessingDrawing" xmlns:xdr="http://schemas.openxmlformats.org/drawingml/2006/spreadsheetDrawing" xmlns:ns11="http://schemas.openxmlformats.org/drawingml/2006/compatibility" xmlns:ns12="http://schemas.openxmlformats.org/drawingml/2006/lockedCanvas" type="twoTxTwoObj" preserve="true">
+<p:sldLayout xmlns:p="http://schemas.openxmlformats.org/presentationml/2006/main" xmlns:a="http://schemas.openxmlformats.org/drawingml/2006/main" xmlns:r="http://schemas.openxmlformats.org/officeDocument/2006/relationships" xmlns:mc="http://schemas.openxmlformats.org/markup-compatibility/2006" xmlns:c="http://schemas.openxmlformats.org/drawingml/2006/chart" xmlns:ns6="http://schemas.openxmlformats.org/drawingml/2006/chartDrawing" xmlns:dgm="http://schemas.openxmlformats.org/drawingml/2006/diagram" xmlns:pic="http://schemas.openxmlformats.org/drawingml/2006/picture" xmlns:wp="http://schemas.openxmlformats.org/drawingml/2006/wordprocessingDrawing" xmlns:xdr="http://schemas.openxmlformats.org/drawingml/2006/spreadsheetDrawing" xmlns:ns11="http://schemas.openxmlformats.org/drawingml/2006/compatibility" xmlns:ns12="http://schemas.openxmlformats.org/drawingml/2006/lockedCanvas" type="twoTxTwoObj" preserve="true">
   <p:cSld name="Comparison">
     <p:spTree>
       <p:nvGrpSpPr>
@@ -1530,7 +1530,7 @@
 </file>
 
 <file path=ppt/slideLayouts/slideLayout6.xml><?xml version="1.0" encoding="utf-8"?>
-<p:sldLayout xmlns:p="http://schemas.openxmlformats.org/presentationml/2006/main" xmlns:r="http://schemas.openxmlformats.org/officeDocument/2006/relationships" xmlns:a="http://schemas.openxmlformats.org/drawingml/2006/main" xmlns:mc="http://schemas.openxmlformats.org/markup-compatibility/2006" xmlns:c="http://schemas.openxmlformats.org/drawingml/2006/chart" xmlns:ns6="http://schemas.openxmlformats.org/drawingml/2006/chartDrawing" xmlns:dgm="http://schemas.openxmlformats.org/drawingml/2006/diagram" xmlns:pic="http://schemas.openxmlformats.org/drawingml/2006/picture" xmlns:wp="http://schemas.openxmlformats.org/drawingml/2006/wordprocessingDrawing" xmlns:xdr="http://schemas.openxmlformats.org/drawingml/2006/spreadsheetDrawing" xmlns:ns11="http://schemas.openxmlformats.org/drawingml/2006/compatibility" xmlns:ns12="http://schemas.openxmlformats.org/drawingml/2006/lockedCanvas" type="titleOnly" preserve="true">
+<p:sldLayout xmlns:p="http://schemas.openxmlformats.org/presentationml/2006/main" xmlns:a="http://schemas.openxmlformats.org/drawingml/2006/main" xmlns:r="http://schemas.openxmlformats.org/officeDocument/2006/relationships" xmlns:mc="http://schemas.openxmlformats.org/markup-compatibility/2006" xmlns:c="http://schemas.openxmlformats.org/drawingml/2006/chart" xmlns:ns6="http://schemas.openxmlformats.org/drawingml/2006/chartDrawing" xmlns:dgm="http://schemas.openxmlformats.org/drawingml/2006/diagram" xmlns:pic="http://schemas.openxmlformats.org/drawingml/2006/picture" xmlns:wp="http://schemas.openxmlformats.org/drawingml/2006/wordprocessingDrawing" xmlns:xdr="http://schemas.openxmlformats.org/drawingml/2006/spreadsheetDrawing" xmlns:ns11="http://schemas.openxmlformats.org/drawingml/2006/compatibility" xmlns:ns12="http://schemas.openxmlformats.org/drawingml/2006/lockedCanvas" type="titleOnly" preserve="true">
   <p:cSld name="Title Only">
     <p:spTree>
       <p:nvGrpSpPr>
@@ -1655,7 +1655,7 @@
 </file>
 
 <file path=ppt/slideLayouts/slideLayout7.xml><?xml version="1.0" encoding="utf-8"?>
-<p:sldLayout xmlns:p="http://schemas.openxmlformats.org/presentationml/2006/main" xmlns:r="http://schemas.openxmlformats.org/officeDocument/2006/relationships" xmlns:a="http://schemas.openxmlformats.org/drawingml/2006/main" xmlns:mc="http://schemas.openxmlformats.org/markup-compatibility/2006" xmlns:c="http://schemas.openxmlformats.org/drawingml/2006/chart" xmlns:ns6="http://schemas.openxmlformats.org/drawingml/2006/chartDrawing" xmlns:dgm="http://schemas.openxmlformats.org/drawingml/2006/diagram" xmlns:pic="http://schemas.openxmlformats.org/drawingml/2006/picture" xmlns:wp="http://schemas.openxmlformats.org/drawingml/2006/wordprocessingDrawing" xmlns:xdr="http://schemas.openxmlformats.org/drawingml/2006/spreadsheetDrawing" xmlns:ns11="http://schemas.openxmlformats.org/drawingml/2006/compatibility" xmlns:ns12="http://schemas.openxmlformats.org/drawingml/2006/lockedCanvas" type="blank" preserve="true">
+<p:sldLayout xmlns:p="http://schemas.openxmlformats.org/presentationml/2006/main" xmlns:a="http://schemas.openxmlformats.org/drawingml/2006/main" xmlns:r="http://schemas.openxmlformats.org/officeDocument/2006/relationships" xmlns:mc="http://schemas.openxmlformats.org/markup-compatibility/2006" xmlns:c="http://schemas.openxmlformats.org/drawingml/2006/chart" xmlns:ns6="http://schemas.openxmlformats.org/drawingml/2006/chartDrawing" xmlns:dgm="http://schemas.openxmlformats.org/drawingml/2006/diagram" xmlns:pic="http://schemas.openxmlformats.org/drawingml/2006/picture" xmlns:wp="http://schemas.openxmlformats.org/drawingml/2006/wordprocessingDrawing" xmlns:xdr="http://schemas.openxmlformats.org/drawingml/2006/spreadsheetDrawing" xmlns:ns11="http://schemas.openxmlformats.org/drawingml/2006/compatibility" xmlns:ns12="http://schemas.openxmlformats.org/drawingml/2006/lockedCanvas" type="blank" preserve="true">
   <p:cSld name="Blank">
     <p:spTree>
       <p:nvGrpSpPr>
@@ -1757,7 +1757,7 @@
 </file>
 
 <file path=ppt/slideLayouts/slideLayout8.xml><?xml version="1.0" encoding="utf-8"?>
-<p:sldLayout xmlns:p="http://schemas.openxmlformats.org/presentationml/2006/main" xmlns:r="http://schemas.openxmlformats.org/officeDocument/2006/relationships" xmlns:a="http://schemas.openxmlformats.org/drawingml/2006/main" xmlns:mc="http://schemas.openxmlformats.org/markup-compatibility/2006" xmlns:c="http://schemas.openxmlformats.org/drawingml/2006/chart" xmlns:ns6="http://schemas.openxmlformats.org/drawingml/2006/chartDrawing" xmlns:dgm="http://schemas.openxmlformats.org/drawingml/2006/diagram" xmlns:pic="http://schemas.openxmlformats.org/drawingml/2006/picture" xmlns:wp="http://schemas.openxmlformats.org/drawingml/2006/wordprocessingDrawing" xmlns:xdr="http://schemas.openxmlformats.org/drawingml/2006/spreadsheetDrawing" xmlns:ns11="http://schemas.openxmlformats.org/drawingml/2006/compatibility" xmlns:ns12="http://schemas.openxmlformats.org/drawingml/2006/lockedCanvas" type="objTx" preserve="true">
+<p:sldLayout xmlns:p="http://schemas.openxmlformats.org/presentationml/2006/main" xmlns:a="http://schemas.openxmlformats.org/drawingml/2006/main" xmlns:r="http://schemas.openxmlformats.org/officeDocument/2006/relationships" xmlns:mc="http://schemas.openxmlformats.org/markup-compatibility/2006" xmlns:c="http://schemas.openxmlformats.org/drawingml/2006/chart" xmlns:ns6="http://schemas.openxmlformats.org/drawingml/2006/chartDrawing" xmlns:dgm="http://schemas.openxmlformats.org/drawingml/2006/diagram" xmlns:pic="http://schemas.openxmlformats.org/drawingml/2006/picture" xmlns:wp="http://schemas.openxmlformats.org/drawingml/2006/wordprocessingDrawing" xmlns:xdr="http://schemas.openxmlformats.org/drawingml/2006/spreadsheetDrawing" xmlns:ns11="http://schemas.openxmlformats.org/drawingml/2006/compatibility" xmlns:ns12="http://schemas.openxmlformats.org/drawingml/2006/lockedCanvas" type="objTx" preserve="true">
   <p:cSld name="Content with Caption">
     <p:spTree>
       <p:nvGrpSpPr>
@@ -2041,7 +2041,7 @@
 </file>
 
 <file path=ppt/slideLayouts/slideLayout9.xml><?xml version="1.0" encoding="utf-8"?>
-<p:sldLayout xmlns:p="http://schemas.openxmlformats.org/presentationml/2006/main" xmlns:r="http://schemas.openxmlformats.org/officeDocument/2006/relationships" xmlns:a="http://schemas.openxmlformats.org/drawingml/2006/main" xmlns:mc="http://schemas.openxmlformats.org/markup-compatibility/2006" xmlns:c="http://schemas.openxmlformats.org/drawingml/2006/chart" xmlns:ns6="http://schemas.openxmlformats.org/drawingml/2006/chartDrawing" xmlns:dgm="http://schemas.openxmlformats.org/drawingml/2006/diagram" xmlns:pic="http://schemas.openxmlformats.org/drawingml/2006/picture" xmlns:wp="http://schemas.openxmlformats.org/drawingml/2006/wordprocessingDrawing" xmlns:xdr="http://schemas.openxmlformats.org/drawingml/2006/spreadsheetDrawing" xmlns:ns11="http://schemas.openxmlformats.org/drawingml/2006/compatibility" xmlns:ns12="http://schemas.openxmlformats.org/drawingml/2006/lockedCanvas" type="vertTx" preserve="true">
+<p:sldLayout xmlns:p="http://schemas.openxmlformats.org/presentationml/2006/main" xmlns:a="http://schemas.openxmlformats.org/drawingml/2006/main" xmlns:r="http://schemas.openxmlformats.org/officeDocument/2006/relationships" xmlns:mc="http://schemas.openxmlformats.org/markup-compatibility/2006" xmlns:c="http://schemas.openxmlformats.org/drawingml/2006/chart" xmlns:ns6="http://schemas.openxmlformats.org/drawingml/2006/chartDrawing" xmlns:dgm="http://schemas.openxmlformats.org/drawingml/2006/diagram" xmlns:pic="http://schemas.openxmlformats.org/drawingml/2006/picture" xmlns:wp="http://schemas.openxmlformats.org/drawingml/2006/wordprocessingDrawing" xmlns:xdr="http://schemas.openxmlformats.org/drawingml/2006/spreadsheetDrawing" xmlns:ns11="http://schemas.openxmlformats.org/drawingml/2006/compatibility" xmlns:ns12="http://schemas.openxmlformats.org/drawingml/2006/lockedCanvas" type="vertTx" preserve="true">
   <p:cSld name="Title and Vertical Text">
     <p:spTree>
       <p:nvGrpSpPr>
@@ -2218,7 +2218,7 @@
 </file>
 
 <file path=ppt/slideMasters/slideMaster1.xml><?xml version="1.0" encoding="utf-8"?>
-<p:sldMaster xmlns:p="http://schemas.openxmlformats.org/presentationml/2006/main" xmlns:r="http://schemas.openxmlformats.org/officeDocument/2006/relationships" xmlns:a="http://schemas.openxmlformats.org/drawingml/2006/main" xmlns:mc="http://schemas.openxmlformats.org/markup-compatibility/2006" xmlns:c="http://schemas.openxmlformats.org/drawingml/2006/chart" xmlns:ns6="http://schemas.openxmlformats.org/drawingml/2006/chartDrawing" xmlns:dgm="http://schemas.openxmlformats.org/drawingml/2006/diagram" xmlns:pic="http://schemas.openxmlformats.org/drawingml/2006/picture" xmlns:wp="http://schemas.openxmlformats.org/drawingml/2006/wordprocessingDrawing" xmlns:xdr="http://schemas.openxmlformats.org/drawingml/2006/spreadsheetDrawing" xmlns:ns11="http://schemas.openxmlformats.org/drawingml/2006/compatibility" xmlns:ns12="http://schemas.openxmlformats.org/drawingml/2006/lockedCanvas">
+<p:sldMaster xmlns:p="http://schemas.openxmlformats.org/presentationml/2006/main" xmlns:a="http://schemas.openxmlformats.org/drawingml/2006/main" xmlns:r="http://schemas.openxmlformats.org/officeDocument/2006/relationships" xmlns:mc="http://schemas.openxmlformats.org/markup-compatibility/2006" xmlns:c="http://schemas.openxmlformats.org/drawingml/2006/chart" xmlns:ns6="http://schemas.openxmlformats.org/drawingml/2006/chartDrawing" xmlns:dgm="http://schemas.openxmlformats.org/drawingml/2006/diagram" xmlns:pic="http://schemas.openxmlformats.org/drawingml/2006/picture" xmlns:wp="http://schemas.openxmlformats.org/drawingml/2006/wordprocessingDrawing" xmlns:xdr="http://schemas.openxmlformats.org/drawingml/2006/spreadsheetDrawing" xmlns:ns11="http://schemas.openxmlformats.org/drawingml/2006/compatibility" xmlns:ns12="http://schemas.openxmlformats.org/drawingml/2006/lockedCanvas">
   <p:cSld>
     <p:bg>
       <p:bgRef idx="1001">
@@ -2764,7 +2764,7 @@
 </file>
 
 <file path=ppt/slides/slide1.xml><?xml version="1.0" encoding="utf-8"?>
-<p:sld xmlns:p="http://schemas.openxmlformats.org/presentationml/2006/main" xmlns:r="http://schemas.openxmlformats.org/officeDocument/2006/relationships" xmlns:a="http://schemas.openxmlformats.org/drawingml/2006/main" xmlns:mc="http://schemas.openxmlformats.org/markup-compatibility/2006" xmlns:c="http://schemas.openxmlformats.org/drawingml/2006/chart" xmlns:ns6="http://schemas.openxmlformats.org/drawingml/2006/chartDrawing" xmlns:dgm="http://schemas.openxmlformats.org/drawingml/2006/diagram" xmlns:pic="http://schemas.openxmlformats.org/drawingml/2006/picture" xmlns:wp="http://schemas.openxmlformats.org/drawingml/2006/wordprocessingDrawing" xmlns:xdr="http://schemas.openxmlformats.org/drawingml/2006/spreadsheetDrawing" xmlns:ns11="http://schemas.openxmlformats.org/drawingml/2006/compatibility" xmlns:ns12="http://schemas.openxmlformats.org/drawingml/2006/lockedCanvas">
+<p:sld xmlns:p="http://schemas.openxmlformats.org/presentationml/2006/main" xmlns:a="http://schemas.openxmlformats.org/drawingml/2006/main" xmlns:r="http://schemas.openxmlformats.org/officeDocument/2006/relationships" xmlns:mc="http://schemas.openxmlformats.org/markup-compatibility/2006" xmlns:c="http://schemas.openxmlformats.org/drawingml/2006/chart" xmlns:ns6="http://schemas.openxmlformats.org/drawingml/2006/chartDrawing" xmlns:dgm="http://schemas.openxmlformats.org/drawingml/2006/diagram" xmlns:pic="http://schemas.openxmlformats.org/drawingml/2006/picture" xmlns:wp="http://schemas.openxmlformats.org/drawingml/2006/wordprocessingDrawing" xmlns:xdr="http://schemas.openxmlformats.org/drawingml/2006/spreadsheetDrawing" xmlns:ns11="http://schemas.openxmlformats.org/drawingml/2006/compatibility" xmlns:ns12="http://schemas.openxmlformats.org/drawingml/2006/lockedCanvas">
   <p:cSld>
     <p:spTree>
       <p:nvGrpSpPr>
@@ -2812,7 +2812,7 @@
 </file>
 
 <file path=ppt/slides/slide2.xml><?xml version="1.0" encoding="utf-8"?>
-<p:sld xmlns:p="http://schemas.openxmlformats.org/presentationml/2006/main" xmlns:r="http://schemas.openxmlformats.org/officeDocument/2006/relationships" xmlns:a="http://schemas.openxmlformats.org/drawingml/2006/main" xmlns:mc="http://schemas.openxmlformats.org/markup-compatibility/2006" xmlns:c="http://schemas.openxmlformats.org/drawingml/2006/chart" xmlns:ns6="http://schemas.openxmlformats.org/drawingml/2006/chartDrawing" xmlns:dgm="http://schemas.openxmlformats.org/drawingml/2006/diagram" xmlns:pic="http://schemas.openxmlformats.org/drawingml/2006/picture" xmlns:wp="http://schemas.openxmlformats.org/drawingml/2006/wordprocessingDrawing" xmlns:xdr="http://schemas.openxmlformats.org/drawingml/2006/spreadsheetDrawing" xmlns:ns11="http://schemas.openxmlformats.org/drawingml/2006/compatibility" xmlns:ns12="http://schemas.openxmlformats.org/drawingml/2006/lockedCanvas">
+<p:sld xmlns:p="http://schemas.openxmlformats.org/presentationml/2006/main" xmlns:a="http://schemas.openxmlformats.org/drawingml/2006/main" xmlns:r="http://schemas.openxmlformats.org/officeDocument/2006/relationships" xmlns:mc="http://schemas.openxmlformats.org/markup-compatibility/2006" xmlns:c="http://schemas.openxmlformats.org/drawingml/2006/chart" xmlns:ns6="http://schemas.openxmlformats.org/drawingml/2006/chartDrawing" xmlns:dgm="http://schemas.openxmlformats.org/drawingml/2006/diagram" xmlns:pic="http://schemas.openxmlformats.org/drawingml/2006/picture" xmlns:wp="http://schemas.openxmlformats.org/drawingml/2006/wordprocessingDrawing" xmlns:xdr="http://schemas.openxmlformats.org/drawingml/2006/spreadsheetDrawing" xmlns:ns11="http://schemas.openxmlformats.org/drawingml/2006/compatibility" xmlns:ns12="http://schemas.openxmlformats.org/drawingml/2006/lockedCanvas">
   <p:cSld>
     <p:spTree>
       <p:nvGrpSpPr>
@@ -3070,7 +3070,7 @@
 </file>
 
 <file path=ppt/slides/slide3.xml><?xml version="1.0" encoding="utf-8"?>
-<p:sld xmlns:p="http://schemas.openxmlformats.org/presentationml/2006/main" xmlns:r="http://schemas.openxmlformats.org/officeDocument/2006/relationships" xmlns:a="http://schemas.openxmlformats.org/drawingml/2006/main" xmlns:mc="http://schemas.openxmlformats.org/markup-compatibility/2006" xmlns:c="http://schemas.openxmlformats.org/drawingml/2006/chart" xmlns:ns6="http://schemas.openxmlformats.org/drawingml/2006/chartDrawing" xmlns:dgm="http://schemas.openxmlformats.org/drawingml/2006/diagram" xmlns:pic="http://schemas.openxmlformats.org/drawingml/2006/picture" xmlns:wp="http://schemas.openxmlformats.org/drawingml/2006/wordprocessingDrawing" xmlns:xdr="http://schemas.openxmlformats.org/drawingml/2006/spreadsheetDrawing" xmlns:ns11="http://schemas.openxmlformats.org/drawingml/2006/compatibility" xmlns:ns12="http://schemas.openxmlformats.org/drawingml/2006/lockedCanvas">
+<p:sld xmlns:p="http://schemas.openxmlformats.org/presentationml/2006/main" xmlns:a="http://schemas.openxmlformats.org/drawingml/2006/main" xmlns:r="http://schemas.openxmlformats.org/officeDocument/2006/relationships" xmlns:mc="http://schemas.openxmlformats.org/markup-compatibility/2006" xmlns:c="http://schemas.openxmlformats.org/drawingml/2006/chart" xmlns:ns6="http://schemas.openxmlformats.org/drawingml/2006/chartDrawing" xmlns:dgm="http://schemas.openxmlformats.org/drawingml/2006/diagram" xmlns:pic="http://schemas.openxmlformats.org/drawingml/2006/picture" xmlns:wp="http://schemas.openxmlformats.org/drawingml/2006/wordprocessingDrawing" xmlns:xdr="http://schemas.openxmlformats.org/drawingml/2006/spreadsheetDrawing" xmlns:ns11="http://schemas.openxmlformats.org/drawingml/2006/compatibility" xmlns:ns12="http://schemas.openxmlformats.org/drawingml/2006/lockedCanvas">
   <p:cSld>
     <p:spTree>
       <p:nvGrpSpPr>

--- a/reference/ex_paragraph.pptx
+++ b/reference/ex_paragraph.pptx
@@ -1,13 +1,13 @@
 
 <file path=ppt/presentation.xml><?xml version="1.0" encoding="utf-8"?>
-<p:presentation xmlns:p="http://schemas.openxmlformats.org/presentationml/2006/main" xmlns:a="http://schemas.openxmlformats.org/drawingml/2006/main" xmlns:r="http://schemas.openxmlformats.org/officeDocument/2006/relationships" xmlns:mc="http://schemas.openxmlformats.org/markup-compatibility/2006" xmlns:c="http://schemas.openxmlformats.org/drawingml/2006/chart" xmlns:ns6="http://schemas.openxmlformats.org/drawingml/2006/chartDrawing" xmlns:dgm="http://schemas.openxmlformats.org/drawingml/2006/diagram" xmlns:pic="http://schemas.openxmlformats.org/drawingml/2006/picture" xmlns:wp="http://schemas.openxmlformats.org/drawingml/2006/wordprocessingDrawing" xmlns:xdr="http://schemas.openxmlformats.org/drawingml/2006/spreadsheetDrawing" xmlns:ns11="http://schemas.openxmlformats.org/drawingml/2006/compatibility" xmlns:ns12="http://schemas.openxmlformats.org/drawingml/2006/lockedCanvas" saveSubsetFonts="true">
+<p:presentation xmlns:r="http://schemas.openxmlformats.org/officeDocument/2006/relationships" xmlns:a="http://schemas.openxmlformats.org/drawingml/2006/main" xmlns:p="http://schemas.openxmlformats.org/presentationml/2006/main" xmlns:mc="http://schemas.openxmlformats.org/markup-compatibility/2006" xmlns:c="http://schemas.openxmlformats.org/drawingml/2006/chart" xmlns:ns6="http://schemas.openxmlformats.org/drawingml/2006/chartDrawing" xmlns:dgm="http://schemas.openxmlformats.org/drawingml/2006/diagram" xmlns:pic="http://schemas.openxmlformats.org/drawingml/2006/picture" xmlns:wp="http://schemas.openxmlformats.org/drawingml/2006/wordprocessingDrawing" xmlns:xdr="http://schemas.openxmlformats.org/drawingml/2006/spreadsheetDrawing" xmlns:ns11="http://schemas.openxmlformats.org/drawingml/2006/compatibility" xmlns:ns12="http://schemas.openxmlformats.org/drawingml/2006/lockedCanvas" saveSubsetFonts="true">
   <p:sldMasterIdLst>
     <p:sldMasterId id="2147483648" r:id="rId1"/>
   </p:sldMasterIdLst>
   <p:sldIdLst>
-    <p:sldId id="2037310285" r:id="rId6"/>
-    <p:sldId id="1115041324" r:id="rId7"/>
-    <p:sldId id="1053773038" r:id="rId8"/>
+    <p:sldId id="208351443" r:id="rId6"/>
+    <p:sldId id="1435371142" r:id="rId7"/>
+    <p:sldId id="634607044" r:id="rId8"/>
   </p:sldIdLst>
   <p:sldSz cx="12192000" cy="6858000"/>
   <p:notesSz cx="6858000" cy="9144000"/>
@@ -115,7 +115,7 @@
 </file>
 
 <file path=ppt/slideLayouts/slideLayout1.xml><?xml version="1.0" encoding="utf-8"?>
-<p:sldLayout xmlns:p="http://schemas.openxmlformats.org/presentationml/2006/main" xmlns:a="http://schemas.openxmlformats.org/drawingml/2006/main" xmlns:r="http://schemas.openxmlformats.org/officeDocument/2006/relationships" xmlns:mc="http://schemas.openxmlformats.org/markup-compatibility/2006" xmlns:c="http://schemas.openxmlformats.org/drawingml/2006/chart" xmlns:ns6="http://schemas.openxmlformats.org/drawingml/2006/chartDrawing" xmlns:dgm="http://schemas.openxmlformats.org/drawingml/2006/diagram" xmlns:pic="http://schemas.openxmlformats.org/drawingml/2006/picture" xmlns:wp="http://schemas.openxmlformats.org/drawingml/2006/wordprocessingDrawing" xmlns:xdr="http://schemas.openxmlformats.org/drawingml/2006/spreadsheetDrawing" xmlns:ns11="http://schemas.openxmlformats.org/drawingml/2006/compatibility" xmlns:ns12="http://schemas.openxmlformats.org/drawingml/2006/lockedCanvas" type="title" preserve="true">
+<p:sldLayout xmlns:r="http://schemas.openxmlformats.org/officeDocument/2006/relationships" xmlns:a="http://schemas.openxmlformats.org/drawingml/2006/main" xmlns:p="http://schemas.openxmlformats.org/presentationml/2006/main" xmlns:mc="http://schemas.openxmlformats.org/markup-compatibility/2006" xmlns:c="http://schemas.openxmlformats.org/drawingml/2006/chart" xmlns:ns6="http://schemas.openxmlformats.org/drawingml/2006/chartDrawing" xmlns:dgm="http://schemas.openxmlformats.org/drawingml/2006/diagram" xmlns:pic="http://schemas.openxmlformats.org/drawingml/2006/picture" xmlns:wp="http://schemas.openxmlformats.org/drawingml/2006/wordprocessingDrawing" xmlns:xdr="http://schemas.openxmlformats.org/drawingml/2006/spreadsheetDrawing" xmlns:ns11="http://schemas.openxmlformats.org/drawingml/2006/compatibility" xmlns:ns12="http://schemas.openxmlformats.org/drawingml/2006/lockedCanvas" type="title" preserve="true">
   <p:cSld name="Title Slide">
     <p:spTree>
       <p:nvGrpSpPr>
@@ -314,7 +314,7 @@
 </file>
 
 <file path=ppt/slideLayouts/slideLayout10.xml><?xml version="1.0" encoding="utf-8"?>
-<p:sldLayout xmlns:p="http://schemas.openxmlformats.org/presentationml/2006/main" xmlns:a="http://schemas.openxmlformats.org/drawingml/2006/main" xmlns:r="http://schemas.openxmlformats.org/officeDocument/2006/relationships" xmlns:mc="http://schemas.openxmlformats.org/markup-compatibility/2006" xmlns:c="http://schemas.openxmlformats.org/drawingml/2006/chart" xmlns:ns6="http://schemas.openxmlformats.org/drawingml/2006/chartDrawing" xmlns:dgm="http://schemas.openxmlformats.org/drawingml/2006/diagram" xmlns:pic="http://schemas.openxmlformats.org/drawingml/2006/picture" xmlns:wp="http://schemas.openxmlformats.org/drawingml/2006/wordprocessingDrawing" xmlns:xdr="http://schemas.openxmlformats.org/drawingml/2006/spreadsheetDrawing" xmlns:ns11="http://schemas.openxmlformats.org/drawingml/2006/compatibility" xmlns:ns12="http://schemas.openxmlformats.org/drawingml/2006/lockedCanvas" type="vertTitleAndTx" preserve="true">
+<p:sldLayout xmlns:r="http://schemas.openxmlformats.org/officeDocument/2006/relationships" xmlns:a="http://schemas.openxmlformats.org/drawingml/2006/main" xmlns:p="http://schemas.openxmlformats.org/presentationml/2006/main" xmlns:mc="http://schemas.openxmlformats.org/markup-compatibility/2006" xmlns:c="http://schemas.openxmlformats.org/drawingml/2006/chart" xmlns:ns6="http://schemas.openxmlformats.org/drawingml/2006/chartDrawing" xmlns:dgm="http://schemas.openxmlformats.org/drawingml/2006/diagram" xmlns:pic="http://schemas.openxmlformats.org/drawingml/2006/picture" xmlns:wp="http://schemas.openxmlformats.org/drawingml/2006/wordprocessingDrawing" xmlns:xdr="http://schemas.openxmlformats.org/drawingml/2006/spreadsheetDrawing" xmlns:ns11="http://schemas.openxmlformats.org/drawingml/2006/compatibility" xmlns:ns12="http://schemas.openxmlformats.org/drawingml/2006/lockedCanvas" type="vertTitleAndTx" preserve="true">
   <p:cSld name="Vertical Title and Text">
     <p:spTree>
       <p:nvGrpSpPr>
@@ -501,7 +501,7 @@
 </file>
 
 <file path=ppt/slideLayouts/slideLayout2.xml><?xml version="1.0" encoding="utf-8"?>
-<p:sldLayout xmlns:p="http://schemas.openxmlformats.org/presentationml/2006/main" xmlns:a="http://schemas.openxmlformats.org/drawingml/2006/main" xmlns:r="http://schemas.openxmlformats.org/officeDocument/2006/relationships" xmlns:mc="http://schemas.openxmlformats.org/markup-compatibility/2006" xmlns:c="http://schemas.openxmlformats.org/drawingml/2006/chart" xmlns:ns6="http://schemas.openxmlformats.org/drawingml/2006/chartDrawing" xmlns:dgm="http://schemas.openxmlformats.org/drawingml/2006/diagram" xmlns:pic="http://schemas.openxmlformats.org/drawingml/2006/picture" xmlns:wp="http://schemas.openxmlformats.org/drawingml/2006/wordprocessingDrawing" xmlns:xdr="http://schemas.openxmlformats.org/drawingml/2006/spreadsheetDrawing" xmlns:ns11="http://schemas.openxmlformats.org/drawingml/2006/compatibility" xmlns:ns12="http://schemas.openxmlformats.org/drawingml/2006/lockedCanvas" type="obj" preserve="true">
+<p:sldLayout xmlns:r="http://schemas.openxmlformats.org/officeDocument/2006/relationships" xmlns:a="http://schemas.openxmlformats.org/drawingml/2006/main" xmlns:p="http://schemas.openxmlformats.org/presentationml/2006/main" xmlns:mc="http://schemas.openxmlformats.org/markup-compatibility/2006" xmlns:c="http://schemas.openxmlformats.org/drawingml/2006/chart" xmlns:ns6="http://schemas.openxmlformats.org/drawingml/2006/chartDrawing" xmlns:dgm="http://schemas.openxmlformats.org/drawingml/2006/diagram" xmlns:pic="http://schemas.openxmlformats.org/drawingml/2006/picture" xmlns:wp="http://schemas.openxmlformats.org/drawingml/2006/wordprocessingDrawing" xmlns:xdr="http://schemas.openxmlformats.org/drawingml/2006/spreadsheetDrawing" xmlns:ns11="http://schemas.openxmlformats.org/drawingml/2006/compatibility" xmlns:ns12="http://schemas.openxmlformats.org/drawingml/2006/lockedCanvas" type="obj" preserve="true">
   <p:cSld name="Title and Content">
     <p:spTree>
       <p:nvGrpSpPr>
@@ -683,7 +683,7 @@
 </file>
 
 <file path=ppt/slideLayouts/slideLayout3.xml><?xml version="1.0" encoding="utf-8"?>
-<p:sldLayout xmlns:p="http://schemas.openxmlformats.org/presentationml/2006/main" xmlns:a="http://schemas.openxmlformats.org/drawingml/2006/main" xmlns:r="http://schemas.openxmlformats.org/officeDocument/2006/relationships" xmlns:mc="http://schemas.openxmlformats.org/markup-compatibility/2006" xmlns:c="http://schemas.openxmlformats.org/drawingml/2006/chart" xmlns:ns6="http://schemas.openxmlformats.org/drawingml/2006/chartDrawing" xmlns:dgm="http://schemas.openxmlformats.org/drawingml/2006/diagram" xmlns:pic="http://schemas.openxmlformats.org/drawingml/2006/picture" xmlns:wp="http://schemas.openxmlformats.org/drawingml/2006/wordprocessingDrawing" xmlns:xdr="http://schemas.openxmlformats.org/drawingml/2006/spreadsheetDrawing" xmlns:ns11="http://schemas.openxmlformats.org/drawingml/2006/compatibility" xmlns:ns12="http://schemas.openxmlformats.org/drawingml/2006/lockedCanvas" type="secHead" preserve="true">
+<p:sldLayout xmlns:r="http://schemas.openxmlformats.org/officeDocument/2006/relationships" xmlns:a="http://schemas.openxmlformats.org/drawingml/2006/main" xmlns:p="http://schemas.openxmlformats.org/presentationml/2006/main" xmlns:mc="http://schemas.openxmlformats.org/markup-compatibility/2006" xmlns:c="http://schemas.openxmlformats.org/drawingml/2006/chart" xmlns:ns6="http://schemas.openxmlformats.org/drawingml/2006/chartDrawing" xmlns:dgm="http://schemas.openxmlformats.org/drawingml/2006/diagram" xmlns:pic="http://schemas.openxmlformats.org/drawingml/2006/picture" xmlns:wp="http://schemas.openxmlformats.org/drawingml/2006/wordprocessingDrawing" xmlns:xdr="http://schemas.openxmlformats.org/drawingml/2006/spreadsheetDrawing" xmlns:ns11="http://schemas.openxmlformats.org/drawingml/2006/compatibility" xmlns:ns12="http://schemas.openxmlformats.org/drawingml/2006/lockedCanvas" type="secHead" preserve="true">
   <p:cSld name="Section Header">
     <p:spTree>
       <p:nvGrpSpPr>
@@ -936,7 +936,7 @@
 </file>
 
 <file path=ppt/slideLayouts/slideLayout4.xml><?xml version="1.0" encoding="utf-8"?>
-<p:sldLayout xmlns:p="http://schemas.openxmlformats.org/presentationml/2006/main" xmlns:a="http://schemas.openxmlformats.org/drawingml/2006/main" xmlns:r="http://schemas.openxmlformats.org/officeDocument/2006/relationships" xmlns:mc="http://schemas.openxmlformats.org/markup-compatibility/2006" xmlns:c="http://schemas.openxmlformats.org/drawingml/2006/chart" xmlns:ns6="http://schemas.openxmlformats.org/drawingml/2006/chartDrawing" xmlns:dgm="http://schemas.openxmlformats.org/drawingml/2006/diagram" xmlns:pic="http://schemas.openxmlformats.org/drawingml/2006/picture" xmlns:wp="http://schemas.openxmlformats.org/drawingml/2006/wordprocessingDrawing" xmlns:xdr="http://schemas.openxmlformats.org/drawingml/2006/spreadsheetDrawing" xmlns:ns11="http://schemas.openxmlformats.org/drawingml/2006/compatibility" xmlns:ns12="http://schemas.openxmlformats.org/drawingml/2006/lockedCanvas" type="twoObj" preserve="true">
+<p:sldLayout xmlns:r="http://schemas.openxmlformats.org/officeDocument/2006/relationships" xmlns:a="http://schemas.openxmlformats.org/drawingml/2006/main" xmlns:p="http://schemas.openxmlformats.org/presentationml/2006/main" xmlns:mc="http://schemas.openxmlformats.org/markup-compatibility/2006" xmlns:c="http://schemas.openxmlformats.org/drawingml/2006/chart" xmlns:ns6="http://schemas.openxmlformats.org/drawingml/2006/chartDrawing" xmlns:dgm="http://schemas.openxmlformats.org/drawingml/2006/diagram" xmlns:pic="http://schemas.openxmlformats.org/drawingml/2006/picture" xmlns:wp="http://schemas.openxmlformats.org/drawingml/2006/wordprocessingDrawing" xmlns:xdr="http://schemas.openxmlformats.org/drawingml/2006/spreadsheetDrawing" xmlns:ns11="http://schemas.openxmlformats.org/drawingml/2006/compatibility" xmlns:ns12="http://schemas.openxmlformats.org/drawingml/2006/lockedCanvas" type="twoObj" preserve="true">
   <p:cSld name="Two Content">
     <p:spTree>
       <p:nvGrpSpPr>
@@ -1175,7 +1175,7 @@
 </file>
 
 <file path=ppt/slideLayouts/slideLayout5.xml><?xml version="1.0" encoding="utf-8"?>
-<p:sldLayout xmlns:p="http://schemas.openxmlformats.org/presentationml/2006/main" xmlns:a="http://schemas.openxmlformats.org/drawingml/2006/main" xmlns:r="http://schemas.openxmlformats.org/officeDocument/2006/relationships" xmlns:mc="http://schemas.openxmlformats.org/markup-compatibility/2006" xmlns:c="http://schemas.openxmlformats.org/drawingml/2006/chart" xmlns:ns6="http://schemas.openxmlformats.org/drawingml/2006/chartDrawing" xmlns:dgm="http://schemas.openxmlformats.org/drawingml/2006/diagram" xmlns:pic="http://schemas.openxmlformats.org/drawingml/2006/picture" xmlns:wp="http://schemas.openxmlformats.org/drawingml/2006/wordprocessingDrawing" xmlns:xdr="http://schemas.openxmlformats.org/drawingml/2006/spreadsheetDrawing" xmlns:ns11="http://schemas.openxmlformats.org/drawingml/2006/compatibility" xmlns:ns12="http://schemas.openxmlformats.org/drawingml/2006/lockedCanvas" type="twoTxTwoObj" preserve="true">
+<p:sldLayout xmlns:r="http://schemas.openxmlformats.org/officeDocument/2006/relationships" xmlns:a="http://schemas.openxmlformats.org/drawingml/2006/main" xmlns:p="http://schemas.openxmlformats.org/presentationml/2006/main" xmlns:mc="http://schemas.openxmlformats.org/markup-compatibility/2006" xmlns:c="http://schemas.openxmlformats.org/drawingml/2006/chart" xmlns:ns6="http://schemas.openxmlformats.org/drawingml/2006/chartDrawing" xmlns:dgm="http://schemas.openxmlformats.org/drawingml/2006/diagram" xmlns:pic="http://schemas.openxmlformats.org/drawingml/2006/picture" xmlns:wp="http://schemas.openxmlformats.org/drawingml/2006/wordprocessingDrawing" xmlns:xdr="http://schemas.openxmlformats.org/drawingml/2006/spreadsheetDrawing" xmlns:ns11="http://schemas.openxmlformats.org/drawingml/2006/compatibility" xmlns:ns12="http://schemas.openxmlformats.org/drawingml/2006/lockedCanvas" type="twoTxTwoObj" preserve="true">
   <p:cSld name="Comparison">
     <p:spTree>
       <p:nvGrpSpPr>
@@ -1530,7 +1530,7 @@
 </file>
 
 <file path=ppt/slideLayouts/slideLayout6.xml><?xml version="1.0" encoding="utf-8"?>
-<p:sldLayout xmlns:p="http://schemas.openxmlformats.org/presentationml/2006/main" xmlns:a="http://schemas.openxmlformats.org/drawingml/2006/main" xmlns:r="http://schemas.openxmlformats.org/officeDocument/2006/relationships" xmlns:mc="http://schemas.openxmlformats.org/markup-compatibility/2006" xmlns:c="http://schemas.openxmlformats.org/drawingml/2006/chart" xmlns:ns6="http://schemas.openxmlformats.org/drawingml/2006/chartDrawing" xmlns:dgm="http://schemas.openxmlformats.org/drawingml/2006/diagram" xmlns:pic="http://schemas.openxmlformats.org/drawingml/2006/picture" xmlns:wp="http://schemas.openxmlformats.org/drawingml/2006/wordprocessingDrawing" xmlns:xdr="http://schemas.openxmlformats.org/drawingml/2006/spreadsheetDrawing" xmlns:ns11="http://schemas.openxmlformats.org/drawingml/2006/compatibility" xmlns:ns12="http://schemas.openxmlformats.org/drawingml/2006/lockedCanvas" type="titleOnly" preserve="true">
+<p:sldLayout xmlns:r="http://schemas.openxmlformats.org/officeDocument/2006/relationships" xmlns:a="http://schemas.openxmlformats.org/drawingml/2006/main" xmlns:p="http://schemas.openxmlformats.org/presentationml/2006/main" xmlns:mc="http://schemas.openxmlformats.org/markup-compatibility/2006" xmlns:c="http://schemas.openxmlformats.org/drawingml/2006/chart" xmlns:ns6="http://schemas.openxmlformats.org/drawingml/2006/chartDrawing" xmlns:dgm="http://schemas.openxmlformats.org/drawingml/2006/diagram" xmlns:pic="http://schemas.openxmlformats.org/drawingml/2006/picture" xmlns:wp="http://schemas.openxmlformats.org/drawingml/2006/wordprocessingDrawing" xmlns:xdr="http://schemas.openxmlformats.org/drawingml/2006/spreadsheetDrawing" xmlns:ns11="http://schemas.openxmlformats.org/drawingml/2006/compatibility" xmlns:ns12="http://schemas.openxmlformats.org/drawingml/2006/lockedCanvas" type="titleOnly" preserve="true">
   <p:cSld name="Title Only">
     <p:spTree>
       <p:nvGrpSpPr>
@@ -1655,7 +1655,7 @@
 </file>
 
 <file path=ppt/slideLayouts/slideLayout7.xml><?xml version="1.0" encoding="utf-8"?>
-<p:sldLayout xmlns:p="http://schemas.openxmlformats.org/presentationml/2006/main" xmlns:a="http://schemas.openxmlformats.org/drawingml/2006/main" xmlns:r="http://schemas.openxmlformats.org/officeDocument/2006/relationships" xmlns:mc="http://schemas.openxmlformats.org/markup-compatibility/2006" xmlns:c="http://schemas.openxmlformats.org/drawingml/2006/chart" xmlns:ns6="http://schemas.openxmlformats.org/drawingml/2006/chartDrawing" xmlns:dgm="http://schemas.openxmlformats.org/drawingml/2006/diagram" xmlns:pic="http://schemas.openxmlformats.org/drawingml/2006/picture" xmlns:wp="http://schemas.openxmlformats.org/drawingml/2006/wordprocessingDrawing" xmlns:xdr="http://schemas.openxmlformats.org/drawingml/2006/spreadsheetDrawing" xmlns:ns11="http://schemas.openxmlformats.org/drawingml/2006/compatibility" xmlns:ns12="http://schemas.openxmlformats.org/drawingml/2006/lockedCanvas" type="blank" preserve="true">
+<p:sldLayout xmlns:r="http://schemas.openxmlformats.org/officeDocument/2006/relationships" xmlns:a="http://schemas.openxmlformats.org/drawingml/2006/main" xmlns:p="http://schemas.openxmlformats.org/presentationml/2006/main" xmlns:mc="http://schemas.openxmlformats.org/markup-compatibility/2006" xmlns:c="http://schemas.openxmlformats.org/drawingml/2006/chart" xmlns:ns6="http://schemas.openxmlformats.org/drawingml/2006/chartDrawing" xmlns:dgm="http://schemas.openxmlformats.org/drawingml/2006/diagram" xmlns:pic="http://schemas.openxmlformats.org/drawingml/2006/picture" xmlns:wp="http://schemas.openxmlformats.org/drawingml/2006/wordprocessingDrawing" xmlns:xdr="http://schemas.openxmlformats.org/drawingml/2006/spreadsheetDrawing" xmlns:ns11="http://schemas.openxmlformats.org/drawingml/2006/compatibility" xmlns:ns12="http://schemas.openxmlformats.org/drawingml/2006/lockedCanvas" type="blank" preserve="true">
   <p:cSld name="Blank">
     <p:spTree>
       <p:nvGrpSpPr>
@@ -1757,7 +1757,7 @@
 </file>
 
 <file path=ppt/slideLayouts/slideLayout8.xml><?xml version="1.0" encoding="utf-8"?>
-<p:sldLayout xmlns:p="http://schemas.openxmlformats.org/presentationml/2006/main" xmlns:a="http://schemas.openxmlformats.org/drawingml/2006/main" xmlns:r="http://schemas.openxmlformats.org/officeDocument/2006/relationships" xmlns:mc="http://schemas.openxmlformats.org/markup-compatibility/2006" xmlns:c="http://schemas.openxmlformats.org/drawingml/2006/chart" xmlns:ns6="http://schemas.openxmlformats.org/drawingml/2006/chartDrawing" xmlns:dgm="http://schemas.openxmlformats.org/drawingml/2006/diagram" xmlns:pic="http://schemas.openxmlformats.org/drawingml/2006/picture" xmlns:wp="http://schemas.openxmlformats.org/drawingml/2006/wordprocessingDrawing" xmlns:xdr="http://schemas.openxmlformats.org/drawingml/2006/spreadsheetDrawing" xmlns:ns11="http://schemas.openxmlformats.org/drawingml/2006/compatibility" xmlns:ns12="http://schemas.openxmlformats.org/drawingml/2006/lockedCanvas" type="objTx" preserve="true">
+<p:sldLayout xmlns:r="http://schemas.openxmlformats.org/officeDocument/2006/relationships" xmlns:a="http://schemas.openxmlformats.org/drawingml/2006/main" xmlns:p="http://schemas.openxmlformats.org/presentationml/2006/main" xmlns:mc="http://schemas.openxmlformats.org/markup-compatibility/2006" xmlns:c="http://schemas.openxmlformats.org/drawingml/2006/chart" xmlns:ns6="http://schemas.openxmlformats.org/drawingml/2006/chartDrawing" xmlns:dgm="http://schemas.openxmlformats.org/drawingml/2006/diagram" xmlns:pic="http://schemas.openxmlformats.org/drawingml/2006/picture" xmlns:wp="http://schemas.openxmlformats.org/drawingml/2006/wordprocessingDrawing" xmlns:xdr="http://schemas.openxmlformats.org/drawingml/2006/spreadsheetDrawing" xmlns:ns11="http://schemas.openxmlformats.org/drawingml/2006/compatibility" xmlns:ns12="http://schemas.openxmlformats.org/drawingml/2006/lockedCanvas" type="objTx" preserve="true">
   <p:cSld name="Content with Caption">
     <p:spTree>
       <p:nvGrpSpPr>
@@ -2041,7 +2041,7 @@
 </file>
 
 <file path=ppt/slideLayouts/slideLayout9.xml><?xml version="1.0" encoding="utf-8"?>
-<p:sldLayout xmlns:p="http://schemas.openxmlformats.org/presentationml/2006/main" xmlns:a="http://schemas.openxmlformats.org/drawingml/2006/main" xmlns:r="http://schemas.openxmlformats.org/officeDocument/2006/relationships" xmlns:mc="http://schemas.openxmlformats.org/markup-compatibility/2006" xmlns:c="http://schemas.openxmlformats.org/drawingml/2006/chart" xmlns:ns6="http://schemas.openxmlformats.org/drawingml/2006/chartDrawing" xmlns:dgm="http://schemas.openxmlformats.org/drawingml/2006/diagram" xmlns:pic="http://schemas.openxmlformats.org/drawingml/2006/picture" xmlns:wp="http://schemas.openxmlformats.org/drawingml/2006/wordprocessingDrawing" xmlns:xdr="http://schemas.openxmlformats.org/drawingml/2006/spreadsheetDrawing" xmlns:ns11="http://schemas.openxmlformats.org/drawingml/2006/compatibility" xmlns:ns12="http://schemas.openxmlformats.org/drawingml/2006/lockedCanvas" type="vertTx" preserve="true">
+<p:sldLayout xmlns:r="http://schemas.openxmlformats.org/officeDocument/2006/relationships" xmlns:a="http://schemas.openxmlformats.org/drawingml/2006/main" xmlns:p="http://schemas.openxmlformats.org/presentationml/2006/main" xmlns:mc="http://schemas.openxmlformats.org/markup-compatibility/2006" xmlns:c="http://schemas.openxmlformats.org/drawingml/2006/chart" xmlns:ns6="http://schemas.openxmlformats.org/drawingml/2006/chartDrawing" xmlns:dgm="http://schemas.openxmlformats.org/drawingml/2006/diagram" xmlns:pic="http://schemas.openxmlformats.org/drawingml/2006/picture" xmlns:wp="http://schemas.openxmlformats.org/drawingml/2006/wordprocessingDrawing" xmlns:xdr="http://schemas.openxmlformats.org/drawingml/2006/spreadsheetDrawing" xmlns:ns11="http://schemas.openxmlformats.org/drawingml/2006/compatibility" xmlns:ns12="http://schemas.openxmlformats.org/drawingml/2006/lockedCanvas" type="vertTx" preserve="true">
   <p:cSld name="Title and Vertical Text">
     <p:spTree>
       <p:nvGrpSpPr>
@@ -2218,7 +2218,7 @@
 </file>
 
 <file path=ppt/slideMasters/slideMaster1.xml><?xml version="1.0" encoding="utf-8"?>
-<p:sldMaster xmlns:p="http://schemas.openxmlformats.org/presentationml/2006/main" xmlns:a="http://schemas.openxmlformats.org/drawingml/2006/main" xmlns:r="http://schemas.openxmlformats.org/officeDocument/2006/relationships" xmlns:mc="http://schemas.openxmlformats.org/markup-compatibility/2006" xmlns:c="http://schemas.openxmlformats.org/drawingml/2006/chart" xmlns:ns6="http://schemas.openxmlformats.org/drawingml/2006/chartDrawing" xmlns:dgm="http://schemas.openxmlformats.org/drawingml/2006/diagram" xmlns:pic="http://schemas.openxmlformats.org/drawingml/2006/picture" xmlns:wp="http://schemas.openxmlformats.org/drawingml/2006/wordprocessingDrawing" xmlns:xdr="http://schemas.openxmlformats.org/drawingml/2006/spreadsheetDrawing" xmlns:ns11="http://schemas.openxmlformats.org/drawingml/2006/compatibility" xmlns:ns12="http://schemas.openxmlformats.org/drawingml/2006/lockedCanvas">
+<p:sldMaster xmlns:r="http://schemas.openxmlformats.org/officeDocument/2006/relationships" xmlns:a="http://schemas.openxmlformats.org/drawingml/2006/main" xmlns:p="http://schemas.openxmlformats.org/presentationml/2006/main" xmlns:mc="http://schemas.openxmlformats.org/markup-compatibility/2006" xmlns:c="http://schemas.openxmlformats.org/drawingml/2006/chart" xmlns:ns6="http://schemas.openxmlformats.org/drawingml/2006/chartDrawing" xmlns:dgm="http://schemas.openxmlformats.org/drawingml/2006/diagram" xmlns:pic="http://schemas.openxmlformats.org/drawingml/2006/picture" xmlns:wp="http://schemas.openxmlformats.org/drawingml/2006/wordprocessingDrawing" xmlns:xdr="http://schemas.openxmlformats.org/drawingml/2006/spreadsheetDrawing" xmlns:ns11="http://schemas.openxmlformats.org/drawingml/2006/compatibility" xmlns:ns12="http://schemas.openxmlformats.org/drawingml/2006/lockedCanvas">
   <p:cSld>
     <p:bg>
       <p:bgRef idx="1001">
@@ -2764,7 +2764,7 @@
 </file>
 
 <file path=ppt/slides/slide1.xml><?xml version="1.0" encoding="utf-8"?>
-<p:sld xmlns:p="http://schemas.openxmlformats.org/presentationml/2006/main" xmlns:a="http://schemas.openxmlformats.org/drawingml/2006/main" xmlns:r="http://schemas.openxmlformats.org/officeDocument/2006/relationships" xmlns:mc="http://schemas.openxmlformats.org/markup-compatibility/2006" xmlns:c="http://schemas.openxmlformats.org/drawingml/2006/chart" xmlns:ns6="http://schemas.openxmlformats.org/drawingml/2006/chartDrawing" xmlns:dgm="http://schemas.openxmlformats.org/drawingml/2006/diagram" xmlns:pic="http://schemas.openxmlformats.org/drawingml/2006/picture" xmlns:wp="http://schemas.openxmlformats.org/drawingml/2006/wordprocessingDrawing" xmlns:xdr="http://schemas.openxmlformats.org/drawingml/2006/spreadsheetDrawing" xmlns:ns11="http://schemas.openxmlformats.org/drawingml/2006/compatibility" xmlns:ns12="http://schemas.openxmlformats.org/drawingml/2006/lockedCanvas">
+<p:sld xmlns:r="http://schemas.openxmlformats.org/officeDocument/2006/relationships" xmlns:a="http://schemas.openxmlformats.org/drawingml/2006/main" xmlns:p="http://schemas.openxmlformats.org/presentationml/2006/main" xmlns:mc="http://schemas.openxmlformats.org/markup-compatibility/2006" xmlns:c="http://schemas.openxmlformats.org/drawingml/2006/chart" xmlns:ns6="http://schemas.openxmlformats.org/drawingml/2006/chartDrawing" xmlns:dgm="http://schemas.openxmlformats.org/drawingml/2006/diagram" xmlns:pic="http://schemas.openxmlformats.org/drawingml/2006/picture" xmlns:wp="http://schemas.openxmlformats.org/drawingml/2006/wordprocessingDrawing" xmlns:xdr="http://schemas.openxmlformats.org/drawingml/2006/spreadsheetDrawing" xmlns:ns11="http://schemas.openxmlformats.org/drawingml/2006/compatibility" xmlns:ns12="http://schemas.openxmlformats.org/drawingml/2006/lockedCanvas">
   <p:cSld>
     <p:spTree>
       <p:nvGrpSpPr>
@@ -2812,7 +2812,7 @@
 </file>
 
 <file path=ppt/slides/slide2.xml><?xml version="1.0" encoding="utf-8"?>
-<p:sld xmlns:p="http://schemas.openxmlformats.org/presentationml/2006/main" xmlns:a="http://schemas.openxmlformats.org/drawingml/2006/main" xmlns:r="http://schemas.openxmlformats.org/officeDocument/2006/relationships" xmlns:mc="http://schemas.openxmlformats.org/markup-compatibility/2006" xmlns:c="http://schemas.openxmlformats.org/drawingml/2006/chart" xmlns:ns6="http://schemas.openxmlformats.org/drawingml/2006/chartDrawing" xmlns:dgm="http://schemas.openxmlformats.org/drawingml/2006/diagram" xmlns:pic="http://schemas.openxmlformats.org/drawingml/2006/picture" xmlns:wp="http://schemas.openxmlformats.org/drawingml/2006/wordprocessingDrawing" xmlns:xdr="http://schemas.openxmlformats.org/drawingml/2006/spreadsheetDrawing" xmlns:ns11="http://schemas.openxmlformats.org/drawingml/2006/compatibility" xmlns:ns12="http://schemas.openxmlformats.org/drawingml/2006/lockedCanvas">
+<p:sld xmlns:r="http://schemas.openxmlformats.org/officeDocument/2006/relationships" xmlns:a="http://schemas.openxmlformats.org/drawingml/2006/main" xmlns:p="http://schemas.openxmlformats.org/presentationml/2006/main" xmlns:mc="http://schemas.openxmlformats.org/markup-compatibility/2006" xmlns:c="http://schemas.openxmlformats.org/drawingml/2006/chart" xmlns:ns6="http://schemas.openxmlformats.org/drawingml/2006/chartDrawing" xmlns:dgm="http://schemas.openxmlformats.org/drawingml/2006/diagram" xmlns:pic="http://schemas.openxmlformats.org/drawingml/2006/picture" xmlns:wp="http://schemas.openxmlformats.org/drawingml/2006/wordprocessingDrawing" xmlns:xdr="http://schemas.openxmlformats.org/drawingml/2006/spreadsheetDrawing" xmlns:ns11="http://schemas.openxmlformats.org/drawingml/2006/compatibility" xmlns:ns12="http://schemas.openxmlformats.org/drawingml/2006/lockedCanvas">
   <p:cSld>
     <p:spTree>
       <p:nvGrpSpPr>
@@ -3070,7 +3070,7 @@
 </file>
 
 <file path=ppt/slides/slide3.xml><?xml version="1.0" encoding="utf-8"?>
-<p:sld xmlns:p="http://schemas.openxmlformats.org/presentationml/2006/main" xmlns:a="http://schemas.openxmlformats.org/drawingml/2006/main" xmlns:r="http://schemas.openxmlformats.org/officeDocument/2006/relationships" xmlns:mc="http://schemas.openxmlformats.org/markup-compatibility/2006" xmlns:c="http://schemas.openxmlformats.org/drawingml/2006/chart" xmlns:ns6="http://schemas.openxmlformats.org/drawingml/2006/chartDrawing" xmlns:dgm="http://schemas.openxmlformats.org/drawingml/2006/diagram" xmlns:pic="http://schemas.openxmlformats.org/drawingml/2006/picture" xmlns:wp="http://schemas.openxmlformats.org/drawingml/2006/wordprocessingDrawing" xmlns:xdr="http://schemas.openxmlformats.org/drawingml/2006/spreadsheetDrawing" xmlns:ns11="http://schemas.openxmlformats.org/drawingml/2006/compatibility" xmlns:ns12="http://schemas.openxmlformats.org/drawingml/2006/lockedCanvas">
+<p:sld xmlns:r="http://schemas.openxmlformats.org/officeDocument/2006/relationships" xmlns:a="http://schemas.openxmlformats.org/drawingml/2006/main" xmlns:p="http://schemas.openxmlformats.org/presentationml/2006/main" xmlns:mc="http://schemas.openxmlformats.org/markup-compatibility/2006" xmlns:c="http://schemas.openxmlformats.org/drawingml/2006/chart" xmlns:ns6="http://schemas.openxmlformats.org/drawingml/2006/chartDrawing" xmlns:dgm="http://schemas.openxmlformats.org/drawingml/2006/diagram" xmlns:pic="http://schemas.openxmlformats.org/drawingml/2006/picture" xmlns:wp="http://schemas.openxmlformats.org/drawingml/2006/wordprocessingDrawing" xmlns:xdr="http://schemas.openxmlformats.org/drawingml/2006/spreadsheetDrawing" xmlns:ns11="http://schemas.openxmlformats.org/drawingml/2006/compatibility" xmlns:ns12="http://schemas.openxmlformats.org/drawingml/2006/lockedCanvas">
   <p:cSld>
     <p:spTree>
       <p:nvGrpSpPr>

--- a/reference/ex_paragraph.pptx
+++ b/reference/ex_paragraph.pptx
@@ -1,13 +1,13 @@
 
 <file path=ppt/presentation.xml><?xml version="1.0" encoding="utf-8"?>
-<p:presentation xmlns:r="http://schemas.openxmlformats.org/officeDocument/2006/relationships" xmlns:a="http://schemas.openxmlformats.org/drawingml/2006/main" xmlns:p="http://schemas.openxmlformats.org/presentationml/2006/main" xmlns:mc="http://schemas.openxmlformats.org/markup-compatibility/2006" xmlns:c="http://schemas.openxmlformats.org/drawingml/2006/chart" xmlns:ns6="http://schemas.openxmlformats.org/drawingml/2006/chartDrawing" xmlns:dgm="http://schemas.openxmlformats.org/drawingml/2006/diagram" xmlns:pic="http://schemas.openxmlformats.org/drawingml/2006/picture" xmlns:wp="http://schemas.openxmlformats.org/drawingml/2006/wordprocessingDrawing" xmlns:xdr="http://schemas.openxmlformats.org/drawingml/2006/spreadsheetDrawing" xmlns:ns11="http://schemas.openxmlformats.org/drawingml/2006/compatibility" xmlns:ns12="http://schemas.openxmlformats.org/drawingml/2006/lockedCanvas" saveSubsetFonts="true">
+<p:presentation xmlns:a="http://schemas.openxmlformats.org/drawingml/2006/main" xmlns:r="http://schemas.openxmlformats.org/officeDocument/2006/relationships" xmlns:p="http://schemas.openxmlformats.org/presentationml/2006/main" xmlns:mc="http://schemas.openxmlformats.org/markup-compatibility/2006" xmlns:c="http://schemas.openxmlformats.org/drawingml/2006/chart" xmlns:ns6="http://schemas.openxmlformats.org/drawingml/2006/chartDrawing" xmlns:dgm="http://schemas.openxmlformats.org/drawingml/2006/diagram" xmlns:pic="http://schemas.openxmlformats.org/drawingml/2006/picture" xmlns:wp="http://schemas.openxmlformats.org/drawingml/2006/wordprocessingDrawing" xmlns:xdr="http://schemas.openxmlformats.org/drawingml/2006/spreadsheetDrawing" xmlns:ns11="http://schemas.openxmlformats.org/drawingml/2006/compatibility" xmlns:ns12="http://schemas.openxmlformats.org/drawingml/2006/lockedCanvas" saveSubsetFonts="true">
   <p:sldMasterIdLst>
     <p:sldMasterId id="2147483648" r:id="rId1"/>
   </p:sldMasterIdLst>
   <p:sldIdLst>
-    <p:sldId id="208351443" r:id="rId6"/>
-    <p:sldId id="1435371142" r:id="rId7"/>
-    <p:sldId id="634607044" r:id="rId8"/>
+    <p:sldId id="1522033256" r:id="rId6"/>
+    <p:sldId id="1802490851" r:id="rId7"/>
+    <p:sldId id="2070463269" r:id="rId8"/>
   </p:sldIdLst>
   <p:sldSz cx="12192000" cy="6858000"/>
   <p:notesSz cx="6858000" cy="9144000"/>
@@ -115,7 +115,7 @@
 </file>
 
 <file path=ppt/slideLayouts/slideLayout1.xml><?xml version="1.0" encoding="utf-8"?>
-<p:sldLayout xmlns:r="http://schemas.openxmlformats.org/officeDocument/2006/relationships" xmlns:a="http://schemas.openxmlformats.org/drawingml/2006/main" xmlns:p="http://schemas.openxmlformats.org/presentationml/2006/main" xmlns:mc="http://schemas.openxmlformats.org/markup-compatibility/2006" xmlns:c="http://schemas.openxmlformats.org/drawingml/2006/chart" xmlns:ns6="http://schemas.openxmlformats.org/drawingml/2006/chartDrawing" xmlns:dgm="http://schemas.openxmlformats.org/drawingml/2006/diagram" xmlns:pic="http://schemas.openxmlformats.org/drawingml/2006/picture" xmlns:wp="http://schemas.openxmlformats.org/drawingml/2006/wordprocessingDrawing" xmlns:xdr="http://schemas.openxmlformats.org/drawingml/2006/spreadsheetDrawing" xmlns:ns11="http://schemas.openxmlformats.org/drawingml/2006/compatibility" xmlns:ns12="http://schemas.openxmlformats.org/drawingml/2006/lockedCanvas" type="title" preserve="true">
+<p:sldLayout xmlns:a="http://schemas.openxmlformats.org/drawingml/2006/main" xmlns:r="http://schemas.openxmlformats.org/officeDocument/2006/relationships" xmlns:p="http://schemas.openxmlformats.org/presentationml/2006/main" xmlns:mc="http://schemas.openxmlformats.org/markup-compatibility/2006" xmlns:c="http://schemas.openxmlformats.org/drawingml/2006/chart" xmlns:ns6="http://schemas.openxmlformats.org/drawingml/2006/chartDrawing" xmlns:dgm="http://schemas.openxmlformats.org/drawingml/2006/diagram" xmlns:pic="http://schemas.openxmlformats.org/drawingml/2006/picture" xmlns:wp="http://schemas.openxmlformats.org/drawingml/2006/wordprocessingDrawing" xmlns:xdr="http://schemas.openxmlformats.org/drawingml/2006/spreadsheetDrawing" xmlns:ns11="http://schemas.openxmlformats.org/drawingml/2006/compatibility" xmlns:ns12="http://schemas.openxmlformats.org/drawingml/2006/lockedCanvas" type="title" preserve="true">
   <p:cSld name="Title Slide">
     <p:spTree>
       <p:nvGrpSpPr>
@@ -314,7 +314,7 @@
 </file>
 
 <file path=ppt/slideLayouts/slideLayout10.xml><?xml version="1.0" encoding="utf-8"?>
-<p:sldLayout xmlns:r="http://schemas.openxmlformats.org/officeDocument/2006/relationships" xmlns:a="http://schemas.openxmlformats.org/drawingml/2006/main" xmlns:p="http://schemas.openxmlformats.org/presentationml/2006/main" xmlns:mc="http://schemas.openxmlformats.org/markup-compatibility/2006" xmlns:c="http://schemas.openxmlformats.org/drawingml/2006/chart" xmlns:ns6="http://schemas.openxmlformats.org/drawingml/2006/chartDrawing" xmlns:dgm="http://schemas.openxmlformats.org/drawingml/2006/diagram" xmlns:pic="http://schemas.openxmlformats.org/drawingml/2006/picture" xmlns:wp="http://schemas.openxmlformats.org/drawingml/2006/wordprocessingDrawing" xmlns:xdr="http://schemas.openxmlformats.org/drawingml/2006/spreadsheetDrawing" xmlns:ns11="http://schemas.openxmlformats.org/drawingml/2006/compatibility" xmlns:ns12="http://schemas.openxmlformats.org/drawingml/2006/lockedCanvas" type="vertTitleAndTx" preserve="true">
+<p:sldLayout xmlns:a="http://schemas.openxmlformats.org/drawingml/2006/main" xmlns:r="http://schemas.openxmlformats.org/officeDocument/2006/relationships" xmlns:p="http://schemas.openxmlformats.org/presentationml/2006/main" xmlns:mc="http://schemas.openxmlformats.org/markup-compatibility/2006" xmlns:c="http://schemas.openxmlformats.org/drawingml/2006/chart" xmlns:ns6="http://schemas.openxmlformats.org/drawingml/2006/chartDrawing" xmlns:dgm="http://schemas.openxmlformats.org/drawingml/2006/diagram" xmlns:pic="http://schemas.openxmlformats.org/drawingml/2006/picture" xmlns:wp="http://schemas.openxmlformats.org/drawingml/2006/wordprocessingDrawing" xmlns:xdr="http://schemas.openxmlformats.org/drawingml/2006/spreadsheetDrawing" xmlns:ns11="http://schemas.openxmlformats.org/drawingml/2006/compatibility" xmlns:ns12="http://schemas.openxmlformats.org/drawingml/2006/lockedCanvas" type="vertTitleAndTx" preserve="true">
   <p:cSld name="Vertical Title and Text">
     <p:spTree>
       <p:nvGrpSpPr>
@@ -501,7 +501,7 @@
 </file>
 
 <file path=ppt/slideLayouts/slideLayout2.xml><?xml version="1.0" encoding="utf-8"?>
-<p:sldLayout xmlns:r="http://schemas.openxmlformats.org/officeDocument/2006/relationships" xmlns:a="http://schemas.openxmlformats.org/drawingml/2006/main" xmlns:p="http://schemas.openxmlformats.org/presentationml/2006/main" xmlns:mc="http://schemas.openxmlformats.org/markup-compatibility/2006" xmlns:c="http://schemas.openxmlformats.org/drawingml/2006/chart" xmlns:ns6="http://schemas.openxmlformats.org/drawingml/2006/chartDrawing" xmlns:dgm="http://schemas.openxmlformats.org/drawingml/2006/diagram" xmlns:pic="http://schemas.openxmlformats.org/drawingml/2006/picture" xmlns:wp="http://schemas.openxmlformats.org/drawingml/2006/wordprocessingDrawing" xmlns:xdr="http://schemas.openxmlformats.org/drawingml/2006/spreadsheetDrawing" xmlns:ns11="http://schemas.openxmlformats.org/drawingml/2006/compatibility" xmlns:ns12="http://schemas.openxmlformats.org/drawingml/2006/lockedCanvas" type="obj" preserve="true">
+<p:sldLayout xmlns:a="http://schemas.openxmlformats.org/drawingml/2006/main" xmlns:r="http://schemas.openxmlformats.org/officeDocument/2006/relationships" xmlns:p="http://schemas.openxmlformats.org/presentationml/2006/main" xmlns:mc="http://schemas.openxmlformats.org/markup-compatibility/2006" xmlns:c="http://schemas.openxmlformats.org/drawingml/2006/chart" xmlns:ns6="http://schemas.openxmlformats.org/drawingml/2006/chartDrawing" xmlns:dgm="http://schemas.openxmlformats.org/drawingml/2006/diagram" xmlns:pic="http://schemas.openxmlformats.org/drawingml/2006/picture" xmlns:wp="http://schemas.openxmlformats.org/drawingml/2006/wordprocessingDrawing" xmlns:xdr="http://schemas.openxmlformats.org/drawingml/2006/spreadsheetDrawing" xmlns:ns11="http://schemas.openxmlformats.org/drawingml/2006/compatibility" xmlns:ns12="http://schemas.openxmlformats.org/drawingml/2006/lockedCanvas" type="obj" preserve="true">
   <p:cSld name="Title and Content">
     <p:spTree>
       <p:nvGrpSpPr>
@@ -683,7 +683,7 @@
 </file>
 
 <file path=ppt/slideLayouts/slideLayout3.xml><?xml version="1.0" encoding="utf-8"?>
-<p:sldLayout xmlns:r="http://schemas.openxmlformats.org/officeDocument/2006/relationships" xmlns:a="http://schemas.openxmlformats.org/drawingml/2006/main" xmlns:p="http://schemas.openxmlformats.org/presentationml/2006/main" xmlns:mc="http://schemas.openxmlformats.org/markup-compatibility/2006" xmlns:c="http://schemas.openxmlformats.org/drawingml/2006/chart" xmlns:ns6="http://schemas.openxmlformats.org/drawingml/2006/chartDrawing" xmlns:dgm="http://schemas.openxmlformats.org/drawingml/2006/diagram" xmlns:pic="http://schemas.openxmlformats.org/drawingml/2006/picture" xmlns:wp="http://schemas.openxmlformats.org/drawingml/2006/wordprocessingDrawing" xmlns:xdr="http://schemas.openxmlformats.org/drawingml/2006/spreadsheetDrawing" xmlns:ns11="http://schemas.openxmlformats.org/drawingml/2006/compatibility" xmlns:ns12="http://schemas.openxmlformats.org/drawingml/2006/lockedCanvas" type="secHead" preserve="true">
+<p:sldLayout xmlns:a="http://schemas.openxmlformats.org/drawingml/2006/main" xmlns:r="http://schemas.openxmlformats.org/officeDocument/2006/relationships" xmlns:p="http://schemas.openxmlformats.org/presentationml/2006/main" xmlns:mc="http://schemas.openxmlformats.org/markup-compatibility/2006" xmlns:c="http://schemas.openxmlformats.org/drawingml/2006/chart" xmlns:ns6="http://schemas.openxmlformats.org/drawingml/2006/chartDrawing" xmlns:dgm="http://schemas.openxmlformats.org/drawingml/2006/diagram" xmlns:pic="http://schemas.openxmlformats.org/drawingml/2006/picture" xmlns:wp="http://schemas.openxmlformats.org/drawingml/2006/wordprocessingDrawing" xmlns:xdr="http://schemas.openxmlformats.org/drawingml/2006/spreadsheetDrawing" xmlns:ns11="http://schemas.openxmlformats.org/drawingml/2006/compatibility" xmlns:ns12="http://schemas.openxmlformats.org/drawingml/2006/lockedCanvas" type="secHead" preserve="true">
   <p:cSld name="Section Header">
     <p:spTree>
       <p:nvGrpSpPr>
@@ -936,7 +936,7 @@
 </file>
 
 <file path=ppt/slideLayouts/slideLayout4.xml><?xml version="1.0" encoding="utf-8"?>
-<p:sldLayout xmlns:r="http://schemas.openxmlformats.org/officeDocument/2006/relationships" xmlns:a="http://schemas.openxmlformats.org/drawingml/2006/main" xmlns:p="http://schemas.openxmlformats.org/presentationml/2006/main" xmlns:mc="http://schemas.openxmlformats.org/markup-compatibility/2006" xmlns:c="http://schemas.openxmlformats.org/drawingml/2006/chart" xmlns:ns6="http://schemas.openxmlformats.org/drawingml/2006/chartDrawing" xmlns:dgm="http://schemas.openxmlformats.org/drawingml/2006/diagram" xmlns:pic="http://schemas.openxmlformats.org/drawingml/2006/picture" xmlns:wp="http://schemas.openxmlformats.org/drawingml/2006/wordprocessingDrawing" xmlns:xdr="http://schemas.openxmlformats.org/drawingml/2006/spreadsheetDrawing" xmlns:ns11="http://schemas.openxmlformats.org/drawingml/2006/compatibility" xmlns:ns12="http://schemas.openxmlformats.org/drawingml/2006/lockedCanvas" type="twoObj" preserve="true">
+<p:sldLayout xmlns:a="http://schemas.openxmlformats.org/drawingml/2006/main" xmlns:r="http://schemas.openxmlformats.org/officeDocument/2006/relationships" xmlns:p="http://schemas.openxmlformats.org/presentationml/2006/main" xmlns:mc="http://schemas.openxmlformats.org/markup-compatibility/2006" xmlns:c="http://schemas.openxmlformats.org/drawingml/2006/chart" xmlns:ns6="http://schemas.openxmlformats.org/drawingml/2006/chartDrawing" xmlns:dgm="http://schemas.openxmlformats.org/drawingml/2006/diagram" xmlns:pic="http://schemas.openxmlformats.org/drawingml/2006/picture" xmlns:wp="http://schemas.openxmlformats.org/drawingml/2006/wordprocessingDrawing" xmlns:xdr="http://schemas.openxmlformats.org/drawingml/2006/spreadsheetDrawing" xmlns:ns11="http://schemas.openxmlformats.org/drawingml/2006/compatibility" xmlns:ns12="http://schemas.openxmlformats.org/drawingml/2006/lockedCanvas" type="twoObj" preserve="true">
   <p:cSld name="Two Content">
     <p:spTree>
       <p:nvGrpSpPr>
@@ -1175,7 +1175,7 @@
 </file>
 
 <file path=ppt/slideLayouts/slideLayout5.xml><?xml version="1.0" encoding="utf-8"?>
-<p:sldLayout xmlns:r="http://schemas.openxmlformats.org/officeDocument/2006/relationships" xmlns:a="http://schemas.openxmlformats.org/drawingml/2006/main" xmlns:p="http://schemas.openxmlformats.org/presentationml/2006/main" xmlns:mc="http://schemas.openxmlformats.org/markup-compatibility/2006" xmlns:c="http://schemas.openxmlformats.org/drawingml/2006/chart" xmlns:ns6="http://schemas.openxmlformats.org/drawingml/2006/chartDrawing" xmlns:dgm="http://schemas.openxmlformats.org/drawingml/2006/diagram" xmlns:pic="http://schemas.openxmlformats.org/drawingml/2006/picture" xmlns:wp="http://schemas.openxmlformats.org/drawingml/2006/wordprocessingDrawing" xmlns:xdr="http://schemas.openxmlformats.org/drawingml/2006/spreadsheetDrawing" xmlns:ns11="http://schemas.openxmlformats.org/drawingml/2006/compatibility" xmlns:ns12="http://schemas.openxmlformats.org/drawingml/2006/lockedCanvas" type="twoTxTwoObj" preserve="true">
+<p:sldLayout xmlns:a="http://schemas.openxmlformats.org/drawingml/2006/main" xmlns:r="http://schemas.openxmlformats.org/officeDocument/2006/relationships" xmlns:p="http://schemas.openxmlformats.org/presentationml/2006/main" xmlns:mc="http://schemas.openxmlformats.org/markup-compatibility/2006" xmlns:c="http://schemas.openxmlformats.org/drawingml/2006/chart" xmlns:ns6="http://schemas.openxmlformats.org/drawingml/2006/chartDrawing" xmlns:dgm="http://schemas.openxmlformats.org/drawingml/2006/diagram" xmlns:pic="http://schemas.openxmlformats.org/drawingml/2006/picture" xmlns:wp="http://schemas.openxmlformats.org/drawingml/2006/wordprocessingDrawing" xmlns:xdr="http://schemas.openxmlformats.org/drawingml/2006/spreadsheetDrawing" xmlns:ns11="http://schemas.openxmlformats.org/drawingml/2006/compatibility" xmlns:ns12="http://schemas.openxmlformats.org/drawingml/2006/lockedCanvas" type="twoTxTwoObj" preserve="true">
   <p:cSld name="Comparison">
     <p:spTree>
       <p:nvGrpSpPr>
@@ -1530,7 +1530,7 @@
 </file>
 
 <file path=ppt/slideLayouts/slideLayout6.xml><?xml version="1.0" encoding="utf-8"?>
-<p:sldLayout xmlns:r="http://schemas.openxmlformats.org/officeDocument/2006/relationships" xmlns:a="http://schemas.openxmlformats.org/drawingml/2006/main" xmlns:p="http://schemas.openxmlformats.org/presentationml/2006/main" xmlns:mc="http://schemas.openxmlformats.org/markup-compatibility/2006" xmlns:c="http://schemas.openxmlformats.org/drawingml/2006/chart" xmlns:ns6="http://schemas.openxmlformats.org/drawingml/2006/chartDrawing" xmlns:dgm="http://schemas.openxmlformats.org/drawingml/2006/diagram" xmlns:pic="http://schemas.openxmlformats.org/drawingml/2006/picture" xmlns:wp="http://schemas.openxmlformats.org/drawingml/2006/wordprocessingDrawing" xmlns:xdr="http://schemas.openxmlformats.org/drawingml/2006/spreadsheetDrawing" xmlns:ns11="http://schemas.openxmlformats.org/drawingml/2006/compatibility" xmlns:ns12="http://schemas.openxmlformats.org/drawingml/2006/lockedCanvas" type="titleOnly" preserve="true">
+<p:sldLayout xmlns:a="http://schemas.openxmlformats.org/drawingml/2006/main" xmlns:r="http://schemas.openxmlformats.org/officeDocument/2006/relationships" xmlns:p="http://schemas.openxmlformats.org/presentationml/2006/main" xmlns:mc="http://schemas.openxmlformats.org/markup-compatibility/2006" xmlns:c="http://schemas.openxmlformats.org/drawingml/2006/chart" xmlns:ns6="http://schemas.openxmlformats.org/drawingml/2006/chartDrawing" xmlns:dgm="http://schemas.openxmlformats.org/drawingml/2006/diagram" xmlns:pic="http://schemas.openxmlformats.org/drawingml/2006/picture" xmlns:wp="http://schemas.openxmlformats.org/drawingml/2006/wordprocessingDrawing" xmlns:xdr="http://schemas.openxmlformats.org/drawingml/2006/spreadsheetDrawing" xmlns:ns11="http://schemas.openxmlformats.org/drawingml/2006/compatibility" xmlns:ns12="http://schemas.openxmlformats.org/drawingml/2006/lockedCanvas" type="titleOnly" preserve="true">
   <p:cSld name="Title Only">
     <p:spTree>
       <p:nvGrpSpPr>
@@ -1655,7 +1655,7 @@
 </file>
 
 <file path=ppt/slideLayouts/slideLayout7.xml><?xml version="1.0" encoding="utf-8"?>
-<p:sldLayout xmlns:r="http://schemas.openxmlformats.org/officeDocument/2006/relationships" xmlns:a="http://schemas.openxmlformats.org/drawingml/2006/main" xmlns:p="http://schemas.openxmlformats.org/presentationml/2006/main" xmlns:mc="http://schemas.openxmlformats.org/markup-compatibility/2006" xmlns:c="http://schemas.openxmlformats.org/drawingml/2006/chart" xmlns:ns6="http://schemas.openxmlformats.org/drawingml/2006/chartDrawing" xmlns:dgm="http://schemas.openxmlformats.org/drawingml/2006/diagram" xmlns:pic="http://schemas.openxmlformats.org/drawingml/2006/picture" xmlns:wp="http://schemas.openxmlformats.org/drawingml/2006/wordprocessingDrawing" xmlns:xdr="http://schemas.openxmlformats.org/drawingml/2006/spreadsheetDrawing" xmlns:ns11="http://schemas.openxmlformats.org/drawingml/2006/compatibility" xmlns:ns12="http://schemas.openxmlformats.org/drawingml/2006/lockedCanvas" type="blank" preserve="true">
+<p:sldLayout xmlns:a="http://schemas.openxmlformats.org/drawingml/2006/main" xmlns:r="http://schemas.openxmlformats.org/officeDocument/2006/relationships" xmlns:p="http://schemas.openxmlformats.org/presentationml/2006/main" xmlns:mc="http://schemas.openxmlformats.org/markup-compatibility/2006" xmlns:c="http://schemas.openxmlformats.org/drawingml/2006/chart" xmlns:ns6="http://schemas.openxmlformats.org/drawingml/2006/chartDrawing" xmlns:dgm="http://schemas.openxmlformats.org/drawingml/2006/diagram" xmlns:pic="http://schemas.openxmlformats.org/drawingml/2006/picture" xmlns:wp="http://schemas.openxmlformats.org/drawingml/2006/wordprocessingDrawing" xmlns:xdr="http://schemas.openxmlformats.org/drawingml/2006/spreadsheetDrawing" xmlns:ns11="http://schemas.openxmlformats.org/drawingml/2006/compatibility" xmlns:ns12="http://schemas.openxmlformats.org/drawingml/2006/lockedCanvas" type="blank" preserve="true">
   <p:cSld name="Blank">
     <p:spTree>
       <p:nvGrpSpPr>
@@ -1757,7 +1757,7 @@
 </file>
 
 <file path=ppt/slideLayouts/slideLayout8.xml><?xml version="1.0" encoding="utf-8"?>
-<p:sldLayout xmlns:r="http://schemas.openxmlformats.org/officeDocument/2006/relationships" xmlns:a="http://schemas.openxmlformats.org/drawingml/2006/main" xmlns:p="http://schemas.openxmlformats.org/presentationml/2006/main" xmlns:mc="http://schemas.openxmlformats.org/markup-compatibility/2006" xmlns:c="http://schemas.openxmlformats.org/drawingml/2006/chart" xmlns:ns6="http://schemas.openxmlformats.org/drawingml/2006/chartDrawing" xmlns:dgm="http://schemas.openxmlformats.org/drawingml/2006/diagram" xmlns:pic="http://schemas.openxmlformats.org/drawingml/2006/picture" xmlns:wp="http://schemas.openxmlformats.org/drawingml/2006/wordprocessingDrawing" xmlns:xdr="http://schemas.openxmlformats.org/drawingml/2006/spreadsheetDrawing" xmlns:ns11="http://schemas.openxmlformats.org/drawingml/2006/compatibility" xmlns:ns12="http://schemas.openxmlformats.org/drawingml/2006/lockedCanvas" type="objTx" preserve="true">
+<p:sldLayout xmlns:a="http://schemas.openxmlformats.org/drawingml/2006/main" xmlns:r="http://schemas.openxmlformats.org/officeDocument/2006/relationships" xmlns:p="http://schemas.openxmlformats.org/presentationml/2006/main" xmlns:mc="http://schemas.openxmlformats.org/markup-compatibility/2006" xmlns:c="http://schemas.openxmlformats.org/drawingml/2006/chart" xmlns:ns6="http://schemas.openxmlformats.org/drawingml/2006/chartDrawing" xmlns:dgm="http://schemas.openxmlformats.org/drawingml/2006/diagram" xmlns:pic="http://schemas.openxmlformats.org/drawingml/2006/picture" xmlns:wp="http://schemas.openxmlformats.org/drawingml/2006/wordprocessingDrawing" xmlns:xdr="http://schemas.openxmlformats.org/drawingml/2006/spreadsheetDrawing" xmlns:ns11="http://schemas.openxmlformats.org/drawingml/2006/compatibility" xmlns:ns12="http://schemas.openxmlformats.org/drawingml/2006/lockedCanvas" type="objTx" preserve="true">
   <p:cSld name="Content with Caption">
     <p:spTree>
       <p:nvGrpSpPr>
@@ -2041,7 +2041,7 @@
 </file>
 
 <file path=ppt/slideLayouts/slideLayout9.xml><?xml version="1.0" encoding="utf-8"?>
-<p:sldLayout xmlns:r="http://schemas.openxmlformats.org/officeDocument/2006/relationships" xmlns:a="http://schemas.openxmlformats.org/drawingml/2006/main" xmlns:p="http://schemas.openxmlformats.org/presentationml/2006/main" xmlns:mc="http://schemas.openxmlformats.org/markup-compatibility/2006" xmlns:c="http://schemas.openxmlformats.org/drawingml/2006/chart" xmlns:ns6="http://schemas.openxmlformats.org/drawingml/2006/chartDrawing" xmlns:dgm="http://schemas.openxmlformats.org/drawingml/2006/diagram" xmlns:pic="http://schemas.openxmlformats.org/drawingml/2006/picture" xmlns:wp="http://schemas.openxmlformats.org/drawingml/2006/wordprocessingDrawing" xmlns:xdr="http://schemas.openxmlformats.org/drawingml/2006/spreadsheetDrawing" xmlns:ns11="http://schemas.openxmlformats.org/drawingml/2006/compatibility" xmlns:ns12="http://schemas.openxmlformats.org/drawingml/2006/lockedCanvas" type="vertTx" preserve="true">
+<p:sldLayout xmlns:a="http://schemas.openxmlformats.org/drawingml/2006/main" xmlns:r="http://schemas.openxmlformats.org/officeDocument/2006/relationships" xmlns:p="http://schemas.openxmlformats.org/presentationml/2006/main" xmlns:mc="http://schemas.openxmlformats.org/markup-compatibility/2006" xmlns:c="http://schemas.openxmlformats.org/drawingml/2006/chart" xmlns:ns6="http://schemas.openxmlformats.org/drawingml/2006/chartDrawing" xmlns:dgm="http://schemas.openxmlformats.org/drawingml/2006/diagram" xmlns:pic="http://schemas.openxmlformats.org/drawingml/2006/picture" xmlns:wp="http://schemas.openxmlformats.org/drawingml/2006/wordprocessingDrawing" xmlns:xdr="http://schemas.openxmlformats.org/drawingml/2006/spreadsheetDrawing" xmlns:ns11="http://schemas.openxmlformats.org/drawingml/2006/compatibility" xmlns:ns12="http://schemas.openxmlformats.org/drawingml/2006/lockedCanvas" type="vertTx" preserve="true">
   <p:cSld name="Title and Vertical Text">
     <p:spTree>
       <p:nvGrpSpPr>
@@ -2218,7 +2218,7 @@
 </file>
 
 <file path=ppt/slideMasters/slideMaster1.xml><?xml version="1.0" encoding="utf-8"?>
-<p:sldMaster xmlns:r="http://schemas.openxmlformats.org/officeDocument/2006/relationships" xmlns:a="http://schemas.openxmlformats.org/drawingml/2006/main" xmlns:p="http://schemas.openxmlformats.org/presentationml/2006/main" xmlns:mc="http://schemas.openxmlformats.org/markup-compatibility/2006" xmlns:c="http://schemas.openxmlformats.org/drawingml/2006/chart" xmlns:ns6="http://schemas.openxmlformats.org/drawingml/2006/chartDrawing" xmlns:dgm="http://schemas.openxmlformats.org/drawingml/2006/diagram" xmlns:pic="http://schemas.openxmlformats.org/drawingml/2006/picture" xmlns:wp="http://schemas.openxmlformats.org/drawingml/2006/wordprocessingDrawing" xmlns:xdr="http://schemas.openxmlformats.org/drawingml/2006/spreadsheetDrawing" xmlns:ns11="http://schemas.openxmlformats.org/drawingml/2006/compatibility" xmlns:ns12="http://schemas.openxmlformats.org/drawingml/2006/lockedCanvas">
+<p:sldMaster xmlns:a="http://schemas.openxmlformats.org/drawingml/2006/main" xmlns:r="http://schemas.openxmlformats.org/officeDocument/2006/relationships" xmlns:p="http://schemas.openxmlformats.org/presentationml/2006/main" xmlns:mc="http://schemas.openxmlformats.org/markup-compatibility/2006" xmlns:c="http://schemas.openxmlformats.org/drawingml/2006/chart" xmlns:ns6="http://schemas.openxmlformats.org/drawingml/2006/chartDrawing" xmlns:dgm="http://schemas.openxmlformats.org/drawingml/2006/diagram" xmlns:pic="http://schemas.openxmlformats.org/drawingml/2006/picture" xmlns:wp="http://schemas.openxmlformats.org/drawingml/2006/wordprocessingDrawing" xmlns:xdr="http://schemas.openxmlformats.org/drawingml/2006/spreadsheetDrawing" xmlns:ns11="http://schemas.openxmlformats.org/drawingml/2006/compatibility" xmlns:ns12="http://schemas.openxmlformats.org/drawingml/2006/lockedCanvas">
   <p:cSld>
     <p:bg>
       <p:bgRef idx="1001">
@@ -2764,7 +2764,7 @@
 </file>
 
 <file path=ppt/slides/slide1.xml><?xml version="1.0" encoding="utf-8"?>
-<p:sld xmlns:r="http://schemas.openxmlformats.org/officeDocument/2006/relationships" xmlns:a="http://schemas.openxmlformats.org/drawingml/2006/main" xmlns:p="http://schemas.openxmlformats.org/presentationml/2006/main" xmlns:mc="http://schemas.openxmlformats.org/markup-compatibility/2006" xmlns:c="http://schemas.openxmlformats.org/drawingml/2006/chart" xmlns:ns6="http://schemas.openxmlformats.org/drawingml/2006/chartDrawing" xmlns:dgm="http://schemas.openxmlformats.org/drawingml/2006/diagram" xmlns:pic="http://schemas.openxmlformats.org/drawingml/2006/picture" xmlns:wp="http://schemas.openxmlformats.org/drawingml/2006/wordprocessingDrawing" xmlns:xdr="http://schemas.openxmlformats.org/drawingml/2006/spreadsheetDrawing" xmlns:ns11="http://schemas.openxmlformats.org/drawingml/2006/compatibility" xmlns:ns12="http://schemas.openxmlformats.org/drawingml/2006/lockedCanvas">
+<p:sld xmlns:a="http://schemas.openxmlformats.org/drawingml/2006/main" xmlns:r="http://schemas.openxmlformats.org/officeDocument/2006/relationships" xmlns:p="http://schemas.openxmlformats.org/presentationml/2006/main" xmlns:mc="http://schemas.openxmlformats.org/markup-compatibility/2006" xmlns:c="http://schemas.openxmlformats.org/drawingml/2006/chart" xmlns:ns6="http://schemas.openxmlformats.org/drawingml/2006/chartDrawing" xmlns:dgm="http://schemas.openxmlformats.org/drawingml/2006/diagram" xmlns:pic="http://schemas.openxmlformats.org/drawingml/2006/picture" xmlns:wp="http://schemas.openxmlformats.org/drawingml/2006/wordprocessingDrawing" xmlns:xdr="http://schemas.openxmlformats.org/drawingml/2006/spreadsheetDrawing" xmlns:ns11="http://schemas.openxmlformats.org/drawingml/2006/compatibility" xmlns:ns12="http://schemas.openxmlformats.org/drawingml/2006/lockedCanvas">
   <p:cSld>
     <p:spTree>
       <p:nvGrpSpPr>
@@ -2812,7 +2812,7 @@
 </file>
 
 <file path=ppt/slides/slide2.xml><?xml version="1.0" encoding="utf-8"?>
-<p:sld xmlns:r="http://schemas.openxmlformats.org/officeDocument/2006/relationships" xmlns:a="http://schemas.openxmlformats.org/drawingml/2006/main" xmlns:p="http://schemas.openxmlformats.org/presentationml/2006/main" xmlns:mc="http://schemas.openxmlformats.org/markup-compatibility/2006" xmlns:c="http://schemas.openxmlformats.org/drawingml/2006/chart" xmlns:ns6="http://schemas.openxmlformats.org/drawingml/2006/chartDrawing" xmlns:dgm="http://schemas.openxmlformats.org/drawingml/2006/diagram" xmlns:pic="http://schemas.openxmlformats.org/drawingml/2006/picture" xmlns:wp="http://schemas.openxmlformats.org/drawingml/2006/wordprocessingDrawing" xmlns:xdr="http://schemas.openxmlformats.org/drawingml/2006/spreadsheetDrawing" xmlns:ns11="http://schemas.openxmlformats.org/drawingml/2006/compatibility" xmlns:ns12="http://schemas.openxmlformats.org/drawingml/2006/lockedCanvas">
+<p:sld xmlns:a="http://schemas.openxmlformats.org/drawingml/2006/main" xmlns:r="http://schemas.openxmlformats.org/officeDocument/2006/relationships" xmlns:p="http://schemas.openxmlformats.org/presentationml/2006/main" xmlns:mc="http://schemas.openxmlformats.org/markup-compatibility/2006" xmlns:c="http://schemas.openxmlformats.org/drawingml/2006/chart" xmlns:ns6="http://schemas.openxmlformats.org/drawingml/2006/chartDrawing" xmlns:dgm="http://schemas.openxmlformats.org/drawingml/2006/diagram" xmlns:pic="http://schemas.openxmlformats.org/drawingml/2006/picture" xmlns:wp="http://schemas.openxmlformats.org/drawingml/2006/wordprocessingDrawing" xmlns:xdr="http://schemas.openxmlformats.org/drawingml/2006/spreadsheetDrawing" xmlns:ns11="http://schemas.openxmlformats.org/drawingml/2006/compatibility" xmlns:ns12="http://schemas.openxmlformats.org/drawingml/2006/lockedCanvas">
   <p:cSld>
     <p:spTree>
       <p:nvGrpSpPr>
@@ -3070,7 +3070,7 @@
 </file>
 
 <file path=ppt/slides/slide3.xml><?xml version="1.0" encoding="utf-8"?>
-<p:sld xmlns:r="http://schemas.openxmlformats.org/officeDocument/2006/relationships" xmlns:a="http://schemas.openxmlformats.org/drawingml/2006/main" xmlns:p="http://schemas.openxmlformats.org/presentationml/2006/main" xmlns:mc="http://schemas.openxmlformats.org/markup-compatibility/2006" xmlns:c="http://schemas.openxmlformats.org/drawingml/2006/chart" xmlns:ns6="http://schemas.openxmlformats.org/drawingml/2006/chartDrawing" xmlns:dgm="http://schemas.openxmlformats.org/drawingml/2006/diagram" xmlns:pic="http://schemas.openxmlformats.org/drawingml/2006/picture" xmlns:wp="http://schemas.openxmlformats.org/drawingml/2006/wordprocessingDrawing" xmlns:xdr="http://schemas.openxmlformats.org/drawingml/2006/spreadsheetDrawing" xmlns:ns11="http://schemas.openxmlformats.org/drawingml/2006/compatibility" xmlns:ns12="http://schemas.openxmlformats.org/drawingml/2006/lockedCanvas">
+<p:sld xmlns:a="http://schemas.openxmlformats.org/drawingml/2006/main" xmlns:r="http://schemas.openxmlformats.org/officeDocument/2006/relationships" xmlns:p="http://schemas.openxmlformats.org/presentationml/2006/main" xmlns:mc="http://schemas.openxmlformats.org/markup-compatibility/2006" xmlns:c="http://schemas.openxmlformats.org/drawingml/2006/chart" xmlns:ns6="http://schemas.openxmlformats.org/drawingml/2006/chartDrawing" xmlns:dgm="http://schemas.openxmlformats.org/drawingml/2006/diagram" xmlns:pic="http://schemas.openxmlformats.org/drawingml/2006/picture" xmlns:wp="http://schemas.openxmlformats.org/drawingml/2006/wordprocessingDrawing" xmlns:xdr="http://schemas.openxmlformats.org/drawingml/2006/spreadsheetDrawing" xmlns:ns11="http://schemas.openxmlformats.org/drawingml/2006/compatibility" xmlns:ns12="http://schemas.openxmlformats.org/drawingml/2006/lockedCanvas">
   <p:cSld>
     <p:spTree>
       <p:nvGrpSpPr>

--- a/reference/ex_paragraph.pptx
+++ b/reference/ex_paragraph.pptx
@@ -1,13 +1,13 @@
 
 <file path=ppt/presentation.xml><?xml version="1.0" encoding="utf-8"?>
-<p:presentation xmlns:a="http://schemas.openxmlformats.org/drawingml/2006/main" xmlns:r="http://schemas.openxmlformats.org/officeDocument/2006/relationships" xmlns:p="http://schemas.openxmlformats.org/presentationml/2006/main" xmlns:mc="http://schemas.openxmlformats.org/markup-compatibility/2006" xmlns:c="http://schemas.openxmlformats.org/drawingml/2006/chart" xmlns:ns6="http://schemas.openxmlformats.org/drawingml/2006/chartDrawing" xmlns:dgm="http://schemas.openxmlformats.org/drawingml/2006/diagram" xmlns:pic="http://schemas.openxmlformats.org/drawingml/2006/picture" xmlns:wp="http://schemas.openxmlformats.org/drawingml/2006/wordprocessingDrawing" xmlns:xdr="http://schemas.openxmlformats.org/drawingml/2006/spreadsheetDrawing" xmlns:ns11="http://schemas.openxmlformats.org/drawingml/2006/compatibility" xmlns:ns12="http://schemas.openxmlformats.org/drawingml/2006/lockedCanvas" saveSubsetFonts="true">
+<p:presentation xmlns:p="http://schemas.openxmlformats.org/presentationml/2006/main" xmlns:r="http://schemas.openxmlformats.org/officeDocument/2006/relationships" xmlns:a="http://schemas.openxmlformats.org/drawingml/2006/main" xmlns:mc="http://schemas.openxmlformats.org/markup-compatibility/2006" xmlns:c="http://schemas.openxmlformats.org/drawingml/2006/chart" xmlns:ns6="http://schemas.openxmlformats.org/drawingml/2006/chartDrawing" xmlns:dgm="http://schemas.openxmlformats.org/drawingml/2006/diagram" xmlns:pic="http://schemas.openxmlformats.org/drawingml/2006/picture" xmlns:wp="http://schemas.openxmlformats.org/drawingml/2006/wordprocessingDrawing" xmlns:xdr="http://schemas.openxmlformats.org/drawingml/2006/spreadsheetDrawing" xmlns:ns11="http://schemas.openxmlformats.org/drawingml/2006/compatibility" xmlns:ns12="http://schemas.openxmlformats.org/drawingml/2006/lockedCanvas" saveSubsetFonts="true">
   <p:sldMasterIdLst>
     <p:sldMasterId id="2147483648" r:id="rId1"/>
   </p:sldMasterIdLst>
   <p:sldIdLst>
-    <p:sldId id="1522033256" r:id="rId6"/>
-    <p:sldId id="1802490851" r:id="rId7"/>
-    <p:sldId id="2070463269" r:id="rId8"/>
+    <p:sldId id="250240105" r:id="rId6"/>
+    <p:sldId id="1917704708" r:id="rId7"/>
+    <p:sldId id="334291512" r:id="rId8"/>
   </p:sldIdLst>
   <p:sldSz cx="12192000" cy="6858000"/>
   <p:notesSz cx="6858000" cy="9144000"/>
@@ -115,7 +115,7 @@
 </file>
 
 <file path=ppt/slideLayouts/slideLayout1.xml><?xml version="1.0" encoding="utf-8"?>
-<p:sldLayout xmlns:a="http://schemas.openxmlformats.org/drawingml/2006/main" xmlns:r="http://schemas.openxmlformats.org/officeDocument/2006/relationships" xmlns:p="http://schemas.openxmlformats.org/presentationml/2006/main" xmlns:mc="http://schemas.openxmlformats.org/markup-compatibility/2006" xmlns:c="http://schemas.openxmlformats.org/drawingml/2006/chart" xmlns:ns6="http://schemas.openxmlformats.org/drawingml/2006/chartDrawing" xmlns:dgm="http://schemas.openxmlformats.org/drawingml/2006/diagram" xmlns:pic="http://schemas.openxmlformats.org/drawingml/2006/picture" xmlns:wp="http://schemas.openxmlformats.org/drawingml/2006/wordprocessingDrawing" xmlns:xdr="http://schemas.openxmlformats.org/drawingml/2006/spreadsheetDrawing" xmlns:ns11="http://schemas.openxmlformats.org/drawingml/2006/compatibility" xmlns:ns12="http://schemas.openxmlformats.org/drawingml/2006/lockedCanvas" type="title" preserve="true">
+<p:sldLayout xmlns:p="http://schemas.openxmlformats.org/presentationml/2006/main" xmlns:r="http://schemas.openxmlformats.org/officeDocument/2006/relationships" xmlns:a="http://schemas.openxmlformats.org/drawingml/2006/main" xmlns:mc="http://schemas.openxmlformats.org/markup-compatibility/2006" xmlns:c="http://schemas.openxmlformats.org/drawingml/2006/chart" xmlns:ns6="http://schemas.openxmlformats.org/drawingml/2006/chartDrawing" xmlns:dgm="http://schemas.openxmlformats.org/drawingml/2006/diagram" xmlns:pic="http://schemas.openxmlformats.org/drawingml/2006/picture" xmlns:wp="http://schemas.openxmlformats.org/drawingml/2006/wordprocessingDrawing" xmlns:xdr="http://schemas.openxmlformats.org/drawingml/2006/spreadsheetDrawing" xmlns:ns11="http://schemas.openxmlformats.org/drawingml/2006/compatibility" xmlns:ns12="http://schemas.openxmlformats.org/drawingml/2006/lockedCanvas" type="title" preserve="true">
   <p:cSld name="Title Slide">
     <p:spTree>
       <p:nvGrpSpPr>
@@ -314,7 +314,7 @@
 </file>
 
 <file path=ppt/slideLayouts/slideLayout10.xml><?xml version="1.0" encoding="utf-8"?>
-<p:sldLayout xmlns:a="http://schemas.openxmlformats.org/drawingml/2006/main" xmlns:r="http://schemas.openxmlformats.org/officeDocument/2006/relationships" xmlns:p="http://schemas.openxmlformats.org/presentationml/2006/main" xmlns:mc="http://schemas.openxmlformats.org/markup-compatibility/2006" xmlns:c="http://schemas.openxmlformats.org/drawingml/2006/chart" xmlns:ns6="http://schemas.openxmlformats.org/drawingml/2006/chartDrawing" xmlns:dgm="http://schemas.openxmlformats.org/drawingml/2006/diagram" xmlns:pic="http://schemas.openxmlformats.org/drawingml/2006/picture" xmlns:wp="http://schemas.openxmlformats.org/drawingml/2006/wordprocessingDrawing" xmlns:xdr="http://schemas.openxmlformats.org/drawingml/2006/spreadsheetDrawing" xmlns:ns11="http://schemas.openxmlformats.org/drawingml/2006/compatibility" xmlns:ns12="http://schemas.openxmlformats.org/drawingml/2006/lockedCanvas" type="vertTitleAndTx" preserve="true">
+<p:sldLayout xmlns:p="http://schemas.openxmlformats.org/presentationml/2006/main" xmlns:r="http://schemas.openxmlformats.org/officeDocument/2006/relationships" xmlns:a="http://schemas.openxmlformats.org/drawingml/2006/main" xmlns:mc="http://schemas.openxmlformats.org/markup-compatibility/2006" xmlns:c="http://schemas.openxmlformats.org/drawingml/2006/chart" xmlns:ns6="http://schemas.openxmlformats.org/drawingml/2006/chartDrawing" xmlns:dgm="http://schemas.openxmlformats.org/drawingml/2006/diagram" xmlns:pic="http://schemas.openxmlformats.org/drawingml/2006/picture" xmlns:wp="http://schemas.openxmlformats.org/drawingml/2006/wordprocessingDrawing" xmlns:xdr="http://schemas.openxmlformats.org/drawingml/2006/spreadsheetDrawing" xmlns:ns11="http://schemas.openxmlformats.org/drawingml/2006/compatibility" xmlns:ns12="http://schemas.openxmlformats.org/drawingml/2006/lockedCanvas" type="vertTitleAndTx" preserve="true">
   <p:cSld name="Vertical Title and Text">
     <p:spTree>
       <p:nvGrpSpPr>
@@ -501,7 +501,7 @@
 </file>
 
 <file path=ppt/slideLayouts/slideLayout2.xml><?xml version="1.0" encoding="utf-8"?>
-<p:sldLayout xmlns:a="http://schemas.openxmlformats.org/drawingml/2006/main" xmlns:r="http://schemas.openxmlformats.org/officeDocument/2006/relationships" xmlns:p="http://schemas.openxmlformats.org/presentationml/2006/main" xmlns:mc="http://schemas.openxmlformats.org/markup-compatibility/2006" xmlns:c="http://schemas.openxmlformats.org/drawingml/2006/chart" xmlns:ns6="http://schemas.openxmlformats.org/drawingml/2006/chartDrawing" xmlns:dgm="http://schemas.openxmlformats.org/drawingml/2006/diagram" xmlns:pic="http://schemas.openxmlformats.org/drawingml/2006/picture" xmlns:wp="http://schemas.openxmlformats.org/drawingml/2006/wordprocessingDrawing" xmlns:xdr="http://schemas.openxmlformats.org/drawingml/2006/spreadsheetDrawing" xmlns:ns11="http://schemas.openxmlformats.org/drawingml/2006/compatibility" xmlns:ns12="http://schemas.openxmlformats.org/drawingml/2006/lockedCanvas" type="obj" preserve="true">
+<p:sldLayout xmlns:p="http://schemas.openxmlformats.org/presentationml/2006/main" xmlns:r="http://schemas.openxmlformats.org/officeDocument/2006/relationships" xmlns:a="http://schemas.openxmlformats.org/drawingml/2006/main" xmlns:mc="http://schemas.openxmlformats.org/markup-compatibility/2006" xmlns:c="http://schemas.openxmlformats.org/drawingml/2006/chart" xmlns:ns6="http://schemas.openxmlformats.org/drawingml/2006/chartDrawing" xmlns:dgm="http://schemas.openxmlformats.org/drawingml/2006/diagram" xmlns:pic="http://schemas.openxmlformats.org/drawingml/2006/picture" xmlns:wp="http://schemas.openxmlformats.org/drawingml/2006/wordprocessingDrawing" xmlns:xdr="http://schemas.openxmlformats.org/drawingml/2006/spreadsheetDrawing" xmlns:ns11="http://schemas.openxmlformats.org/drawingml/2006/compatibility" xmlns:ns12="http://schemas.openxmlformats.org/drawingml/2006/lockedCanvas" type="obj" preserve="true">
   <p:cSld name="Title and Content">
     <p:spTree>
       <p:nvGrpSpPr>
@@ -683,7 +683,7 @@
 </file>
 
 <file path=ppt/slideLayouts/slideLayout3.xml><?xml version="1.0" encoding="utf-8"?>
-<p:sldLayout xmlns:a="http://schemas.openxmlformats.org/drawingml/2006/main" xmlns:r="http://schemas.openxmlformats.org/officeDocument/2006/relationships" xmlns:p="http://schemas.openxmlformats.org/presentationml/2006/main" xmlns:mc="http://schemas.openxmlformats.org/markup-compatibility/2006" xmlns:c="http://schemas.openxmlformats.org/drawingml/2006/chart" xmlns:ns6="http://schemas.openxmlformats.org/drawingml/2006/chartDrawing" xmlns:dgm="http://schemas.openxmlformats.org/drawingml/2006/diagram" xmlns:pic="http://schemas.openxmlformats.org/drawingml/2006/picture" xmlns:wp="http://schemas.openxmlformats.org/drawingml/2006/wordprocessingDrawing" xmlns:xdr="http://schemas.openxmlformats.org/drawingml/2006/spreadsheetDrawing" xmlns:ns11="http://schemas.openxmlformats.org/drawingml/2006/compatibility" xmlns:ns12="http://schemas.openxmlformats.org/drawingml/2006/lockedCanvas" type="secHead" preserve="true">
+<p:sldLayout xmlns:p="http://schemas.openxmlformats.org/presentationml/2006/main" xmlns:r="http://schemas.openxmlformats.org/officeDocument/2006/relationships" xmlns:a="http://schemas.openxmlformats.org/drawingml/2006/main" xmlns:mc="http://schemas.openxmlformats.org/markup-compatibility/2006" xmlns:c="http://schemas.openxmlformats.org/drawingml/2006/chart" xmlns:ns6="http://schemas.openxmlformats.org/drawingml/2006/chartDrawing" xmlns:dgm="http://schemas.openxmlformats.org/drawingml/2006/diagram" xmlns:pic="http://schemas.openxmlformats.org/drawingml/2006/picture" xmlns:wp="http://schemas.openxmlformats.org/drawingml/2006/wordprocessingDrawing" xmlns:xdr="http://schemas.openxmlformats.org/drawingml/2006/spreadsheetDrawing" xmlns:ns11="http://schemas.openxmlformats.org/drawingml/2006/compatibility" xmlns:ns12="http://schemas.openxmlformats.org/drawingml/2006/lockedCanvas" type="secHead" preserve="true">
   <p:cSld name="Section Header">
     <p:spTree>
       <p:nvGrpSpPr>
@@ -936,7 +936,7 @@
 </file>
 
 <file path=ppt/slideLayouts/slideLayout4.xml><?xml version="1.0" encoding="utf-8"?>
-<p:sldLayout xmlns:a="http://schemas.openxmlformats.org/drawingml/2006/main" xmlns:r="http://schemas.openxmlformats.org/officeDocument/2006/relationships" xmlns:p="http://schemas.openxmlformats.org/presentationml/2006/main" xmlns:mc="http://schemas.openxmlformats.org/markup-compatibility/2006" xmlns:c="http://schemas.openxmlformats.org/drawingml/2006/chart" xmlns:ns6="http://schemas.openxmlformats.org/drawingml/2006/chartDrawing" xmlns:dgm="http://schemas.openxmlformats.org/drawingml/2006/diagram" xmlns:pic="http://schemas.openxmlformats.org/drawingml/2006/picture" xmlns:wp="http://schemas.openxmlformats.org/drawingml/2006/wordprocessingDrawing" xmlns:xdr="http://schemas.openxmlformats.org/drawingml/2006/spreadsheetDrawing" xmlns:ns11="http://schemas.openxmlformats.org/drawingml/2006/compatibility" xmlns:ns12="http://schemas.openxmlformats.org/drawingml/2006/lockedCanvas" type="twoObj" preserve="true">
+<p:sldLayout xmlns:p="http://schemas.openxmlformats.org/presentationml/2006/main" xmlns:r="http://schemas.openxmlformats.org/officeDocument/2006/relationships" xmlns:a="http://schemas.openxmlformats.org/drawingml/2006/main" xmlns:mc="http://schemas.openxmlformats.org/markup-compatibility/2006" xmlns:c="http://schemas.openxmlformats.org/drawingml/2006/chart" xmlns:ns6="http://schemas.openxmlformats.org/drawingml/2006/chartDrawing" xmlns:dgm="http://schemas.openxmlformats.org/drawingml/2006/diagram" xmlns:pic="http://schemas.openxmlformats.org/drawingml/2006/picture" xmlns:wp="http://schemas.openxmlformats.org/drawingml/2006/wordprocessingDrawing" xmlns:xdr="http://schemas.openxmlformats.org/drawingml/2006/spreadsheetDrawing" xmlns:ns11="http://schemas.openxmlformats.org/drawingml/2006/compatibility" xmlns:ns12="http://schemas.openxmlformats.org/drawingml/2006/lockedCanvas" type="twoObj" preserve="true">
   <p:cSld name="Two Content">
     <p:spTree>
       <p:nvGrpSpPr>
@@ -1175,7 +1175,7 @@
 </file>
 
 <file path=ppt/slideLayouts/slideLayout5.xml><?xml version="1.0" encoding="utf-8"?>
-<p:sldLayout xmlns:a="http://schemas.openxmlformats.org/drawingml/2006/main" xmlns:r="http://schemas.openxmlformats.org/officeDocument/2006/relationships" xmlns:p="http://schemas.openxmlformats.org/presentationml/2006/main" xmlns:mc="http://schemas.openxmlformats.org/markup-compatibility/2006" xmlns:c="http://schemas.openxmlformats.org/drawingml/2006/chart" xmlns:ns6="http://schemas.openxmlformats.org/drawingml/2006/chartDrawing" xmlns:dgm="http://schemas.openxmlformats.org/drawingml/2006/diagram" xmlns:pic="http://schemas.openxmlformats.org/drawingml/2006/picture" xmlns:wp="http://schemas.openxmlformats.org/drawingml/2006/wordprocessingDrawing" xmlns:xdr="http://schemas.openxmlformats.org/drawingml/2006/spreadsheetDrawing" xmlns:ns11="http://schemas.openxmlformats.org/drawingml/2006/compatibility" xmlns:ns12="http://schemas.openxmlformats.org/drawingml/2006/lockedCanvas" type="twoTxTwoObj" preserve="true">
+<p:sldLayout xmlns:p="http://schemas.openxmlformats.org/presentationml/2006/main" xmlns:r="http://schemas.openxmlformats.org/officeDocument/2006/relationships" xmlns:a="http://schemas.openxmlformats.org/drawingml/2006/main" xmlns:mc="http://schemas.openxmlformats.org/markup-compatibility/2006" xmlns:c="http://schemas.openxmlformats.org/drawingml/2006/chart" xmlns:ns6="http://schemas.openxmlformats.org/drawingml/2006/chartDrawing" xmlns:dgm="http://schemas.openxmlformats.org/drawingml/2006/diagram" xmlns:pic="http://schemas.openxmlformats.org/drawingml/2006/picture" xmlns:wp="http://schemas.openxmlformats.org/drawingml/2006/wordprocessingDrawing" xmlns:xdr="http://schemas.openxmlformats.org/drawingml/2006/spreadsheetDrawing" xmlns:ns11="http://schemas.openxmlformats.org/drawingml/2006/compatibility" xmlns:ns12="http://schemas.openxmlformats.org/drawingml/2006/lockedCanvas" type="twoTxTwoObj" preserve="true">
   <p:cSld name="Comparison">
     <p:spTree>
       <p:nvGrpSpPr>
@@ -1530,7 +1530,7 @@
 </file>
 
 <file path=ppt/slideLayouts/slideLayout6.xml><?xml version="1.0" encoding="utf-8"?>
-<p:sldLayout xmlns:a="http://schemas.openxmlformats.org/drawingml/2006/main" xmlns:r="http://schemas.openxmlformats.org/officeDocument/2006/relationships" xmlns:p="http://schemas.openxmlformats.org/presentationml/2006/main" xmlns:mc="http://schemas.openxmlformats.org/markup-compatibility/2006" xmlns:c="http://schemas.openxmlformats.org/drawingml/2006/chart" xmlns:ns6="http://schemas.openxmlformats.org/drawingml/2006/chartDrawing" xmlns:dgm="http://schemas.openxmlformats.org/drawingml/2006/diagram" xmlns:pic="http://schemas.openxmlformats.org/drawingml/2006/picture" xmlns:wp="http://schemas.openxmlformats.org/drawingml/2006/wordprocessingDrawing" xmlns:xdr="http://schemas.openxmlformats.org/drawingml/2006/spreadsheetDrawing" xmlns:ns11="http://schemas.openxmlformats.org/drawingml/2006/compatibility" xmlns:ns12="http://schemas.openxmlformats.org/drawingml/2006/lockedCanvas" type="titleOnly" preserve="true">
+<p:sldLayout xmlns:p="http://schemas.openxmlformats.org/presentationml/2006/main" xmlns:r="http://schemas.openxmlformats.org/officeDocument/2006/relationships" xmlns:a="http://schemas.openxmlformats.org/drawingml/2006/main" xmlns:mc="http://schemas.openxmlformats.org/markup-compatibility/2006" xmlns:c="http://schemas.openxmlformats.org/drawingml/2006/chart" xmlns:ns6="http://schemas.openxmlformats.org/drawingml/2006/chartDrawing" xmlns:dgm="http://schemas.openxmlformats.org/drawingml/2006/diagram" xmlns:pic="http://schemas.openxmlformats.org/drawingml/2006/picture" xmlns:wp="http://schemas.openxmlformats.org/drawingml/2006/wordprocessingDrawing" xmlns:xdr="http://schemas.openxmlformats.org/drawingml/2006/spreadsheetDrawing" xmlns:ns11="http://schemas.openxmlformats.org/drawingml/2006/compatibility" xmlns:ns12="http://schemas.openxmlformats.org/drawingml/2006/lockedCanvas" type="titleOnly" preserve="true">
   <p:cSld name="Title Only">
     <p:spTree>
       <p:nvGrpSpPr>
@@ -1655,7 +1655,7 @@
 </file>
 
 <file path=ppt/slideLayouts/slideLayout7.xml><?xml version="1.0" encoding="utf-8"?>
-<p:sldLayout xmlns:a="http://schemas.openxmlformats.org/drawingml/2006/main" xmlns:r="http://schemas.openxmlformats.org/officeDocument/2006/relationships" xmlns:p="http://schemas.openxmlformats.org/presentationml/2006/main" xmlns:mc="http://schemas.openxmlformats.org/markup-compatibility/2006" xmlns:c="http://schemas.openxmlformats.org/drawingml/2006/chart" xmlns:ns6="http://schemas.openxmlformats.org/drawingml/2006/chartDrawing" xmlns:dgm="http://schemas.openxmlformats.org/drawingml/2006/diagram" xmlns:pic="http://schemas.openxmlformats.org/drawingml/2006/picture" xmlns:wp="http://schemas.openxmlformats.org/drawingml/2006/wordprocessingDrawing" xmlns:xdr="http://schemas.openxmlformats.org/drawingml/2006/spreadsheetDrawing" xmlns:ns11="http://schemas.openxmlformats.org/drawingml/2006/compatibility" xmlns:ns12="http://schemas.openxmlformats.org/drawingml/2006/lockedCanvas" type="blank" preserve="true">
+<p:sldLayout xmlns:p="http://schemas.openxmlformats.org/presentationml/2006/main" xmlns:r="http://schemas.openxmlformats.org/officeDocument/2006/relationships" xmlns:a="http://schemas.openxmlformats.org/drawingml/2006/main" xmlns:mc="http://schemas.openxmlformats.org/markup-compatibility/2006" xmlns:c="http://schemas.openxmlformats.org/drawingml/2006/chart" xmlns:ns6="http://schemas.openxmlformats.org/drawingml/2006/chartDrawing" xmlns:dgm="http://schemas.openxmlformats.org/drawingml/2006/diagram" xmlns:pic="http://schemas.openxmlformats.org/drawingml/2006/picture" xmlns:wp="http://schemas.openxmlformats.org/drawingml/2006/wordprocessingDrawing" xmlns:xdr="http://schemas.openxmlformats.org/drawingml/2006/spreadsheetDrawing" xmlns:ns11="http://schemas.openxmlformats.org/drawingml/2006/compatibility" xmlns:ns12="http://schemas.openxmlformats.org/drawingml/2006/lockedCanvas" type="blank" preserve="true">
   <p:cSld name="Blank">
     <p:spTree>
       <p:nvGrpSpPr>
@@ -1757,7 +1757,7 @@
 </file>
 
 <file path=ppt/slideLayouts/slideLayout8.xml><?xml version="1.0" encoding="utf-8"?>
-<p:sldLayout xmlns:a="http://schemas.openxmlformats.org/drawingml/2006/main" xmlns:r="http://schemas.openxmlformats.org/officeDocument/2006/relationships" xmlns:p="http://schemas.openxmlformats.org/presentationml/2006/main" xmlns:mc="http://schemas.openxmlformats.org/markup-compatibility/2006" xmlns:c="http://schemas.openxmlformats.org/drawingml/2006/chart" xmlns:ns6="http://schemas.openxmlformats.org/drawingml/2006/chartDrawing" xmlns:dgm="http://schemas.openxmlformats.org/drawingml/2006/diagram" xmlns:pic="http://schemas.openxmlformats.org/drawingml/2006/picture" xmlns:wp="http://schemas.openxmlformats.org/drawingml/2006/wordprocessingDrawing" xmlns:xdr="http://schemas.openxmlformats.org/drawingml/2006/spreadsheetDrawing" xmlns:ns11="http://schemas.openxmlformats.org/drawingml/2006/compatibility" xmlns:ns12="http://schemas.openxmlformats.org/drawingml/2006/lockedCanvas" type="objTx" preserve="true">
+<p:sldLayout xmlns:p="http://schemas.openxmlformats.org/presentationml/2006/main" xmlns:r="http://schemas.openxmlformats.org/officeDocument/2006/relationships" xmlns:a="http://schemas.openxmlformats.org/drawingml/2006/main" xmlns:mc="http://schemas.openxmlformats.org/markup-compatibility/2006" xmlns:c="http://schemas.openxmlformats.org/drawingml/2006/chart" xmlns:ns6="http://schemas.openxmlformats.org/drawingml/2006/chartDrawing" xmlns:dgm="http://schemas.openxmlformats.org/drawingml/2006/diagram" xmlns:pic="http://schemas.openxmlformats.org/drawingml/2006/picture" xmlns:wp="http://schemas.openxmlformats.org/drawingml/2006/wordprocessingDrawing" xmlns:xdr="http://schemas.openxmlformats.org/drawingml/2006/spreadsheetDrawing" xmlns:ns11="http://schemas.openxmlformats.org/drawingml/2006/compatibility" xmlns:ns12="http://schemas.openxmlformats.org/drawingml/2006/lockedCanvas" type="objTx" preserve="true">
   <p:cSld name="Content with Caption">
     <p:spTree>
       <p:nvGrpSpPr>
@@ -2041,7 +2041,7 @@
 </file>
 
 <file path=ppt/slideLayouts/slideLayout9.xml><?xml version="1.0" encoding="utf-8"?>
-<p:sldLayout xmlns:a="http://schemas.openxmlformats.org/drawingml/2006/main" xmlns:r="http://schemas.openxmlformats.org/officeDocument/2006/relationships" xmlns:p="http://schemas.openxmlformats.org/presentationml/2006/main" xmlns:mc="http://schemas.openxmlformats.org/markup-compatibility/2006" xmlns:c="http://schemas.openxmlformats.org/drawingml/2006/chart" xmlns:ns6="http://schemas.openxmlformats.org/drawingml/2006/chartDrawing" xmlns:dgm="http://schemas.openxmlformats.org/drawingml/2006/diagram" xmlns:pic="http://schemas.openxmlformats.org/drawingml/2006/picture" xmlns:wp="http://schemas.openxmlformats.org/drawingml/2006/wordprocessingDrawing" xmlns:xdr="http://schemas.openxmlformats.org/drawingml/2006/spreadsheetDrawing" xmlns:ns11="http://schemas.openxmlformats.org/drawingml/2006/compatibility" xmlns:ns12="http://schemas.openxmlformats.org/drawingml/2006/lockedCanvas" type="vertTx" preserve="true">
+<p:sldLayout xmlns:p="http://schemas.openxmlformats.org/presentationml/2006/main" xmlns:r="http://schemas.openxmlformats.org/officeDocument/2006/relationships" xmlns:a="http://schemas.openxmlformats.org/drawingml/2006/main" xmlns:mc="http://schemas.openxmlformats.org/markup-compatibility/2006" xmlns:c="http://schemas.openxmlformats.org/drawingml/2006/chart" xmlns:ns6="http://schemas.openxmlformats.org/drawingml/2006/chartDrawing" xmlns:dgm="http://schemas.openxmlformats.org/drawingml/2006/diagram" xmlns:pic="http://schemas.openxmlformats.org/drawingml/2006/picture" xmlns:wp="http://schemas.openxmlformats.org/drawingml/2006/wordprocessingDrawing" xmlns:xdr="http://schemas.openxmlformats.org/drawingml/2006/spreadsheetDrawing" xmlns:ns11="http://schemas.openxmlformats.org/drawingml/2006/compatibility" xmlns:ns12="http://schemas.openxmlformats.org/drawingml/2006/lockedCanvas" type="vertTx" preserve="true">
   <p:cSld name="Title and Vertical Text">
     <p:spTree>
       <p:nvGrpSpPr>
@@ -2218,7 +2218,7 @@
 </file>
 
 <file path=ppt/slideMasters/slideMaster1.xml><?xml version="1.0" encoding="utf-8"?>
-<p:sldMaster xmlns:a="http://schemas.openxmlformats.org/drawingml/2006/main" xmlns:r="http://schemas.openxmlformats.org/officeDocument/2006/relationships" xmlns:p="http://schemas.openxmlformats.org/presentationml/2006/main" xmlns:mc="http://schemas.openxmlformats.org/markup-compatibility/2006" xmlns:c="http://schemas.openxmlformats.org/drawingml/2006/chart" xmlns:ns6="http://schemas.openxmlformats.org/drawingml/2006/chartDrawing" xmlns:dgm="http://schemas.openxmlformats.org/drawingml/2006/diagram" xmlns:pic="http://schemas.openxmlformats.org/drawingml/2006/picture" xmlns:wp="http://schemas.openxmlformats.org/drawingml/2006/wordprocessingDrawing" xmlns:xdr="http://schemas.openxmlformats.org/drawingml/2006/spreadsheetDrawing" xmlns:ns11="http://schemas.openxmlformats.org/drawingml/2006/compatibility" xmlns:ns12="http://schemas.openxmlformats.org/drawingml/2006/lockedCanvas">
+<p:sldMaster xmlns:p="http://schemas.openxmlformats.org/presentationml/2006/main" xmlns:r="http://schemas.openxmlformats.org/officeDocument/2006/relationships" xmlns:a="http://schemas.openxmlformats.org/drawingml/2006/main" xmlns:mc="http://schemas.openxmlformats.org/markup-compatibility/2006" xmlns:c="http://schemas.openxmlformats.org/drawingml/2006/chart" xmlns:ns6="http://schemas.openxmlformats.org/drawingml/2006/chartDrawing" xmlns:dgm="http://schemas.openxmlformats.org/drawingml/2006/diagram" xmlns:pic="http://schemas.openxmlformats.org/drawingml/2006/picture" xmlns:wp="http://schemas.openxmlformats.org/drawingml/2006/wordprocessingDrawing" xmlns:xdr="http://schemas.openxmlformats.org/drawingml/2006/spreadsheetDrawing" xmlns:ns11="http://schemas.openxmlformats.org/drawingml/2006/compatibility" xmlns:ns12="http://schemas.openxmlformats.org/drawingml/2006/lockedCanvas">
   <p:cSld>
     <p:bg>
       <p:bgRef idx="1001">
@@ -2764,7 +2764,7 @@
 </file>
 
 <file path=ppt/slides/slide1.xml><?xml version="1.0" encoding="utf-8"?>
-<p:sld xmlns:a="http://schemas.openxmlformats.org/drawingml/2006/main" xmlns:r="http://schemas.openxmlformats.org/officeDocument/2006/relationships" xmlns:p="http://schemas.openxmlformats.org/presentationml/2006/main" xmlns:mc="http://schemas.openxmlformats.org/markup-compatibility/2006" xmlns:c="http://schemas.openxmlformats.org/drawingml/2006/chart" xmlns:ns6="http://schemas.openxmlformats.org/drawingml/2006/chartDrawing" xmlns:dgm="http://schemas.openxmlformats.org/drawingml/2006/diagram" xmlns:pic="http://schemas.openxmlformats.org/drawingml/2006/picture" xmlns:wp="http://schemas.openxmlformats.org/drawingml/2006/wordprocessingDrawing" xmlns:xdr="http://schemas.openxmlformats.org/drawingml/2006/spreadsheetDrawing" xmlns:ns11="http://schemas.openxmlformats.org/drawingml/2006/compatibility" xmlns:ns12="http://schemas.openxmlformats.org/drawingml/2006/lockedCanvas">
+<p:sld xmlns:p="http://schemas.openxmlformats.org/presentationml/2006/main" xmlns:r="http://schemas.openxmlformats.org/officeDocument/2006/relationships" xmlns:a="http://schemas.openxmlformats.org/drawingml/2006/main" xmlns:mc="http://schemas.openxmlformats.org/markup-compatibility/2006" xmlns:c="http://schemas.openxmlformats.org/drawingml/2006/chart" xmlns:ns6="http://schemas.openxmlformats.org/drawingml/2006/chartDrawing" xmlns:dgm="http://schemas.openxmlformats.org/drawingml/2006/diagram" xmlns:pic="http://schemas.openxmlformats.org/drawingml/2006/picture" xmlns:wp="http://schemas.openxmlformats.org/drawingml/2006/wordprocessingDrawing" xmlns:xdr="http://schemas.openxmlformats.org/drawingml/2006/spreadsheetDrawing" xmlns:ns11="http://schemas.openxmlformats.org/drawingml/2006/compatibility" xmlns:ns12="http://schemas.openxmlformats.org/drawingml/2006/lockedCanvas">
   <p:cSld>
     <p:spTree>
       <p:nvGrpSpPr>
@@ -2812,7 +2812,7 @@
 </file>
 
 <file path=ppt/slides/slide2.xml><?xml version="1.0" encoding="utf-8"?>
-<p:sld xmlns:a="http://schemas.openxmlformats.org/drawingml/2006/main" xmlns:r="http://schemas.openxmlformats.org/officeDocument/2006/relationships" xmlns:p="http://schemas.openxmlformats.org/presentationml/2006/main" xmlns:mc="http://schemas.openxmlformats.org/markup-compatibility/2006" xmlns:c="http://schemas.openxmlformats.org/drawingml/2006/chart" xmlns:ns6="http://schemas.openxmlformats.org/drawingml/2006/chartDrawing" xmlns:dgm="http://schemas.openxmlformats.org/drawingml/2006/diagram" xmlns:pic="http://schemas.openxmlformats.org/drawingml/2006/picture" xmlns:wp="http://schemas.openxmlformats.org/drawingml/2006/wordprocessingDrawing" xmlns:xdr="http://schemas.openxmlformats.org/drawingml/2006/spreadsheetDrawing" xmlns:ns11="http://schemas.openxmlformats.org/drawingml/2006/compatibility" xmlns:ns12="http://schemas.openxmlformats.org/drawingml/2006/lockedCanvas">
+<p:sld xmlns:p="http://schemas.openxmlformats.org/presentationml/2006/main" xmlns:r="http://schemas.openxmlformats.org/officeDocument/2006/relationships" xmlns:a="http://schemas.openxmlformats.org/drawingml/2006/main" xmlns:mc="http://schemas.openxmlformats.org/markup-compatibility/2006" xmlns:c="http://schemas.openxmlformats.org/drawingml/2006/chart" xmlns:ns6="http://schemas.openxmlformats.org/drawingml/2006/chartDrawing" xmlns:dgm="http://schemas.openxmlformats.org/drawingml/2006/diagram" xmlns:pic="http://schemas.openxmlformats.org/drawingml/2006/picture" xmlns:wp="http://schemas.openxmlformats.org/drawingml/2006/wordprocessingDrawing" xmlns:xdr="http://schemas.openxmlformats.org/drawingml/2006/spreadsheetDrawing" xmlns:ns11="http://schemas.openxmlformats.org/drawingml/2006/compatibility" xmlns:ns12="http://schemas.openxmlformats.org/drawingml/2006/lockedCanvas">
   <p:cSld>
     <p:spTree>
       <p:nvGrpSpPr>
@@ -3070,7 +3070,7 @@
 </file>
 
 <file path=ppt/slides/slide3.xml><?xml version="1.0" encoding="utf-8"?>
-<p:sld xmlns:a="http://schemas.openxmlformats.org/drawingml/2006/main" xmlns:r="http://schemas.openxmlformats.org/officeDocument/2006/relationships" xmlns:p="http://schemas.openxmlformats.org/presentationml/2006/main" xmlns:mc="http://schemas.openxmlformats.org/markup-compatibility/2006" xmlns:c="http://schemas.openxmlformats.org/drawingml/2006/chart" xmlns:ns6="http://schemas.openxmlformats.org/drawingml/2006/chartDrawing" xmlns:dgm="http://schemas.openxmlformats.org/drawingml/2006/diagram" xmlns:pic="http://schemas.openxmlformats.org/drawingml/2006/picture" xmlns:wp="http://schemas.openxmlformats.org/drawingml/2006/wordprocessingDrawing" xmlns:xdr="http://schemas.openxmlformats.org/drawingml/2006/spreadsheetDrawing" xmlns:ns11="http://schemas.openxmlformats.org/drawingml/2006/compatibility" xmlns:ns12="http://schemas.openxmlformats.org/drawingml/2006/lockedCanvas">
+<p:sld xmlns:p="http://schemas.openxmlformats.org/presentationml/2006/main" xmlns:r="http://schemas.openxmlformats.org/officeDocument/2006/relationships" xmlns:a="http://schemas.openxmlformats.org/drawingml/2006/main" xmlns:mc="http://schemas.openxmlformats.org/markup-compatibility/2006" xmlns:c="http://schemas.openxmlformats.org/drawingml/2006/chart" xmlns:ns6="http://schemas.openxmlformats.org/drawingml/2006/chartDrawing" xmlns:dgm="http://schemas.openxmlformats.org/drawingml/2006/diagram" xmlns:pic="http://schemas.openxmlformats.org/drawingml/2006/picture" xmlns:wp="http://schemas.openxmlformats.org/drawingml/2006/wordprocessingDrawing" xmlns:xdr="http://schemas.openxmlformats.org/drawingml/2006/spreadsheetDrawing" xmlns:ns11="http://schemas.openxmlformats.org/drawingml/2006/compatibility" xmlns:ns12="http://schemas.openxmlformats.org/drawingml/2006/lockedCanvas">
   <p:cSld>
     <p:spTree>
       <p:nvGrpSpPr>

--- a/reference/ex_paragraph.pptx
+++ b/reference/ex_paragraph.pptx
@@ -1,13 +1,13 @@
 
 <file path=ppt/presentation.xml><?xml version="1.0" encoding="utf-8"?>
-<p:presentation xmlns:p="http://schemas.openxmlformats.org/presentationml/2006/main" xmlns:r="http://schemas.openxmlformats.org/officeDocument/2006/relationships" xmlns:a="http://schemas.openxmlformats.org/drawingml/2006/main" xmlns:mc="http://schemas.openxmlformats.org/markup-compatibility/2006" xmlns:c="http://schemas.openxmlformats.org/drawingml/2006/chart" xmlns:ns6="http://schemas.openxmlformats.org/drawingml/2006/chartDrawing" xmlns:dgm="http://schemas.openxmlformats.org/drawingml/2006/diagram" xmlns:pic="http://schemas.openxmlformats.org/drawingml/2006/picture" xmlns:wp="http://schemas.openxmlformats.org/drawingml/2006/wordprocessingDrawing" xmlns:xdr="http://schemas.openxmlformats.org/drawingml/2006/spreadsheetDrawing" xmlns:ns11="http://schemas.openxmlformats.org/drawingml/2006/compatibility" xmlns:ns12="http://schemas.openxmlformats.org/drawingml/2006/lockedCanvas" saveSubsetFonts="true">
+<p:presentation xmlns:a="http://schemas.openxmlformats.org/drawingml/2006/main" xmlns:r="http://schemas.openxmlformats.org/officeDocument/2006/relationships" xmlns:p="http://schemas.openxmlformats.org/presentationml/2006/main" xmlns:mc="http://schemas.openxmlformats.org/markup-compatibility/2006" xmlns:c="http://schemas.openxmlformats.org/drawingml/2006/chart" xmlns:ns6="http://schemas.openxmlformats.org/drawingml/2006/chartDrawing" xmlns:dgm="http://schemas.openxmlformats.org/drawingml/2006/diagram" xmlns:pic="http://schemas.openxmlformats.org/drawingml/2006/picture" xmlns:wp="http://schemas.openxmlformats.org/drawingml/2006/wordprocessingDrawing" xmlns:xdr="http://schemas.openxmlformats.org/drawingml/2006/spreadsheetDrawing" xmlns:ns11="http://schemas.openxmlformats.org/drawingml/2006/compatibility" xmlns:ns12="http://schemas.openxmlformats.org/drawingml/2006/lockedCanvas" saveSubsetFonts="true">
   <p:sldMasterIdLst>
     <p:sldMasterId id="2147483648" r:id="rId1"/>
   </p:sldMasterIdLst>
   <p:sldIdLst>
-    <p:sldId id="250240105" r:id="rId6"/>
-    <p:sldId id="1917704708" r:id="rId7"/>
-    <p:sldId id="334291512" r:id="rId8"/>
+    <p:sldId id="1573714927" r:id="rId6"/>
+    <p:sldId id="1440370185" r:id="rId7"/>
+    <p:sldId id="2110092545" r:id="rId8"/>
   </p:sldIdLst>
   <p:sldSz cx="12192000" cy="6858000"/>
   <p:notesSz cx="6858000" cy="9144000"/>
@@ -115,7 +115,7 @@
 </file>
 
 <file path=ppt/slideLayouts/slideLayout1.xml><?xml version="1.0" encoding="utf-8"?>
-<p:sldLayout xmlns:p="http://schemas.openxmlformats.org/presentationml/2006/main" xmlns:r="http://schemas.openxmlformats.org/officeDocument/2006/relationships" xmlns:a="http://schemas.openxmlformats.org/drawingml/2006/main" xmlns:mc="http://schemas.openxmlformats.org/markup-compatibility/2006" xmlns:c="http://schemas.openxmlformats.org/drawingml/2006/chart" xmlns:ns6="http://schemas.openxmlformats.org/drawingml/2006/chartDrawing" xmlns:dgm="http://schemas.openxmlformats.org/drawingml/2006/diagram" xmlns:pic="http://schemas.openxmlformats.org/drawingml/2006/picture" xmlns:wp="http://schemas.openxmlformats.org/drawingml/2006/wordprocessingDrawing" xmlns:xdr="http://schemas.openxmlformats.org/drawingml/2006/spreadsheetDrawing" xmlns:ns11="http://schemas.openxmlformats.org/drawingml/2006/compatibility" xmlns:ns12="http://schemas.openxmlformats.org/drawingml/2006/lockedCanvas" type="title" preserve="true">
+<p:sldLayout xmlns:a="http://schemas.openxmlformats.org/drawingml/2006/main" xmlns:r="http://schemas.openxmlformats.org/officeDocument/2006/relationships" xmlns:p="http://schemas.openxmlformats.org/presentationml/2006/main" xmlns:mc="http://schemas.openxmlformats.org/markup-compatibility/2006" xmlns:c="http://schemas.openxmlformats.org/drawingml/2006/chart" xmlns:ns6="http://schemas.openxmlformats.org/drawingml/2006/chartDrawing" xmlns:dgm="http://schemas.openxmlformats.org/drawingml/2006/diagram" xmlns:pic="http://schemas.openxmlformats.org/drawingml/2006/picture" xmlns:wp="http://schemas.openxmlformats.org/drawingml/2006/wordprocessingDrawing" xmlns:xdr="http://schemas.openxmlformats.org/drawingml/2006/spreadsheetDrawing" xmlns:ns11="http://schemas.openxmlformats.org/drawingml/2006/compatibility" xmlns:ns12="http://schemas.openxmlformats.org/drawingml/2006/lockedCanvas" type="title" preserve="true">
   <p:cSld name="Title Slide">
     <p:spTree>
       <p:nvGrpSpPr>
@@ -314,7 +314,7 @@
 </file>
 
 <file path=ppt/slideLayouts/slideLayout10.xml><?xml version="1.0" encoding="utf-8"?>
-<p:sldLayout xmlns:p="http://schemas.openxmlformats.org/presentationml/2006/main" xmlns:r="http://schemas.openxmlformats.org/officeDocument/2006/relationships" xmlns:a="http://schemas.openxmlformats.org/drawingml/2006/main" xmlns:mc="http://schemas.openxmlformats.org/markup-compatibility/2006" xmlns:c="http://schemas.openxmlformats.org/drawingml/2006/chart" xmlns:ns6="http://schemas.openxmlformats.org/drawingml/2006/chartDrawing" xmlns:dgm="http://schemas.openxmlformats.org/drawingml/2006/diagram" xmlns:pic="http://schemas.openxmlformats.org/drawingml/2006/picture" xmlns:wp="http://schemas.openxmlformats.org/drawingml/2006/wordprocessingDrawing" xmlns:xdr="http://schemas.openxmlformats.org/drawingml/2006/spreadsheetDrawing" xmlns:ns11="http://schemas.openxmlformats.org/drawingml/2006/compatibility" xmlns:ns12="http://schemas.openxmlformats.org/drawingml/2006/lockedCanvas" type="vertTitleAndTx" preserve="true">
+<p:sldLayout xmlns:a="http://schemas.openxmlformats.org/drawingml/2006/main" xmlns:r="http://schemas.openxmlformats.org/officeDocument/2006/relationships" xmlns:p="http://schemas.openxmlformats.org/presentationml/2006/main" xmlns:mc="http://schemas.openxmlformats.org/markup-compatibility/2006" xmlns:c="http://schemas.openxmlformats.org/drawingml/2006/chart" xmlns:ns6="http://schemas.openxmlformats.org/drawingml/2006/chartDrawing" xmlns:dgm="http://schemas.openxmlformats.org/drawingml/2006/diagram" xmlns:pic="http://schemas.openxmlformats.org/drawingml/2006/picture" xmlns:wp="http://schemas.openxmlformats.org/drawingml/2006/wordprocessingDrawing" xmlns:xdr="http://schemas.openxmlformats.org/drawingml/2006/spreadsheetDrawing" xmlns:ns11="http://schemas.openxmlformats.org/drawingml/2006/compatibility" xmlns:ns12="http://schemas.openxmlformats.org/drawingml/2006/lockedCanvas" type="vertTitleAndTx" preserve="true">
   <p:cSld name="Vertical Title and Text">
     <p:spTree>
       <p:nvGrpSpPr>
@@ -501,7 +501,7 @@
 </file>
 
 <file path=ppt/slideLayouts/slideLayout2.xml><?xml version="1.0" encoding="utf-8"?>
-<p:sldLayout xmlns:p="http://schemas.openxmlformats.org/presentationml/2006/main" xmlns:r="http://schemas.openxmlformats.org/officeDocument/2006/relationships" xmlns:a="http://schemas.openxmlformats.org/drawingml/2006/main" xmlns:mc="http://schemas.openxmlformats.org/markup-compatibility/2006" xmlns:c="http://schemas.openxmlformats.org/drawingml/2006/chart" xmlns:ns6="http://schemas.openxmlformats.org/drawingml/2006/chartDrawing" xmlns:dgm="http://schemas.openxmlformats.org/drawingml/2006/diagram" xmlns:pic="http://schemas.openxmlformats.org/drawingml/2006/picture" xmlns:wp="http://schemas.openxmlformats.org/drawingml/2006/wordprocessingDrawing" xmlns:xdr="http://schemas.openxmlformats.org/drawingml/2006/spreadsheetDrawing" xmlns:ns11="http://schemas.openxmlformats.org/drawingml/2006/compatibility" xmlns:ns12="http://schemas.openxmlformats.org/drawingml/2006/lockedCanvas" type="obj" preserve="true">
+<p:sldLayout xmlns:a="http://schemas.openxmlformats.org/drawingml/2006/main" xmlns:r="http://schemas.openxmlformats.org/officeDocument/2006/relationships" xmlns:p="http://schemas.openxmlformats.org/presentationml/2006/main" xmlns:mc="http://schemas.openxmlformats.org/markup-compatibility/2006" xmlns:c="http://schemas.openxmlformats.org/drawingml/2006/chart" xmlns:ns6="http://schemas.openxmlformats.org/drawingml/2006/chartDrawing" xmlns:dgm="http://schemas.openxmlformats.org/drawingml/2006/diagram" xmlns:pic="http://schemas.openxmlformats.org/drawingml/2006/picture" xmlns:wp="http://schemas.openxmlformats.org/drawingml/2006/wordprocessingDrawing" xmlns:xdr="http://schemas.openxmlformats.org/drawingml/2006/spreadsheetDrawing" xmlns:ns11="http://schemas.openxmlformats.org/drawingml/2006/compatibility" xmlns:ns12="http://schemas.openxmlformats.org/drawingml/2006/lockedCanvas" type="obj" preserve="true">
   <p:cSld name="Title and Content">
     <p:spTree>
       <p:nvGrpSpPr>
@@ -683,7 +683,7 @@
 </file>
 
 <file path=ppt/slideLayouts/slideLayout3.xml><?xml version="1.0" encoding="utf-8"?>
-<p:sldLayout xmlns:p="http://schemas.openxmlformats.org/presentationml/2006/main" xmlns:r="http://schemas.openxmlformats.org/officeDocument/2006/relationships" xmlns:a="http://schemas.openxmlformats.org/drawingml/2006/main" xmlns:mc="http://schemas.openxmlformats.org/markup-compatibility/2006" xmlns:c="http://schemas.openxmlformats.org/drawingml/2006/chart" xmlns:ns6="http://schemas.openxmlformats.org/drawingml/2006/chartDrawing" xmlns:dgm="http://schemas.openxmlformats.org/drawingml/2006/diagram" xmlns:pic="http://schemas.openxmlformats.org/drawingml/2006/picture" xmlns:wp="http://schemas.openxmlformats.org/drawingml/2006/wordprocessingDrawing" xmlns:xdr="http://schemas.openxmlformats.org/drawingml/2006/spreadsheetDrawing" xmlns:ns11="http://schemas.openxmlformats.org/drawingml/2006/compatibility" xmlns:ns12="http://schemas.openxmlformats.org/drawingml/2006/lockedCanvas" type="secHead" preserve="true">
+<p:sldLayout xmlns:a="http://schemas.openxmlformats.org/drawingml/2006/main" xmlns:r="http://schemas.openxmlformats.org/officeDocument/2006/relationships" xmlns:p="http://schemas.openxmlformats.org/presentationml/2006/main" xmlns:mc="http://schemas.openxmlformats.org/markup-compatibility/2006" xmlns:c="http://schemas.openxmlformats.org/drawingml/2006/chart" xmlns:ns6="http://schemas.openxmlformats.org/drawingml/2006/chartDrawing" xmlns:dgm="http://schemas.openxmlformats.org/drawingml/2006/diagram" xmlns:pic="http://schemas.openxmlformats.org/drawingml/2006/picture" xmlns:wp="http://schemas.openxmlformats.org/drawingml/2006/wordprocessingDrawing" xmlns:xdr="http://schemas.openxmlformats.org/drawingml/2006/spreadsheetDrawing" xmlns:ns11="http://schemas.openxmlformats.org/drawingml/2006/compatibility" xmlns:ns12="http://schemas.openxmlformats.org/drawingml/2006/lockedCanvas" type="secHead" preserve="true">
   <p:cSld name="Section Header">
     <p:spTree>
       <p:nvGrpSpPr>
@@ -936,7 +936,7 @@
 </file>
 
 <file path=ppt/slideLayouts/slideLayout4.xml><?xml version="1.0" encoding="utf-8"?>
-<p:sldLayout xmlns:p="http://schemas.openxmlformats.org/presentationml/2006/main" xmlns:r="http://schemas.openxmlformats.org/officeDocument/2006/relationships" xmlns:a="http://schemas.openxmlformats.org/drawingml/2006/main" xmlns:mc="http://schemas.openxmlformats.org/markup-compatibility/2006" xmlns:c="http://schemas.openxmlformats.org/drawingml/2006/chart" xmlns:ns6="http://schemas.openxmlformats.org/drawingml/2006/chartDrawing" xmlns:dgm="http://schemas.openxmlformats.org/drawingml/2006/diagram" xmlns:pic="http://schemas.openxmlformats.org/drawingml/2006/picture" xmlns:wp="http://schemas.openxmlformats.org/drawingml/2006/wordprocessingDrawing" xmlns:xdr="http://schemas.openxmlformats.org/drawingml/2006/spreadsheetDrawing" xmlns:ns11="http://schemas.openxmlformats.org/drawingml/2006/compatibility" xmlns:ns12="http://schemas.openxmlformats.org/drawingml/2006/lockedCanvas" type="twoObj" preserve="true">
+<p:sldLayout xmlns:a="http://schemas.openxmlformats.org/drawingml/2006/main" xmlns:r="http://schemas.openxmlformats.org/officeDocument/2006/relationships" xmlns:p="http://schemas.openxmlformats.org/presentationml/2006/main" xmlns:mc="http://schemas.openxmlformats.org/markup-compatibility/2006" xmlns:c="http://schemas.openxmlformats.org/drawingml/2006/chart" xmlns:ns6="http://schemas.openxmlformats.org/drawingml/2006/chartDrawing" xmlns:dgm="http://schemas.openxmlformats.org/drawingml/2006/diagram" xmlns:pic="http://schemas.openxmlformats.org/drawingml/2006/picture" xmlns:wp="http://schemas.openxmlformats.org/drawingml/2006/wordprocessingDrawing" xmlns:xdr="http://schemas.openxmlformats.org/drawingml/2006/spreadsheetDrawing" xmlns:ns11="http://schemas.openxmlformats.org/drawingml/2006/compatibility" xmlns:ns12="http://schemas.openxmlformats.org/drawingml/2006/lockedCanvas" type="twoObj" preserve="true">
   <p:cSld name="Two Content">
     <p:spTree>
       <p:nvGrpSpPr>
@@ -1175,7 +1175,7 @@
 </file>
 
 <file path=ppt/slideLayouts/slideLayout5.xml><?xml version="1.0" encoding="utf-8"?>
-<p:sldLayout xmlns:p="http://schemas.openxmlformats.org/presentationml/2006/main" xmlns:r="http://schemas.openxmlformats.org/officeDocument/2006/relationships" xmlns:a="http://schemas.openxmlformats.org/drawingml/2006/main" xmlns:mc="http://schemas.openxmlformats.org/markup-compatibility/2006" xmlns:c="http://schemas.openxmlformats.org/drawingml/2006/chart" xmlns:ns6="http://schemas.openxmlformats.org/drawingml/2006/chartDrawing" xmlns:dgm="http://schemas.openxmlformats.org/drawingml/2006/diagram" xmlns:pic="http://schemas.openxmlformats.org/drawingml/2006/picture" xmlns:wp="http://schemas.openxmlformats.org/drawingml/2006/wordprocessingDrawing" xmlns:xdr="http://schemas.openxmlformats.org/drawingml/2006/spreadsheetDrawing" xmlns:ns11="http://schemas.openxmlformats.org/drawingml/2006/compatibility" xmlns:ns12="http://schemas.openxmlformats.org/drawingml/2006/lockedCanvas" type="twoTxTwoObj" preserve="true">
+<p:sldLayout xmlns:a="http://schemas.openxmlformats.org/drawingml/2006/main" xmlns:r="http://schemas.openxmlformats.org/officeDocument/2006/relationships" xmlns:p="http://schemas.openxmlformats.org/presentationml/2006/main" xmlns:mc="http://schemas.openxmlformats.org/markup-compatibility/2006" xmlns:c="http://schemas.openxmlformats.org/drawingml/2006/chart" xmlns:ns6="http://schemas.openxmlformats.org/drawingml/2006/chartDrawing" xmlns:dgm="http://schemas.openxmlformats.org/drawingml/2006/diagram" xmlns:pic="http://schemas.openxmlformats.org/drawingml/2006/picture" xmlns:wp="http://schemas.openxmlformats.org/drawingml/2006/wordprocessingDrawing" xmlns:xdr="http://schemas.openxmlformats.org/drawingml/2006/spreadsheetDrawing" xmlns:ns11="http://schemas.openxmlformats.org/drawingml/2006/compatibility" xmlns:ns12="http://schemas.openxmlformats.org/drawingml/2006/lockedCanvas" type="twoTxTwoObj" preserve="true">
   <p:cSld name="Comparison">
     <p:spTree>
       <p:nvGrpSpPr>
@@ -1530,7 +1530,7 @@
 </file>
 
 <file path=ppt/slideLayouts/slideLayout6.xml><?xml version="1.0" encoding="utf-8"?>
-<p:sldLayout xmlns:p="http://schemas.openxmlformats.org/presentationml/2006/main" xmlns:r="http://schemas.openxmlformats.org/officeDocument/2006/relationships" xmlns:a="http://schemas.openxmlformats.org/drawingml/2006/main" xmlns:mc="http://schemas.openxmlformats.org/markup-compatibility/2006" xmlns:c="http://schemas.openxmlformats.org/drawingml/2006/chart" xmlns:ns6="http://schemas.openxmlformats.org/drawingml/2006/chartDrawing" xmlns:dgm="http://schemas.openxmlformats.org/drawingml/2006/diagram" xmlns:pic="http://schemas.openxmlformats.org/drawingml/2006/picture" xmlns:wp="http://schemas.openxmlformats.org/drawingml/2006/wordprocessingDrawing" xmlns:xdr="http://schemas.openxmlformats.org/drawingml/2006/spreadsheetDrawing" xmlns:ns11="http://schemas.openxmlformats.org/drawingml/2006/compatibility" xmlns:ns12="http://schemas.openxmlformats.org/drawingml/2006/lockedCanvas" type="titleOnly" preserve="true">
+<p:sldLayout xmlns:a="http://schemas.openxmlformats.org/drawingml/2006/main" xmlns:r="http://schemas.openxmlformats.org/officeDocument/2006/relationships" xmlns:p="http://schemas.openxmlformats.org/presentationml/2006/main" xmlns:mc="http://schemas.openxmlformats.org/markup-compatibility/2006" xmlns:c="http://schemas.openxmlformats.org/drawingml/2006/chart" xmlns:ns6="http://schemas.openxmlformats.org/drawingml/2006/chartDrawing" xmlns:dgm="http://schemas.openxmlformats.org/drawingml/2006/diagram" xmlns:pic="http://schemas.openxmlformats.org/drawingml/2006/picture" xmlns:wp="http://schemas.openxmlformats.org/drawingml/2006/wordprocessingDrawing" xmlns:xdr="http://schemas.openxmlformats.org/drawingml/2006/spreadsheetDrawing" xmlns:ns11="http://schemas.openxmlformats.org/drawingml/2006/compatibility" xmlns:ns12="http://schemas.openxmlformats.org/drawingml/2006/lockedCanvas" type="titleOnly" preserve="true">
   <p:cSld name="Title Only">
     <p:spTree>
       <p:nvGrpSpPr>
@@ -1655,7 +1655,7 @@
 </file>
 
 <file path=ppt/slideLayouts/slideLayout7.xml><?xml version="1.0" encoding="utf-8"?>
-<p:sldLayout xmlns:p="http://schemas.openxmlformats.org/presentationml/2006/main" xmlns:r="http://schemas.openxmlformats.org/officeDocument/2006/relationships" xmlns:a="http://schemas.openxmlformats.org/drawingml/2006/main" xmlns:mc="http://schemas.openxmlformats.org/markup-compatibility/2006" xmlns:c="http://schemas.openxmlformats.org/drawingml/2006/chart" xmlns:ns6="http://schemas.openxmlformats.org/drawingml/2006/chartDrawing" xmlns:dgm="http://schemas.openxmlformats.org/drawingml/2006/diagram" xmlns:pic="http://schemas.openxmlformats.org/drawingml/2006/picture" xmlns:wp="http://schemas.openxmlformats.org/drawingml/2006/wordprocessingDrawing" xmlns:xdr="http://schemas.openxmlformats.org/drawingml/2006/spreadsheetDrawing" xmlns:ns11="http://schemas.openxmlformats.org/drawingml/2006/compatibility" xmlns:ns12="http://schemas.openxmlformats.org/drawingml/2006/lockedCanvas" type="blank" preserve="true">
+<p:sldLayout xmlns:a="http://schemas.openxmlformats.org/drawingml/2006/main" xmlns:r="http://schemas.openxmlformats.org/officeDocument/2006/relationships" xmlns:p="http://schemas.openxmlformats.org/presentationml/2006/main" xmlns:mc="http://schemas.openxmlformats.org/markup-compatibility/2006" xmlns:c="http://schemas.openxmlformats.org/drawingml/2006/chart" xmlns:ns6="http://schemas.openxmlformats.org/drawingml/2006/chartDrawing" xmlns:dgm="http://schemas.openxmlformats.org/drawingml/2006/diagram" xmlns:pic="http://schemas.openxmlformats.org/drawingml/2006/picture" xmlns:wp="http://schemas.openxmlformats.org/drawingml/2006/wordprocessingDrawing" xmlns:xdr="http://schemas.openxmlformats.org/drawingml/2006/spreadsheetDrawing" xmlns:ns11="http://schemas.openxmlformats.org/drawingml/2006/compatibility" xmlns:ns12="http://schemas.openxmlformats.org/drawingml/2006/lockedCanvas" type="blank" preserve="true">
   <p:cSld name="Blank">
     <p:spTree>
       <p:nvGrpSpPr>
@@ -1757,7 +1757,7 @@
 </file>
 
 <file path=ppt/slideLayouts/slideLayout8.xml><?xml version="1.0" encoding="utf-8"?>
-<p:sldLayout xmlns:p="http://schemas.openxmlformats.org/presentationml/2006/main" xmlns:r="http://schemas.openxmlformats.org/officeDocument/2006/relationships" xmlns:a="http://schemas.openxmlformats.org/drawingml/2006/main" xmlns:mc="http://schemas.openxmlformats.org/markup-compatibility/2006" xmlns:c="http://schemas.openxmlformats.org/drawingml/2006/chart" xmlns:ns6="http://schemas.openxmlformats.org/drawingml/2006/chartDrawing" xmlns:dgm="http://schemas.openxmlformats.org/drawingml/2006/diagram" xmlns:pic="http://schemas.openxmlformats.org/drawingml/2006/picture" xmlns:wp="http://schemas.openxmlformats.org/drawingml/2006/wordprocessingDrawing" xmlns:xdr="http://schemas.openxmlformats.org/drawingml/2006/spreadsheetDrawing" xmlns:ns11="http://schemas.openxmlformats.org/drawingml/2006/compatibility" xmlns:ns12="http://schemas.openxmlformats.org/drawingml/2006/lockedCanvas" type="objTx" preserve="true">
+<p:sldLayout xmlns:a="http://schemas.openxmlformats.org/drawingml/2006/main" xmlns:r="http://schemas.openxmlformats.org/officeDocument/2006/relationships" xmlns:p="http://schemas.openxmlformats.org/presentationml/2006/main" xmlns:mc="http://schemas.openxmlformats.org/markup-compatibility/2006" xmlns:c="http://schemas.openxmlformats.org/drawingml/2006/chart" xmlns:ns6="http://schemas.openxmlformats.org/drawingml/2006/chartDrawing" xmlns:dgm="http://schemas.openxmlformats.org/drawingml/2006/diagram" xmlns:pic="http://schemas.openxmlformats.org/drawingml/2006/picture" xmlns:wp="http://schemas.openxmlformats.org/drawingml/2006/wordprocessingDrawing" xmlns:xdr="http://schemas.openxmlformats.org/drawingml/2006/spreadsheetDrawing" xmlns:ns11="http://schemas.openxmlformats.org/drawingml/2006/compatibility" xmlns:ns12="http://schemas.openxmlformats.org/drawingml/2006/lockedCanvas" type="objTx" preserve="true">
   <p:cSld name="Content with Caption">
     <p:spTree>
       <p:nvGrpSpPr>
@@ -2041,7 +2041,7 @@
 </file>
 
 <file path=ppt/slideLayouts/slideLayout9.xml><?xml version="1.0" encoding="utf-8"?>
-<p:sldLayout xmlns:p="http://schemas.openxmlformats.org/presentationml/2006/main" xmlns:r="http://schemas.openxmlformats.org/officeDocument/2006/relationships" xmlns:a="http://schemas.openxmlformats.org/drawingml/2006/main" xmlns:mc="http://schemas.openxmlformats.org/markup-compatibility/2006" xmlns:c="http://schemas.openxmlformats.org/drawingml/2006/chart" xmlns:ns6="http://schemas.openxmlformats.org/drawingml/2006/chartDrawing" xmlns:dgm="http://schemas.openxmlformats.org/drawingml/2006/diagram" xmlns:pic="http://schemas.openxmlformats.org/drawingml/2006/picture" xmlns:wp="http://schemas.openxmlformats.org/drawingml/2006/wordprocessingDrawing" xmlns:xdr="http://schemas.openxmlformats.org/drawingml/2006/spreadsheetDrawing" xmlns:ns11="http://schemas.openxmlformats.org/drawingml/2006/compatibility" xmlns:ns12="http://schemas.openxmlformats.org/drawingml/2006/lockedCanvas" type="vertTx" preserve="true">
+<p:sldLayout xmlns:a="http://schemas.openxmlformats.org/drawingml/2006/main" xmlns:r="http://schemas.openxmlformats.org/officeDocument/2006/relationships" xmlns:p="http://schemas.openxmlformats.org/presentationml/2006/main" xmlns:mc="http://schemas.openxmlformats.org/markup-compatibility/2006" xmlns:c="http://schemas.openxmlformats.org/drawingml/2006/chart" xmlns:ns6="http://schemas.openxmlformats.org/drawingml/2006/chartDrawing" xmlns:dgm="http://schemas.openxmlformats.org/drawingml/2006/diagram" xmlns:pic="http://schemas.openxmlformats.org/drawingml/2006/picture" xmlns:wp="http://schemas.openxmlformats.org/drawingml/2006/wordprocessingDrawing" xmlns:xdr="http://schemas.openxmlformats.org/drawingml/2006/spreadsheetDrawing" xmlns:ns11="http://schemas.openxmlformats.org/drawingml/2006/compatibility" xmlns:ns12="http://schemas.openxmlformats.org/drawingml/2006/lockedCanvas" type="vertTx" preserve="true">
   <p:cSld name="Title and Vertical Text">
     <p:spTree>
       <p:nvGrpSpPr>
@@ -2218,7 +2218,7 @@
 </file>
 
 <file path=ppt/slideMasters/slideMaster1.xml><?xml version="1.0" encoding="utf-8"?>
-<p:sldMaster xmlns:p="http://schemas.openxmlformats.org/presentationml/2006/main" xmlns:r="http://schemas.openxmlformats.org/officeDocument/2006/relationships" xmlns:a="http://schemas.openxmlformats.org/drawingml/2006/main" xmlns:mc="http://schemas.openxmlformats.org/markup-compatibility/2006" xmlns:c="http://schemas.openxmlformats.org/drawingml/2006/chart" xmlns:ns6="http://schemas.openxmlformats.org/drawingml/2006/chartDrawing" xmlns:dgm="http://schemas.openxmlformats.org/drawingml/2006/diagram" xmlns:pic="http://schemas.openxmlformats.org/drawingml/2006/picture" xmlns:wp="http://schemas.openxmlformats.org/drawingml/2006/wordprocessingDrawing" xmlns:xdr="http://schemas.openxmlformats.org/drawingml/2006/spreadsheetDrawing" xmlns:ns11="http://schemas.openxmlformats.org/drawingml/2006/compatibility" xmlns:ns12="http://schemas.openxmlformats.org/drawingml/2006/lockedCanvas">
+<p:sldMaster xmlns:a="http://schemas.openxmlformats.org/drawingml/2006/main" xmlns:r="http://schemas.openxmlformats.org/officeDocument/2006/relationships" xmlns:p="http://schemas.openxmlformats.org/presentationml/2006/main" xmlns:mc="http://schemas.openxmlformats.org/markup-compatibility/2006" xmlns:c="http://schemas.openxmlformats.org/drawingml/2006/chart" xmlns:ns6="http://schemas.openxmlformats.org/drawingml/2006/chartDrawing" xmlns:dgm="http://schemas.openxmlformats.org/drawingml/2006/diagram" xmlns:pic="http://schemas.openxmlformats.org/drawingml/2006/picture" xmlns:wp="http://schemas.openxmlformats.org/drawingml/2006/wordprocessingDrawing" xmlns:xdr="http://schemas.openxmlformats.org/drawingml/2006/spreadsheetDrawing" xmlns:ns11="http://schemas.openxmlformats.org/drawingml/2006/compatibility" xmlns:ns12="http://schemas.openxmlformats.org/drawingml/2006/lockedCanvas">
   <p:cSld>
     <p:bg>
       <p:bgRef idx="1001">
@@ -2764,7 +2764,7 @@
 </file>
 
 <file path=ppt/slides/slide1.xml><?xml version="1.0" encoding="utf-8"?>
-<p:sld xmlns:p="http://schemas.openxmlformats.org/presentationml/2006/main" xmlns:r="http://schemas.openxmlformats.org/officeDocument/2006/relationships" xmlns:a="http://schemas.openxmlformats.org/drawingml/2006/main" xmlns:mc="http://schemas.openxmlformats.org/markup-compatibility/2006" xmlns:c="http://schemas.openxmlformats.org/drawingml/2006/chart" xmlns:ns6="http://schemas.openxmlformats.org/drawingml/2006/chartDrawing" xmlns:dgm="http://schemas.openxmlformats.org/drawingml/2006/diagram" xmlns:pic="http://schemas.openxmlformats.org/drawingml/2006/picture" xmlns:wp="http://schemas.openxmlformats.org/drawingml/2006/wordprocessingDrawing" xmlns:xdr="http://schemas.openxmlformats.org/drawingml/2006/spreadsheetDrawing" xmlns:ns11="http://schemas.openxmlformats.org/drawingml/2006/compatibility" xmlns:ns12="http://schemas.openxmlformats.org/drawingml/2006/lockedCanvas">
+<p:sld xmlns:a="http://schemas.openxmlformats.org/drawingml/2006/main" xmlns:r="http://schemas.openxmlformats.org/officeDocument/2006/relationships" xmlns:p="http://schemas.openxmlformats.org/presentationml/2006/main" xmlns:mc="http://schemas.openxmlformats.org/markup-compatibility/2006" xmlns:c="http://schemas.openxmlformats.org/drawingml/2006/chart" xmlns:ns6="http://schemas.openxmlformats.org/drawingml/2006/chartDrawing" xmlns:dgm="http://schemas.openxmlformats.org/drawingml/2006/diagram" xmlns:pic="http://schemas.openxmlformats.org/drawingml/2006/picture" xmlns:wp="http://schemas.openxmlformats.org/drawingml/2006/wordprocessingDrawing" xmlns:xdr="http://schemas.openxmlformats.org/drawingml/2006/spreadsheetDrawing" xmlns:ns11="http://schemas.openxmlformats.org/drawingml/2006/compatibility" xmlns:ns12="http://schemas.openxmlformats.org/drawingml/2006/lockedCanvas">
   <p:cSld>
     <p:spTree>
       <p:nvGrpSpPr>
@@ -2812,7 +2812,7 @@
 </file>
 
 <file path=ppt/slides/slide2.xml><?xml version="1.0" encoding="utf-8"?>
-<p:sld xmlns:p="http://schemas.openxmlformats.org/presentationml/2006/main" xmlns:r="http://schemas.openxmlformats.org/officeDocument/2006/relationships" xmlns:a="http://schemas.openxmlformats.org/drawingml/2006/main" xmlns:mc="http://schemas.openxmlformats.org/markup-compatibility/2006" xmlns:c="http://schemas.openxmlformats.org/drawingml/2006/chart" xmlns:ns6="http://schemas.openxmlformats.org/drawingml/2006/chartDrawing" xmlns:dgm="http://schemas.openxmlformats.org/drawingml/2006/diagram" xmlns:pic="http://schemas.openxmlformats.org/drawingml/2006/picture" xmlns:wp="http://schemas.openxmlformats.org/drawingml/2006/wordprocessingDrawing" xmlns:xdr="http://schemas.openxmlformats.org/drawingml/2006/spreadsheetDrawing" xmlns:ns11="http://schemas.openxmlformats.org/drawingml/2006/compatibility" xmlns:ns12="http://schemas.openxmlformats.org/drawingml/2006/lockedCanvas">
+<p:sld xmlns:a="http://schemas.openxmlformats.org/drawingml/2006/main" xmlns:r="http://schemas.openxmlformats.org/officeDocument/2006/relationships" xmlns:p="http://schemas.openxmlformats.org/presentationml/2006/main" xmlns:mc="http://schemas.openxmlformats.org/markup-compatibility/2006" xmlns:c="http://schemas.openxmlformats.org/drawingml/2006/chart" xmlns:ns6="http://schemas.openxmlformats.org/drawingml/2006/chartDrawing" xmlns:dgm="http://schemas.openxmlformats.org/drawingml/2006/diagram" xmlns:pic="http://schemas.openxmlformats.org/drawingml/2006/picture" xmlns:wp="http://schemas.openxmlformats.org/drawingml/2006/wordprocessingDrawing" xmlns:xdr="http://schemas.openxmlformats.org/drawingml/2006/spreadsheetDrawing" xmlns:ns11="http://schemas.openxmlformats.org/drawingml/2006/compatibility" xmlns:ns12="http://schemas.openxmlformats.org/drawingml/2006/lockedCanvas">
   <p:cSld>
     <p:spTree>
       <p:nvGrpSpPr>
@@ -3070,7 +3070,7 @@
 </file>
 
 <file path=ppt/slides/slide3.xml><?xml version="1.0" encoding="utf-8"?>
-<p:sld xmlns:p="http://schemas.openxmlformats.org/presentationml/2006/main" xmlns:r="http://schemas.openxmlformats.org/officeDocument/2006/relationships" xmlns:a="http://schemas.openxmlformats.org/drawingml/2006/main" xmlns:mc="http://schemas.openxmlformats.org/markup-compatibility/2006" xmlns:c="http://schemas.openxmlformats.org/drawingml/2006/chart" xmlns:ns6="http://schemas.openxmlformats.org/drawingml/2006/chartDrawing" xmlns:dgm="http://schemas.openxmlformats.org/drawingml/2006/diagram" xmlns:pic="http://schemas.openxmlformats.org/drawingml/2006/picture" xmlns:wp="http://schemas.openxmlformats.org/drawingml/2006/wordprocessingDrawing" xmlns:xdr="http://schemas.openxmlformats.org/drawingml/2006/spreadsheetDrawing" xmlns:ns11="http://schemas.openxmlformats.org/drawingml/2006/compatibility" xmlns:ns12="http://schemas.openxmlformats.org/drawingml/2006/lockedCanvas">
+<p:sld xmlns:a="http://schemas.openxmlformats.org/drawingml/2006/main" xmlns:r="http://schemas.openxmlformats.org/officeDocument/2006/relationships" xmlns:p="http://schemas.openxmlformats.org/presentationml/2006/main" xmlns:mc="http://schemas.openxmlformats.org/markup-compatibility/2006" xmlns:c="http://schemas.openxmlformats.org/drawingml/2006/chart" xmlns:ns6="http://schemas.openxmlformats.org/drawingml/2006/chartDrawing" xmlns:dgm="http://schemas.openxmlformats.org/drawingml/2006/diagram" xmlns:pic="http://schemas.openxmlformats.org/drawingml/2006/picture" xmlns:wp="http://schemas.openxmlformats.org/drawingml/2006/wordprocessingDrawing" xmlns:xdr="http://schemas.openxmlformats.org/drawingml/2006/spreadsheetDrawing" xmlns:ns11="http://schemas.openxmlformats.org/drawingml/2006/compatibility" xmlns:ns12="http://schemas.openxmlformats.org/drawingml/2006/lockedCanvas">
   <p:cSld>
     <p:spTree>
       <p:nvGrpSpPr>
